--- a/EpiGroup.pptx
+++ b/EpiGroup.pptx
@@ -5,28 +5,31 @@
     <p:sldMasterId id="2147483648" r:id="rId1"/>
   </p:sldMasterIdLst>
   <p:notesMasterIdLst>
-    <p:notesMasterId r:id="rId21"/>
+    <p:notesMasterId r:id="rId24"/>
   </p:notesMasterIdLst>
   <p:sldIdLst>
-    <p:sldId id="257" r:id="rId2"/>
-    <p:sldId id="258" r:id="rId3"/>
-    <p:sldId id="269" r:id="rId4"/>
-    <p:sldId id="270" r:id="rId5"/>
-    <p:sldId id="271" r:id="rId6"/>
-    <p:sldId id="274" r:id="rId7"/>
-    <p:sldId id="275" r:id="rId8"/>
-    <p:sldId id="259" r:id="rId9"/>
-    <p:sldId id="260" r:id="rId10"/>
-    <p:sldId id="261" r:id="rId11"/>
-    <p:sldId id="262" r:id="rId12"/>
-    <p:sldId id="272" r:id="rId13"/>
-    <p:sldId id="273" r:id="rId14"/>
-    <p:sldId id="263" r:id="rId15"/>
-    <p:sldId id="264" r:id="rId16"/>
-    <p:sldId id="265" r:id="rId17"/>
-    <p:sldId id="266" r:id="rId18"/>
-    <p:sldId id="267" r:id="rId19"/>
-    <p:sldId id="268" r:id="rId20"/>
+    <p:sldId id="279" r:id="rId2"/>
+    <p:sldId id="257" r:id="rId3"/>
+    <p:sldId id="274" r:id="rId4"/>
+    <p:sldId id="276" r:id="rId5"/>
+    <p:sldId id="258" r:id="rId6"/>
+    <p:sldId id="269" r:id="rId7"/>
+    <p:sldId id="270" r:id="rId8"/>
+    <p:sldId id="271" r:id="rId9"/>
+    <p:sldId id="275" r:id="rId10"/>
+    <p:sldId id="259" r:id="rId11"/>
+    <p:sldId id="282" r:id="rId12"/>
+    <p:sldId id="260" r:id="rId13"/>
+    <p:sldId id="277" r:id="rId14"/>
+    <p:sldId id="278" r:id="rId15"/>
+    <p:sldId id="261" r:id="rId16"/>
+    <p:sldId id="262" r:id="rId17"/>
+    <p:sldId id="264" r:id="rId18"/>
+    <p:sldId id="281" r:id="rId19"/>
+    <p:sldId id="265" r:id="rId20"/>
+    <p:sldId id="266" r:id="rId21"/>
+    <p:sldId id="267" r:id="rId22"/>
+    <p:sldId id="268" r:id="rId23"/>
   </p:sldIdLst>
   <p:sldSz cx="12192000" cy="6858000"/>
   <p:notesSz cx="6858000" cy="9144000"/>
@@ -127,7 +130,7 @@
   </p:defaultTextStyle>
   <p:extLst>
     <p:ext uri="{EFAFB233-063F-42B5-8137-9DF3F51BA10A}">
-      <p15:sldGuideLst xmlns:p15="http://schemas.microsoft.com/office/powerpoint/2012/main"/>
+      <p15:sldGuideLst xmlns="" xmlns:p15="http://schemas.microsoft.com/office/powerpoint/2012/main"/>
     </p:ext>
   </p:extLst>
 </p:presentation>
@@ -215,7 +218,7 @@
           <a:p>
             <a:fld id="{80EAEA9D-84DF-E449-8230-33F0C10B7FBB}" type="datetimeFigureOut">
               <a:rPr lang="en-US" smtClean="0"/>
-              <a:t>11/16/17</a:t>
+              <a:t>17/11/17</a:t>
             </a:fld>
             <a:endParaRPr lang="en-US"/>
           </a:p>
@@ -553,7 +556,15 @@
             </a:r>
             <a:r>
               <a:rPr lang="en-US" baseline="0" dirty="0" smtClean="0"/>
-              <a:t> 2011 research paper published in the American Society for Nutrition. The paper, titled “Sugar Sweetened and artificially sweetened beverage consumption and risk of type 2 diabetes in men” takes an already existing longitudinal survey, and mines it for pertinent data. That data and subsequent analyses is used in an attempt to clarify and strengthen the associations between our exposures, sugar sweetened and artificially sweetened beverages, and our disease, Type 2 diabetes. </a:t>
+              <a:t> 2011 research paper published in the American Society for Nutrition. The paper, titled “Sugar Sweetened and artificially sweetened beverage consumption and risk of type 2 diabetes in men</a:t>
+            </a:r>
+            <a:r>
+              <a:rPr lang="en-US" baseline="0" dirty="0" smtClean="0"/>
+              <a:t>”</a:t>
+            </a:r>
+            <a:r>
+              <a:rPr lang="en-US" altLang="zh-CN" baseline="0" dirty="0" smtClean="0"/>
+              <a:t>.</a:t>
             </a:r>
             <a:endParaRPr lang="en-US" dirty="0"/>
           </a:p>
@@ -576,7 +587,7 @@
           <a:p>
             <a:fld id="{C2C24509-F6BB-CF41-A66A-A982CBBBCD86}" type="slidenum">
               <a:rPr lang="en-US" smtClean="0"/>
-              <a:t>1</a:t>
+              <a:t>2</a:t>
             </a:fld>
             <a:endParaRPr lang="en-US"/>
           </a:p>
@@ -614,7 +625,7 @@
       </p:grpSpPr>
       <p:sp>
         <p:nvSpPr>
-          <p:cNvPr id="2" name="Slide Image Placeholder 1"/>
+          <p:cNvPr id="2" name="幻灯片图像占位符 1"/>
           <p:cNvSpPr>
             <a:spLocks noGrp="1" noRot="1" noChangeAspect="1"/>
           </p:cNvSpPr>
@@ -626,7 +637,7 @@
       </p:sp>
       <p:sp>
         <p:nvSpPr>
-          <p:cNvPr id="3" name="Notes Placeholder 2"/>
+          <p:cNvPr id="3" name="备注占位符 2"/>
           <p:cNvSpPr>
             <a:spLocks noGrp="1"/>
           </p:cNvSpPr>
@@ -639,25 +650,274 @@
           <a:bodyPr/>
           <a:lstStyle/>
           <a:p>
-            <a:r>
-              <a:rPr lang="mr-IN" dirty="0" smtClean="0"/>
-              <a:t>…</a:t>
-            </a:r>
-            <a:r>
-              <a:rPr lang="en-US" dirty="0" smtClean="0"/>
-              <a:t>.But that reduces generalizability for</a:t>
-            </a:r>
-            <a:r>
-              <a:rPr lang="en-US" baseline="0" dirty="0" smtClean="0"/>
-              <a:t> half of your population. (sad emoji on next slide)</a:t>
-            </a:r>
-            <a:endParaRPr lang="en-US" dirty="0"/>
-          </a:p>
-        </p:txBody>
-      </p:sp>
-      <p:sp>
-        <p:nvSpPr>
-          <p:cNvPr id="4" name="Slide Number Placeholder 3"/>
+            <a:pPr marL="0" marR="0" indent="0" algn="l" defTabSz="914400" rtl="0" eaLnBrk="1" fontAlgn="auto" latinLnBrk="0" hangingPunct="1">
+              <a:lnSpc>
+                <a:spcPct val="100000"/>
+              </a:lnSpc>
+              <a:spcBef>
+                <a:spcPts val="0"/>
+              </a:spcBef>
+              <a:spcAft>
+                <a:spcPts val="0"/>
+              </a:spcAft>
+              <a:buClrTx/>
+              <a:buSzTx/>
+              <a:buFontTx/>
+              <a:buNone/>
+              <a:tabLst/>
+              <a:defRPr/>
+            </a:pPr>
+            <a:r>
+              <a:rPr kumimoji="1" lang="en-US" altLang="zh-CN" dirty="0" smtClean="0"/>
+              <a:t>We</a:t>
+            </a:r>
+            <a:r>
+              <a:rPr kumimoji="1" lang="zh-CN" altLang="en-US" dirty="0" smtClean="0"/>
+              <a:t> </a:t>
+            </a:r>
+            <a:r>
+              <a:rPr kumimoji="1" lang="en-US" altLang="zh-CN" dirty="0" smtClean="0"/>
+              <a:t>use</a:t>
+            </a:r>
+            <a:r>
+              <a:rPr kumimoji="1" lang="zh-CN" altLang="en-US" dirty="0" smtClean="0"/>
+              <a:t> </a:t>
+            </a:r>
+            <a:r>
+              <a:rPr kumimoji="1" lang="en-US" altLang="zh-CN" dirty="0" smtClean="0"/>
+              <a:t>longitude</a:t>
+            </a:r>
+            <a:r>
+              <a:rPr kumimoji="1" lang="zh-CN" altLang="en-US" dirty="0" smtClean="0"/>
+              <a:t> </a:t>
+            </a:r>
+            <a:r>
+              <a:rPr kumimoji="1" lang="en-US" altLang="zh-CN" dirty="0" smtClean="0"/>
+              <a:t>cohort</a:t>
+            </a:r>
+            <a:r>
+              <a:rPr kumimoji="1" lang="zh-CN" altLang="en-US" dirty="0" smtClean="0"/>
+              <a:t> </a:t>
+            </a:r>
+            <a:r>
+              <a:rPr kumimoji="1" lang="en-US" altLang="zh-CN" dirty="0" smtClean="0"/>
+              <a:t>study</a:t>
+            </a:r>
+            <a:r>
+              <a:rPr kumimoji="1" lang="zh-CN" altLang="en-US" dirty="0" smtClean="0"/>
+              <a:t> </a:t>
+            </a:r>
+            <a:r>
+              <a:rPr kumimoji="1" lang="en-US" altLang="zh-CN" dirty="0" smtClean="0"/>
+              <a:t>of</a:t>
+            </a:r>
+            <a:r>
+              <a:rPr kumimoji="1" lang="zh-CN" altLang="en-US" dirty="0" smtClean="0"/>
+              <a:t> </a:t>
+            </a:r>
+            <a:r>
+              <a:rPr kumimoji="1" lang="en-US" altLang="zh-CN" dirty="0" smtClean="0"/>
+              <a:t>40389</a:t>
+            </a:r>
+            <a:r>
+              <a:rPr kumimoji="1" lang="zh-CN" altLang="en-US" dirty="0" smtClean="0"/>
+              <a:t> </a:t>
+            </a:r>
+            <a:r>
+              <a:rPr kumimoji="1" lang="en-US" altLang="zh-CN" dirty="0" smtClean="0"/>
+              <a:t>participants</a:t>
+            </a:r>
+            <a:r>
+              <a:rPr kumimoji="1" lang="zh-CN" altLang="en-US" dirty="0" smtClean="0"/>
+              <a:t>（</a:t>
+            </a:r>
+            <a:r>
+              <a:rPr kumimoji="1" lang="en-US" altLang="zh-CN" dirty="0" smtClean="0"/>
+              <a:t>excludes</a:t>
+            </a:r>
+            <a:r>
+              <a:rPr kumimoji="1" lang="zh-CN" altLang="en-US" dirty="0" smtClean="0"/>
+              <a:t> </a:t>
+            </a:r>
+            <a:r>
+              <a:rPr kumimoji="1" lang="en-US" altLang="zh-CN" dirty="0" smtClean="0"/>
+              <a:t>not</a:t>
+            </a:r>
+            <a:r>
+              <a:rPr kumimoji="1" lang="zh-CN" altLang="en-US" dirty="0" smtClean="0"/>
+              <a:t> </a:t>
+            </a:r>
+            <a:r>
+              <a:rPr kumimoji="1" lang="en-US" altLang="zh-CN" dirty="0" smtClean="0"/>
+              <a:t>eligible</a:t>
+            </a:r>
+            <a:r>
+              <a:rPr kumimoji="1" lang="zh-CN" altLang="en-US" dirty="0" smtClean="0"/>
+              <a:t> </a:t>
+            </a:r>
+            <a:r>
+              <a:rPr kumimoji="1" lang="en-US" altLang="zh-CN" dirty="0" smtClean="0"/>
+              <a:t>participants</a:t>
+            </a:r>
+            <a:r>
+              <a:rPr kumimoji="1" lang="zh-CN" altLang="en-US" dirty="0" smtClean="0"/>
+              <a:t> </a:t>
+            </a:r>
+            <a:r>
+              <a:rPr kumimoji="1" lang="en-US" altLang="zh-CN" dirty="0" smtClean="0"/>
+              <a:t>who</a:t>
+            </a:r>
+            <a:r>
+              <a:rPr kumimoji="1" lang="zh-CN" altLang="en-US" dirty="0" smtClean="0"/>
+              <a:t> </a:t>
+            </a:r>
+            <a:r>
+              <a:rPr kumimoji="1" lang="en-US" altLang="zh-CN" dirty="0" smtClean="0"/>
+              <a:t>are</a:t>
+            </a:r>
+            <a:r>
+              <a:rPr kumimoji="1" lang="zh-CN" altLang="en-US" dirty="0" smtClean="0"/>
+              <a:t> </a:t>
+            </a:r>
+            <a:r>
+              <a:rPr kumimoji="1" lang="en-US" altLang="zh-CN" dirty="0" smtClean="0"/>
+              <a:t>with</a:t>
+            </a:r>
+            <a:r>
+              <a:rPr kumimoji="1" lang="zh-CN" altLang="en-US" dirty="0" smtClean="0"/>
+              <a:t> </a:t>
+            </a:r>
+            <a:r>
+              <a:rPr kumimoji="1" lang="en-US" altLang="zh-CN" dirty="0" smtClean="0"/>
+              <a:t>t</a:t>
+            </a:r>
+            <a:r>
+              <a:rPr lang="en-US" altLang="zh-CN" sz="1200" kern="1200" dirty="0" smtClean="0">
+                <a:solidFill>
+                  <a:schemeClr val="tx1"/>
+                </a:solidFill>
+                <a:effectLst/>
+                <a:latin typeface="+mn-lt"/>
+                <a:ea typeface="+mn-ea"/>
+                <a:cs typeface="+mn-cs"/>
+              </a:rPr>
+              <a:t>ype 2 diabetes, cardiovascular disease cancer</a:t>
+            </a:r>
+            <a:r>
+              <a:rPr lang="zh-CN" altLang="zh-CN" sz="1200" kern="1200" dirty="0" smtClean="0">
+                <a:solidFill>
+                  <a:schemeClr val="tx1"/>
+                </a:solidFill>
+                <a:effectLst/>
+                <a:latin typeface="+mn-lt"/>
+                <a:ea typeface="+mn-ea"/>
+                <a:cs typeface="+mn-cs"/>
+              </a:rPr>
+              <a:t> </a:t>
+            </a:r>
+            <a:r>
+              <a:rPr lang="en-US" altLang="zh-CN" sz="1200" kern="1200" dirty="0" smtClean="0">
+                <a:solidFill>
+                  <a:schemeClr val="tx1"/>
+                </a:solidFill>
+                <a:effectLst/>
+                <a:latin typeface="+mn-lt"/>
+                <a:ea typeface="+mn-ea"/>
+                <a:cs typeface="+mn-cs"/>
+              </a:rPr>
+              <a:t>and</a:t>
+            </a:r>
+            <a:r>
+              <a:rPr lang="zh-CN" altLang="en-US" sz="1200" kern="1200" dirty="0" smtClean="0">
+                <a:solidFill>
+                  <a:schemeClr val="tx1"/>
+                </a:solidFill>
+                <a:effectLst/>
+                <a:latin typeface="+mn-lt"/>
+                <a:ea typeface="+mn-ea"/>
+                <a:cs typeface="+mn-cs"/>
+              </a:rPr>
+              <a:t> </a:t>
+            </a:r>
+            <a:r>
+              <a:rPr kumimoji="1" lang="en-US" altLang="zh-CN" sz="1200" kern="1200" dirty="0" err="1" smtClean="0">
+                <a:solidFill>
+                  <a:schemeClr val="tx1"/>
+                </a:solidFill>
+                <a:effectLst/>
+                <a:latin typeface="+mn-lt"/>
+                <a:ea typeface="+mn-ea"/>
+                <a:cs typeface="+mn-cs"/>
+              </a:rPr>
+              <a:t>etc</a:t>
+            </a:r>
+            <a:r>
+              <a:rPr kumimoji="1" lang="zh-CN" altLang="en-US" sz="1200" kern="1200" dirty="0" smtClean="0">
+                <a:solidFill>
+                  <a:schemeClr val="tx1"/>
+                </a:solidFill>
+                <a:effectLst/>
+                <a:latin typeface="+mn-lt"/>
+                <a:ea typeface="+mn-ea"/>
+                <a:cs typeface="+mn-cs"/>
+              </a:rPr>
+              <a:t> </a:t>
+            </a:r>
+            <a:r>
+              <a:rPr kumimoji="1" lang="en-US" altLang="zh-CN" sz="1200" kern="1200" dirty="0" smtClean="0">
+                <a:solidFill>
+                  <a:schemeClr val="tx1"/>
+                </a:solidFill>
+                <a:effectLst/>
+                <a:latin typeface="+mn-lt"/>
+                <a:ea typeface="+mn-ea"/>
+                <a:cs typeface="+mn-cs"/>
+              </a:rPr>
+              <a:t>at</a:t>
+            </a:r>
+            <a:r>
+              <a:rPr kumimoji="1" lang="zh-CN" altLang="en-US" sz="1200" kern="1200" dirty="0" smtClean="0">
+                <a:solidFill>
+                  <a:schemeClr val="tx1"/>
+                </a:solidFill>
+                <a:effectLst/>
+                <a:latin typeface="+mn-lt"/>
+                <a:ea typeface="+mn-ea"/>
+                <a:cs typeface="+mn-cs"/>
+              </a:rPr>
+              <a:t> </a:t>
+            </a:r>
+            <a:r>
+              <a:rPr kumimoji="1" lang="en-US" altLang="zh-CN" sz="1200" kern="1200" dirty="0" smtClean="0">
+                <a:solidFill>
+                  <a:schemeClr val="tx1"/>
+                </a:solidFill>
+                <a:effectLst/>
+                <a:latin typeface="+mn-lt"/>
+                <a:ea typeface="+mn-ea"/>
+                <a:cs typeface="+mn-cs"/>
+              </a:rPr>
+              <a:t>baseline).</a:t>
+            </a:r>
+            <a:r>
+              <a:rPr kumimoji="1" lang="zh-CN" altLang="en-US" sz="1200" kern="1200" dirty="0" smtClean="0">
+                <a:solidFill>
+                  <a:schemeClr val="tx1"/>
+                </a:solidFill>
+                <a:effectLst/>
+                <a:latin typeface="+mn-lt"/>
+                <a:ea typeface="+mn-ea"/>
+                <a:cs typeface="+mn-cs"/>
+              </a:rPr>
+              <a:t>  </a:t>
+            </a:r>
+            <a:endParaRPr kumimoji="1" lang="zh-CN" altLang="en-US" dirty="0"/>
+          </a:p>
+        </p:txBody>
+      </p:sp>
+      <p:sp>
+        <p:nvSpPr>
+          <p:cNvPr id="4" name="幻灯片编号占位符 3"/>
           <p:cNvSpPr>
             <a:spLocks noGrp="1"/>
           </p:cNvSpPr>
@@ -672,7 +932,7 @@
           <a:p>
             <a:fld id="{C2C24509-F6BB-CF41-A66A-A982CBBBCD86}" type="slidenum">
               <a:rPr lang="en-US" smtClean="0"/>
-              <a:t>12</a:t>
+              <a:t>13</a:t>
             </a:fld>
             <a:endParaRPr lang="en-US"/>
           </a:p>
@@ -681,7 +941,7 @@
     </p:spTree>
     <p:extLst>
       <p:ext uri="{BB962C8B-B14F-4D97-AF65-F5344CB8AC3E}">
-        <p14:creationId xmlns:p14="http://schemas.microsoft.com/office/powerpoint/2010/main" val="1449954669"/>
+        <p14:creationId xmlns:p14="http://schemas.microsoft.com/office/powerpoint/2010/main" val="1700549223"/>
       </p:ext>
     </p:extLst>
   </p:cSld>
@@ -710,7 +970,7 @@
       </p:grpSpPr>
       <p:sp>
         <p:nvSpPr>
-          <p:cNvPr id="2" name="Slide Image Placeholder 1"/>
+          <p:cNvPr id="2" name="幻灯片图像占位符 1"/>
           <p:cNvSpPr>
             <a:spLocks noGrp="1" noRot="1" noChangeAspect="1"/>
           </p:cNvSpPr>
@@ -722,7 +982,7 @@
       </p:sp>
       <p:sp>
         <p:nvSpPr>
-          <p:cNvPr id="3" name="Notes Placeholder 2"/>
+          <p:cNvPr id="3" name="备注占位符 2"/>
           <p:cNvSpPr>
             <a:spLocks noGrp="1"/>
           </p:cNvSpPr>
@@ -735,29 +995,322 @@
           <a:bodyPr/>
           <a:lstStyle/>
           <a:p>
-            <a:r>
-              <a:rPr lang="en-US" dirty="0" smtClean="0"/>
+            <a:pPr marL="0" marR="0" indent="0" algn="l" defTabSz="914400" rtl="0" eaLnBrk="1" fontAlgn="auto" latinLnBrk="0" hangingPunct="1">
+              <a:lnSpc>
+                <a:spcPct val="100000"/>
+              </a:lnSpc>
+              <a:spcBef>
+                <a:spcPts val="0"/>
+              </a:spcBef>
+              <a:spcAft>
+                <a:spcPts val="0"/>
+              </a:spcAft>
+              <a:buClrTx/>
+              <a:buSzTx/>
+              <a:buFontTx/>
+              <a:buNone/>
+              <a:tabLst/>
+              <a:defRPr/>
+            </a:pPr>
+            <a:r>
+              <a:rPr kumimoji="1" lang="en-US" altLang="zh-CN" dirty="0" smtClean="0"/>
+              <a:t>In</a:t>
+            </a:r>
+            <a:r>
+              <a:rPr kumimoji="1" lang="zh-CN" altLang="en-US" dirty="0" smtClean="0"/>
+              <a:t> </a:t>
+            </a:r>
+            <a:r>
+              <a:rPr kumimoji="1" lang="en-US" altLang="zh-CN" dirty="0" smtClean="0"/>
+              <a:t>the</a:t>
+            </a:r>
+            <a:r>
+              <a:rPr kumimoji="1" lang="zh-CN" altLang="en-US" dirty="0" smtClean="0"/>
+              <a:t> </a:t>
+            </a:r>
+            <a:r>
+              <a:rPr kumimoji="1" lang="en-US" altLang="zh-CN" dirty="0" smtClean="0"/>
+              <a:t>study,</a:t>
+            </a:r>
+            <a:r>
+              <a:rPr kumimoji="1" lang="zh-CN" altLang="en-US" dirty="0" smtClean="0"/>
+              <a:t> </a:t>
+            </a:r>
+            <a:r>
+              <a:rPr kumimoji="1" lang="en-US" altLang="zh-CN" dirty="0" smtClean="0"/>
+              <a:t>we</a:t>
+            </a:r>
+            <a:r>
+              <a:rPr kumimoji="1" lang="zh-CN" altLang="en-US" dirty="0" smtClean="0"/>
+              <a:t> </a:t>
+            </a:r>
+            <a:r>
+              <a:rPr kumimoji="1" lang="en-US" altLang="zh-CN" dirty="0" smtClean="0"/>
+              <a:t>choose</a:t>
+            </a:r>
+            <a:r>
+              <a:rPr kumimoji="1" lang="zh-CN" altLang="en-US" dirty="0" smtClean="0"/>
+              <a:t> </a:t>
+            </a:r>
+            <a:r>
+              <a:rPr kumimoji="1" lang="en-US" altLang="zh-CN" dirty="0" smtClean="0"/>
+              <a:t>40389</a:t>
+            </a:r>
+            <a:r>
+              <a:rPr kumimoji="1" lang="zh-CN" altLang="en-US" dirty="0" smtClean="0"/>
+              <a:t> </a:t>
+            </a:r>
+            <a:r>
+              <a:rPr kumimoji="1" lang="en-US" altLang="zh-CN" dirty="0" smtClean="0"/>
+              <a:t>participants</a:t>
+            </a:r>
+            <a:r>
+              <a:rPr kumimoji="1" lang="zh-CN" altLang="en-US" dirty="0" smtClean="0"/>
+              <a:t> </a:t>
+            </a:r>
+            <a:r>
+              <a:rPr lang="en-US" altLang="zh-CN" sz="1200" kern="1200" dirty="0" smtClean="0">
+                <a:solidFill>
+                  <a:schemeClr val="tx1"/>
+                </a:solidFill>
+                <a:effectLst/>
+                <a:latin typeface="+mn-lt"/>
+                <a:ea typeface="+mn-ea"/>
+                <a:cs typeface="+mn-cs"/>
+              </a:rPr>
+              <a:t>form the Health Professionals Follow-Up Study (HPFS)</a:t>
+            </a:r>
+            <a:r>
+              <a:rPr lang="en-US" altLang="zh-CN" sz="1200" kern="1200" dirty="0" smtClean="0">
+                <a:solidFill>
+                  <a:schemeClr val="tx1"/>
+                </a:solidFill>
+                <a:effectLst/>
+                <a:latin typeface="+mn-lt"/>
+                <a:ea typeface="+mn-ea"/>
+                <a:cs typeface="+mn-cs"/>
+              </a:rPr>
+              <a:t>.</a:t>
+            </a:r>
+            <a:r>
+              <a:rPr lang="en-US" altLang="zh-CN" sz="1200" kern="1200" dirty="0" smtClean="0">
+                <a:solidFill>
+                  <a:schemeClr val="tx1"/>
+                </a:solidFill>
+                <a:effectLst/>
+                <a:latin typeface="+mn-lt"/>
+                <a:ea typeface="+mn-ea"/>
+                <a:cs typeface="+mn-cs"/>
+              </a:rPr>
+              <a:t> </a:t>
+            </a:r>
+            <a:r>
+              <a:rPr lang="en-US" altLang="zh-CN" sz="1200" kern="1200" dirty="0" smtClean="0">
+                <a:solidFill>
+                  <a:schemeClr val="tx1"/>
+                </a:solidFill>
+                <a:latin typeface="+mn-lt"/>
+                <a:ea typeface="+mn-ea"/>
+                <a:cs typeface="+mn-cs"/>
+              </a:rPr>
+              <a:t>However,  not all men included in the study were used for analysis. Men with Type 2 diabetes, cardiovascular disease, cancer, or “implausible energy intake” were excluded from baseline, reducing the number of participants in this particular study to 40,389. These men were followed over 20 years, and were excluded if they developed Type 2 diabetes within the first two years of the study, in order to negate any effects of prior metabolic defects clouding affecting the onset of diseases (such as insulin resistance), rather than the exposures of interest (here, sugary and artificially sweetened beverages).</a:t>
+            </a:r>
+          </a:p>
+          <a:p>
+            <a:pPr marL="0" marR="0" indent="0" algn="l" defTabSz="914400" rtl="0" eaLnBrk="1" fontAlgn="auto" latinLnBrk="0" hangingPunct="1">
+              <a:lnSpc>
+                <a:spcPct val="100000"/>
+              </a:lnSpc>
+              <a:spcBef>
+                <a:spcPts val="0"/>
+              </a:spcBef>
+              <a:spcAft>
+                <a:spcPts val="0"/>
+              </a:spcAft>
+              <a:buClrTx/>
+              <a:buSzTx/>
+              <a:buFontTx/>
+              <a:buNone/>
+              <a:tabLst/>
+              <a:defRPr/>
+            </a:pPr>
+            <a:endParaRPr kumimoji="1" lang="en-US" altLang="zh-CN" sz="1200" kern="1200" dirty="0" smtClean="0">
+              <a:solidFill>
+                <a:schemeClr val="tx1"/>
+              </a:solidFill>
+              <a:latin typeface="+mn-lt"/>
+              <a:ea typeface="+mn-ea"/>
+              <a:cs typeface="+mn-cs"/>
+            </a:endParaRPr>
+          </a:p>
+          <a:p>
+            <a:pPr marL="0" marR="0" indent="0" algn="l" defTabSz="914400" rtl="0" eaLnBrk="1" fontAlgn="auto" latinLnBrk="0" hangingPunct="1">
+              <a:lnSpc>
+                <a:spcPct val="100000"/>
+              </a:lnSpc>
+              <a:spcBef>
+                <a:spcPts val="0"/>
+              </a:spcBef>
+              <a:spcAft>
+                <a:spcPts val="0"/>
+              </a:spcAft>
+              <a:buClrTx/>
+              <a:buSzTx/>
+              <a:buFontTx/>
+              <a:buNone/>
+              <a:tabLst/>
+              <a:defRPr/>
+            </a:pPr>
+            <a:r>
+              <a:rPr lang="en-US" altLang="zh-CN" dirty="0" smtClean="0"/>
+              <a:t>The</a:t>
+            </a:r>
+            <a:r>
+              <a:rPr lang="en-US" altLang="zh-CN" baseline="0" dirty="0" smtClean="0"/>
+              <a:t> Health Professional Follow Up Study implements restriction in its design, by limiting the participants to men. This removes gender based bias in the analysis. </a:t>
+            </a:r>
+          </a:p>
+          <a:p>
+            <a:pPr marL="0" marR="0" indent="0" algn="l" defTabSz="914400" rtl="0" eaLnBrk="1" fontAlgn="auto" latinLnBrk="0" hangingPunct="1">
+              <a:lnSpc>
+                <a:spcPct val="100000"/>
+              </a:lnSpc>
+              <a:spcBef>
+                <a:spcPts val="0"/>
+              </a:spcBef>
+              <a:spcAft>
+                <a:spcPts val="0"/>
+              </a:spcAft>
+              <a:buClrTx/>
+              <a:buSzTx/>
+              <a:buFontTx/>
+              <a:buNone/>
+              <a:tabLst/>
+              <a:defRPr/>
+            </a:pPr>
+            <a:endParaRPr lang="en-US" altLang="zh-CN" baseline="0" dirty="0" smtClean="0"/>
+          </a:p>
+          <a:p>
+            <a:pPr marL="0" marR="0" indent="0" algn="l" defTabSz="914400" rtl="0" eaLnBrk="1" fontAlgn="auto" latinLnBrk="0" hangingPunct="1">
+              <a:lnSpc>
+                <a:spcPct val="100000"/>
+              </a:lnSpc>
+              <a:spcBef>
+                <a:spcPts val="0"/>
+              </a:spcBef>
+              <a:spcAft>
+                <a:spcPts val="0"/>
+              </a:spcAft>
+              <a:buClrTx/>
+              <a:buSzTx/>
+              <a:buFontTx/>
+              <a:buNone/>
+              <a:tabLst/>
+              <a:defRPr/>
+            </a:pPr>
+            <a:r>
+              <a:rPr lang="mr-IN" altLang="zh-CN" dirty="0" smtClean="0"/>
+              <a:t>…</a:t>
+            </a:r>
+            <a:r>
+              <a:rPr lang="en-US" altLang="zh-CN" dirty="0" smtClean="0"/>
+              <a:t>.But that reduces generalizability for</a:t>
+            </a:r>
+            <a:r>
+              <a:rPr lang="en-US" altLang="zh-CN" baseline="0" dirty="0" smtClean="0"/>
+              <a:t> half of your population. (sad </a:t>
+            </a:r>
+            <a:r>
+              <a:rPr lang="en-US" altLang="zh-CN" baseline="0" dirty="0" err="1" smtClean="0"/>
+              <a:t>emoji</a:t>
+            </a:r>
+            <a:r>
+              <a:rPr lang="en-US" altLang="zh-CN" baseline="0" dirty="0" smtClean="0"/>
+              <a:t> on next slide)</a:t>
+            </a:r>
+            <a:endParaRPr lang="en-US" altLang="zh-CN" dirty="0" smtClean="0"/>
+          </a:p>
+          <a:p>
+            <a:pPr marL="0" marR="0" indent="0" algn="l" defTabSz="914400" rtl="0" eaLnBrk="1" fontAlgn="auto" latinLnBrk="0" hangingPunct="1">
+              <a:lnSpc>
+                <a:spcPct val="100000"/>
+              </a:lnSpc>
+              <a:spcBef>
+                <a:spcPts val="0"/>
+              </a:spcBef>
+              <a:spcAft>
+                <a:spcPts val="0"/>
+              </a:spcAft>
+              <a:buClrTx/>
+              <a:buSzTx/>
+              <a:buFontTx/>
+              <a:buNone/>
+              <a:tabLst/>
+              <a:defRPr/>
+            </a:pPr>
+            <a:endParaRPr lang="en-US" altLang="zh-CN" baseline="0" dirty="0" smtClean="0"/>
+          </a:p>
+          <a:p>
+            <a:pPr marL="0" marR="0" indent="0" algn="l" defTabSz="914400" rtl="0" eaLnBrk="1" fontAlgn="auto" latinLnBrk="0" hangingPunct="1">
+              <a:lnSpc>
+                <a:spcPct val="100000"/>
+              </a:lnSpc>
+              <a:spcBef>
+                <a:spcPts val="0"/>
+              </a:spcBef>
+              <a:spcAft>
+                <a:spcPts val="0"/>
+              </a:spcAft>
+              <a:buClrTx/>
+              <a:buSzTx/>
+              <a:buFontTx/>
+              <a:buNone/>
+              <a:tabLst/>
+              <a:defRPr/>
+            </a:pPr>
+            <a:r>
+              <a:rPr lang="en-US" altLang="zh-CN" dirty="0" smtClean="0"/>
               <a:t>We</a:t>
             </a:r>
             <a:r>
-              <a:rPr lang="en-US" baseline="0" dirty="0" smtClean="0"/>
+              <a:rPr lang="en-US" altLang="zh-CN" baseline="0" dirty="0" smtClean="0"/>
               <a:t> are also restricted to health professionals, which includes nurses, </a:t>
             </a:r>
             <a:r>
-              <a:rPr lang="en-US" baseline="0" dirty="0" err="1" smtClean="0"/>
+              <a:rPr lang="en-US" altLang="zh-CN" baseline="0" dirty="0" err="1" smtClean="0"/>
               <a:t>veterianarians</a:t>
             </a:r>
             <a:r>
-              <a:rPr lang="en-US" baseline="0" dirty="0" smtClean="0"/>
+              <a:rPr lang="en-US" altLang="zh-CN" baseline="0" dirty="0" smtClean="0"/>
               <a:t>, physicians, which keeps it above the same socioeconomic status </a:t>
             </a:r>
-            <a:endParaRPr lang="en-US" dirty="0"/>
-          </a:p>
-        </p:txBody>
-      </p:sp>
-      <p:sp>
-        <p:nvSpPr>
-          <p:cNvPr id="4" name="Slide Number Placeholder 3"/>
+            <a:endParaRPr lang="en-US" altLang="zh-CN" dirty="0" smtClean="0"/>
+          </a:p>
+          <a:p>
+            <a:pPr marL="0" marR="0" indent="0" algn="l" defTabSz="914400" rtl="0" eaLnBrk="1" fontAlgn="auto" latinLnBrk="0" hangingPunct="1">
+              <a:lnSpc>
+                <a:spcPct val="100000"/>
+              </a:lnSpc>
+              <a:spcBef>
+                <a:spcPts val="0"/>
+              </a:spcBef>
+              <a:spcAft>
+                <a:spcPts val="0"/>
+              </a:spcAft>
+              <a:buClrTx/>
+              <a:buSzTx/>
+              <a:buFontTx/>
+              <a:buNone/>
+              <a:tabLst/>
+              <a:defRPr/>
+            </a:pPr>
+            <a:endParaRPr kumimoji="1" lang="zh-CN" altLang="en-US" dirty="0"/>
+          </a:p>
+        </p:txBody>
+      </p:sp>
+      <p:sp>
+        <p:nvSpPr>
+          <p:cNvPr id="4" name="幻灯片编号占位符 3"/>
           <p:cNvSpPr>
             <a:spLocks noGrp="1"/>
           </p:cNvSpPr>
@@ -772,7 +1325,7 @@
           <a:p>
             <a:fld id="{C2C24509-F6BB-CF41-A66A-A982CBBBCD86}" type="slidenum">
               <a:rPr lang="en-US" smtClean="0"/>
-              <a:t>13</a:t>
+              <a:t>14</a:t>
             </a:fld>
             <a:endParaRPr lang="en-US"/>
           </a:p>
@@ -781,7 +1334,377 @@
     </p:spTree>
     <p:extLst>
       <p:ext uri="{BB962C8B-B14F-4D97-AF65-F5344CB8AC3E}">
-        <p14:creationId xmlns:p14="http://schemas.microsoft.com/office/powerpoint/2010/main" val="1699639522"/>
+        <p14:creationId xmlns:p14="http://schemas.microsoft.com/office/powerpoint/2010/main" val="1700549223"/>
+      </p:ext>
+    </p:extLst>
+  </p:cSld>
+  <p:clrMapOvr>
+    <a:masterClrMapping/>
+  </p:clrMapOvr>
+</p:notes>
+</file>
+
+<file path=ppt/notesSlides/notesSlide12.xml><?xml version="1.0" encoding="utf-8"?>
+<p:notes xmlns:a="http://schemas.openxmlformats.org/drawingml/2006/main" xmlns:r="http://schemas.openxmlformats.org/officeDocument/2006/relationships" xmlns:p="http://schemas.openxmlformats.org/presentationml/2006/main">
+  <p:cSld>
+    <p:spTree>
+      <p:nvGrpSpPr>
+        <p:cNvPr id="1" name=""/>
+        <p:cNvGrpSpPr/>
+        <p:nvPr/>
+      </p:nvGrpSpPr>
+      <p:grpSpPr>
+        <a:xfrm>
+          <a:off x="0" y="0"/>
+          <a:ext cx="0" cy="0"/>
+          <a:chOff x="0" y="0"/>
+          <a:chExt cx="0" cy="0"/>
+        </a:xfrm>
+      </p:grpSpPr>
+      <p:sp>
+        <p:nvSpPr>
+          <p:cNvPr id="2" name="幻灯片图像占位符 1"/>
+          <p:cNvSpPr>
+            <a:spLocks noGrp="1" noRot="1" noChangeAspect="1"/>
+          </p:cNvSpPr>
+          <p:nvPr>
+            <p:ph type="sldImg"/>
+          </p:nvPr>
+        </p:nvSpPr>
+        <p:spPr/>
+      </p:sp>
+      <p:sp>
+        <p:nvSpPr>
+          <p:cNvPr id="3" name="备注占位符 2"/>
+          <p:cNvSpPr>
+            <a:spLocks noGrp="1"/>
+          </p:cNvSpPr>
+          <p:nvPr>
+            <p:ph type="body" idx="1"/>
+          </p:nvPr>
+        </p:nvSpPr>
+        <p:spPr/>
+        <p:txBody>
+          <a:bodyPr/>
+          <a:lstStyle/>
+          <a:p>
+            <a:pPr marL="0" marR="0" indent="0" algn="l" defTabSz="914400" rtl="0" eaLnBrk="1" fontAlgn="auto" latinLnBrk="0" hangingPunct="1">
+              <a:lnSpc>
+                <a:spcPct val="100000"/>
+              </a:lnSpc>
+              <a:spcBef>
+                <a:spcPts val="0"/>
+              </a:spcBef>
+              <a:spcAft>
+                <a:spcPts val="0"/>
+              </a:spcAft>
+              <a:buClrTx/>
+              <a:buSzTx/>
+              <a:buFontTx/>
+              <a:buNone/>
+              <a:tabLst/>
+              <a:defRPr/>
+            </a:pPr>
+            <a:r>
+              <a:rPr kumimoji="1" lang="zh-CN" altLang="en-US" dirty="0" smtClean="0"/>
+              <a:t> </a:t>
+            </a:r>
+            <a:r>
+              <a:rPr lang="en-US" altLang="zh-CN" sz="1200" kern="1200" dirty="0" smtClean="0">
+                <a:solidFill>
+                  <a:schemeClr val="tx1"/>
+                </a:solidFill>
+                <a:latin typeface="+mn-lt"/>
+                <a:ea typeface="+mn-ea"/>
+                <a:cs typeface="+mn-cs"/>
+              </a:rPr>
+              <a:t>This was a prospective cohort study, with data collected via surveys.</a:t>
+            </a:r>
+            <a:r>
+              <a:rPr lang="zh-CN" altLang="en-US" sz="1200" kern="1200" dirty="0" smtClean="0">
+                <a:solidFill>
+                  <a:schemeClr val="tx1"/>
+                </a:solidFill>
+                <a:latin typeface="+mn-lt"/>
+                <a:ea typeface="+mn-ea"/>
+                <a:cs typeface="+mn-cs"/>
+              </a:rPr>
+              <a:t> </a:t>
+            </a:r>
+            <a:r>
+              <a:rPr lang="en-US" altLang="zh-CN" sz="1200" kern="1200" dirty="0" smtClean="0">
+                <a:solidFill>
+                  <a:schemeClr val="tx1"/>
+                </a:solidFill>
+                <a:latin typeface="+mn-lt"/>
+                <a:ea typeface="+mn-ea"/>
+                <a:cs typeface="+mn-cs"/>
+              </a:rPr>
+              <a:t>In</a:t>
+            </a:r>
+            <a:r>
+              <a:rPr lang="zh-CN" altLang="en-US" sz="1200" kern="1200" dirty="0" smtClean="0">
+                <a:solidFill>
+                  <a:schemeClr val="tx1"/>
+                </a:solidFill>
+                <a:latin typeface="+mn-lt"/>
+                <a:ea typeface="+mn-ea"/>
+                <a:cs typeface="+mn-cs"/>
+              </a:rPr>
+              <a:t> </a:t>
+            </a:r>
+            <a:r>
+              <a:rPr lang="en-US" altLang="zh-CN" sz="1200" kern="1200" dirty="0" smtClean="0">
+                <a:solidFill>
+                  <a:schemeClr val="tx1"/>
+                </a:solidFill>
+                <a:latin typeface="+mn-lt"/>
+                <a:ea typeface="+mn-ea"/>
+                <a:cs typeface="+mn-cs"/>
+              </a:rPr>
+              <a:t>the</a:t>
+            </a:r>
+            <a:r>
+              <a:rPr lang="en-US" altLang="zh-CN" sz="1200" kern="1200" dirty="0" smtClean="0">
+                <a:solidFill>
+                  <a:schemeClr val="tx1"/>
+                </a:solidFill>
+                <a:latin typeface="+mn-lt"/>
+                <a:ea typeface="+mn-ea"/>
+                <a:cs typeface="+mn-cs"/>
+              </a:rPr>
+              <a:t> </a:t>
+            </a:r>
+            <a:r>
+              <a:rPr lang="en-US" altLang="zh-CN" sz="1200" kern="1200" dirty="0" smtClean="0">
+                <a:solidFill>
+                  <a:schemeClr val="tx1"/>
+                </a:solidFill>
+                <a:effectLst/>
+                <a:latin typeface="+mn-lt"/>
+                <a:ea typeface="+mn-ea"/>
+                <a:cs typeface="+mn-cs"/>
+              </a:rPr>
+              <a:t>131-item semi</a:t>
+            </a:r>
+            <a:r>
+              <a:rPr lang="en-US" altLang="zh-CN" sz="1200" kern="1200" dirty="0" smtClean="0">
+                <a:solidFill>
+                  <a:schemeClr val="tx1"/>
+                </a:solidFill>
+                <a:effectLst/>
+                <a:latin typeface="+mn-lt"/>
+                <a:ea typeface="+mn-ea"/>
+                <a:cs typeface="+mn-cs"/>
+              </a:rPr>
+              <a:t>-</a:t>
+            </a:r>
+            <a:r>
+              <a:rPr lang="en-US" altLang="zh-CN" sz="1200" kern="1200" dirty="0" smtClean="0">
+                <a:solidFill>
+                  <a:schemeClr val="tx1"/>
+                </a:solidFill>
+                <a:effectLst/>
+                <a:latin typeface="+mn-lt"/>
+                <a:ea typeface="+mn-ea"/>
+                <a:cs typeface="+mn-cs"/>
+              </a:rPr>
+              <a:t>quantitative food-frequency questionnaire</a:t>
+            </a:r>
+            <a:r>
+              <a:rPr lang="en-US" altLang="zh-CN" sz="1200" kern="1200" dirty="0" smtClean="0">
+                <a:solidFill>
+                  <a:schemeClr val="tx1"/>
+                </a:solidFill>
+                <a:effectLst/>
+                <a:latin typeface="+mn-lt"/>
+                <a:ea typeface="+mn-ea"/>
+                <a:cs typeface="+mn-cs"/>
+              </a:rPr>
+              <a:t>,</a:t>
+            </a:r>
+            <a:r>
+              <a:rPr lang="zh-CN" altLang="en-US" sz="1200" kern="1200" dirty="0" smtClean="0">
+                <a:solidFill>
+                  <a:schemeClr val="tx1"/>
+                </a:solidFill>
+                <a:effectLst/>
+                <a:latin typeface="+mn-lt"/>
+                <a:ea typeface="+mn-ea"/>
+                <a:cs typeface="+mn-cs"/>
+              </a:rPr>
+              <a:t> </a:t>
+            </a:r>
+            <a:r>
+              <a:rPr lang="en-US" altLang="zh-CN" sz="1200" kern="1200" dirty="0" smtClean="0">
+                <a:solidFill>
+                  <a:schemeClr val="tx1"/>
+                </a:solidFill>
+                <a:effectLst/>
+                <a:latin typeface="+mn-lt"/>
+                <a:ea typeface="+mn-ea"/>
+                <a:cs typeface="+mn-cs"/>
+              </a:rPr>
+              <a:t>r</a:t>
+            </a:r>
+            <a:r>
+              <a:rPr lang="en-US" altLang="zh-CN" sz="1200" kern="1200" dirty="0" smtClean="0">
+                <a:solidFill>
+                  <a:schemeClr val="tx1"/>
+                </a:solidFill>
+                <a:latin typeface="+mn-lt"/>
+                <a:ea typeface="+mn-ea"/>
+                <a:cs typeface="+mn-cs"/>
+              </a:rPr>
+              <a:t>esearchers asked questions about things such as smoking, physical activity, family history of disease, high blood pressure, high triglycerides (in 1986), cardiovascular disease risk, and use of vitamins (post 1988), diuretic. They also looked into energy intake and consumption via detailed questionnaires, to assess what participants dietary behaviors were. </a:t>
+            </a:r>
+            <a:endParaRPr kumimoji="1" lang="zh-CN" altLang="en-US" dirty="0"/>
+          </a:p>
+        </p:txBody>
+      </p:sp>
+      <p:sp>
+        <p:nvSpPr>
+          <p:cNvPr id="4" name="幻灯片编号占位符 3"/>
+          <p:cNvSpPr>
+            <a:spLocks noGrp="1"/>
+          </p:cNvSpPr>
+          <p:nvPr>
+            <p:ph type="sldNum" sz="quarter" idx="10"/>
+          </p:nvPr>
+        </p:nvSpPr>
+        <p:spPr/>
+        <p:txBody>
+          <a:bodyPr/>
+          <a:lstStyle/>
+          <a:p>
+            <a:fld id="{C2C24509-F6BB-CF41-A66A-A982CBBBCD86}" type="slidenum">
+              <a:rPr lang="en-US" smtClean="0"/>
+              <a:t>15</a:t>
+            </a:fld>
+            <a:endParaRPr lang="en-US"/>
+          </a:p>
+        </p:txBody>
+      </p:sp>
+    </p:spTree>
+    <p:extLst>
+      <p:ext uri="{BB962C8B-B14F-4D97-AF65-F5344CB8AC3E}">
+        <p14:creationId xmlns:p14="http://schemas.microsoft.com/office/powerpoint/2010/main" val="2387985275"/>
+      </p:ext>
+    </p:extLst>
+  </p:cSld>
+  <p:clrMapOvr>
+    <a:masterClrMapping/>
+  </p:clrMapOvr>
+</p:notes>
+</file>
+
+<file path=ppt/notesSlides/notesSlide13.xml><?xml version="1.0" encoding="utf-8"?>
+<p:notes xmlns:a="http://schemas.openxmlformats.org/drawingml/2006/main" xmlns:r="http://schemas.openxmlformats.org/officeDocument/2006/relationships" xmlns:p="http://schemas.openxmlformats.org/presentationml/2006/main">
+  <p:cSld>
+    <p:spTree>
+      <p:nvGrpSpPr>
+        <p:cNvPr id="1" name=""/>
+        <p:cNvGrpSpPr/>
+        <p:nvPr/>
+      </p:nvGrpSpPr>
+      <p:grpSpPr>
+        <a:xfrm>
+          <a:off x="0" y="0"/>
+          <a:ext cx="0" cy="0"/>
+          <a:chOff x="0" y="0"/>
+          <a:chExt cx="0" cy="0"/>
+        </a:xfrm>
+      </p:grpSpPr>
+      <p:sp>
+        <p:nvSpPr>
+          <p:cNvPr id="2" name="Slide Image Placeholder 1"/>
+          <p:cNvSpPr>
+            <a:spLocks noGrp="1" noRot="1" noChangeAspect="1"/>
+          </p:cNvSpPr>
+          <p:nvPr>
+            <p:ph type="sldImg"/>
+          </p:nvPr>
+        </p:nvSpPr>
+        <p:spPr/>
+      </p:sp>
+      <p:sp>
+        <p:nvSpPr>
+          <p:cNvPr id="3" name="Notes Placeholder 2"/>
+          <p:cNvSpPr>
+            <a:spLocks noGrp="1"/>
+          </p:cNvSpPr>
+          <p:nvPr>
+            <p:ph type="body" idx="1"/>
+          </p:nvPr>
+        </p:nvSpPr>
+        <p:spPr/>
+        <p:txBody>
+          <a:bodyPr/>
+          <a:lstStyle/>
+          <a:p>
+            <a:pPr marL="0" marR="0" indent="0" algn="l" defTabSz="914400" rtl="0" eaLnBrk="1" fontAlgn="auto" latinLnBrk="0" hangingPunct="1">
+              <a:lnSpc>
+                <a:spcPct val="100000"/>
+              </a:lnSpc>
+              <a:spcBef>
+                <a:spcPts val="0"/>
+              </a:spcBef>
+              <a:spcAft>
+                <a:spcPts val="0"/>
+              </a:spcAft>
+              <a:buClrTx/>
+              <a:buSzTx/>
+              <a:buFontTx/>
+              <a:buNone/>
+              <a:tabLst/>
+              <a:defRPr/>
+            </a:pPr>
+            <a:r>
+              <a:rPr lang="en-US" altLang="zh-CN" sz="1200" kern="1200" dirty="0" smtClean="0">
+                <a:solidFill>
+                  <a:schemeClr val="tx1"/>
+                </a:solidFill>
+                <a:effectLst/>
+                <a:latin typeface="+mn-lt"/>
+                <a:ea typeface="+mn-ea"/>
+                <a:cs typeface="+mn-cs"/>
+              </a:rPr>
+              <a:t>There were 2680 cases over 20 y of follow-up. </a:t>
+            </a:r>
+            <a:endParaRPr lang="en-US" altLang="zh-CN" dirty="0" smtClean="0"/>
+          </a:p>
+          <a:p>
+            <a:endParaRPr lang="en-US" dirty="0"/>
+          </a:p>
+        </p:txBody>
+      </p:sp>
+      <p:sp>
+        <p:nvSpPr>
+          <p:cNvPr id="4" name="Slide Number Placeholder 3"/>
+          <p:cNvSpPr>
+            <a:spLocks noGrp="1"/>
+          </p:cNvSpPr>
+          <p:nvPr>
+            <p:ph type="sldNum" sz="quarter" idx="10"/>
+          </p:nvPr>
+        </p:nvSpPr>
+        <p:spPr/>
+        <p:txBody>
+          <a:bodyPr/>
+          <a:lstStyle/>
+          <a:p>
+            <a:fld id="{C2C24509-F6BB-CF41-A66A-A982CBBBCD86}" type="slidenum">
+              <a:rPr lang="en-US" smtClean="0"/>
+              <a:t>16</a:t>
+            </a:fld>
+            <a:endParaRPr lang="en-US"/>
+          </a:p>
+        </p:txBody>
+      </p:sp>
+    </p:spTree>
+    <p:extLst>
+      <p:ext uri="{BB962C8B-B14F-4D97-AF65-F5344CB8AC3E}">
+        <p14:creationId xmlns:p14="http://schemas.microsoft.com/office/powerpoint/2010/main" val="2060021771"/>
       </p:ext>
     </p:extLst>
   </p:cSld>
@@ -835,66 +1758,30 @@
           <a:bodyPr/>
           <a:lstStyle/>
           <a:p>
-            <a:r>
-              <a:rPr lang="en-US" dirty="0" smtClean="0"/>
-              <a:t>Much has </a:t>
-            </a:r>
-            <a:r>
-              <a:rPr lang="en-US" dirty="0" smtClean="0"/>
-              <a:t>been</a:t>
-            </a:r>
+            <a:pPr marL="0" marR="0" indent="0" algn="l" defTabSz="914400" rtl="0" eaLnBrk="1" fontAlgn="auto" latinLnBrk="0" hangingPunct="1">
+              <a:lnSpc>
+                <a:spcPct val="100000"/>
+              </a:lnSpc>
+              <a:spcBef>
+                <a:spcPts val="0"/>
+              </a:spcBef>
+              <a:spcAft>
+                <a:spcPts val="0"/>
+              </a:spcAft>
+              <a:buClrTx/>
+              <a:buSzTx/>
+              <a:buFontTx/>
+              <a:buNone/>
+              <a:tabLst/>
+              <a:defRPr/>
+            </a:pPr>
             <a:r>
               <a:rPr lang="en-US" baseline="0" dirty="0" smtClean="0"/>
-              <a:t> discussed</a:t>
-            </a:r>
-            <a:r>
-              <a:rPr lang="en-US" dirty="0" smtClean="0"/>
-              <a:t> </a:t>
-            </a:r>
-            <a:r>
-              <a:rPr lang="en-US" dirty="0" smtClean="0"/>
-              <a:t>about the increasing</a:t>
-            </a:r>
-            <a:r>
-              <a:rPr lang="en-US" baseline="0" dirty="0" smtClean="0"/>
-              <a:t> incidence and prevalence of type 2 diabetes. Diabetes is an endocrine disorder in which the body cannot properly regulate its blood sugar</a:t>
-            </a:r>
-            <a:r>
-              <a:rPr lang="en-US" baseline="0" dirty="0" smtClean="0"/>
-              <a:t>. Type 2 diabetes is heavily associated with age, and now, lifestyle.  </a:t>
-            </a:r>
-            <a:r>
-              <a:rPr lang="en-US" baseline="0" dirty="0" smtClean="0"/>
-              <a:t>Initially a disease primarily </a:t>
-            </a:r>
-            <a:r>
-              <a:rPr lang="en-US" baseline="0" dirty="0" smtClean="0"/>
-              <a:t>occurring among </a:t>
-            </a:r>
-            <a:r>
-              <a:rPr lang="en-US" baseline="0" dirty="0" smtClean="0"/>
-              <a:t>older people, it is </a:t>
-            </a:r>
-            <a:r>
-              <a:rPr lang="en-US" baseline="0" dirty="0" smtClean="0"/>
-              <a:t>now more frequently </a:t>
-            </a:r>
-            <a:r>
-              <a:rPr lang="en-US" baseline="0" dirty="0" smtClean="0"/>
-              <a:t>diagnosed in people </a:t>
-            </a:r>
-            <a:r>
-              <a:rPr lang="en-US" baseline="0" dirty="0" smtClean="0"/>
-              <a:t>young adults, and sometimes </a:t>
-            </a:r>
-            <a:r>
-              <a:rPr lang="en-US" baseline="0" dirty="0" err="1" smtClean="0"/>
-              <a:t>childen</a:t>
-            </a:r>
-            <a:r>
-              <a:rPr lang="en-US" baseline="0" dirty="0" smtClean="0"/>
-              <a:t>.. </a:t>
-            </a:r>
+              <a:t>Many of the excessive sugars we consume are “hidden” from us.  Unlike the sugars in fruit, which have their absorption into our bodies slowed down by their fiber content, sugary drinks provide us with a large amount of easily absorbable sugars. Without the fiber, we may not feel satiated, making it easier to consume more of these liquids. </a:t>
+            </a:r>
+            <a:endParaRPr lang="en-US" dirty="0" smtClean="0"/>
+          </a:p>
+          <a:p>
             <a:endParaRPr lang="en-US" dirty="0"/>
           </a:p>
         </p:txBody>
@@ -916,7 +1803,7 @@
           <a:p>
             <a:fld id="{C2C24509-F6BB-CF41-A66A-A982CBBBCD86}" type="slidenum">
               <a:rPr lang="en-US" smtClean="0"/>
-              <a:t>2</a:t>
+              <a:t>3</a:t>
             </a:fld>
             <a:endParaRPr lang="en-US"/>
           </a:p>
@@ -925,7 +1812,7 @@
     </p:spTree>
     <p:extLst>
       <p:ext uri="{BB962C8B-B14F-4D97-AF65-F5344CB8AC3E}">
-        <p14:creationId xmlns:p14="http://schemas.microsoft.com/office/powerpoint/2010/main" val="1368204049"/>
+        <p14:creationId xmlns:p14="http://schemas.microsoft.com/office/powerpoint/2010/main" val="117721341"/>
       </p:ext>
     </p:extLst>
   </p:cSld>
@@ -979,95 +1866,30 @@
           <a:bodyPr/>
           <a:lstStyle/>
           <a:p>
-            <a:pPr marL="0" marR="0" indent="0" algn="l" defTabSz="914400" rtl="0" eaLnBrk="1" fontAlgn="auto" latinLnBrk="0" hangingPunct="1">
-              <a:lnSpc>
-                <a:spcPct val="100000"/>
-              </a:lnSpc>
-              <a:spcBef>
-                <a:spcPts val="0"/>
-              </a:spcBef>
-              <a:spcAft>
-                <a:spcPts val="0"/>
-              </a:spcAft>
-              <a:buClrTx/>
-              <a:buSzTx/>
-              <a:buFontTx/>
-              <a:buNone/>
-              <a:tabLst/>
-              <a:defRPr/>
-            </a:pPr>
+            <a:r>
+              <a:rPr lang="en-US" dirty="0" smtClean="0"/>
+              <a:t>Much has been</a:t>
+            </a:r>
             <a:r>
               <a:rPr lang="en-US" baseline="0" dirty="0" smtClean="0"/>
-              <a:t>There is a wealth of literature that supports the known risk factors: obesity, sedentary lifestyle, and poor diet. Within dietary behaviors, sugar-sweetened beverages have been identified as major risk factor for diabetes, a behavior that can lead to adiposity, or fat deposition.</a:t>
-            </a:r>
-          </a:p>
-          <a:p>
-            <a:pPr marL="0" marR="0" indent="0" algn="l" defTabSz="914400" rtl="0" eaLnBrk="1" fontAlgn="auto" latinLnBrk="0" hangingPunct="1">
-              <a:lnSpc>
-                <a:spcPct val="100000"/>
-              </a:lnSpc>
-              <a:spcBef>
-                <a:spcPts val="0"/>
-              </a:spcBef>
-              <a:spcAft>
-                <a:spcPts val="0"/>
-              </a:spcAft>
-              <a:buClrTx/>
-              <a:buSzTx/>
-              <a:buFontTx/>
-              <a:buNone/>
-              <a:tabLst/>
-              <a:defRPr/>
-            </a:pPr>
-            <a:endParaRPr lang="en-US" baseline="0" dirty="0" smtClean="0"/>
-          </a:p>
-          <a:p>
-            <a:pPr marL="0" marR="0" indent="0" algn="l" defTabSz="914400" rtl="0" eaLnBrk="1" fontAlgn="auto" latinLnBrk="0" hangingPunct="1">
-              <a:lnSpc>
-                <a:spcPct val="100000"/>
-              </a:lnSpc>
-              <a:spcBef>
-                <a:spcPts val="0"/>
-              </a:spcBef>
-              <a:spcAft>
-                <a:spcPts val="0"/>
-              </a:spcAft>
-              <a:buClrTx/>
-              <a:buSzTx/>
-              <a:buFontTx/>
-              <a:buNone/>
-              <a:tabLst/>
-              <a:defRPr/>
-            </a:pPr>
-            <a:endParaRPr lang="en-US" baseline="0" dirty="0" smtClean="0"/>
-          </a:p>
-          <a:p>
-            <a:pPr marL="0" marR="0" indent="0" algn="l" defTabSz="914400" rtl="0" eaLnBrk="1" fontAlgn="auto" latinLnBrk="0" hangingPunct="1">
-              <a:lnSpc>
-                <a:spcPct val="100000"/>
-              </a:lnSpc>
-              <a:spcBef>
-                <a:spcPts val="0"/>
-              </a:spcBef>
-              <a:spcAft>
-                <a:spcPts val="0"/>
-              </a:spcAft>
-              <a:buClrTx/>
-              <a:buSzTx/>
-              <a:buFontTx/>
-              <a:buNone/>
-              <a:tabLst/>
-              <a:defRPr/>
-            </a:pPr>
+              <a:t> discussed</a:t>
+            </a:r>
+            <a:r>
+              <a:rPr lang="en-US" dirty="0" smtClean="0"/>
+              <a:t> about the increasing</a:t>
+            </a:r>
             <a:r>
               <a:rPr lang="en-US" baseline="0" dirty="0" smtClean="0"/>
-              <a:t>(have to cite these major studies)</a:t>
-            </a:r>
-          </a:p>
-          <a:p>
-            <a:endParaRPr lang="en-US" baseline="0" dirty="0" smtClean="0"/>
-          </a:p>
-          <a:p>
+              <a:t> incidence and prevalence of type 2 diabetes. Diabetes is an endocrine disorder in which the body cannot properly regulate its blood sugar. Type 2 diabetes is heavily associated with age, and now, lifestyle.  Initially a disease primarily occurring among older people, it is now more frequently diagnosed in people young adults, and sometimes </a:t>
+            </a:r>
+            <a:r>
+              <a:rPr lang="en-US" baseline="0" dirty="0" err="1" smtClean="0"/>
+              <a:t>childen</a:t>
+            </a:r>
+            <a:r>
+              <a:rPr lang="en-US" baseline="0" dirty="0" smtClean="0"/>
+              <a:t>.. </a:t>
+            </a:r>
             <a:endParaRPr lang="en-US" dirty="0"/>
           </a:p>
         </p:txBody>
@@ -1089,7 +1911,7 @@
           <a:p>
             <a:fld id="{C2C24509-F6BB-CF41-A66A-A982CBBBCD86}" type="slidenum">
               <a:rPr lang="en-US" smtClean="0"/>
-              <a:t>3</a:t>
+              <a:t>5</a:t>
             </a:fld>
             <a:endParaRPr lang="en-US"/>
           </a:p>
@@ -1098,7 +1920,7 @@
     </p:spTree>
     <p:extLst>
       <p:ext uri="{BB962C8B-B14F-4D97-AF65-F5344CB8AC3E}">
-        <p14:creationId xmlns:p14="http://schemas.microsoft.com/office/powerpoint/2010/main" val="282644396"/>
+        <p14:creationId xmlns:p14="http://schemas.microsoft.com/office/powerpoint/2010/main" val="1368204049"/>
       </p:ext>
     </p:extLst>
   </p:cSld>
@@ -1171,7 +1993,7 @@
             </a:pPr>
             <a:r>
               <a:rPr lang="en-US" baseline="0" dirty="0" smtClean="0"/>
-              <a:t>Recently, the World Health Organization has set forth recommendations for added sugar consumption: no more than 25 grams a day, or about 5% of total daily calories coming from sugar. This is the optimum threshold for health, and WHO classifies the evidence supporting this recommendation as “strong”. </a:t>
+              <a:t>There is a wealth of literature that supports the known risk factors: obesity, sedentary lifestyle, and poor diet. Within dietary behaviors, sugar-sweetened beverages have been identified as major risk factor for diabetes, a behavior that can lead to adiposity, or fat deposition.</a:t>
             </a:r>
           </a:p>
           <a:p>
@@ -1195,6 +2017,52 @@
             <a:endParaRPr lang="en-US" baseline="0" dirty="0" smtClean="0"/>
           </a:p>
           <a:p>
+            <a:pPr marL="0" marR="0" indent="0" algn="l" defTabSz="914400" rtl="0" eaLnBrk="1" fontAlgn="auto" latinLnBrk="0" hangingPunct="1">
+              <a:lnSpc>
+                <a:spcPct val="100000"/>
+              </a:lnSpc>
+              <a:spcBef>
+                <a:spcPts val="0"/>
+              </a:spcBef>
+              <a:spcAft>
+                <a:spcPts val="0"/>
+              </a:spcAft>
+              <a:buClrTx/>
+              <a:buSzTx/>
+              <a:buFontTx/>
+              <a:buNone/>
+              <a:tabLst/>
+              <a:defRPr/>
+            </a:pPr>
+            <a:endParaRPr lang="en-US" baseline="0" dirty="0" smtClean="0"/>
+          </a:p>
+          <a:p>
+            <a:pPr marL="0" marR="0" indent="0" algn="l" defTabSz="914400" rtl="0" eaLnBrk="1" fontAlgn="auto" latinLnBrk="0" hangingPunct="1">
+              <a:lnSpc>
+                <a:spcPct val="100000"/>
+              </a:lnSpc>
+              <a:spcBef>
+                <a:spcPts val="0"/>
+              </a:spcBef>
+              <a:spcAft>
+                <a:spcPts val="0"/>
+              </a:spcAft>
+              <a:buClrTx/>
+              <a:buSzTx/>
+              <a:buFontTx/>
+              <a:buNone/>
+              <a:tabLst/>
+              <a:defRPr/>
+            </a:pPr>
+            <a:r>
+              <a:rPr lang="en-US" baseline="0" dirty="0" smtClean="0"/>
+              <a:t>(have to cite these major studies)</a:t>
+            </a:r>
+          </a:p>
+          <a:p>
+            <a:endParaRPr lang="en-US" baseline="0" dirty="0" smtClean="0"/>
+          </a:p>
+          <a:p>
             <a:endParaRPr lang="en-US" dirty="0"/>
           </a:p>
         </p:txBody>
@@ -1216,7 +2084,7 @@
           <a:p>
             <a:fld id="{C2C24509-F6BB-CF41-A66A-A982CBBBCD86}" type="slidenum">
               <a:rPr lang="en-US" smtClean="0"/>
-              <a:t>4</a:t>
+              <a:t>6</a:t>
             </a:fld>
             <a:endParaRPr lang="en-US"/>
           </a:p>
@@ -1225,7 +2093,7 @@
     </p:spTree>
     <p:extLst>
       <p:ext uri="{BB962C8B-B14F-4D97-AF65-F5344CB8AC3E}">
-        <p14:creationId xmlns:p14="http://schemas.microsoft.com/office/powerpoint/2010/main" val="236515258"/>
+        <p14:creationId xmlns:p14="http://schemas.microsoft.com/office/powerpoint/2010/main" val="282644396"/>
       </p:ext>
     </p:extLst>
   </p:cSld>
@@ -1298,8 +2166,30 @@
             </a:pPr>
             <a:r>
               <a:rPr lang="en-US" baseline="0" dirty="0" smtClean="0"/>
-              <a:t>The problem? There are approximately 40 grams of sugar in ONE can of soda. </a:t>
-            </a:r>
+              <a:t>Recently, the World Health Organization has set forth recommendations for added sugar consumption: no more than 25 grams a day, or about 5% of total daily calories coming from sugar. This is the optimum threshold for health, and WHO classifies the evidence supporting this recommendation as “strong”. </a:t>
+            </a:r>
+          </a:p>
+          <a:p>
+            <a:pPr marL="0" marR="0" indent="0" algn="l" defTabSz="914400" rtl="0" eaLnBrk="1" fontAlgn="auto" latinLnBrk="0" hangingPunct="1">
+              <a:lnSpc>
+                <a:spcPct val="100000"/>
+              </a:lnSpc>
+              <a:spcBef>
+                <a:spcPts val="0"/>
+              </a:spcBef>
+              <a:spcAft>
+                <a:spcPts val="0"/>
+              </a:spcAft>
+              <a:buClrTx/>
+              <a:buSzTx/>
+              <a:buFontTx/>
+              <a:buNone/>
+              <a:tabLst/>
+              <a:defRPr/>
+            </a:pPr>
+            <a:endParaRPr lang="en-US" baseline="0" dirty="0" smtClean="0"/>
+          </a:p>
+          <a:p>
             <a:endParaRPr lang="en-US" dirty="0"/>
           </a:p>
         </p:txBody>
@@ -1321,7 +2211,7 @@
           <a:p>
             <a:fld id="{C2C24509-F6BB-CF41-A66A-A982CBBBCD86}" type="slidenum">
               <a:rPr lang="en-US" smtClean="0"/>
-              <a:t>5</a:t>
+              <a:t>7</a:t>
             </a:fld>
             <a:endParaRPr lang="en-US"/>
           </a:p>
@@ -1330,7 +2220,7 @@
     </p:spTree>
     <p:extLst>
       <p:ext uri="{BB962C8B-B14F-4D97-AF65-F5344CB8AC3E}">
-        <p14:creationId xmlns:p14="http://schemas.microsoft.com/office/powerpoint/2010/main" val="905864825"/>
+        <p14:creationId xmlns:p14="http://schemas.microsoft.com/office/powerpoint/2010/main" val="236515258"/>
       </p:ext>
     </p:extLst>
   </p:cSld>
@@ -1403,11 +2293,8 @@
             </a:pPr>
             <a:r>
               <a:rPr lang="en-US" baseline="0" dirty="0" smtClean="0"/>
-              <a:t>Many of the excessive sugars we consume are “hidden” from us.  Unlike the sugars in fruit, which have their absorption into our bodies slowed down by their fiber content, sugary drinks provide us with a large amount of easily absorbable sugars. Without the fiber, we may not feel satiated, making it easier to consume more of these liquids. </a:t>
-            </a:r>
-            <a:endParaRPr lang="en-US" dirty="0" smtClean="0"/>
-          </a:p>
-          <a:p>
+              <a:t>The problem? There are approximately 40 grams of sugar in ONE can of soda. </a:t>
+            </a:r>
             <a:endParaRPr lang="en-US" dirty="0"/>
           </a:p>
         </p:txBody>
@@ -1429,7 +2316,7 @@
           <a:p>
             <a:fld id="{C2C24509-F6BB-CF41-A66A-A982CBBBCD86}" type="slidenum">
               <a:rPr lang="en-US" smtClean="0"/>
-              <a:t>6</a:t>
+              <a:t>8</a:t>
             </a:fld>
             <a:endParaRPr lang="en-US"/>
           </a:p>
@@ -1438,7 +2325,7 @@
     </p:spTree>
     <p:extLst>
       <p:ext uri="{BB962C8B-B14F-4D97-AF65-F5344CB8AC3E}">
-        <p14:creationId xmlns:p14="http://schemas.microsoft.com/office/powerpoint/2010/main" val="117721341"/>
+        <p14:creationId xmlns:p14="http://schemas.microsoft.com/office/powerpoint/2010/main" val="905864825"/>
       </p:ext>
     </p:extLst>
   </p:cSld>
@@ -1498,7 +2385,19 @@
             </a:r>
             <a:r>
               <a:rPr lang="en-US" baseline="0" dirty="0" smtClean="0"/>
-              <a:t> reduce sugar intake, many people utilize artificial sweeteners; as aspartame, saccharine, and sucralose, marketed as Equal,  </a:t>
+              <a:t> reduce sugar intake, many people utilize artificial sweeteners; like</a:t>
+            </a:r>
+            <a:r>
+              <a:rPr lang="zh-CN" altLang="en-US" baseline="0" dirty="0" smtClean="0"/>
+              <a:t> </a:t>
+            </a:r>
+            <a:r>
+              <a:rPr lang="en-US" altLang="zh-CN" baseline="0" dirty="0" smtClean="0"/>
+              <a:t>as</a:t>
+            </a:r>
+            <a:r>
+              <a:rPr lang="en-US" baseline="0" dirty="0" smtClean="0"/>
+              <a:t>partame, saccharine, and sucralose, marketed as Equal,  </a:t>
             </a:r>
             <a:r>
               <a:rPr lang="en-US" baseline="0" dirty="0" err="1" smtClean="0"/>
@@ -1506,7 +2405,195 @@
             </a:r>
             <a:r>
               <a:rPr lang="en-US" baseline="0" dirty="0" smtClean="0"/>
-              <a:t>, or Splenda, respectively. These are scrutinized, and may come with their own controversies, but many still find them to be a suitable, calorie-free alternative. </a:t>
+              <a:t>, or Splenda, respectively. These are scrutinized, and may come with their own controversies, but many still find them to be a suitable, calorie-free alternative. The</a:t>
+            </a:r>
+            <a:r>
+              <a:rPr lang="zh-CN" altLang="en-US" baseline="0" dirty="0" smtClean="0"/>
+              <a:t> </a:t>
+            </a:r>
+            <a:r>
+              <a:rPr lang="en-US" altLang="zh-CN" baseline="0" dirty="0" smtClean="0"/>
+              <a:t>researchers</a:t>
+            </a:r>
+            <a:r>
+              <a:rPr lang="zh-CN" altLang="en-US" baseline="0" dirty="0" smtClean="0"/>
+              <a:t> </a:t>
+            </a:r>
+            <a:r>
+              <a:rPr lang="en-US" altLang="zh-CN" baseline="0" dirty="0" smtClean="0"/>
+              <a:t>are</a:t>
+            </a:r>
+            <a:r>
+              <a:rPr lang="zh-CN" altLang="en-US" baseline="0" dirty="0" smtClean="0"/>
+              <a:t> </a:t>
+            </a:r>
+            <a:r>
+              <a:rPr lang="en-US" altLang="zh-CN" baseline="0" dirty="0" smtClean="0"/>
+              <a:t>not</a:t>
+            </a:r>
+            <a:r>
+              <a:rPr lang="zh-CN" altLang="en-US" baseline="0" dirty="0" smtClean="0"/>
+              <a:t> </a:t>
+            </a:r>
+            <a:r>
+              <a:rPr lang="en-US" altLang="zh-CN" baseline="0" dirty="0" smtClean="0"/>
+              <a:t>so</a:t>
+            </a:r>
+            <a:r>
+              <a:rPr lang="zh-CN" altLang="en-US" baseline="0" dirty="0" smtClean="0"/>
+              <a:t> </a:t>
+            </a:r>
+            <a:r>
+              <a:rPr lang="en-US" altLang="zh-CN" baseline="0" dirty="0" smtClean="0"/>
+              <a:t>convinced,</a:t>
+            </a:r>
+            <a:r>
+              <a:rPr lang="zh-CN" altLang="en-US" baseline="0" dirty="0" smtClean="0"/>
+              <a:t> </a:t>
+            </a:r>
+            <a:r>
+              <a:rPr lang="en-US" altLang="zh-CN" baseline="0" dirty="0" smtClean="0"/>
+              <a:t>however.</a:t>
+            </a:r>
+            <a:r>
+              <a:rPr lang="zh-CN" altLang="en-US" baseline="0" dirty="0" smtClean="0"/>
+              <a:t> </a:t>
+            </a:r>
+            <a:r>
+              <a:rPr lang="en-US" altLang="zh-CN" baseline="0" dirty="0" smtClean="0"/>
+              <a:t>Some</a:t>
+            </a:r>
+            <a:r>
+              <a:rPr lang="zh-CN" altLang="en-US" baseline="0" dirty="0" smtClean="0"/>
+              <a:t> </a:t>
+            </a:r>
+            <a:r>
+              <a:rPr lang="en-US" altLang="zh-CN" baseline="0" dirty="0" smtClean="0"/>
+              <a:t>previous</a:t>
+            </a:r>
+            <a:r>
+              <a:rPr lang="zh-CN" altLang="en-US" baseline="0" dirty="0" smtClean="0"/>
+              <a:t> </a:t>
+            </a:r>
+            <a:r>
+              <a:rPr lang="en-US" altLang="zh-CN" baseline="0" dirty="0" smtClean="0"/>
+              <a:t>studies</a:t>
+            </a:r>
+            <a:r>
+              <a:rPr lang="zh-CN" altLang="en-US" baseline="0" dirty="0" smtClean="0"/>
+              <a:t> </a:t>
+            </a:r>
+            <a:r>
+              <a:rPr lang="en-US" altLang="zh-CN" baseline="0" dirty="0" smtClean="0"/>
+              <a:t>have</a:t>
+            </a:r>
+            <a:r>
+              <a:rPr lang="zh-CN" altLang="en-US" baseline="0" dirty="0" smtClean="0"/>
+              <a:t> </a:t>
+            </a:r>
+            <a:r>
+              <a:rPr lang="en-US" altLang="zh-CN" baseline="0" dirty="0" smtClean="0"/>
+              <a:t>demonstrated</a:t>
+            </a:r>
+            <a:r>
+              <a:rPr lang="zh-CN" altLang="en-US" baseline="0" dirty="0" smtClean="0"/>
+              <a:t> </a:t>
+            </a:r>
+            <a:r>
+              <a:rPr lang="en-US" altLang="zh-CN" baseline="0" dirty="0" smtClean="0"/>
+              <a:t>an</a:t>
+            </a:r>
+            <a:r>
+              <a:rPr lang="zh-CN" altLang="en-US" baseline="0" dirty="0" smtClean="0"/>
+              <a:t> </a:t>
+            </a:r>
+            <a:r>
+              <a:rPr lang="en-US" altLang="zh-CN" baseline="0" dirty="0" smtClean="0"/>
+              <a:t>association</a:t>
+            </a:r>
+            <a:r>
+              <a:rPr lang="zh-CN" altLang="en-US" baseline="0" dirty="0" smtClean="0"/>
+              <a:t> </a:t>
+            </a:r>
+            <a:r>
+              <a:rPr lang="en-US" altLang="zh-CN" baseline="0" dirty="0" smtClean="0"/>
+              <a:t>between</a:t>
+            </a:r>
+            <a:r>
+              <a:rPr lang="zh-CN" altLang="en-US" baseline="0" dirty="0" smtClean="0"/>
+              <a:t> </a:t>
+            </a:r>
+            <a:r>
+              <a:rPr lang="en-US" altLang="zh-CN" baseline="0" dirty="0" smtClean="0"/>
+              <a:t>these</a:t>
+            </a:r>
+            <a:r>
+              <a:rPr lang="zh-CN" altLang="en-US" baseline="0" dirty="0" smtClean="0"/>
+              <a:t> </a:t>
+            </a:r>
+            <a:r>
+              <a:rPr lang="en-US" altLang="zh-CN" baseline="0" dirty="0" smtClean="0"/>
+              <a:t>artificial</a:t>
+            </a:r>
+            <a:r>
+              <a:rPr lang="zh-CN" altLang="en-US" baseline="0" dirty="0" smtClean="0"/>
+              <a:t> </a:t>
+            </a:r>
+            <a:r>
+              <a:rPr lang="en-US" altLang="zh-CN" baseline="0" dirty="0" smtClean="0"/>
+              <a:t>sweeteners</a:t>
+            </a:r>
+            <a:r>
+              <a:rPr lang="zh-CN" altLang="en-US" baseline="0" dirty="0" smtClean="0"/>
+              <a:t> </a:t>
+            </a:r>
+            <a:r>
+              <a:rPr lang="en-US" altLang="zh-CN" baseline="0" dirty="0" smtClean="0"/>
+              <a:t>and</a:t>
+            </a:r>
+            <a:r>
+              <a:rPr lang="zh-CN" altLang="en-US" baseline="0" dirty="0" smtClean="0"/>
+              <a:t> </a:t>
+            </a:r>
+            <a:r>
+              <a:rPr lang="en-US" altLang="zh-CN" baseline="0" dirty="0" smtClean="0"/>
+              <a:t>increased</a:t>
+            </a:r>
+            <a:r>
+              <a:rPr lang="zh-CN" altLang="en-US" baseline="0" dirty="0" smtClean="0"/>
+              <a:t> </a:t>
+            </a:r>
+            <a:r>
+              <a:rPr lang="en-US" altLang="zh-CN" baseline="0" dirty="0" smtClean="0"/>
+              <a:t>type</a:t>
+            </a:r>
+            <a:r>
+              <a:rPr lang="zh-CN" altLang="en-US" baseline="0" dirty="0" smtClean="0"/>
+              <a:t> </a:t>
+            </a:r>
+            <a:r>
+              <a:rPr lang="en-US" altLang="zh-CN" baseline="0" dirty="0" smtClean="0"/>
+              <a:t>2</a:t>
+            </a:r>
+            <a:r>
+              <a:rPr lang="zh-CN" altLang="en-US" baseline="0" dirty="0" smtClean="0"/>
+              <a:t> </a:t>
+            </a:r>
+            <a:r>
+              <a:rPr lang="en-US" altLang="zh-CN" baseline="0" dirty="0" smtClean="0"/>
+              <a:t>diabetes</a:t>
+            </a:r>
+            <a:r>
+              <a:rPr lang="zh-CN" altLang="en-US" baseline="0" dirty="0" smtClean="0"/>
+              <a:t> </a:t>
+            </a:r>
+            <a:r>
+              <a:rPr lang="en-US" altLang="zh-CN" baseline="0" dirty="0" smtClean="0"/>
+              <a:t>risk.</a:t>
+            </a:r>
+            <a:r>
+              <a:rPr lang="zh-CN" altLang="en-US" baseline="0" dirty="0" smtClean="0"/>
+              <a:t> </a:t>
             </a:r>
             <a:endParaRPr lang="en-US" dirty="0"/>
           </a:p>
@@ -1529,7 +2616,7 @@
           <a:p>
             <a:fld id="{C2C24509-F6BB-CF41-A66A-A982CBBBCD86}" type="slidenum">
               <a:rPr lang="en-US" smtClean="0"/>
-              <a:t>7</a:t>
+              <a:t>9</a:t>
             </a:fld>
             <a:endParaRPr lang="en-US"/>
           </a:p>
@@ -1597,14 +2684,33 @@
               <a:t>The</a:t>
             </a:r>
             <a:r>
+              <a:rPr lang="zh-CN" altLang="en-US" dirty="0" smtClean="0"/>
+              <a:t> </a:t>
+            </a:r>
+            <a:r>
+              <a:rPr lang="en-US" altLang="zh-CN" dirty="0" smtClean="0"/>
+              <a:t>last</a:t>
+            </a:r>
+            <a:r>
+              <a:rPr lang="zh-CN" altLang="en-US" dirty="0" smtClean="0"/>
+              <a:t> </a:t>
+            </a:r>
+            <a:r>
+              <a:rPr lang="en-US" altLang="zh-CN" dirty="0" err="1" smtClean="0"/>
+              <a:t>background:</a:t>
+            </a:r>
+            <a:r>
+              <a:rPr lang="en-US" dirty="0" err="1" smtClean="0"/>
+              <a:t>The</a:t>
+            </a:r>
+            <a:r>
               <a:rPr lang="en-US" baseline="0" dirty="0" smtClean="0"/>
-              <a:t> connection between sugar and chronic disease is so strong, that many cities have already administered public health campaigns in order to curb the overconsumption of the liquid sweets, an easy way to mindlessly consume several days worth of </a:t>
+              <a:t> </a:t>
             </a:r>
             <a:r>
               <a:rPr lang="en-US" baseline="0" dirty="0" smtClean="0"/>
-              <a:t>sugar. There have also been many proposed ”sugar taxes” on these drinks. </a:t>
-            </a:r>
-            <a:endParaRPr lang="en-US" baseline="0" dirty="0" smtClean="0"/>
+              <a:t>connection between sugar and chronic disease is so strong, that many cities have already administered public health campaigns in order to curb the overconsumption of the liquid sweets, an easy way to mindlessly consume several days worth of sugar. There have also been many proposed ”sugar taxes” on these drinks. </a:t>
+            </a:r>
           </a:p>
         </p:txBody>
       </p:sp>
@@ -1625,7 +2731,7 @@
           <a:p>
             <a:fld id="{C2C24509-F6BB-CF41-A66A-A982CBBBCD86}" type="slidenum">
               <a:rPr lang="en-US" smtClean="0"/>
-              <a:t>8</a:t>
+              <a:t>10</a:t>
             </a:fld>
             <a:endParaRPr lang="en-US"/>
           </a:p>
@@ -1663,7 +2769,7 @@
       </p:grpSpPr>
       <p:sp>
         <p:nvSpPr>
-          <p:cNvPr id="2" name="Slide Image Placeholder 1"/>
+          <p:cNvPr id="2" name="幻灯片图像占位符 1"/>
           <p:cNvSpPr>
             <a:spLocks noGrp="1" noRot="1" noChangeAspect="1"/>
           </p:cNvSpPr>
@@ -1675,7 +2781,7 @@
       </p:sp>
       <p:sp>
         <p:nvSpPr>
-          <p:cNvPr id="3" name="Notes Placeholder 2"/>
+          <p:cNvPr id="3" name="备注占位符 2"/>
           <p:cNvSpPr>
             <a:spLocks noGrp="1"/>
           </p:cNvSpPr>
@@ -1688,30 +2794,57 @@
           <a:bodyPr/>
           <a:lstStyle/>
           <a:p>
-            <a:r>
-              <a:rPr lang="en-US" dirty="0" smtClean="0"/>
-              <a:t>The</a:t>
-            </a:r>
-            <a:r>
-              <a:rPr lang="en-US" baseline="0" dirty="0" smtClean="0"/>
-              <a:t> Health Professional Follow Up Study implements restriction in its design, by limiting the participants to men. This removes gender based bias in the analysis. </a:t>
-            </a:r>
-          </a:p>
-          <a:p>
-            <a:endParaRPr lang="en-US" baseline="0" dirty="0" smtClean="0"/>
-          </a:p>
-          <a:p>
-            <a:r>
-              <a:rPr lang="en-US" baseline="0" dirty="0" smtClean="0"/>
-              <a:t>(fun emoji on duplicate slide!)</a:t>
-            </a:r>
-            <a:endParaRPr lang="en-US" dirty="0"/>
-          </a:p>
-        </p:txBody>
-      </p:sp>
-      <p:sp>
-        <p:nvSpPr>
-          <p:cNvPr id="4" name="Slide Number Placeholder 3"/>
+            <a:pPr marL="0" marR="0" indent="0" algn="l" defTabSz="914400" rtl="0" eaLnBrk="1" fontAlgn="auto" latinLnBrk="0" hangingPunct="1">
+              <a:lnSpc>
+                <a:spcPct val="100000"/>
+              </a:lnSpc>
+              <a:spcBef>
+                <a:spcPts val="0"/>
+              </a:spcBef>
+              <a:spcAft>
+                <a:spcPts val="0"/>
+              </a:spcAft>
+              <a:buClrTx/>
+              <a:buSzTx/>
+              <a:buFontTx/>
+              <a:buNone/>
+              <a:tabLst/>
+              <a:defRPr/>
+            </a:pPr>
+            <a:r>
+              <a:rPr lang="en-US" altLang="zh-CN" baseline="0" dirty="0" smtClean="0"/>
+              <a:t>This</a:t>
+            </a:r>
+            <a:r>
+              <a:rPr lang="zh-CN" altLang="en-US" baseline="0" dirty="0" smtClean="0"/>
+              <a:t> </a:t>
+            </a:r>
+            <a:r>
+              <a:rPr lang="en-US" altLang="zh-CN" baseline="0" dirty="0" smtClean="0"/>
+              <a:t>study</a:t>
+            </a:r>
+            <a:r>
+              <a:rPr lang="zh-CN" altLang="en-US" baseline="0" dirty="0" smtClean="0"/>
+              <a:t> </a:t>
+            </a:r>
+            <a:r>
+              <a:rPr lang="en-US" altLang="zh-CN" baseline="0" dirty="0" smtClean="0"/>
+              <a:t>takes an already existing longitudinal survey, and mines it for pertinent data. That data and subsequent analysis is used in an attempt to clarify and strengthen the associations between our exposures, sugar sweetened and artificially sweetened beverages, and our disease, Type 2 diabetes. </a:t>
+            </a:r>
+            <a:endParaRPr lang="en-US" altLang="zh-CN" dirty="0" smtClean="0"/>
+          </a:p>
+          <a:p>
+            <a:r>
+              <a:rPr kumimoji="1" lang="en-US" altLang="zh-CN" dirty="0" smtClean="0"/>
+              <a:t>u</a:t>
+            </a:r>
+            <a:endParaRPr kumimoji="1" lang="zh-CN" altLang="en-US" dirty="0"/>
+          </a:p>
+        </p:txBody>
+      </p:sp>
+      <p:sp>
+        <p:nvSpPr>
+          <p:cNvPr id="4" name="幻灯片编号占位符 3"/>
           <p:cNvSpPr>
             <a:spLocks noGrp="1"/>
           </p:cNvSpPr>
@@ -1726,7 +2859,7 @@
           <a:p>
             <a:fld id="{C2C24509-F6BB-CF41-A66A-A982CBBBCD86}" type="slidenum">
               <a:rPr lang="en-US" smtClean="0"/>
-              <a:t>11</a:t>
+              <a:t>12</a:t>
             </a:fld>
             <a:endParaRPr lang="en-US"/>
           </a:p>
@@ -1735,7 +2868,7 @@
     </p:spTree>
     <p:extLst>
       <p:ext uri="{BB962C8B-B14F-4D97-AF65-F5344CB8AC3E}">
-        <p14:creationId xmlns:p14="http://schemas.microsoft.com/office/powerpoint/2010/main" val="2060021771"/>
+        <p14:creationId xmlns:p14="http://schemas.microsoft.com/office/powerpoint/2010/main" val="2161660716"/>
       </p:ext>
     </p:extLst>
   </p:cSld>
@@ -1876,7 +3009,7 @@
           <a:p>
             <a:fld id="{433D9D1F-00C1-EB45-877D-FCD374FF7806}" type="datetimeFigureOut">
               <a:rPr lang="en-US" smtClean="0"/>
-              <a:t>11/16/17</a:t>
+              <a:t>17/11/17</a:t>
             </a:fld>
             <a:endParaRPr lang="en-US"/>
           </a:p>
@@ -2046,7 +3179,7 @@
           <a:p>
             <a:fld id="{433D9D1F-00C1-EB45-877D-FCD374FF7806}" type="datetimeFigureOut">
               <a:rPr lang="en-US" smtClean="0"/>
-              <a:t>11/16/17</a:t>
+              <a:t>17/11/17</a:t>
             </a:fld>
             <a:endParaRPr lang="en-US"/>
           </a:p>
@@ -2226,7 +3359,7 @@
           <a:p>
             <a:fld id="{433D9D1F-00C1-EB45-877D-FCD374FF7806}" type="datetimeFigureOut">
               <a:rPr lang="en-US" smtClean="0"/>
-              <a:t>11/16/17</a:t>
+              <a:t>17/11/17</a:t>
             </a:fld>
             <a:endParaRPr lang="en-US"/>
           </a:p>
@@ -2396,7 +3529,7 @@
           <a:p>
             <a:fld id="{433D9D1F-00C1-EB45-877D-FCD374FF7806}" type="datetimeFigureOut">
               <a:rPr lang="en-US" smtClean="0"/>
-              <a:t>11/16/17</a:t>
+              <a:t>17/11/17</a:t>
             </a:fld>
             <a:endParaRPr lang="en-US"/>
           </a:p>
@@ -2642,7 +3775,7 @@
           <a:p>
             <a:fld id="{433D9D1F-00C1-EB45-877D-FCD374FF7806}" type="datetimeFigureOut">
               <a:rPr lang="en-US" smtClean="0"/>
-              <a:t>11/16/17</a:t>
+              <a:t>17/11/17</a:t>
             </a:fld>
             <a:endParaRPr lang="en-US"/>
           </a:p>
@@ -2874,7 +4007,7 @@
           <a:p>
             <a:fld id="{433D9D1F-00C1-EB45-877D-FCD374FF7806}" type="datetimeFigureOut">
               <a:rPr lang="en-US" smtClean="0"/>
-              <a:t>11/16/17</a:t>
+              <a:t>17/11/17</a:t>
             </a:fld>
             <a:endParaRPr lang="en-US"/>
           </a:p>
@@ -3241,7 +4374,7 @@
           <a:p>
             <a:fld id="{433D9D1F-00C1-EB45-877D-FCD374FF7806}" type="datetimeFigureOut">
               <a:rPr lang="en-US" smtClean="0"/>
-              <a:t>11/16/17</a:t>
+              <a:t>17/11/17</a:t>
             </a:fld>
             <a:endParaRPr lang="en-US"/>
           </a:p>
@@ -3359,7 +4492,7 @@
           <a:p>
             <a:fld id="{433D9D1F-00C1-EB45-877D-FCD374FF7806}" type="datetimeFigureOut">
               <a:rPr lang="en-US" smtClean="0"/>
-              <a:t>11/16/17</a:t>
+              <a:t>17/11/17</a:t>
             </a:fld>
             <a:endParaRPr lang="en-US"/>
           </a:p>
@@ -3454,7 +4587,7 @@
           <a:p>
             <a:fld id="{433D9D1F-00C1-EB45-877D-FCD374FF7806}" type="datetimeFigureOut">
               <a:rPr lang="en-US" smtClean="0"/>
-              <a:t>11/16/17</a:t>
+              <a:t>17/11/17</a:t>
             </a:fld>
             <a:endParaRPr lang="en-US"/>
           </a:p>
@@ -3731,7 +4864,7 @@
           <a:p>
             <a:fld id="{433D9D1F-00C1-EB45-877D-FCD374FF7806}" type="datetimeFigureOut">
               <a:rPr lang="en-US" smtClean="0"/>
-              <a:t>11/16/17</a:t>
+              <a:t>17/11/17</a:t>
             </a:fld>
             <a:endParaRPr lang="en-US"/>
           </a:p>
@@ -3984,7 +5117,7 @@
           <a:p>
             <a:fld id="{433D9D1F-00C1-EB45-877D-FCD374FF7806}" type="datetimeFigureOut">
               <a:rPr lang="en-US" smtClean="0"/>
-              <a:t>11/16/17</a:t>
+              <a:t>17/11/17</a:t>
             </a:fld>
             <a:endParaRPr lang="en-US"/>
           </a:p>
@@ -4197,7 +5330,7 @@
           <a:p>
             <a:fld id="{433D9D1F-00C1-EB45-877D-FCD374FF7806}" type="datetimeFigureOut">
               <a:rPr lang="en-US" smtClean="0"/>
-              <a:t>11/16/17</a:t>
+              <a:t>17/11/17</a:t>
             </a:fld>
             <a:endParaRPr lang="en-US"/>
           </a:p>
@@ -4604,154 +5737,212 @@
       </p:grpSpPr>
       <p:sp>
         <p:nvSpPr>
-          <p:cNvPr id="2" name="Title 1"/>
-          <p:cNvSpPr>
-            <a:spLocks noGrp="1"/>
-          </p:cNvSpPr>
-          <p:nvPr>
-            <p:ph type="title"/>
-          </p:nvPr>
+          <p:cNvPr id="4" name="文本框 3"/>
+          <p:cNvSpPr txBox="1"/>
+          <p:nvPr/>
         </p:nvSpPr>
         <p:spPr>
           <a:xfrm>
-            <a:off x="255181" y="191386"/>
-            <a:ext cx="11098619" cy="1998921"/>
+            <a:off x="1843393" y="307304"/>
+            <a:ext cx="7680806" cy="6894194"/>
           </a:xfrm>
+          <a:prstGeom prst="rect">
+            <a:avLst/>
+          </a:prstGeom>
+          <a:noFill/>
         </p:spPr>
         <p:txBody>
-          <a:bodyPr>
-            <a:normAutofit/>
+          <a:bodyPr wrap="square" rtlCol="0">
+            <a:spAutoFit/>
           </a:bodyPr>
           <a:lstStyle/>
           <a:p>
-            <a:r>
-              <a:rPr lang="en-US" dirty="0"/>
-              <a:t>Sugar Sweetened and </a:t>
-            </a:r>
-            <a:r>
-              <a:rPr lang="en-US" dirty="0" smtClean="0"/>
-              <a:t>artificially-sweetened </a:t>
-            </a:r>
-            <a:r>
-              <a:rPr lang="en-US" dirty="0"/>
-              <a:t>beverage consumption and risk of type 2 diabetes in men</a:t>
-            </a:r>
-            <a:endParaRPr lang="en-US" dirty="0"/>
-          </a:p>
-        </p:txBody>
-      </p:sp>
-      <p:sp>
-        <p:nvSpPr>
-          <p:cNvPr id="3" name="Content Placeholder 2"/>
-          <p:cNvSpPr>
-            <a:spLocks noGrp="1"/>
-          </p:cNvSpPr>
-          <p:nvPr>
-            <p:ph idx="1"/>
-          </p:nvPr>
-        </p:nvSpPr>
-        <p:spPr>
-          <a:xfrm>
-            <a:off x="838200" y="2424223"/>
-            <a:ext cx="9964479" cy="3752740"/>
-          </a:xfrm>
-        </p:spPr>
-        <p:txBody>
-          <a:bodyPr>
-            <a:normAutofit fontScale="77500" lnSpcReduction="20000"/>
-          </a:bodyPr>
-          <a:lstStyle/>
-          <a:p>
-            <a:r>
-              <a:rPr lang="en-US" dirty="0" smtClean="0"/>
-              <a:t>Lawrence de </a:t>
-            </a:r>
-            <a:r>
-              <a:rPr lang="en-US" dirty="0" err="1" smtClean="0"/>
-              <a:t>Koning</a:t>
-            </a:r>
-            <a:r>
-              <a:rPr lang="en-US" dirty="0" smtClean="0"/>
-              <a:t>, </a:t>
-            </a:r>
-            <a:r>
-              <a:rPr lang="en-US" dirty="0" err="1" smtClean="0"/>
-              <a:t>Vasanti</a:t>
-            </a:r>
-            <a:r>
-              <a:rPr lang="en-US" dirty="0" smtClean="0"/>
-              <a:t> S Malik, Eric B </a:t>
-            </a:r>
-            <a:r>
-              <a:rPr lang="en-US" dirty="0" err="1" smtClean="0"/>
-              <a:t>Rimm</a:t>
-            </a:r>
-            <a:r>
-              <a:rPr lang="en-US" dirty="0" smtClean="0"/>
-              <a:t>, Walter C Willett, Frank B Hu</a:t>
-            </a:r>
-          </a:p>
-          <a:p>
-            <a:endParaRPr lang="en-US" dirty="0"/>
-          </a:p>
-          <a:p>
-            <a:endParaRPr lang="en-US" dirty="0" smtClean="0"/>
-          </a:p>
-          <a:p>
-            <a:r>
-              <a:rPr lang="en-US" dirty="0" smtClean="0"/>
-              <a:t>Presented </a:t>
-            </a:r>
-            <a:r>
-              <a:rPr lang="en-US" dirty="0"/>
-              <a:t>by </a:t>
-            </a:r>
-            <a:r>
-              <a:rPr lang="en-US" dirty="0" smtClean="0"/>
-              <a:t>Feben Asefaha, </a:t>
-            </a:r>
-            <a:r>
-              <a:rPr lang="en-US" dirty="0"/>
-              <a:t>Xin </a:t>
-            </a:r>
-            <a:r>
-              <a:rPr lang="en-US" dirty="0" smtClean="0"/>
-              <a:t>Zheng, &amp; </a:t>
-            </a:r>
-            <a:r>
-              <a:rPr lang="en-US" dirty="0" err="1" smtClean="0"/>
-              <a:t>Yeyi</a:t>
-            </a:r>
-            <a:r>
-              <a:rPr lang="en-US" dirty="0" smtClean="0"/>
-              <a:t> Zhang</a:t>
-            </a:r>
-          </a:p>
-          <a:p>
-            <a:endParaRPr lang="en-US" dirty="0"/>
-          </a:p>
-          <a:p>
-            <a:endParaRPr lang="en-US" dirty="0" smtClean="0"/>
-          </a:p>
-          <a:p>
-            <a:endParaRPr lang="en-US" dirty="0"/>
-          </a:p>
-          <a:p>
-            <a:endParaRPr lang="en-US" dirty="0" smtClean="0"/>
-          </a:p>
-          <a:p>
-            <a:r>
-              <a:rPr lang="en-US" dirty="0" smtClean="0"/>
-              <a:t>(maybe like pictures of a time series graph, a questionnaire, and like regular and diet sodas???)</a:t>
-            </a:r>
-            <a:endParaRPr lang="en-US" dirty="0"/>
+            <a:endParaRPr kumimoji="1" lang="en-US" altLang="zh-CN" dirty="0" smtClean="0"/>
+          </a:p>
+          <a:p>
+            <a:r>
+              <a:rPr lang="en-US" altLang="zh-CN" sz="4400" dirty="0">
+                <a:latin typeface="+mj-lt"/>
+                <a:ea typeface="+mj-ea"/>
+                <a:cs typeface="+mj-cs"/>
+              </a:rPr>
+              <a:t>Summary</a:t>
+            </a:r>
+            <a:endParaRPr lang="en-US" altLang="zh-CN" sz="4400" dirty="0">
+              <a:latin typeface="+mj-lt"/>
+              <a:ea typeface="+mj-ea"/>
+              <a:cs typeface="+mj-cs"/>
+            </a:endParaRPr>
+          </a:p>
+          <a:p>
+            <a:endParaRPr kumimoji="1" lang="en-US" altLang="zh-CN" dirty="0"/>
+          </a:p>
+          <a:p>
+            <a:pPr marL="571500" indent="-571500">
+              <a:buFont typeface="Arial"/>
+              <a:buChar char="•"/>
+            </a:pPr>
+            <a:r>
+              <a:rPr lang="en-US" altLang="zh-CN" sz="4400" dirty="0">
+                <a:latin typeface="+mj-lt"/>
+                <a:ea typeface="+mj-ea"/>
+                <a:cs typeface="+mj-cs"/>
+              </a:rPr>
+              <a:t>Background</a:t>
+            </a:r>
+          </a:p>
+          <a:p>
+            <a:pPr marL="571500" indent="-571500">
+              <a:buFont typeface="Arial"/>
+              <a:buChar char="•"/>
+            </a:pPr>
+            <a:r>
+              <a:rPr lang="en-US" altLang="zh-CN" sz="4400" dirty="0">
+                <a:latin typeface="+mj-lt"/>
+                <a:ea typeface="+mj-ea"/>
+                <a:cs typeface="+mj-cs"/>
+              </a:rPr>
+              <a:t>Study</a:t>
+            </a:r>
+            <a:r>
+              <a:rPr lang="zh-CN" altLang="en-US" sz="4400" dirty="0">
+                <a:latin typeface="+mj-lt"/>
+                <a:ea typeface="+mj-ea"/>
+                <a:cs typeface="+mj-cs"/>
+              </a:rPr>
+              <a:t> </a:t>
+            </a:r>
+            <a:r>
+              <a:rPr lang="en-US" altLang="zh-CN" sz="4400" dirty="0">
+                <a:latin typeface="+mj-lt"/>
+                <a:ea typeface="+mj-ea"/>
+                <a:cs typeface="+mj-cs"/>
+              </a:rPr>
+              <a:t>design</a:t>
+            </a:r>
+          </a:p>
+          <a:p>
+            <a:pPr marL="571500" indent="-571500">
+              <a:buFont typeface="Arial"/>
+              <a:buChar char="•"/>
+            </a:pPr>
+            <a:r>
+              <a:rPr lang="en-US" altLang="zh-CN" sz="4400" dirty="0" smtClean="0">
+                <a:latin typeface="+mj-lt"/>
+                <a:ea typeface="+mj-ea"/>
+                <a:cs typeface="+mj-cs"/>
+              </a:rPr>
+              <a:t>Analysis</a:t>
+            </a:r>
+          </a:p>
+          <a:p>
+            <a:pPr marL="571500" indent="-571500">
+              <a:buFont typeface="Arial"/>
+              <a:buChar char="•"/>
+            </a:pPr>
+            <a:r>
+              <a:rPr lang="en-US" altLang="zh-CN" sz="4400" dirty="0" smtClean="0">
+                <a:latin typeface="+mj-lt"/>
+                <a:ea typeface="+mj-ea"/>
+                <a:cs typeface="+mj-cs"/>
+              </a:rPr>
+              <a:t>Conclusion</a:t>
+            </a:r>
+            <a:endParaRPr lang="en-US" altLang="zh-CN" sz="4400" dirty="0">
+              <a:latin typeface="+mj-lt"/>
+              <a:ea typeface="+mj-ea"/>
+              <a:cs typeface="+mj-cs"/>
+            </a:endParaRPr>
+          </a:p>
+          <a:p>
+            <a:pPr marL="571500" indent="-571500">
+              <a:buFont typeface="Arial"/>
+              <a:buChar char="•"/>
+            </a:pPr>
+            <a:r>
+              <a:rPr lang="en-US" altLang="zh-CN" sz="4400" dirty="0">
+                <a:latin typeface="+mj-lt"/>
+                <a:ea typeface="+mj-ea"/>
+                <a:cs typeface="+mj-cs"/>
+              </a:rPr>
+              <a:t>Discussion</a:t>
+            </a:r>
+          </a:p>
+          <a:p>
+            <a:pPr marL="571500" indent="-571500">
+              <a:buFont typeface="Arial"/>
+              <a:buChar char="•"/>
+            </a:pPr>
+            <a:r>
+              <a:rPr lang="en-US" altLang="zh-CN" sz="4400" dirty="0">
+                <a:latin typeface="+mj-lt"/>
+                <a:ea typeface="+mj-ea"/>
+                <a:cs typeface="+mj-cs"/>
+              </a:rPr>
+              <a:t>Policy</a:t>
+            </a:r>
+            <a:r>
+              <a:rPr lang="zh-CN" altLang="en-US" sz="4400" dirty="0">
+                <a:latin typeface="+mj-lt"/>
+                <a:ea typeface="+mj-ea"/>
+                <a:cs typeface="+mj-cs"/>
+              </a:rPr>
+              <a:t> </a:t>
+            </a:r>
+            <a:r>
+              <a:rPr lang="en-US" altLang="zh-CN" sz="4400" dirty="0">
+                <a:latin typeface="+mj-lt"/>
+                <a:ea typeface="+mj-ea"/>
+                <a:cs typeface="+mj-cs"/>
+              </a:rPr>
+              <a:t>of</a:t>
+            </a:r>
+            <a:r>
+              <a:rPr lang="zh-CN" altLang="en-US" sz="4400" dirty="0">
+                <a:latin typeface="+mj-lt"/>
+                <a:ea typeface="+mj-ea"/>
+                <a:cs typeface="+mj-cs"/>
+              </a:rPr>
+              <a:t> </a:t>
+            </a:r>
+            <a:r>
+              <a:rPr lang="en-US" altLang="zh-CN" sz="4400" dirty="0">
+                <a:latin typeface="+mj-lt"/>
+                <a:ea typeface="+mj-ea"/>
+                <a:cs typeface="+mj-cs"/>
+              </a:rPr>
+              <a:t>intervention</a:t>
+            </a:r>
+          </a:p>
+          <a:p>
+            <a:pPr marL="571500" indent="-571500">
+              <a:buFont typeface="Arial"/>
+              <a:buChar char="•"/>
+            </a:pPr>
+            <a:r>
+              <a:rPr lang="en-US" altLang="zh-CN" sz="4400" dirty="0">
+                <a:latin typeface="+mj-lt"/>
+                <a:ea typeface="+mj-ea"/>
+                <a:cs typeface="+mj-cs"/>
+              </a:rPr>
+              <a:t>contribution</a:t>
+            </a:r>
+          </a:p>
+          <a:p>
+            <a:endParaRPr kumimoji="1" lang="en-US" altLang="zh-CN" dirty="0" smtClean="0"/>
+          </a:p>
+          <a:p>
+            <a:endParaRPr kumimoji="1" lang="en-US" altLang="zh-CN" dirty="0" smtClean="0"/>
+          </a:p>
+          <a:p>
+            <a:endParaRPr kumimoji="1" lang="en-US" altLang="zh-CN" dirty="0" smtClean="0"/>
           </a:p>
         </p:txBody>
       </p:sp>
     </p:spTree>
     <p:extLst>
       <p:ext uri="{BB962C8B-B14F-4D97-AF65-F5344CB8AC3E}">
-        <p14:creationId xmlns:p14="http://schemas.microsoft.com/office/powerpoint/2010/main" val="1825175468"/>
+        <p14:creationId xmlns:p14="http://schemas.microsoft.com/office/powerpoint/2010/main" val="2552926395"/>
       </p:ext>
     </p:extLst>
   </p:cSld>
@@ -4794,8 +5985,55 @@
           <a:lstStyle/>
           <a:p>
             <a:r>
+              <a:rPr lang="en-US" dirty="0" smtClean="0">
+                <a:solidFill>
+                  <a:srgbClr val="FF0000"/>
+                </a:solidFill>
+              </a:rPr>
+              <a:t>Study</a:t>
+            </a:r>
+            <a:r>
+              <a:rPr lang="zh-CN" altLang="en-US" dirty="0" smtClean="0">
+                <a:solidFill>
+                  <a:srgbClr val="FF0000"/>
+                </a:solidFill>
+              </a:rPr>
+              <a:t> </a:t>
+            </a:r>
+            <a:r>
+              <a:rPr lang="en-US" altLang="zh-CN" dirty="0" smtClean="0">
+                <a:solidFill>
+                  <a:srgbClr val="FF0000"/>
+                </a:solidFill>
+              </a:rPr>
+              <a:t>Purpose</a:t>
+            </a:r>
+            <a:endParaRPr lang="en-US" dirty="0">
+              <a:solidFill>
+                <a:srgbClr val="FF0000"/>
+              </a:solidFill>
+            </a:endParaRPr>
+          </a:p>
+        </p:txBody>
+      </p:sp>
+      <p:sp>
+        <p:nvSpPr>
+          <p:cNvPr id="3" name="Content Placeholder 2"/>
+          <p:cNvSpPr>
+            <a:spLocks noGrp="1"/>
+          </p:cNvSpPr>
+          <p:nvPr>
+            <p:ph idx="1"/>
+          </p:nvPr>
+        </p:nvSpPr>
+        <p:spPr/>
+        <p:txBody>
+          <a:bodyPr/>
+          <a:lstStyle/>
+          <a:p>
+            <a:r>
               <a:rPr lang="en-US" dirty="0" smtClean="0"/>
-              <a:t>Study Design</a:t>
+              <a:t>Data</a:t>
             </a:r>
             <a:endParaRPr lang="en-US" dirty="0"/>
           </a:p>
@@ -4803,31 +6041,37 @@
       </p:sp>
       <p:sp>
         <p:nvSpPr>
-          <p:cNvPr id="3" name="Content Placeholder 2"/>
-          <p:cNvSpPr>
-            <a:spLocks noGrp="1"/>
-          </p:cNvSpPr>
-          <p:nvPr>
-            <p:ph idx="1"/>
-          </p:nvPr>
-        </p:nvSpPr>
-        <p:spPr/>
-        <p:txBody>
-          <a:bodyPr/>
-          <a:lstStyle/>
-          <a:p>
-            <a:r>
-              <a:rPr lang="en-US" dirty="0" smtClean="0"/>
-              <a:t>Variables of Interest</a:t>
-            </a:r>
-            <a:endParaRPr lang="en-US" dirty="0"/>
+          <p:cNvPr id="4" name="矩形 3"/>
+          <p:cNvSpPr/>
+          <p:nvPr/>
+        </p:nvSpPr>
+        <p:spPr>
+          <a:xfrm>
+            <a:off x="3048000" y="2690336"/>
+            <a:ext cx="6096000" cy="1477328"/>
+          </a:xfrm>
+          <a:prstGeom prst="rect">
+            <a:avLst/>
+          </a:prstGeom>
+        </p:spPr>
+        <p:txBody>
+          <a:bodyPr>
+            <a:spAutoFit/>
+          </a:bodyPr>
+          <a:lstStyle/>
+          <a:p>
+            <a:r>
+              <a:rPr lang="en-US" altLang="zh-CN" dirty="0"/>
+              <a:t>takes an already existing longitudinal survey, and mines it for pertinent data. That data and subsequent analyses is used in an attempt to clarify and strengthen the associations between our exposures, sugar sweetened and artificially sweetened beverages, and our disease, Type 2 diabetes. </a:t>
+            </a:r>
+            <a:endParaRPr lang="en-US" altLang="zh-CN" dirty="0"/>
           </a:p>
         </p:txBody>
       </p:sp>
     </p:spTree>
     <p:extLst>
       <p:ext uri="{BB962C8B-B14F-4D97-AF65-F5344CB8AC3E}">
-        <p14:creationId xmlns:p14="http://schemas.microsoft.com/office/powerpoint/2010/main" val="1484125870"/>
+        <p14:creationId xmlns:p14="http://schemas.microsoft.com/office/powerpoint/2010/main" val="75118774"/>
       </p:ext>
     </p:extLst>
   </p:cSld>
@@ -4856,54 +6100,46 @@
       </p:grpSpPr>
       <p:sp>
         <p:nvSpPr>
-          <p:cNvPr id="2" name="Title 1"/>
-          <p:cNvSpPr>
-            <a:spLocks noGrp="1"/>
-          </p:cNvSpPr>
-          <p:nvPr>
-            <p:ph type="title"/>
-          </p:nvPr>
-        </p:nvSpPr>
-        <p:spPr/>
-        <p:txBody>
-          <a:bodyPr/>
-          <a:lstStyle/>
-          <a:p>
-            <a:r>
-              <a:rPr lang="en-US" dirty="0" smtClean="0"/>
-              <a:t>Study Design	</a:t>
-            </a:r>
-            <a:endParaRPr lang="en-US" dirty="0"/>
-          </a:p>
-        </p:txBody>
-      </p:sp>
-      <p:sp>
-        <p:nvSpPr>
-          <p:cNvPr id="3" name="Content Placeholder 2"/>
-          <p:cNvSpPr>
-            <a:spLocks noGrp="1"/>
-          </p:cNvSpPr>
-          <p:nvPr>
-            <p:ph idx="1"/>
-          </p:nvPr>
-        </p:nvSpPr>
-        <p:spPr/>
-        <p:txBody>
-          <a:bodyPr/>
-          <a:lstStyle/>
-          <a:p>
-            <a:r>
-              <a:rPr lang="en-US" dirty="0" smtClean="0"/>
-              <a:t>Participants</a:t>
-            </a:r>
-            <a:endParaRPr lang="en-US" dirty="0"/>
+          <p:cNvPr id="4" name="文本框 3"/>
+          <p:cNvSpPr txBox="1"/>
+          <p:nvPr/>
+        </p:nvSpPr>
+        <p:spPr>
+          <a:xfrm>
+            <a:off x="3699803" y="2663301"/>
+            <a:ext cx="4345398" cy="923330"/>
+          </a:xfrm>
+          <a:prstGeom prst="rect">
+            <a:avLst/>
+          </a:prstGeom>
+          <a:noFill/>
+        </p:spPr>
+        <p:txBody>
+          <a:bodyPr wrap="none" rtlCol="0">
+            <a:spAutoFit/>
+          </a:bodyPr>
+          <a:lstStyle/>
+          <a:p>
+            <a:r>
+              <a:rPr kumimoji="1" lang="en-US" altLang="zh-CN" sz="5400" dirty="0" smtClean="0"/>
+              <a:t>STUDY</a:t>
+            </a:r>
+            <a:r>
+              <a:rPr kumimoji="1" lang="zh-CN" altLang="en-US" sz="5400" dirty="0" smtClean="0"/>
+              <a:t> </a:t>
+            </a:r>
+            <a:r>
+              <a:rPr kumimoji="1" lang="en-US" altLang="zh-CN" sz="5400" dirty="0" smtClean="0"/>
+              <a:t>DESIGN</a:t>
+            </a:r>
+            <a:endParaRPr kumimoji="1" lang="zh-CN" altLang="en-US" sz="5400" dirty="0"/>
           </a:p>
         </p:txBody>
       </p:sp>
     </p:spTree>
     <p:extLst>
       <p:ext uri="{BB962C8B-B14F-4D97-AF65-F5344CB8AC3E}">
-        <p14:creationId xmlns:p14="http://schemas.microsoft.com/office/powerpoint/2010/main" val="1504318426"/>
+        <p14:creationId xmlns:p14="http://schemas.microsoft.com/office/powerpoint/2010/main" val="3923514886"/>
       </p:ext>
     </p:extLst>
   </p:cSld>
@@ -4947,7 +6183,11 @@
           <a:p>
             <a:r>
               <a:rPr lang="en-US" dirty="0" smtClean="0"/>
-              <a:t>Study Design	</a:t>
+              <a:t>Study </a:t>
+            </a:r>
+            <a:r>
+              <a:rPr lang="en-US" dirty="0" smtClean="0"/>
+              <a:t>Purpose</a:t>
             </a:r>
             <a:endParaRPr lang="en-US" dirty="0"/>
           </a:p>
@@ -4970,8 +6210,80 @@
           <a:p>
             <a:r>
               <a:rPr lang="en-US" dirty="0" smtClean="0"/>
-              <a:t>Participants</a:t>
-            </a:r>
+              <a:t>Relationship</a:t>
+            </a:r>
+            <a:r>
+              <a:rPr lang="zh-CN" altLang="en-US" dirty="0" smtClean="0"/>
+              <a:t> </a:t>
+            </a:r>
+            <a:r>
+              <a:rPr lang="en-US" altLang="zh-CN" dirty="0" smtClean="0"/>
+              <a:t>chart</a:t>
+            </a:r>
+            <a:r>
+              <a:rPr lang="zh-CN" altLang="en-US" dirty="0" smtClean="0"/>
+              <a:t> </a:t>
+            </a:r>
+            <a:r>
+              <a:rPr lang="zh-CN" altLang="zh-CN" dirty="0" smtClean="0"/>
+              <a:t>:</a:t>
+            </a:r>
+            <a:endParaRPr lang="en-US" altLang="zh-CN" dirty="0" smtClean="0"/>
+          </a:p>
+          <a:p>
+            <a:pPr marL="0" indent="0">
+              <a:buNone/>
+            </a:pPr>
+            <a:r>
+              <a:rPr lang="en-US" dirty="0" smtClean="0"/>
+              <a:t>The</a:t>
+            </a:r>
+            <a:r>
+              <a:rPr lang="zh-CN" altLang="en-US" dirty="0" smtClean="0"/>
+              <a:t> </a:t>
+            </a:r>
+            <a:r>
+              <a:rPr lang="en-US" altLang="zh-CN" dirty="0" smtClean="0"/>
+              <a:t>associations</a:t>
+            </a:r>
+            <a:r>
+              <a:rPr lang="zh-CN" altLang="en-US" dirty="0" smtClean="0"/>
+              <a:t> </a:t>
+            </a:r>
+            <a:r>
+              <a:rPr lang="en-US" altLang="zh-CN" dirty="0" smtClean="0"/>
+              <a:t>we</a:t>
+            </a:r>
+            <a:r>
+              <a:rPr lang="zh-CN" altLang="en-US" dirty="0" smtClean="0"/>
+              <a:t> </a:t>
+            </a:r>
+            <a:r>
+              <a:rPr lang="en-US" altLang="zh-CN" dirty="0" smtClean="0"/>
+              <a:t>want</a:t>
+            </a:r>
+            <a:r>
+              <a:rPr lang="zh-CN" altLang="en-US" dirty="0" smtClean="0"/>
+              <a:t> </a:t>
+            </a:r>
+            <a:r>
+              <a:rPr lang="en-US" altLang="zh-CN" dirty="0" smtClean="0"/>
+              <a:t>to</a:t>
+            </a:r>
+            <a:r>
+              <a:rPr lang="zh-CN" altLang="en-US" dirty="0" smtClean="0"/>
+              <a:t> </a:t>
+            </a:r>
+            <a:r>
+              <a:rPr lang="en-US" altLang="zh-CN" dirty="0" smtClean="0"/>
+              <a:t>examine.</a:t>
+            </a:r>
+            <a:endParaRPr lang="en-US" altLang="zh-CN" dirty="0"/>
+          </a:p>
+          <a:p>
+            <a:pPr marL="0" indent="0">
+              <a:buNone/>
+            </a:pPr>
             <a:endParaRPr lang="en-US" dirty="0"/>
           </a:p>
         </p:txBody>
@@ -4979,7 +6291,7 @@
     </p:spTree>
     <p:extLst>
       <p:ext uri="{BB962C8B-B14F-4D97-AF65-F5344CB8AC3E}">
-        <p14:creationId xmlns:p14="http://schemas.microsoft.com/office/powerpoint/2010/main" val="1384380781"/>
+        <p14:creationId xmlns:p14="http://schemas.microsoft.com/office/powerpoint/2010/main" val="1814090643"/>
       </p:ext>
     </p:extLst>
   </p:cSld>
@@ -5023,7 +6335,7 @@
           <a:p>
             <a:r>
               <a:rPr lang="en-US" dirty="0" smtClean="0"/>
-              <a:t>Study Design	</a:t>
+              <a:t>Study Design</a:t>
             </a:r>
             <a:endParaRPr lang="en-US" dirty="0"/>
           </a:p>
@@ -5046,7 +6358,114 @@
           <a:p>
             <a:r>
               <a:rPr lang="en-US" dirty="0" smtClean="0"/>
-              <a:t>Participants</a:t>
+              <a:t>Cohort</a:t>
+            </a:r>
+            <a:r>
+              <a:rPr lang="en-US" dirty="0" smtClean="0"/>
+              <a:t> study(longitude)</a:t>
+            </a:r>
+            <a:r>
+              <a:rPr lang="zh-CN" altLang="en-US" dirty="0" smtClean="0"/>
+              <a:t> </a:t>
+            </a:r>
+            <a:endParaRPr lang="en-US" dirty="0" smtClean="0"/>
+          </a:p>
+          <a:p>
+            <a:pPr marL="0" indent="0">
+              <a:buNone/>
+            </a:pPr>
+            <a:endParaRPr lang="en-US" dirty="0"/>
+          </a:p>
+          <a:p>
+            <a:r>
+              <a:rPr lang="en-US" dirty="0" smtClean="0"/>
+              <a:t>pic</a:t>
+            </a:r>
+            <a:r>
+              <a:rPr lang="zh-CN" altLang="zh-CN" dirty="0"/>
+              <a:t> </a:t>
+            </a:r>
+            <a:r>
+              <a:rPr lang="en-US" altLang="zh-CN" dirty="0" smtClean="0"/>
+              <a:t>chart:</a:t>
+            </a:r>
+          </a:p>
+          <a:p>
+            <a:r>
+              <a:rPr lang="en-US" dirty="0" smtClean="0"/>
+              <a:t>Select</a:t>
+            </a:r>
+            <a:r>
+              <a:rPr lang="zh-CN" altLang="en-US" dirty="0" smtClean="0"/>
+              <a:t> </a:t>
+            </a:r>
+            <a:r>
+              <a:rPr lang="en-US" altLang="zh-CN" dirty="0" smtClean="0"/>
+              <a:t>people</a:t>
+            </a:r>
+            <a:r>
+              <a:rPr lang="zh-CN" altLang="en-US" dirty="0" smtClean="0"/>
+              <a:t> </a:t>
+            </a:r>
+            <a:r>
+              <a:rPr lang="en-US" altLang="zh-CN" dirty="0" smtClean="0"/>
+              <a:t>in</a:t>
+            </a:r>
+            <a:r>
+              <a:rPr lang="zh-CN" altLang="en-US" dirty="0" smtClean="0"/>
+              <a:t> </a:t>
+            </a:r>
+            <a:r>
+              <a:rPr lang="en-US" altLang="zh-CN" dirty="0" smtClean="0"/>
+              <a:t>HPFS---follow</a:t>
+            </a:r>
+            <a:r>
+              <a:rPr lang="zh-CN" altLang="en-US" dirty="0" smtClean="0"/>
+              <a:t> </a:t>
+            </a:r>
+            <a:r>
+              <a:rPr lang="en-US" altLang="zh-CN" dirty="0" smtClean="0"/>
+              <a:t>up</a:t>
+            </a:r>
+            <a:r>
+              <a:rPr lang="zh-CN" altLang="en-US" dirty="0" smtClean="0"/>
+              <a:t> </a:t>
+            </a:r>
+            <a:r>
+              <a:rPr lang="en-US" altLang="zh-CN" dirty="0" smtClean="0"/>
+              <a:t>over</a:t>
+            </a:r>
+            <a:r>
+              <a:rPr lang="zh-CN" altLang="en-US" dirty="0" smtClean="0"/>
+              <a:t> </a:t>
+            </a:r>
+            <a:r>
+              <a:rPr lang="en-US" altLang="zh-CN" dirty="0" smtClean="0"/>
+              <a:t>20</a:t>
+            </a:r>
+            <a:r>
+              <a:rPr lang="zh-CN" altLang="en-US" dirty="0" smtClean="0"/>
+              <a:t> </a:t>
+            </a:r>
+            <a:r>
+              <a:rPr lang="en-US" altLang="zh-CN" dirty="0" smtClean="0"/>
+              <a:t>years---type</a:t>
+            </a:r>
+            <a:r>
+              <a:rPr lang="zh-CN" altLang="en-US" dirty="0" smtClean="0"/>
+              <a:t> </a:t>
+            </a:r>
+            <a:r>
+              <a:rPr lang="en-US" altLang="zh-CN" dirty="0" smtClean="0"/>
+              <a:t>2</a:t>
+            </a:r>
+            <a:r>
+              <a:rPr lang="zh-CN" altLang="en-US" dirty="0" smtClean="0"/>
+              <a:t> </a:t>
+            </a:r>
+            <a:r>
+              <a:rPr lang="en-US" altLang="zh-CN" dirty="0" smtClean="0"/>
+              <a:t>diabetes—data analysis-- conclusion</a:t>
             </a:r>
             <a:endParaRPr lang="en-US" dirty="0"/>
           </a:p>
@@ -5055,7 +6474,7 @@
     </p:spTree>
     <p:extLst>
       <p:ext uri="{BB962C8B-B14F-4D97-AF65-F5344CB8AC3E}">
-        <p14:creationId xmlns:p14="http://schemas.microsoft.com/office/powerpoint/2010/main" val="1353346757"/>
+        <p14:creationId xmlns:p14="http://schemas.microsoft.com/office/powerpoint/2010/main" val="3367604361"/>
       </p:ext>
     </p:extLst>
   </p:cSld>
@@ -5099,7 +6518,11 @@
           <a:p>
             <a:r>
               <a:rPr lang="en-US" dirty="0" smtClean="0"/>
-              <a:t>Study Design</a:t>
+              <a:t>Select</a:t>
+            </a:r>
+            <a:r>
+              <a:rPr lang="en-US" dirty="0" smtClean="0"/>
+              <a:t> People</a:t>
             </a:r>
             <a:endParaRPr lang="en-US" dirty="0"/>
           </a:p>
@@ -5107,7 +6530,7 @@
       </p:sp>
       <p:sp>
         <p:nvSpPr>
-          <p:cNvPr id="3" name="Content Placeholder 2"/>
+          <p:cNvPr id="4" name="内容占位符 3"/>
           <p:cNvSpPr>
             <a:spLocks noGrp="1"/>
           </p:cNvSpPr>
@@ -5120,18 +6543,14 @@
           <a:bodyPr/>
           <a:lstStyle/>
           <a:p>
-            <a:r>
-              <a:rPr lang="en-US" dirty="0" smtClean="0"/>
-              <a:t>Data Collection</a:t>
-            </a:r>
-            <a:endParaRPr lang="en-US" dirty="0"/>
+            <a:endParaRPr kumimoji="1" lang="zh-CN" altLang="en-US"/>
           </a:p>
         </p:txBody>
       </p:sp>
     </p:spTree>
     <p:extLst>
       <p:ext uri="{BB962C8B-B14F-4D97-AF65-F5344CB8AC3E}">
-        <p14:creationId xmlns:p14="http://schemas.microsoft.com/office/powerpoint/2010/main" val="2021004760"/>
+        <p14:creationId xmlns:p14="http://schemas.microsoft.com/office/powerpoint/2010/main" val="1888349369"/>
       </p:ext>
     </p:extLst>
   </p:cSld>
@@ -5174,46 +6593,202 @@
           <a:lstStyle/>
           <a:p>
             <a:r>
+              <a:rPr lang="en-US" altLang="zh-CN" dirty="0"/>
+              <a:t>Follow</a:t>
+            </a:r>
+            <a:r>
+              <a:rPr lang="zh-CN" altLang="en-US" dirty="0"/>
+              <a:t> </a:t>
+            </a:r>
+            <a:r>
+              <a:rPr lang="en-US" altLang="zh-CN" dirty="0"/>
+              <a:t>up</a:t>
+            </a:r>
+            <a:r>
+              <a:rPr lang="zh-CN" altLang="en-US" dirty="0"/>
+              <a:t> </a:t>
+            </a:r>
+            <a:endParaRPr lang="en-US" dirty="0"/>
+          </a:p>
+        </p:txBody>
+      </p:sp>
+      <p:sp>
+        <p:nvSpPr>
+          <p:cNvPr id="3" name="Content Placeholder 2"/>
+          <p:cNvSpPr>
+            <a:spLocks noGrp="1"/>
+          </p:cNvSpPr>
+          <p:nvPr>
+            <p:ph idx="1"/>
+          </p:nvPr>
+        </p:nvSpPr>
+        <p:spPr/>
+        <p:txBody>
+          <a:bodyPr/>
+          <a:lstStyle/>
+          <a:p>
+            <a:r>
+              <a:rPr lang="en-US" altLang="zh-CN" dirty="0" smtClean="0"/>
+              <a:t>over</a:t>
+            </a:r>
+            <a:r>
+              <a:rPr lang="zh-CN" altLang="en-US" dirty="0" smtClean="0"/>
+              <a:t> </a:t>
+            </a:r>
+            <a:r>
+              <a:rPr lang="en-US" altLang="zh-CN" dirty="0" smtClean="0"/>
+              <a:t>20</a:t>
+            </a:r>
+            <a:r>
+              <a:rPr lang="zh-CN" altLang="en-US" dirty="0" smtClean="0"/>
+              <a:t> </a:t>
+            </a:r>
+            <a:r>
+              <a:rPr lang="en-US" altLang="zh-CN" dirty="0" smtClean="0"/>
+              <a:t>years:</a:t>
+            </a:r>
+          </a:p>
+          <a:p>
+            <a:r>
+              <a:rPr lang="en-US" altLang="zh-CN" dirty="0" smtClean="0"/>
+              <a:t>Sent</a:t>
+            </a:r>
+            <a:r>
+              <a:rPr lang="zh-CN" altLang="en-US" dirty="0" smtClean="0"/>
+              <a:t> </a:t>
+            </a:r>
+            <a:r>
+              <a:rPr lang="en-US" altLang="zh-CN" dirty="0" smtClean="0"/>
+              <a:t>questionnaires</a:t>
+            </a:r>
+            <a:r>
+              <a:rPr lang="zh-CN" altLang="en-US" dirty="0" smtClean="0"/>
+              <a:t> </a:t>
+            </a:r>
+            <a:r>
+              <a:rPr lang="en-US" altLang="zh-CN" dirty="0" smtClean="0"/>
+              <a:t>every</a:t>
+            </a:r>
+            <a:r>
+              <a:rPr lang="zh-CN" altLang="en-US" dirty="0" smtClean="0"/>
+              <a:t> </a:t>
+            </a:r>
+            <a:r>
+              <a:rPr lang="en-US" altLang="zh-CN" dirty="0" smtClean="0"/>
+              <a:t>4</a:t>
+            </a:r>
+            <a:r>
+              <a:rPr lang="zh-CN" altLang="en-US" dirty="0" smtClean="0"/>
+              <a:t> </a:t>
+            </a:r>
+            <a:r>
+              <a:rPr lang="en-US" altLang="zh-CN" dirty="0" smtClean="0"/>
+              <a:t>years.</a:t>
+            </a:r>
+            <a:endParaRPr lang="en-US" altLang="zh-CN" dirty="0" smtClean="0"/>
+          </a:p>
+          <a:p>
+            <a:r>
+              <a:rPr lang="en-US" altLang="zh-CN" dirty="0"/>
+              <a:t>131-item semi-quantitative food-</a:t>
+            </a:r>
+            <a:r>
+              <a:rPr lang="en-US" altLang="zh-CN" dirty="0" smtClean="0"/>
+              <a:t>frequency</a:t>
+            </a:r>
+            <a:r>
+              <a:rPr lang="zh-CN" altLang="zh-CN" dirty="0"/>
+              <a:t> </a:t>
+            </a:r>
+            <a:r>
+              <a:rPr lang="en-US" altLang="zh-CN" dirty="0" smtClean="0"/>
+              <a:t>questionnaire</a:t>
+            </a:r>
+            <a:endParaRPr lang="en-US" altLang="zh-CN" dirty="0"/>
+          </a:p>
+          <a:p>
+            <a:endParaRPr lang="en-US" altLang="zh-CN" dirty="0" smtClean="0"/>
+          </a:p>
+          <a:p>
+            <a:r>
               <a:rPr lang="en-US" dirty="0" smtClean="0"/>
-              <a:t>Analysis</a:t>
+              <a:t>Variables of Interest</a:t>
+            </a:r>
+            <a:r>
+              <a:rPr lang="zh-CN" altLang="en-US" dirty="0" smtClean="0"/>
+              <a:t> </a:t>
+            </a:r>
+            <a:r>
+              <a:rPr lang="en-US" altLang="zh-CN" dirty="0" smtClean="0"/>
+              <a:t>in</a:t>
+            </a:r>
+            <a:r>
+              <a:rPr lang="zh-CN" altLang="en-US" dirty="0" smtClean="0"/>
+              <a:t> </a:t>
+            </a:r>
+            <a:r>
+              <a:rPr lang="en-US" altLang="zh-CN" dirty="0" smtClean="0"/>
+              <a:t>the</a:t>
+            </a:r>
+            <a:r>
+              <a:rPr lang="zh-CN" altLang="en-US" dirty="0" smtClean="0"/>
+              <a:t> </a:t>
+            </a:r>
+            <a:r>
+              <a:rPr lang="en-US" altLang="zh-CN" dirty="0" smtClean="0"/>
+              <a:t>questionnaire</a:t>
             </a:r>
             <a:endParaRPr lang="en-US" dirty="0"/>
           </a:p>
         </p:txBody>
       </p:sp>
-      <p:sp>
-        <p:nvSpPr>
-          <p:cNvPr id="3" name="Content Placeholder 2"/>
-          <p:cNvSpPr>
-            <a:spLocks noGrp="1"/>
-          </p:cNvSpPr>
-          <p:nvPr>
-            <p:ph idx="1"/>
-          </p:nvPr>
-        </p:nvSpPr>
-        <p:spPr/>
-        <p:txBody>
-          <a:bodyPr/>
-          <a:lstStyle/>
-          <a:p>
-            <a:r>
-              <a:rPr lang="en-US" dirty="0" smtClean="0"/>
-              <a:t>And Conclusion</a:t>
-            </a:r>
-            <a:endParaRPr lang="en-US" dirty="0"/>
-          </a:p>
-        </p:txBody>
-      </p:sp>
+      <p:pic>
+        <p:nvPicPr>
+          <p:cNvPr id="5" name="图片 4" descr="屏幕快照 2017-11-17 上午11.08.46.png"/>
+          <p:cNvPicPr>
+            <a:picLocks noChangeAspect="1"/>
+          </p:cNvPicPr>
+          <p:nvPr/>
+        </p:nvPicPr>
+        <p:blipFill>
+          <a:blip r:embed="rId3">
+            <a:extLst>
+              <a:ext uri="{28A0092B-C50C-407E-A947-70E740481C1C}">
+                <a14:useLocalDpi xmlns:a14="http://schemas.microsoft.com/office/drawing/2010/main" val="0"/>
+              </a:ext>
+            </a:extLst>
+          </a:blip>
+          <a:stretch>
+            <a:fillRect/>
+          </a:stretch>
+        </p:blipFill>
+        <p:spPr>
+          <a:xfrm>
+            <a:off x="8124640" y="0"/>
+            <a:ext cx="6148921" cy="6858000"/>
+          </a:xfrm>
+          <a:prstGeom prst="rect">
+            <a:avLst/>
+          </a:prstGeom>
+        </p:spPr>
+      </p:pic>
     </p:spTree>
     <p:extLst>
       <p:ext uri="{BB962C8B-B14F-4D97-AF65-F5344CB8AC3E}">
-        <p14:creationId xmlns:p14="http://schemas.microsoft.com/office/powerpoint/2010/main" val="1996856860"/>
+        <p14:creationId xmlns:p14="http://schemas.microsoft.com/office/powerpoint/2010/main" val="1484125870"/>
       </p:ext>
     </p:extLst>
   </p:cSld>
   <p:clrMapOvr>
     <a:masterClrMapping/>
   </p:clrMapOvr>
+  <p:timing>
+    <p:tnLst>
+      <p:par>
+        <p:cTn xmlns:p14="http://schemas.microsoft.com/office/powerpoint/2010/main" id="1" dur="indefinite" restart="never" nodeType="tmRoot"/>
+      </p:par>
+    </p:tnLst>
+  </p:timing>
 </p:sld>
 </file>
 
@@ -5250,8 +6825,15 @@
           <a:lstStyle/>
           <a:p>
             <a:r>
+              <a:rPr lang="en-US" altLang="zh-CN" dirty="0"/>
+              <a:t>data collection</a:t>
+            </a:r>
+            <a:br>
+              <a:rPr lang="en-US" altLang="zh-CN" dirty="0"/>
+            </a:br>
+            <a:r>
               <a:rPr lang="en-US" dirty="0" smtClean="0"/>
-              <a:t>Discussion</a:t>
+              <a:t>	</a:t>
             </a:r>
             <a:endParaRPr lang="en-US" dirty="0"/>
           </a:p>
@@ -5272,33 +6854,26 @@
           <a:bodyPr/>
           <a:lstStyle/>
           <a:p>
+            <a:pPr marL="0" indent="0">
+              <a:buNone/>
+            </a:pPr>
             <a:r>
               <a:rPr lang="en-US" dirty="0" smtClean="0"/>
-              <a:t>Strengths, Limits, </a:t>
-            </a:r>
-            <a:r>
-              <a:rPr lang="en-US" dirty="0" err="1" smtClean="0"/>
-              <a:t>etc</a:t>
-            </a:r>
-            <a:endParaRPr lang="en-US" dirty="0" smtClean="0"/>
-          </a:p>
-          <a:p>
-            <a:r>
-              <a:rPr lang="en-US" dirty="0" smtClean="0"/>
-              <a:t>FFQ </a:t>
-            </a:r>
-            <a:r>
-              <a:rPr lang="en-US" smtClean="0"/>
-              <a:t>(introduces recall bias)</a:t>
-            </a:r>
-            <a:endParaRPr lang="en-US"/>
+              <a:t>Find the people with type 2 diabetes;</a:t>
+            </a:r>
+          </a:p>
+          <a:p>
+            <a:pPr marL="0" indent="0">
+              <a:buNone/>
+            </a:pPr>
+            <a:endParaRPr lang="en-US" dirty="0"/>
           </a:p>
         </p:txBody>
       </p:sp>
     </p:spTree>
     <p:extLst>
       <p:ext uri="{BB962C8B-B14F-4D97-AF65-F5344CB8AC3E}">
-        <p14:creationId xmlns:p14="http://schemas.microsoft.com/office/powerpoint/2010/main" val="1983225255"/>
+        <p14:creationId xmlns:p14="http://schemas.microsoft.com/office/powerpoint/2010/main" val="1504318426"/>
       </p:ext>
     </p:extLst>
   </p:cSld>
@@ -5342,7 +6917,7 @@
           <a:p>
             <a:r>
               <a:rPr lang="en-US" dirty="0" smtClean="0"/>
-              <a:t>Policy implications?</a:t>
+              <a:t>Analysis</a:t>
             </a:r>
             <a:endParaRPr lang="en-US" dirty="0"/>
           </a:p>
@@ -5363,14 +6938,21 @@
           <a:bodyPr/>
           <a:lstStyle/>
           <a:p>
-            <a:endParaRPr lang="en-US"/>
+            <a:pPr marL="0" indent="0">
+              <a:buNone/>
+            </a:pPr>
+            <a:r>
+              <a:rPr lang="en-US" dirty="0" smtClean="0"/>
+              <a:t> </a:t>
+            </a:r>
+            <a:endParaRPr lang="en-US" dirty="0"/>
           </a:p>
         </p:txBody>
       </p:sp>
     </p:spTree>
     <p:extLst>
       <p:ext uri="{BB962C8B-B14F-4D97-AF65-F5344CB8AC3E}">
-        <p14:creationId xmlns:p14="http://schemas.microsoft.com/office/powerpoint/2010/main" val="1889812489"/>
+        <p14:creationId xmlns:p14="http://schemas.microsoft.com/office/powerpoint/2010/main" val="1996856860"/>
       </p:ext>
     </p:extLst>
   </p:cSld>
@@ -5414,7 +6996,7 @@
           <a:p>
             <a:r>
               <a:rPr lang="en-US" dirty="0" smtClean="0"/>
-              <a:t>Contributions</a:t>
+              <a:t>conclusion</a:t>
             </a:r>
             <a:endParaRPr lang="en-US" dirty="0"/>
           </a:p>
@@ -5435,14 +7017,21 @@
           <a:bodyPr/>
           <a:lstStyle/>
           <a:p>
-            <a:endParaRPr lang="en-US"/>
+            <a:pPr marL="0" indent="0">
+              <a:buNone/>
+            </a:pPr>
+            <a:r>
+              <a:rPr lang="en-US" dirty="0" smtClean="0"/>
+              <a:t> </a:t>
+            </a:r>
+            <a:endParaRPr lang="en-US" dirty="0"/>
           </a:p>
         </p:txBody>
       </p:sp>
     </p:spTree>
     <p:extLst>
       <p:ext uri="{BB962C8B-B14F-4D97-AF65-F5344CB8AC3E}">
-        <p14:creationId xmlns:p14="http://schemas.microsoft.com/office/powerpoint/2010/main" val="1982707385"/>
+        <p14:creationId xmlns:p14="http://schemas.microsoft.com/office/powerpoint/2010/main" val="1773035285"/>
       </p:ext>
     </p:extLst>
   </p:cSld>
@@ -5486,7 +7075,7 @@
           <a:p>
             <a:r>
               <a:rPr lang="en-US" dirty="0" smtClean="0"/>
-              <a:t>References</a:t>
+              <a:t>Discussion</a:t>
             </a:r>
             <a:endParaRPr lang="en-US" dirty="0"/>
           </a:p>
@@ -5508,37 +7097,32 @@
           <a:lstStyle/>
           <a:p>
             <a:r>
-              <a:rPr lang="en-US" dirty="0"/>
-              <a:t>http://</a:t>
-            </a:r>
-            <a:r>
-              <a:rPr lang="en-US" dirty="0" err="1"/>
-              <a:t>www.ucdenver.edu</a:t>
-            </a:r>
-            <a:r>
-              <a:rPr lang="en-US" dirty="0"/>
-              <a:t>/research/CCTSI/programs-services/</a:t>
-            </a:r>
-            <a:r>
-              <a:rPr lang="en-US" dirty="0" err="1"/>
-              <a:t>ctrc</a:t>
-            </a:r>
-            <a:r>
-              <a:rPr lang="en-US" dirty="0"/>
-              <a:t>/Nutrition/Documents/</a:t>
-            </a:r>
-            <a:r>
-              <a:rPr lang="en-US" dirty="0" err="1"/>
-              <a:t>Food_Frequency_Questionnaires.pdf</a:t>
-            </a:r>
-            <a:endParaRPr lang="en-US" dirty="0"/>
+              <a:rPr lang="en-US" dirty="0" smtClean="0"/>
+              <a:t>Strengths, Limits, </a:t>
+            </a:r>
+            <a:r>
+              <a:rPr lang="en-US" dirty="0" err="1" smtClean="0"/>
+              <a:t>etc</a:t>
+            </a:r>
+            <a:endParaRPr lang="en-US" dirty="0" smtClean="0"/>
+          </a:p>
+          <a:p>
+            <a:r>
+              <a:rPr lang="en-US" dirty="0" smtClean="0"/>
+              <a:t>FFQ </a:t>
+            </a:r>
+            <a:r>
+              <a:rPr lang="en-US" smtClean="0"/>
+              <a:t>(introduces recall bias)</a:t>
+            </a:r>
+            <a:endParaRPr lang="en-US"/>
           </a:p>
         </p:txBody>
       </p:sp>
     </p:spTree>
     <p:extLst>
       <p:ext uri="{BB962C8B-B14F-4D97-AF65-F5344CB8AC3E}">
-        <p14:creationId xmlns:p14="http://schemas.microsoft.com/office/powerpoint/2010/main" val="1842184604"/>
+        <p14:creationId xmlns:p14="http://schemas.microsoft.com/office/powerpoint/2010/main" val="1983225255"/>
       </p:ext>
     </p:extLst>
   </p:cSld>
@@ -5575,41 +7159,118 @@
             <p:ph type="title"/>
           </p:nvPr>
         </p:nvSpPr>
-        <p:spPr/>
-        <p:txBody>
-          <a:bodyPr/>
-          <a:lstStyle/>
-          <a:p>
+        <p:spPr>
+          <a:xfrm>
+            <a:off x="255181" y="191386"/>
+            <a:ext cx="11098619" cy="1998921"/>
+          </a:xfrm>
+        </p:spPr>
+        <p:txBody>
+          <a:bodyPr>
+            <a:normAutofit/>
+          </a:bodyPr>
+          <a:lstStyle/>
+          <a:p>
+            <a:r>
+              <a:rPr lang="en-US" dirty="0"/>
+              <a:t>Sugar Sweetened and </a:t>
+            </a:r>
             <a:r>
               <a:rPr lang="en-US" dirty="0" smtClean="0"/>
-              <a:t>Background</a:t>
-            </a:r>
+              <a:t>artificially-sweetened </a:t>
+            </a:r>
+            <a:r>
+              <a:rPr lang="en-US" dirty="0"/>
+              <a:t>beverage consumption and risk of type 2 diabetes in men</a:t>
+            </a:r>
+          </a:p>
+        </p:txBody>
+      </p:sp>
+      <p:sp>
+        <p:nvSpPr>
+          <p:cNvPr id="3" name="Content Placeholder 2"/>
+          <p:cNvSpPr>
+            <a:spLocks noGrp="1"/>
+          </p:cNvSpPr>
+          <p:nvPr>
+            <p:ph idx="1"/>
+          </p:nvPr>
+        </p:nvSpPr>
+        <p:spPr>
+          <a:xfrm>
+            <a:off x="838200" y="2424223"/>
+            <a:ext cx="9964479" cy="3752740"/>
+          </a:xfrm>
+        </p:spPr>
+        <p:txBody>
+          <a:bodyPr>
+            <a:normAutofit fontScale="77500" lnSpcReduction="20000"/>
+          </a:bodyPr>
+          <a:lstStyle/>
+          <a:p>
+            <a:r>
+              <a:rPr lang="en-US" dirty="0" smtClean="0"/>
+              <a:t>Lawrence de </a:t>
+            </a:r>
+            <a:r>
+              <a:rPr lang="en-US" dirty="0" err="1" smtClean="0"/>
+              <a:t>Koning</a:t>
+            </a:r>
+            <a:r>
+              <a:rPr lang="en-US" dirty="0" smtClean="0"/>
+              <a:t>, </a:t>
+            </a:r>
+            <a:r>
+              <a:rPr lang="en-US" dirty="0" err="1" smtClean="0"/>
+              <a:t>Vasanti</a:t>
+            </a:r>
+            <a:r>
+              <a:rPr lang="en-US" dirty="0" smtClean="0"/>
+              <a:t> S Malik, Eric B </a:t>
+            </a:r>
+            <a:r>
+              <a:rPr lang="en-US" dirty="0" err="1" smtClean="0"/>
+              <a:t>Rimm</a:t>
+            </a:r>
+            <a:r>
+              <a:rPr lang="en-US" dirty="0" smtClean="0"/>
+              <a:t>, Walter C Willett, Frank B Hu</a:t>
+            </a:r>
+          </a:p>
+          <a:p>
             <a:endParaRPr lang="en-US" dirty="0"/>
           </a:p>
-        </p:txBody>
-      </p:sp>
-      <p:sp>
-        <p:nvSpPr>
-          <p:cNvPr id="3" name="Content Placeholder 2"/>
-          <p:cNvSpPr>
-            <a:spLocks noGrp="1"/>
-          </p:cNvSpPr>
-          <p:nvPr>
-            <p:ph idx="1"/>
-          </p:nvPr>
-        </p:nvSpPr>
-        <p:spPr/>
-        <p:txBody>
-          <a:bodyPr/>
-          <a:lstStyle/>
-          <a:p>
+          <a:p>
+            <a:endParaRPr lang="en-US" dirty="0" smtClean="0"/>
+          </a:p>
+          <a:p>
+            <a:r>
+              <a:rPr lang="en-US" dirty="0" smtClean="0"/>
+              <a:t>Presented </a:t>
+            </a:r>
             <a:r>
               <a:rPr lang="en-US" dirty="0"/>
-              <a:t>I</a:t>
+              <a:t>by </a:t>
             </a:r>
             <a:r>
               <a:rPr lang="en-US" dirty="0" smtClean="0"/>
-              <a:t>ncidence increases</a:t>
+              <a:t>Feben Asefaha, </a:t>
+            </a:r>
+            <a:r>
+              <a:rPr lang="en-US" dirty="0"/>
+              <a:t>Xin </a:t>
+            </a:r>
+            <a:r>
+              <a:rPr lang="en-US" dirty="0" smtClean="0"/>
+              <a:t>Zheng, &amp; </a:t>
+            </a:r>
+            <a:r>
+              <a:rPr lang="en-US" dirty="0" err="1" smtClean="0"/>
+              <a:t>Yeyi</a:t>
+            </a:r>
+            <a:r>
+              <a:rPr lang="en-US" dirty="0" smtClean="0"/>
+              <a:t> Zhang</a:t>
             </a:r>
           </a:p>
           <a:p>
@@ -5622,23 +7283,261 @@
             <a:endParaRPr lang="en-US" dirty="0"/>
           </a:p>
           <a:p>
+            <a:endParaRPr lang="en-US" dirty="0" smtClean="0"/>
+          </a:p>
+          <a:p>
             <a:r>
               <a:rPr lang="en-US" dirty="0" smtClean="0"/>
-              <a:t>(A chart showing incidence in  separate countries for 4 separate years 80s, 90s, 2000s, 2010s</a:t>
-            </a:r>
-          </a:p>
-          <a:p>
-            <a:r>
-              <a:rPr lang="en-US" dirty="0" smtClean="0"/>
-              <a:t>US, India, South Africa, China, Brazil (or something)</a:t>
-            </a:r>
+              <a:t>(maybe like pictures of a time series graph, a questionnaire, and like regular and diet sodas???)</a:t>
+            </a:r>
+            <a:endParaRPr lang="en-US" dirty="0"/>
           </a:p>
         </p:txBody>
       </p:sp>
     </p:spTree>
     <p:extLst>
       <p:ext uri="{BB962C8B-B14F-4D97-AF65-F5344CB8AC3E}">
-        <p14:creationId xmlns:p14="http://schemas.microsoft.com/office/powerpoint/2010/main" val="917267706"/>
+        <p14:creationId xmlns:p14="http://schemas.microsoft.com/office/powerpoint/2010/main" val="1825175468"/>
+      </p:ext>
+    </p:extLst>
+  </p:cSld>
+  <p:clrMapOvr>
+    <a:masterClrMapping/>
+  </p:clrMapOvr>
+</p:sld>
+</file>
+
+<file path=ppt/slides/slide20.xml><?xml version="1.0" encoding="utf-8"?>
+<p:sld xmlns:a="http://schemas.openxmlformats.org/drawingml/2006/main" xmlns:r="http://schemas.openxmlformats.org/officeDocument/2006/relationships" xmlns:p="http://schemas.openxmlformats.org/presentationml/2006/main">
+  <p:cSld>
+    <p:spTree>
+      <p:nvGrpSpPr>
+        <p:cNvPr id="1" name=""/>
+        <p:cNvGrpSpPr/>
+        <p:nvPr/>
+      </p:nvGrpSpPr>
+      <p:grpSpPr>
+        <a:xfrm>
+          <a:off x="0" y="0"/>
+          <a:ext cx="0" cy="0"/>
+          <a:chOff x="0" y="0"/>
+          <a:chExt cx="0" cy="0"/>
+        </a:xfrm>
+      </p:grpSpPr>
+      <p:sp>
+        <p:nvSpPr>
+          <p:cNvPr id="2" name="Title 1"/>
+          <p:cNvSpPr>
+            <a:spLocks noGrp="1"/>
+          </p:cNvSpPr>
+          <p:nvPr>
+            <p:ph type="title"/>
+          </p:nvPr>
+        </p:nvSpPr>
+        <p:spPr/>
+        <p:txBody>
+          <a:bodyPr/>
+          <a:lstStyle/>
+          <a:p>
+            <a:r>
+              <a:rPr lang="en-US" dirty="0" smtClean="0"/>
+              <a:t>Policy implications?</a:t>
+            </a:r>
+            <a:endParaRPr lang="en-US" dirty="0"/>
+          </a:p>
+        </p:txBody>
+      </p:sp>
+      <p:sp>
+        <p:nvSpPr>
+          <p:cNvPr id="3" name="Content Placeholder 2"/>
+          <p:cNvSpPr>
+            <a:spLocks noGrp="1"/>
+          </p:cNvSpPr>
+          <p:nvPr>
+            <p:ph idx="1"/>
+          </p:nvPr>
+        </p:nvSpPr>
+        <p:spPr/>
+        <p:txBody>
+          <a:bodyPr/>
+          <a:lstStyle/>
+          <a:p>
+            <a:endParaRPr lang="en-US"/>
+          </a:p>
+        </p:txBody>
+      </p:sp>
+    </p:spTree>
+    <p:extLst>
+      <p:ext uri="{BB962C8B-B14F-4D97-AF65-F5344CB8AC3E}">
+        <p14:creationId xmlns:p14="http://schemas.microsoft.com/office/powerpoint/2010/main" val="1889812489"/>
+      </p:ext>
+    </p:extLst>
+  </p:cSld>
+  <p:clrMapOvr>
+    <a:masterClrMapping/>
+  </p:clrMapOvr>
+</p:sld>
+</file>
+
+<file path=ppt/slides/slide21.xml><?xml version="1.0" encoding="utf-8"?>
+<p:sld xmlns:a="http://schemas.openxmlformats.org/drawingml/2006/main" xmlns:r="http://schemas.openxmlformats.org/officeDocument/2006/relationships" xmlns:p="http://schemas.openxmlformats.org/presentationml/2006/main">
+  <p:cSld>
+    <p:spTree>
+      <p:nvGrpSpPr>
+        <p:cNvPr id="1" name=""/>
+        <p:cNvGrpSpPr/>
+        <p:nvPr/>
+      </p:nvGrpSpPr>
+      <p:grpSpPr>
+        <a:xfrm>
+          <a:off x="0" y="0"/>
+          <a:ext cx="0" cy="0"/>
+          <a:chOff x="0" y="0"/>
+          <a:chExt cx="0" cy="0"/>
+        </a:xfrm>
+      </p:grpSpPr>
+      <p:sp>
+        <p:nvSpPr>
+          <p:cNvPr id="2" name="Title 1"/>
+          <p:cNvSpPr>
+            <a:spLocks noGrp="1"/>
+          </p:cNvSpPr>
+          <p:nvPr>
+            <p:ph type="title"/>
+          </p:nvPr>
+        </p:nvSpPr>
+        <p:spPr/>
+        <p:txBody>
+          <a:bodyPr/>
+          <a:lstStyle/>
+          <a:p>
+            <a:r>
+              <a:rPr lang="en-US" dirty="0" smtClean="0"/>
+              <a:t>Contributions</a:t>
+            </a:r>
+            <a:endParaRPr lang="en-US" dirty="0"/>
+          </a:p>
+        </p:txBody>
+      </p:sp>
+      <p:sp>
+        <p:nvSpPr>
+          <p:cNvPr id="3" name="Content Placeholder 2"/>
+          <p:cNvSpPr>
+            <a:spLocks noGrp="1"/>
+          </p:cNvSpPr>
+          <p:nvPr>
+            <p:ph idx="1"/>
+          </p:nvPr>
+        </p:nvSpPr>
+        <p:spPr/>
+        <p:txBody>
+          <a:bodyPr/>
+          <a:lstStyle/>
+          <a:p>
+            <a:endParaRPr lang="en-US"/>
+          </a:p>
+        </p:txBody>
+      </p:sp>
+    </p:spTree>
+    <p:extLst>
+      <p:ext uri="{BB962C8B-B14F-4D97-AF65-F5344CB8AC3E}">
+        <p14:creationId xmlns:p14="http://schemas.microsoft.com/office/powerpoint/2010/main" val="1982707385"/>
+      </p:ext>
+    </p:extLst>
+  </p:cSld>
+  <p:clrMapOvr>
+    <a:masterClrMapping/>
+  </p:clrMapOvr>
+</p:sld>
+</file>
+
+<file path=ppt/slides/slide22.xml><?xml version="1.0" encoding="utf-8"?>
+<p:sld xmlns:a="http://schemas.openxmlformats.org/drawingml/2006/main" xmlns:r="http://schemas.openxmlformats.org/officeDocument/2006/relationships" xmlns:p="http://schemas.openxmlformats.org/presentationml/2006/main">
+  <p:cSld>
+    <p:spTree>
+      <p:nvGrpSpPr>
+        <p:cNvPr id="1" name=""/>
+        <p:cNvGrpSpPr/>
+        <p:nvPr/>
+      </p:nvGrpSpPr>
+      <p:grpSpPr>
+        <a:xfrm>
+          <a:off x="0" y="0"/>
+          <a:ext cx="0" cy="0"/>
+          <a:chOff x="0" y="0"/>
+          <a:chExt cx="0" cy="0"/>
+        </a:xfrm>
+      </p:grpSpPr>
+      <p:sp>
+        <p:nvSpPr>
+          <p:cNvPr id="2" name="Title 1"/>
+          <p:cNvSpPr>
+            <a:spLocks noGrp="1"/>
+          </p:cNvSpPr>
+          <p:nvPr>
+            <p:ph type="title"/>
+          </p:nvPr>
+        </p:nvSpPr>
+        <p:spPr/>
+        <p:txBody>
+          <a:bodyPr/>
+          <a:lstStyle/>
+          <a:p>
+            <a:r>
+              <a:rPr lang="en-US" dirty="0" smtClean="0"/>
+              <a:t>References</a:t>
+            </a:r>
+            <a:endParaRPr lang="en-US" dirty="0"/>
+          </a:p>
+        </p:txBody>
+      </p:sp>
+      <p:sp>
+        <p:nvSpPr>
+          <p:cNvPr id="3" name="Content Placeholder 2"/>
+          <p:cNvSpPr>
+            <a:spLocks noGrp="1"/>
+          </p:cNvSpPr>
+          <p:nvPr>
+            <p:ph idx="1"/>
+          </p:nvPr>
+        </p:nvSpPr>
+        <p:spPr/>
+        <p:txBody>
+          <a:bodyPr/>
+          <a:lstStyle/>
+          <a:p>
+            <a:r>
+              <a:rPr lang="en-US" dirty="0"/>
+              <a:t>http://</a:t>
+            </a:r>
+            <a:r>
+              <a:rPr lang="en-US" dirty="0" err="1"/>
+              <a:t>www.ucdenver.edu</a:t>
+            </a:r>
+            <a:r>
+              <a:rPr lang="en-US" dirty="0"/>
+              <a:t>/research/CCTSI/programs-services/</a:t>
+            </a:r>
+            <a:r>
+              <a:rPr lang="en-US" dirty="0" err="1"/>
+              <a:t>ctrc</a:t>
+            </a:r>
+            <a:r>
+              <a:rPr lang="en-US" dirty="0"/>
+              <a:t>/Nutrition/Documents/</a:t>
+            </a:r>
+            <a:r>
+              <a:rPr lang="en-US" dirty="0" err="1"/>
+              <a:t>Food_Frequency_Questionnaires.pdf</a:t>
+            </a:r>
+            <a:endParaRPr lang="en-US" dirty="0"/>
+          </a:p>
+        </p:txBody>
+      </p:sp>
+    </p:spTree>
+    <p:extLst>
+      <p:ext uri="{BB962C8B-B14F-4D97-AF65-F5344CB8AC3E}">
+        <p14:creationId xmlns:p14="http://schemas.microsoft.com/office/powerpoint/2010/main" val="1842184604"/>
       </p:ext>
     </p:extLst>
   </p:cSld>
@@ -5682,9 +7581,13 @@
           <a:p>
             <a:r>
               <a:rPr lang="en-US" dirty="0" smtClean="0"/>
-              <a:t>Diabetes risk of sugar sweetened beverages</a:t>
-            </a:r>
-            <a:endParaRPr lang="en-US" dirty="0"/>
+              <a:t>”There’s sugar in </a:t>
+            </a:r>
+            <a:r>
+              <a:rPr lang="en-US" i="1" dirty="0" smtClean="0"/>
+              <a:t>that?”</a:t>
+            </a:r>
+            <a:endParaRPr lang="en-US" i="1" dirty="0"/>
           </a:p>
         </p:txBody>
       </p:sp>
@@ -5703,18 +7606,6 @@
           <a:bodyPr/>
           <a:lstStyle/>
           <a:p>
-            <a:r>
-              <a:rPr lang="en-US" dirty="0" smtClean="0"/>
-              <a:t>(Pics of sodas, </a:t>
-            </a:r>
-            <a:r>
-              <a:rPr lang="en-US" dirty="0" err="1" smtClean="0"/>
-              <a:t>frappucinos</a:t>
-            </a:r>
-            <a:r>
-              <a:rPr lang="en-US" dirty="0" smtClean="0"/>
-              <a:t>, other sugary drinks)</a:t>
-            </a:r>
             <a:endParaRPr lang="en-US" dirty="0"/>
           </a:p>
         </p:txBody>
@@ -5722,7 +7613,7 @@
     </p:spTree>
     <p:extLst>
       <p:ext uri="{BB962C8B-B14F-4D97-AF65-F5344CB8AC3E}">
-        <p14:creationId xmlns:p14="http://schemas.microsoft.com/office/powerpoint/2010/main" val="1284117055"/>
+        <p14:creationId xmlns:p14="http://schemas.microsoft.com/office/powerpoint/2010/main" val="1234806907"/>
       </p:ext>
     </p:extLst>
   </p:cSld>
@@ -5751,7 +7642,7 @@
       </p:grpSpPr>
       <p:sp>
         <p:nvSpPr>
-          <p:cNvPr id="2" name="Title 1"/>
+          <p:cNvPr id="2" name="标题 1"/>
           <p:cNvSpPr>
             <a:spLocks noGrp="1"/>
           </p:cNvSpPr>
@@ -5759,42 +7650,31 @@
             <p:ph type="title"/>
           </p:nvPr>
         </p:nvSpPr>
-        <p:spPr/>
-        <p:txBody>
-          <a:bodyPr/>
-          <a:lstStyle/>
-          <a:p>
-            <a:r>
-              <a:rPr lang="en-US" dirty="0" smtClean="0"/>
-              <a:t>World Health Organization revises sugar guidelines</a:t>
-            </a:r>
-            <a:endParaRPr lang="en-US" dirty="0"/>
-          </a:p>
-        </p:txBody>
-      </p:sp>
-      <p:sp>
-        <p:nvSpPr>
-          <p:cNvPr id="3" name="Content Placeholder 2"/>
-          <p:cNvSpPr>
-            <a:spLocks noGrp="1"/>
-          </p:cNvSpPr>
-          <p:nvPr>
-            <p:ph idx="1"/>
-          </p:nvPr>
-        </p:nvSpPr>
-        <p:spPr/>
-        <p:txBody>
-          <a:bodyPr/>
-          <a:lstStyle/>
-          <a:p>
-            <a:endParaRPr lang="en-US"/>
+        <p:spPr>
+          <a:xfrm>
+            <a:off x="1230820" y="2370714"/>
+            <a:ext cx="10515600" cy="1325563"/>
+          </a:xfrm>
+        </p:spPr>
+        <p:txBody>
+          <a:bodyPr>
+            <a:normAutofit/>
+          </a:bodyPr>
+          <a:lstStyle/>
+          <a:p>
+            <a:pPr algn="ctr"/>
+            <a:r>
+              <a:rPr lang="en-US" altLang="zh-CN" sz="7200" dirty="0"/>
+              <a:t>Background</a:t>
+            </a:r>
+            <a:endParaRPr kumimoji="1" lang="zh-CN" altLang="en-US" sz="7200" dirty="0"/>
           </a:p>
         </p:txBody>
       </p:sp>
     </p:spTree>
     <p:extLst>
       <p:ext uri="{BB962C8B-B14F-4D97-AF65-F5344CB8AC3E}">
-        <p14:creationId xmlns:p14="http://schemas.microsoft.com/office/powerpoint/2010/main" val="2092174682"/>
+        <p14:creationId xmlns:p14="http://schemas.microsoft.com/office/powerpoint/2010/main" val="758316629"/>
       </p:ext>
     </p:extLst>
   </p:cSld>
@@ -5823,62 +7703,55 @@
       </p:grpSpPr>
       <p:sp>
         <p:nvSpPr>
-          <p:cNvPr id="2" name="Title 1"/>
-          <p:cNvSpPr>
-            <a:spLocks noGrp="1"/>
-          </p:cNvSpPr>
-          <p:nvPr>
-            <p:ph type="title"/>
-          </p:nvPr>
-        </p:nvSpPr>
-        <p:spPr/>
-        <p:txBody>
-          <a:bodyPr/>
-          <a:lstStyle/>
-          <a:p>
+          <p:cNvPr id="3" name="Content Placeholder 2"/>
+          <p:cNvSpPr>
+            <a:spLocks noGrp="1"/>
+          </p:cNvSpPr>
+          <p:nvPr>
+            <p:ph idx="1"/>
+          </p:nvPr>
+        </p:nvSpPr>
+        <p:spPr/>
+        <p:txBody>
+          <a:bodyPr/>
+          <a:lstStyle/>
+          <a:p>
+            <a:r>
+              <a:rPr lang="en-US" dirty="0"/>
+              <a:t>I</a:t>
+            </a:r>
             <a:r>
               <a:rPr lang="en-US" dirty="0" smtClean="0"/>
-              <a:t>But</a:t>
-            </a:r>
-            <a:r>
-              <a:rPr lang="mr-IN" dirty="0" smtClean="0"/>
-              <a:t>…</a:t>
-            </a:r>
+              <a:t>ncidence increases</a:t>
+            </a:r>
+          </a:p>
+          <a:p>
+            <a:endParaRPr lang="en-US" dirty="0"/>
+          </a:p>
+          <a:p>
+            <a:endParaRPr lang="en-US" dirty="0" smtClean="0"/>
+          </a:p>
+          <a:p>
+            <a:endParaRPr lang="en-US" dirty="0"/>
+          </a:p>
+          <a:p>
             <a:r>
               <a:rPr lang="en-US" dirty="0" smtClean="0"/>
-              <a:t>..</a:t>
-            </a:r>
-            <a:endParaRPr lang="en-US" dirty="0"/>
-          </a:p>
-        </p:txBody>
-      </p:sp>
-      <p:sp>
-        <p:nvSpPr>
-          <p:cNvPr id="3" name="Content Placeholder 2"/>
-          <p:cNvSpPr>
-            <a:spLocks noGrp="1"/>
-          </p:cNvSpPr>
-          <p:nvPr>
-            <p:ph idx="1"/>
-          </p:nvPr>
-        </p:nvSpPr>
-        <p:spPr/>
-        <p:txBody>
-          <a:bodyPr/>
-          <a:lstStyle/>
+              <a:t>(A chart showing incidence in  separate countries for 4 separate years 80s, 90s, 2000s, 2010s</a:t>
+            </a:r>
+          </a:p>
           <a:p>
             <a:r>
               <a:rPr lang="en-US" dirty="0" smtClean="0"/>
-              <a:t>(Pics of like three different soda brands with an equal sign saying how much soda is in it)</a:t>
-            </a:r>
-            <a:endParaRPr lang="en-US" dirty="0"/>
+              <a:t>US, India, South Africa, China, Brazil (or something)</a:t>
+            </a:r>
           </a:p>
         </p:txBody>
       </p:sp>
     </p:spTree>
     <p:extLst>
       <p:ext uri="{BB962C8B-B14F-4D97-AF65-F5344CB8AC3E}">
-        <p14:creationId xmlns:p14="http://schemas.microsoft.com/office/powerpoint/2010/main" val="1321356236"/>
+        <p14:creationId xmlns:p14="http://schemas.microsoft.com/office/powerpoint/2010/main" val="917267706"/>
       </p:ext>
     </p:extLst>
   </p:cSld>
@@ -5922,13 +7795,9 @@
           <a:p>
             <a:r>
               <a:rPr lang="en-US" dirty="0" smtClean="0"/>
-              <a:t>”There’s sugar in </a:t>
-            </a:r>
-            <a:r>
-              <a:rPr lang="en-US" i="1" dirty="0" smtClean="0"/>
-              <a:t>that?”</a:t>
-            </a:r>
-            <a:endParaRPr lang="en-US" i="1" dirty="0"/>
+              <a:t>Diabetes risk of sugar sweetened beverages</a:t>
+            </a:r>
+            <a:endParaRPr lang="en-US" dirty="0"/>
           </a:p>
         </p:txBody>
       </p:sp>
@@ -5947,6 +7816,18 @@
           <a:bodyPr/>
           <a:lstStyle/>
           <a:p>
+            <a:r>
+              <a:rPr lang="en-US" dirty="0" smtClean="0"/>
+              <a:t>(Pics of sodas, </a:t>
+            </a:r>
+            <a:r>
+              <a:rPr lang="en-US" dirty="0" err="1" smtClean="0"/>
+              <a:t>frappucinos</a:t>
+            </a:r>
+            <a:r>
+              <a:rPr lang="en-US" dirty="0" smtClean="0"/>
+              <a:t>, other sugary drinks)</a:t>
+            </a:r>
             <a:endParaRPr lang="en-US" dirty="0"/>
           </a:p>
         </p:txBody>
@@ -5954,7 +7835,7 @@
     </p:spTree>
     <p:extLst>
       <p:ext uri="{BB962C8B-B14F-4D97-AF65-F5344CB8AC3E}">
-        <p14:creationId xmlns:p14="http://schemas.microsoft.com/office/powerpoint/2010/main" val="1234806907"/>
+        <p14:creationId xmlns:p14="http://schemas.microsoft.com/office/powerpoint/2010/main" val="1284117055"/>
       </p:ext>
     </p:extLst>
   </p:cSld>
@@ -5998,7 +7879,7 @@
           <a:p>
             <a:r>
               <a:rPr lang="en-US" dirty="0" smtClean="0"/>
-              <a:t>Artificially-sweetened beverages and Type 2 diabetes risk</a:t>
+              <a:t>World Health Organization revises sugar guidelines</a:t>
             </a:r>
             <a:endParaRPr lang="en-US" dirty="0"/>
           </a:p>
@@ -6019,18 +7900,14 @@
           <a:bodyPr/>
           <a:lstStyle/>
           <a:p>
-            <a:r>
-              <a:rPr lang="en-US" dirty="0" smtClean="0"/>
-              <a:t>(Pics of diet sodas ads and these products?)</a:t>
-            </a:r>
-            <a:endParaRPr lang="en-US" dirty="0"/>
+            <a:endParaRPr lang="en-US"/>
           </a:p>
         </p:txBody>
       </p:sp>
     </p:spTree>
     <p:extLst>
       <p:ext uri="{BB962C8B-B14F-4D97-AF65-F5344CB8AC3E}">
-        <p14:creationId xmlns:p14="http://schemas.microsoft.com/office/powerpoint/2010/main" val="34985282"/>
+        <p14:creationId xmlns:p14="http://schemas.microsoft.com/office/powerpoint/2010/main" val="2092174682"/>
       </p:ext>
     </p:extLst>
   </p:cSld>
@@ -6074,7 +7951,15 @@
           <a:p>
             <a:r>
               <a:rPr lang="en-US" dirty="0" smtClean="0"/>
-              <a:t>Background</a:t>
+              <a:t>But</a:t>
+            </a:r>
+            <a:r>
+              <a:rPr lang="mr-IN" dirty="0" smtClean="0"/>
+              <a:t>…</a:t>
+            </a:r>
+            <a:r>
+              <a:rPr lang="en-US" dirty="0" smtClean="0"/>
+              <a:t>..</a:t>
             </a:r>
             <a:endParaRPr lang="en-US" dirty="0"/>
           </a:p>
@@ -6097,7 +7982,7 @@
           <a:p>
             <a:r>
               <a:rPr lang="en-US" dirty="0" smtClean="0"/>
-              <a:t>Data</a:t>
+              <a:t>(Pics of like three different soda brands with an equal sign saying how much soda is in it)</a:t>
             </a:r>
             <a:endParaRPr lang="en-US" dirty="0"/>
           </a:p>
@@ -6106,7 +7991,7 @@
     </p:spTree>
     <p:extLst>
       <p:ext uri="{BB962C8B-B14F-4D97-AF65-F5344CB8AC3E}">
-        <p14:creationId xmlns:p14="http://schemas.microsoft.com/office/powerpoint/2010/main" val="75118774"/>
+        <p14:creationId xmlns:p14="http://schemas.microsoft.com/office/powerpoint/2010/main" val="1321356236"/>
       </p:ext>
     </p:extLst>
   </p:cSld>
@@ -6150,7 +8035,7 @@
           <a:p>
             <a:r>
               <a:rPr lang="en-US" dirty="0" smtClean="0"/>
-              <a:t>Study Design</a:t>
+              <a:t>Artificially-sweetened beverages and Type 2 diabetes risk</a:t>
             </a:r>
             <a:endParaRPr lang="en-US" dirty="0"/>
           </a:p>
@@ -6173,7 +8058,7 @@
           <a:p>
             <a:r>
               <a:rPr lang="en-US" dirty="0" smtClean="0"/>
-              <a:t>(Longitudinal) Cohort Study</a:t>
+              <a:t>(Pics of diet sodas ads and these products?)</a:t>
             </a:r>
             <a:endParaRPr lang="en-US" dirty="0"/>
           </a:p>
@@ -6182,7 +8067,7 @@
     </p:spTree>
     <p:extLst>
       <p:ext uri="{BB962C8B-B14F-4D97-AF65-F5344CB8AC3E}">
-        <p14:creationId xmlns:p14="http://schemas.microsoft.com/office/powerpoint/2010/main" val="1814090643"/>
+        <p14:creationId xmlns:p14="http://schemas.microsoft.com/office/powerpoint/2010/main" val="34985282"/>
       </p:ext>
     </p:extLst>
   </p:cSld>
@@ -6235,7 +8120,7 @@
     </a:clrScheme>
     <a:fontScheme name="Office">
       <a:majorFont>
-        <a:latin typeface="Calibri Light" panose="020F0302020204030204"/>
+        <a:latin typeface="Calibri Light"/>
         <a:ea typeface=""/>
         <a:cs typeface=""/>
         <a:font script="Jpan" typeface="Yu Gothic Light"/>
@@ -6270,7 +8155,7 @@
         <a:font script="Geor" typeface="Sylfaen"/>
       </a:majorFont>
       <a:minorFont>
-        <a:latin typeface="Calibri" panose="020F0502020204030204"/>
+        <a:latin typeface="Calibri"/>
         <a:ea typeface=""/>
         <a:cs typeface=""/>
         <a:font script="Jpan" typeface="Yu Gothic"/>
@@ -6447,7 +8332,7 @@
   <a:extraClrSchemeLst/>
   <a:extLst>
     <a:ext uri="{05A4C25C-085E-4340-85A3-A5531E510DB2}">
-      <thm15:themeFamily xmlns:thm15="http://schemas.microsoft.com/office/thememl/2012/main" name="Office Theme" id="{62F939B6-93AF-4DB8-9C6B-D6C7DFDC589F}" vid="{4A3C46E8-61CC-4603-A589-7422A47A8E4A}"/>
+      <thm15:themeFamily xmlns="" xmlns:thm15="http://schemas.microsoft.com/office/thememl/2012/main" name="Office Theme" id="{62F939B6-93AF-4DB8-9C6B-D6C7DFDC589F}" vid="{4A3C46E8-61CC-4603-A589-7422A47A8E4A}"/>
     </a:ext>
   </a:extLst>
 </a:theme>
@@ -6496,7 +8381,7 @@
     </a:clrScheme>
     <a:fontScheme name="Office">
       <a:majorFont>
-        <a:latin typeface="Calibri Light" panose="020F0302020204030204"/>
+        <a:latin typeface="Calibri Light"/>
         <a:ea typeface=""/>
         <a:cs typeface=""/>
         <a:font script="Jpan" typeface="Yu Gothic Light"/>
@@ -6531,7 +8416,7 @@
         <a:font script="Geor" typeface="Sylfaen"/>
       </a:majorFont>
       <a:minorFont>
-        <a:latin typeface="Calibri" panose="020F0502020204030204"/>
+        <a:latin typeface="Calibri"/>
         <a:ea typeface=""/>
         <a:cs typeface=""/>
         <a:font script="Jpan" typeface="Yu Gothic"/>
@@ -6708,7 +8593,7 @@
   <a:extraClrSchemeLst/>
   <a:extLst>
     <a:ext uri="{05A4C25C-085E-4340-85A3-A5531E510DB2}">
-      <thm15:themeFamily xmlns:thm15="http://schemas.microsoft.com/office/thememl/2012/main" name="Office Theme" id="{62F939B6-93AF-4DB8-9C6B-D6C7DFDC589F}" vid="{4A3C46E8-61CC-4603-A589-7422A47A8E4A}"/>
+      <thm15:themeFamily xmlns="" xmlns:thm15="http://schemas.microsoft.com/office/thememl/2012/main" name="Office Theme" id="{62F939B6-93AF-4DB8-9C6B-D6C7DFDC589F}" vid="{4A3C46E8-61CC-4603-A589-7422A47A8E4A}"/>
     </a:ext>
   </a:extLst>
 </a:theme>

--- a/EpiGroup.pptx
+++ b/EpiGroup.pptx
@@ -19,8 +19,8 @@
     <p:sldId id="275" r:id="rId10"/>
     <p:sldId id="259" r:id="rId11"/>
     <p:sldId id="282" r:id="rId12"/>
-    <p:sldId id="260" r:id="rId13"/>
-    <p:sldId id="277" r:id="rId14"/>
+    <p:sldId id="284" r:id="rId13"/>
+    <p:sldId id="283" r:id="rId14"/>
     <p:sldId id="278" r:id="rId15"/>
     <p:sldId id="261" r:id="rId16"/>
     <p:sldId id="262" r:id="rId17"/>
@@ -669,7 +669,7 @@
             </a:pPr>
             <a:r>
               <a:rPr kumimoji="1" lang="en-US" altLang="zh-CN" dirty="0" smtClean="0"/>
-              <a:t>We</a:t>
+              <a:t>In</a:t>
             </a:r>
             <a:r>
               <a:rPr kumimoji="1" lang="zh-CN" altLang="en-US" dirty="0" smtClean="0"/>
@@ -677,7 +677,7 @@
             </a:r>
             <a:r>
               <a:rPr kumimoji="1" lang="en-US" altLang="zh-CN" dirty="0" smtClean="0"/>
-              <a:t>use</a:t>
+              <a:t>the</a:t>
             </a:r>
             <a:r>
               <a:rPr kumimoji="1" lang="zh-CN" altLang="en-US" dirty="0" smtClean="0"/>
@@ -685,7 +685,7 @@
             </a:r>
             <a:r>
               <a:rPr kumimoji="1" lang="en-US" altLang="zh-CN" dirty="0" smtClean="0"/>
-              <a:t>longitude</a:t>
+              <a:t>study,</a:t>
             </a:r>
             <a:r>
               <a:rPr kumimoji="1" lang="zh-CN" altLang="en-US" dirty="0" smtClean="0"/>
@@ -693,7 +693,7 @@
             </a:r>
             <a:r>
               <a:rPr kumimoji="1" lang="en-US" altLang="zh-CN" dirty="0" smtClean="0"/>
-              <a:t>cohort</a:t>
+              <a:t>we</a:t>
             </a:r>
             <a:r>
               <a:rPr kumimoji="1" lang="zh-CN" altLang="en-US" dirty="0" smtClean="0"/>
@@ -701,7 +701,7 @@
             </a:r>
             <a:r>
               <a:rPr kumimoji="1" lang="en-US" altLang="zh-CN" dirty="0" smtClean="0"/>
-              <a:t>study</a:t>
+              <a:t>choose</a:t>
             </a:r>
             <a:r>
               <a:rPr kumimoji="1" lang="zh-CN" altLang="en-US" dirty="0" smtClean="0"/>
@@ -709,7 +709,7 @@
             </a:r>
             <a:r>
               <a:rPr kumimoji="1" lang="en-US" altLang="zh-CN" dirty="0" smtClean="0"/>
-              <a:t>of</a:t>
+              <a:t>40389</a:t>
             </a:r>
             <a:r>
               <a:rPr kumimoji="1" lang="zh-CN" altLang="en-US" dirty="0" smtClean="0"/>
@@ -717,79 +717,11 @@
             </a:r>
             <a:r>
               <a:rPr kumimoji="1" lang="en-US" altLang="zh-CN" dirty="0" smtClean="0"/>
-              <a:t>40389</a:t>
+              <a:t>participants</a:t>
             </a:r>
             <a:r>
               <a:rPr kumimoji="1" lang="zh-CN" altLang="en-US" dirty="0" smtClean="0"/>
               <a:t> </a:t>
-            </a:r>
-            <a:r>
-              <a:rPr kumimoji="1" lang="en-US" altLang="zh-CN" dirty="0" smtClean="0"/>
-              <a:t>participants</a:t>
-            </a:r>
-            <a:r>
-              <a:rPr kumimoji="1" lang="zh-CN" altLang="en-US" dirty="0" smtClean="0"/>
-              <a:t>（</a:t>
-            </a:r>
-            <a:r>
-              <a:rPr kumimoji="1" lang="en-US" altLang="zh-CN" dirty="0" smtClean="0"/>
-              <a:t>excludes</a:t>
-            </a:r>
-            <a:r>
-              <a:rPr kumimoji="1" lang="zh-CN" altLang="en-US" dirty="0" smtClean="0"/>
-              <a:t> </a:t>
-            </a:r>
-            <a:r>
-              <a:rPr kumimoji="1" lang="en-US" altLang="zh-CN" dirty="0" smtClean="0"/>
-              <a:t>not</a:t>
-            </a:r>
-            <a:r>
-              <a:rPr kumimoji="1" lang="zh-CN" altLang="en-US" dirty="0" smtClean="0"/>
-              <a:t> </a:t>
-            </a:r>
-            <a:r>
-              <a:rPr kumimoji="1" lang="en-US" altLang="zh-CN" dirty="0" smtClean="0"/>
-              <a:t>eligible</a:t>
-            </a:r>
-            <a:r>
-              <a:rPr kumimoji="1" lang="zh-CN" altLang="en-US" dirty="0" smtClean="0"/>
-              <a:t> </a:t>
-            </a:r>
-            <a:r>
-              <a:rPr kumimoji="1" lang="en-US" altLang="zh-CN" dirty="0" smtClean="0"/>
-              <a:t>participants</a:t>
-            </a:r>
-            <a:r>
-              <a:rPr kumimoji="1" lang="zh-CN" altLang="en-US" dirty="0" smtClean="0"/>
-              <a:t> </a:t>
-            </a:r>
-            <a:r>
-              <a:rPr kumimoji="1" lang="en-US" altLang="zh-CN" dirty="0" smtClean="0"/>
-              <a:t>who</a:t>
-            </a:r>
-            <a:r>
-              <a:rPr kumimoji="1" lang="zh-CN" altLang="en-US" dirty="0" smtClean="0"/>
-              <a:t> </a:t>
-            </a:r>
-            <a:r>
-              <a:rPr kumimoji="1" lang="en-US" altLang="zh-CN" dirty="0" smtClean="0"/>
-              <a:t>are</a:t>
-            </a:r>
-            <a:r>
-              <a:rPr kumimoji="1" lang="zh-CN" altLang="en-US" dirty="0" smtClean="0"/>
-              <a:t> </a:t>
-            </a:r>
-            <a:r>
-              <a:rPr kumimoji="1" lang="en-US" altLang="zh-CN" dirty="0" smtClean="0"/>
-              <a:t>with</a:t>
-            </a:r>
-            <a:r>
-              <a:rPr kumimoji="1" lang="zh-CN" altLang="en-US" dirty="0" smtClean="0"/>
-              <a:t> </a:t>
-            </a:r>
-            <a:r>
-              <a:rPr kumimoji="1" lang="en-US" altLang="zh-CN" dirty="0" smtClean="0"/>
-              <a:t>t</a:t>
             </a:r>
             <a:r>
               <a:rPr lang="en-US" altLang="zh-CN" sz="1200" kern="1200" dirty="0" smtClean="0">
@@ -801,10 +733,22 @@
                 <a:ea typeface="+mn-ea"/>
                 <a:cs typeface="+mn-cs"/>
               </a:rPr>
-              <a:t>ype 2 diabetes, cardiovascular disease cancer</a:t>
-            </a:r>
-            <a:r>
-              <a:rPr lang="zh-CN" altLang="zh-CN" sz="1200" kern="1200" dirty="0" smtClean="0">
+              <a:t>form the Health Professionals Follow-Up Study (HPFS)</a:t>
+            </a:r>
+            <a:r>
+              <a:rPr lang="en-US" altLang="zh-CN" sz="1200" kern="1200" dirty="0" smtClean="0">
+                <a:solidFill>
+                  <a:schemeClr val="tx1"/>
+                </a:solidFill>
+                <a:effectLst/>
+                <a:latin typeface="+mn-lt"/>
+                <a:ea typeface="+mn-ea"/>
+                <a:cs typeface="+mn-cs"/>
+              </a:rPr>
+              <a:t>.</a:t>
+            </a:r>
+            <a:r>
+              <a:rPr lang="en-US" altLang="zh-CN" sz="1200" kern="1200" dirty="0" smtClean="0">
                 <a:solidFill>
                   <a:schemeClr val="tx1"/>
                 </a:solidFill>
@@ -820,97 +764,201 @@
                 <a:solidFill>
                   <a:schemeClr val="tx1"/>
                 </a:solidFill>
-                <a:effectLst/>
                 <a:latin typeface="+mn-lt"/>
                 <a:ea typeface="+mn-ea"/>
                 <a:cs typeface="+mn-cs"/>
               </a:rPr>
-              <a:t>and</a:t>
-            </a:r>
-            <a:r>
-              <a:rPr lang="zh-CN" altLang="en-US" sz="1200" kern="1200" dirty="0" smtClean="0">
-                <a:solidFill>
-                  <a:schemeClr val="tx1"/>
-                </a:solidFill>
-                <a:effectLst/>
-                <a:latin typeface="+mn-lt"/>
-                <a:ea typeface="+mn-ea"/>
-                <a:cs typeface="+mn-cs"/>
-              </a:rPr>
-              <a:t> </a:t>
-            </a:r>
-            <a:r>
-              <a:rPr kumimoji="1" lang="en-US" altLang="zh-CN" sz="1200" kern="1200" dirty="0" err="1" smtClean="0">
-                <a:solidFill>
-                  <a:schemeClr val="tx1"/>
-                </a:solidFill>
-                <a:effectLst/>
-                <a:latin typeface="+mn-lt"/>
-                <a:ea typeface="+mn-ea"/>
-                <a:cs typeface="+mn-cs"/>
-              </a:rPr>
-              <a:t>etc</a:t>
-            </a:r>
-            <a:r>
-              <a:rPr kumimoji="1" lang="zh-CN" altLang="en-US" sz="1200" kern="1200" dirty="0" smtClean="0">
-                <a:solidFill>
-                  <a:schemeClr val="tx1"/>
-                </a:solidFill>
-                <a:effectLst/>
-                <a:latin typeface="+mn-lt"/>
-                <a:ea typeface="+mn-ea"/>
-                <a:cs typeface="+mn-cs"/>
-              </a:rPr>
-              <a:t> </a:t>
-            </a:r>
-            <a:r>
-              <a:rPr kumimoji="1" lang="en-US" altLang="zh-CN" sz="1200" kern="1200" dirty="0" smtClean="0">
-                <a:solidFill>
-                  <a:schemeClr val="tx1"/>
-                </a:solidFill>
-                <a:effectLst/>
-                <a:latin typeface="+mn-lt"/>
-                <a:ea typeface="+mn-ea"/>
-                <a:cs typeface="+mn-cs"/>
-              </a:rPr>
-              <a:t>at</a:t>
-            </a:r>
-            <a:r>
-              <a:rPr kumimoji="1" lang="zh-CN" altLang="en-US" sz="1200" kern="1200" dirty="0" smtClean="0">
-                <a:solidFill>
-                  <a:schemeClr val="tx1"/>
-                </a:solidFill>
-                <a:effectLst/>
-                <a:latin typeface="+mn-lt"/>
-                <a:ea typeface="+mn-ea"/>
-                <a:cs typeface="+mn-cs"/>
-              </a:rPr>
-              <a:t> </a:t>
-            </a:r>
-            <a:r>
-              <a:rPr kumimoji="1" lang="en-US" altLang="zh-CN" sz="1200" kern="1200" dirty="0" smtClean="0">
-                <a:solidFill>
-                  <a:schemeClr val="tx1"/>
-                </a:solidFill>
-                <a:effectLst/>
-                <a:latin typeface="+mn-lt"/>
-                <a:ea typeface="+mn-ea"/>
-                <a:cs typeface="+mn-cs"/>
-              </a:rPr>
-              <a:t>baseline).</a:t>
-            </a:r>
-            <a:r>
-              <a:rPr kumimoji="1" lang="zh-CN" altLang="en-US" sz="1200" kern="1200" dirty="0" smtClean="0">
-                <a:solidFill>
-                  <a:schemeClr val="tx1"/>
-                </a:solidFill>
-                <a:effectLst/>
-                <a:latin typeface="+mn-lt"/>
-                <a:ea typeface="+mn-ea"/>
-                <a:cs typeface="+mn-cs"/>
-              </a:rPr>
-              <a:t>  </a:t>
-            </a:r>
+              <a:t>However,  not all men included in the study were used for analysis. Men with Type 2 diabetes, cardiovascular disease, cancer, or “implausible energy intake” were excluded from baseline, reducing the number of participants in this particular study to 40,389. These men were followed over 20 years, and were excluded if they developed Type 2 diabetes within the first two years of the study, in order to negate any effects of prior metabolic defects clouding affecting the onset of diseases (such as insulin resistance), rather than the exposures of interest (here, sugary and artificially sweetened beverages).</a:t>
+            </a:r>
+          </a:p>
+          <a:p>
+            <a:pPr marL="0" marR="0" indent="0" algn="l" defTabSz="914400" rtl="0" eaLnBrk="1" fontAlgn="auto" latinLnBrk="0" hangingPunct="1">
+              <a:lnSpc>
+                <a:spcPct val="100000"/>
+              </a:lnSpc>
+              <a:spcBef>
+                <a:spcPts val="0"/>
+              </a:spcBef>
+              <a:spcAft>
+                <a:spcPts val="0"/>
+              </a:spcAft>
+              <a:buClrTx/>
+              <a:buSzTx/>
+              <a:buFontTx/>
+              <a:buNone/>
+              <a:tabLst/>
+              <a:defRPr/>
+            </a:pPr>
+            <a:endParaRPr kumimoji="1" lang="en-US" altLang="zh-CN" sz="1200" kern="1200" dirty="0" smtClean="0">
+              <a:solidFill>
+                <a:schemeClr val="tx1"/>
+              </a:solidFill>
+              <a:latin typeface="+mn-lt"/>
+              <a:ea typeface="+mn-ea"/>
+              <a:cs typeface="+mn-cs"/>
+            </a:endParaRPr>
+          </a:p>
+          <a:p>
+            <a:pPr marL="0" marR="0" indent="0" algn="l" defTabSz="914400" rtl="0" eaLnBrk="1" fontAlgn="auto" latinLnBrk="0" hangingPunct="1">
+              <a:lnSpc>
+                <a:spcPct val="100000"/>
+              </a:lnSpc>
+              <a:spcBef>
+                <a:spcPts val="0"/>
+              </a:spcBef>
+              <a:spcAft>
+                <a:spcPts val="0"/>
+              </a:spcAft>
+              <a:buClrTx/>
+              <a:buSzTx/>
+              <a:buFontTx/>
+              <a:buNone/>
+              <a:tabLst/>
+              <a:defRPr/>
+            </a:pPr>
+            <a:r>
+              <a:rPr lang="en-US" altLang="zh-CN" dirty="0" smtClean="0"/>
+              <a:t>The</a:t>
+            </a:r>
+            <a:r>
+              <a:rPr lang="en-US" altLang="zh-CN" baseline="0" dirty="0" smtClean="0"/>
+              <a:t> Health Professional Follow Up Study implements restriction in its design, by limiting the participants to men. This removes gender based bias in the analysis. </a:t>
+            </a:r>
+          </a:p>
+          <a:p>
+            <a:pPr marL="0" marR="0" indent="0" algn="l" defTabSz="914400" rtl="0" eaLnBrk="1" fontAlgn="auto" latinLnBrk="0" hangingPunct="1">
+              <a:lnSpc>
+                <a:spcPct val="100000"/>
+              </a:lnSpc>
+              <a:spcBef>
+                <a:spcPts val="0"/>
+              </a:spcBef>
+              <a:spcAft>
+                <a:spcPts val="0"/>
+              </a:spcAft>
+              <a:buClrTx/>
+              <a:buSzTx/>
+              <a:buFontTx/>
+              <a:buNone/>
+              <a:tabLst/>
+              <a:defRPr/>
+            </a:pPr>
+            <a:endParaRPr lang="en-US" altLang="zh-CN" baseline="0" dirty="0" smtClean="0"/>
+          </a:p>
+          <a:p>
+            <a:pPr marL="0" marR="0" indent="0" algn="l" defTabSz="914400" rtl="0" eaLnBrk="1" fontAlgn="auto" latinLnBrk="0" hangingPunct="1">
+              <a:lnSpc>
+                <a:spcPct val="100000"/>
+              </a:lnSpc>
+              <a:spcBef>
+                <a:spcPts val="0"/>
+              </a:spcBef>
+              <a:spcAft>
+                <a:spcPts val="0"/>
+              </a:spcAft>
+              <a:buClrTx/>
+              <a:buSzTx/>
+              <a:buFontTx/>
+              <a:buNone/>
+              <a:tabLst/>
+              <a:defRPr/>
+            </a:pPr>
+            <a:r>
+              <a:rPr lang="mr-IN" altLang="zh-CN" dirty="0" smtClean="0"/>
+              <a:t>…</a:t>
+            </a:r>
+            <a:r>
+              <a:rPr lang="en-US" altLang="zh-CN" dirty="0" smtClean="0"/>
+              <a:t>.But that reduces generalizability for</a:t>
+            </a:r>
+            <a:r>
+              <a:rPr lang="en-US" altLang="zh-CN" baseline="0" dirty="0" smtClean="0"/>
+              <a:t> half of your population. (sad </a:t>
+            </a:r>
+            <a:r>
+              <a:rPr lang="en-US" altLang="zh-CN" baseline="0" dirty="0" err="1" smtClean="0"/>
+              <a:t>emoji</a:t>
+            </a:r>
+            <a:r>
+              <a:rPr lang="en-US" altLang="zh-CN" baseline="0" dirty="0" smtClean="0"/>
+              <a:t> on next slide)</a:t>
+            </a:r>
+            <a:endParaRPr lang="en-US" altLang="zh-CN" dirty="0" smtClean="0"/>
+          </a:p>
+          <a:p>
+            <a:pPr marL="0" marR="0" indent="0" algn="l" defTabSz="914400" rtl="0" eaLnBrk="1" fontAlgn="auto" latinLnBrk="0" hangingPunct="1">
+              <a:lnSpc>
+                <a:spcPct val="100000"/>
+              </a:lnSpc>
+              <a:spcBef>
+                <a:spcPts val="0"/>
+              </a:spcBef>
+              <a:spcAft>
+                <a:spcPts val="0"/>
+              </a:spcAft>
+              <a:buClrTx/>
+              <a:buSzTx/>
+              <a:buFontTx/>
+              <a:buNone/>
+              <a:tabLst/>
+              <a:defRPr/>
+            </a:pPr>
+            <a:endParaRPr lang="en-US" altLang="zh-CN" baseline="0" dirty="0" smtClean="0"/>
+          </a:p>
+          <a:p>
+            <a:pPr marL="0" marR="0" indent="0" algn="l" defTabSz="914400" rtl="0" eaLnBrk="1" fontAlgn="auto" latinLnBrk="0" hangingPunct="1">
+              <a:lnSpc>
+                <a:spcPct val="100000"/>
+              </a:lnSpc>
+              <a:spcBef>
+                <a:spcPts val="0"/>
+              </a:spcBef>
+              <a:spcAft>
+                <a:spcPts val="0"/>
+              </a:spcAft>
+              <a:buClrTx/>
+              <a:buSzTx/>
+              <a:buFontTx/>
+              <a:buNone/>
+              <a:tabLst/>
+              <a:defRPr/>
+            </a:pPr>
+            <a:r>
+              <a:rPr lang="en-US" altLang="zh-CN" dirty="0" smtClean="0"/>
+              <a:t>We</a:t>
+            </a:r>
+            <a:r>
+              <a:rPr lang="en-US" altLang="zh-CN" baseline="0" dirty="0" smtClean="0"/>
+              <a:t> are also restricted to health professionals, which includes nurses, </a:t>
+            </a:r>
+            <a:r>
+              <a:rPr lang="en-US" altLang="zh-CN" baseline="0" dirty="0" err="1" smtClean="0"/>
+              <a:t>veterianarians</a:t>
+            </a:r>
+            <a:r>
+              <a:rPr lang="en-US" altLang="zh-CN" baseline="0" dirty="0" smtClean="0"/>
+              <a:t>, physicians, which keeps it above the same socioeconomic status </a:t>
+            </a:r>
+            <a:endParaRPr lang="en-US" altLang="zh-CN" dirty="0" smtClean="0"/>
+          </a:p>
+          <a:p>
+            <a:pPr marL="0" marR="0" indent="0" algn="l" defTabSz="914400" rtl="0" eaLnBrk="1" fontAlgn="auto" latinLnBrk="0" hangingPunct="1">
+              <a:lnSpc>
+                <a:spcPct val="100000"/>
+              </a:lnSpc>
+              <a:spcBef>
+                <a:spcPts val="0"/>
+              </a:spcBef>
+              <a:spcAft>
+                <a:spcPts val="0"/>
+              </a:spcAft>
+              <a:buClrTx/>
+              <a:buSzTx/>
+              <a:buFontTx/>
+              <a:buNone/>
+              <a:tabLst/>
+              <a:defRPr/>
+            </a:pPr>
             <a:endParaRPr kumimoji="1" lang="zh-CN" altLang="en-US" dirty="0"/>
           </a:p>
         </p:txBody>
@@ -932,7 +980,7 @@
           <a:p>
             <a:fld id="{C2C24509-F6BB-CF41-A66A-A982CBBBCD86}" type="slidenum">
               <a:rPr lang="en-US" smtClean="0"/>
-              <a:t>13</a:t>
+              <a:t>14</a:t>
             </a:fld>
             <a:endParaRPr lang="en-US"/>
           </a:p>
@@ -1013,399 +1061,6 @@
               <a:defRPr/>
             </a:pPr>
             <a:r>
-              <a:rPr kumimoji="1" lang="en-US" altLang="zh-CN" dirty="0" smtClean="0"/>
-              <a:t>In</a:t>
-            </a:r>
-            <a:r>
-              <a:rPr kumimoji="1" lang="zh-CN" altLang="en-US" dirty="0" smtClean="0"/>
-              <a:t> </a:t>
-            </a:r>
-            <a:r>
-              <a:rPr kumimoji="1" lang="en-US" altLang="zh-CN" dirty="0" smtClean="0"/>
-              <a:t>the</a:t>
-            </a:r>
-            <a:r>
-              <a:rPr kumimoji="1" lang="zh-CN" altLang="en-US" dirty="0" smtClean="0"/>
-              <a:t> </a:t>
-            </a:r>
-            <a:r>
-              <a:rPr kumimoji="1" lang="en-US" altLang="zh-CN" dirty="0" smtClean="0"/>
-              <a:t>study,</a:t>
-            </a:r>
-            <a:r>
-              <a:rPr kumimoji="1" lang="zh-CN" altLang="en-US" dirty="0" smtClean="0"/>
-              <a:t> </a:t>
-            </a:r>
-            <a:r>
-              <a:rPr kumimoji="1" lang="en-US" altLang="zh-CN" dirty="0" smtClean="0"/>
-              <a:t>we</a:t>
-            </a:r>
-            <a:r>
-              <a:rPr kumimoji="1" lang="zh-CN" altLang="en-US" dirty="0" smtClean="0"/>
-              <a:t> </a:t>
-            </a:r>
-            <a:r>
-              <a:rPr kumimoji="1" lang="en-US" altLang="zh-CN" dirty="0" smtClean="0"/>
-              <a:t>choose</a:t>
-            </a:r>
-            <a:r>
-              <a:rPr kumimoji="1" lang="zh-CN" altLang="en-US" dirty="0" smtClean="0"/>
-              <a:t> </a:t>
-            </a:r>
-            <a:r>
-              <a:rPr kumimoji="1" lang="en-US" altLang="zh-CN" dirty="0" smtClean="0"/>
-              <a:t>40389</a:t>
-            </a:r>
-            <a:r>
-              <a:rPr kumimoji="1" lang="zh-CN" altLang="en-US" dirty="0" smtClean="0"/>
-              <a:t> </a:t>
-            </a:r>
-            <a:r>
-              <a:rPr kumimoji="1" lang="en-US" altLang="zh-CN" dirty="0" smtClean="0"/>
-              <a:t>participants</a:t>
-            </a:r>
-            <a:r>
-              <a:rPr kumimoji="1" lang="zh-CN" altLang="en-US" dirty="0" smtClean="0"/>
-              <a:t> </a:t>
-            </a:r>
-            <a:r>
-              <a:rPr lang="en-US" altLang="zh-CN" sz="1200" kern="1200" dirty="0" smtClean="0">
-                <a:solidFill>
-                  <a:schemeClr val="tx1"/>
-                </a:solidFill>
-                <a:effectLst/>
-                <a:latin typeface="+mn-lt"/>
-                <a:ea typeface="+mn-ea"/>
-                <a:cs typeface="+mn-cs"/>
-              </a:rPr>
-              <a:t>form the Health Professionals Follow-Up Study (HPFS)</a:t>
-            </a:r>
-            <a:r>
-              <a:rPr lang="en-US" altLang="zh-CN" sz="1200" kern="1200" dirty="0" smtClean="0">
-                <a:solidFill>
-                  <a:schemeClr val="tx1"/>
-                </a:solidFill>
-                <a:effectLst/>
-                <a:latin typeface="+mn-lt"/>
-                <a:ea typeface="+mn-ea"/>
-                <a:cs typeface="+mn-cs"/>
-              </a:rPr>
-              <a:t>.</a:t>
-            </a:r>
-            <a:r>
-              <a:rPr lang="en-US" altLang="zh-CN" sz="1200" kern="1200" dirty="0" smtClean="0">
-                <a:solidFill>
-                  <a:schemeClr val="tx1"/>
-                </a:solidFill>
-                <a:effectLst/>
-                <a:latin typeface="+mn-lt"/>
-                <a:ea typeface="+mn-ea"/>
-                <a:cs typeface="+mn-cs"/>
-              </a:rPr>
-              <a:t> </a:t>
-            </a:r>
-            <a:r>
-              <a:rPr lang="en-US" altLang="zh-CN" sz="1200" kern="1200" dirty="0" smtClean="0">
-                <a:solidFill>
-                  <a:schemeClr val="tx1"/>
-                </a:solidFill>
-                <a:latin typeface="+mn-lt"/>
-                <a:ea typeface="+mn-ea"/>
-                <a:cs typeface="+mn-cs"/>
-              </a:rPr>
-              <a:t>However,  not all men included in the study were used for analysis. Men with Type 2 diabetes, cardiovascular disease, cancer, or “implausible energy intake” were excluded from baseline, reducing the number of participants in this particular study to 40,389. These men were followed over 20 years, and were excluded if they developed Type 2 diabetes within the first two years of the study, in order to negate any effects of prior metabolic defects clouding affecting the onset of diseases (such as insulin resistance), rather than the exposures of interest (here, sugary and artificially sweetened beverages).</a:t>
-            </a:r>
-          </a:p>
-          <a:p>
-            <a:pPr marL="0" marR="0" indent="0" algn="l" defTabSz="914400" rtl="0" eaLnBrk="1" fontAlgn="auto" latinLnBrk="0" hangingPunct="1">
-              <a:lnSpc>
-                <a:spcPct val="100000"/>
-              </a:lnSpc>
-              <a:spcBef>
-                <a:spcPts val="0"/>
-              </a:spcBef>
-              <a:spcAft>
-                <a:spcPts val="0"/>
-              </a:spcAft>
-              <a:buClrTx/>
-              <a:buSzTx/>
-              <a:buFontTx/>
-              <a:buNone/>
-              <a:tabLst/>
-              <a:defRPr/>
-            </a:pPr>
-            <a:endParaRPr kumimoji="1" lang="en-US" altLang="zh-CN" sz="1200" kern="1200" dirty="0" smtClean="0">
-              <a:solidFill>
-                <a:schemeClr val="tx1"/>
-              </a:solidFill>
-              <a:latin typeface="+mn-lt"/>
-              <a:ea typeface="+mn-ea"/>
-              <a:cs typeface="+mn-cs"/>
-            </a:endParaRPr>
-          </a:p>
-          <a:p>
-            <a:pPr marL="0" marR="0" indent="0" algn="l" defTabSz="914400" rtl="0" eaLnBrk="1" fontAlgn="auto" latinLnBrk="0" hangingPunct="1">
-              <a:lnSpc>
-                <a:spcPct val="100000"/>
-              </a:lnSpc>
-              <a:spcBef>
-                <a:spcPts val="0"/>
-              </a:spcBef>
-              <a:spcAft>
-                <a:spcPts val="0"/>
-              </a:spcAft>
-              <a:buClrTx/>
-              <a:buSzTx/>
-              <a:buFontTx/>
-              <a:buNone/>
-              <a:tabLst/>
-              <a:defRPr/>
-            </a:pPr>
-            <a:r>
-              <a:rPr lang="en-US" altLang="zh-CN" dirty="0" smtClean="0"/>
-              <a:t>The</a:t>
-            </a:r>
-            <a:r>
-              <a:rPr lang="en-US" altLang="zh-CN" baseline="0" dirty="0" smtClean="0"/>
-              <a:t> Health Professional Follow Up Study implements restriction in its design, by limiting the participants to men. This removes gender based bias in the analysis. </a:t>
-            </a:r>
-          </a:p>
-          <a:p>
-            <a:pPr marL="0" marR="0" indent="0" algn="l" defTabSz="914400" rtl="0" eaLnBrk="1" fontAlgn="auto" latinLnBrk="0" hangingPunct="1">
-              <a:lnSpc>
-                <a:spcPct val="100000"/>
-              </a:lnSpc>
-              <a:spcBef>
-                <a:spcPts val="0"/>
-              </a:spcBef>
-              <a:spcAft>
-                <a:spcPts val="0"/>
-              </a:spcAft>
-              <a:buClrTx/>
-              <a:buSzTx/>
-              <a:buFontTx/>
-              <a:buNone/>
-              <a:tabLst/>
-              <a:defRPr/>
-            </a:pPr>
-            <a:endParaRPr lang="en-US" altLang="zh-CN" baseline="0" dirty="0" smtClean="0"/>
-          </a:p>
-          <a:p>
-            <a:pPr marL="0" marR="0" indent="0" algn="l" defTabSz="914400" rtl="0" eaLnBrk="1" fontAlgn="auto" latinLnBrk="0" hangingPunct="1">
-              <a:lnSpc>
-                <a:spcPct val="100000"/>
-              </a:lnSpc>
-              <a:spcBef>
-                <a:spcPts val="0"/>
-              </a:spcBef>
-              <a:spcAft>
-                <a:spcPts val="0"/>
-              </a:spcAft>
-              <a:buClrTx/>
-              <a:buSzTx/>
-              <a:buFontTx/>
-              <a:buNone/>
-              <a:tabLst/>
-              <a:defRPr/>
-            </a:pPr>
-            <a:r>
-              <a:rPr lang="mr-IN" altLang="zh-CN" dirty="0" smtClean="0"/>
-              <a:t>…</a:t>
-            </a:r>
-            <a:r>
-              <a:rPr lang="en-US" altLang="zh-CN" dirty="0" smtClean="0"/>
-              <a:t>.But that reduces generalizability for</a:t>
-            </a:r>
-            <a:r>
-              <a:rPr lang="en-US" altLang="zh-CN" baseline="0" dirty="0" smtClean="0"/>
-              <a:t> half of your population. (sad </a:t>
-            </a:r>
-            <a:r>
-              <a:rPr lang="en-US" altLang="zh-CN" baseline="0" dirty="0" err="1" smtClean="0"/>
-              <a:t>emoji</a:t>
-            </a:r>
-            <a:r>
-              <a:rPr lang="en-US" altLang="zh-CN" baseline="0" dirty="0" smtClean="0"/>
-              <a:t> on next slide)</a:t>
-            </a:r>
-            <a:endParaRPr lang="en-US" altLang="zh-CN" dirty="0" smtClean="0"/>
-          </a:p>
-          <a:p>
-            <a:pPr marL="0" marR="0" indent="0" algn="l" defTabSz="914400" rtl="0" eaLnBrk="1" fontAlgn="auto" latinLnBrk="0" hangingPunct="1">
-              <a:lnSpc>
-                <a:spcPct val="100000"/>
-              </a:lnSpc>
-              <a:spcBef>
-                <a:spcPts val="0"/>
-              </a:spcBef>
-              <a:spcAft>
-                <a:spcPts val="0"/>
-              </a:spcAft>
-              <a:buClrTx/>
-              <a:buSzTx/>
-              <a:buFontTx/>
-              <a:buNone/>
-              <a:tabLst/>
-              <a:defRPr/>
-            </a:pPr>
-            <a:endParaRPr lang="en-US" altLang="zh-CN" baseline="0" dirty="0" smtClean="0"/>
-          </a:p>
-          <a:p>
-            <a:pPr marL="0" marR="0" indent="0" algn="l" defTabSz="914400" rtl="0" eaLnBrk="1" fontAlgn="auto" latinLnBrk="0" hangingPunct="1">
-              <a:lnSpc>
-                <a:spcPct val="100000"/>
-              </a:lnSpc>
-              <a:spcBef>
-                <a:spcPts val="0"/>
-              </a:spcBef>
-              <a:spcAft>
-                <a:spcPts val="0"/>
-              </a:spcAft>
-              <a:buClrTx/>
-              <a:buSzTx/>
-              <a:buFontTx/>
-              <a:buNone/>
-              <a:tabLst/>
-              <a:defRPr/>
-            </a:pPr>
-            <a:r>
-              <a:rPr lang="en-US" altLang="zh-CN" dirty="0" smtClean="0"/>
-              <a:t>We</a:t>
-            </a:r>
-            <a:r>
-              <a:rPr lang="en-US" altLang="zh-CN" baseline="0" dirty="0" smtClean="0"/>
-              <a:t> are also restricted to health professionals, which includes nurses, </a:t>
-            </a:r>
-            <a:r>
-              <a:rPr lang="en-US" altLang="zh-CN" baseline="0" dirty="0" err="1" smtClean="0"/>
-              <a:t>veterianarians</a:t>
-            </a:r>
-            <a:r>
-              <a:rPr lang="en-US" altLang="zh-CN" baseline="0" dirty="0" smtClean="0"/>
-              <a:t>, physicians, which keeps it above the same socioeconomic status </a:t>
-            </a:r>
-            <a:endParaRPr lang="en-US" altLang="zh-CN" dirty="0" smtClean="0"/>
-          </a:p>
-          <a:p>
-            <a:pPr marL="0" marR="0" indent="0" algn="l" defTabSz="914400" rtl="0" eaLnBrk="1" fontAlgn="auto" latinLnBrk="0" hangingPunct="1">
-              <a:lnSpc>
-                <a:spcPct val="100000"/>
-              </a:lnSpc>
-              <a:spcBef>
-                <a:spcPts val="0"/>
-              </a:spcBef>
-              <a:spcAft>
-                <a:spcPts val="0"/>
-              </a:spcAft>
-              <a:buClrTx/>
-              <a:buSzTx/>
-              <a:buFontTx/>
-              <a:buNone/>
-              <a:tabLst/>
-              <a:defRPr/>
-            </a:pPr>
-            <a:endParaRPr kumimoji="1" lang="zh-CN" altLang="en-US" dirty="0"/>
-          </a:p>
-        </p:txBody>
-      </p:sp>
-      <p:sp>
-        <p:nvSpPr>
-          <p:cNvPr id="4" name="幻灯片编号占位符 3"/>
-          <p:cNvSpPr>
-            <a:spLocks noGrp="1"/>
-          </p:cNvSpPr>
-          <p:nvPr>
-            <p:ph type="sldNum" sz="quarter" idx="10"/>
-          </p:nvPr>
-        </p:nvSpPr>
-        <p:spPr/>
-        <p:txBody>
-          <a:bodyPr/>
-          <a:lstStyle/>
-          <a:p>
-            <a:fld id="{C2C24509-F6BB-CF41-A66A-A982CBBBCD86}" type="slidenum">
-              <a:rPr lang="en-US" smtClean="0"/>
-              <a:t>14</a:t>
-            </a:fld>
-            <a:endParaRPr lang="en-US"/>
-          </a:p>
-        </p:txBody>
-      </p:sp>
-    </p:spTree>
-    <p:extLst>
-      <p:ext uri="{BB962C8B-B14F-4D97-AF65-F5344CB8AC3E}">
-        <p14:creationId xmlns:p14="http://schemas.microsoft.com/office/powerpoint/2010/main" val="1700549223"/>
-      </p:ext>
-    </p:extLst>
-  </p:cSld>
-  <p:clrMapOvr>
-    <a:masterClrMapping/>
-  </p:clrMapOvr>
-</p:notes>
-</file>
-
-<file path=ppt/notesSlides/notesSlide12.xml><?xml version="1.0" encoding="utf-8"?>
-<p:notes xmlns:a="http://schemas.openxmlformats.org/drawingml/2006/main" xmlns:r="http://schemas.openxmlformats.org/officeDocument/2006/relationships" xmlns:p="http://schemas.openxmlformats.org/presentationml/2006/main">
-  <p:cSld>
-    <p:spTree>
-      <p:nvGrpSpPr>
-        <p:cNvPr id="1" name=""/>
-        <p:cNvGrpSpPr/>
-        <p:nvPr/>
-      </p:nvGrpSpPr>
-      <p:grpSpPr>
-        <a:xfrm>
-          <a:off x="0" y="0"/>
-          <a:ext cx="0" cy="0"/>
-          <a:chOff x="0" y="0"/>
-          <a:chExt cx="0" cy="0"/>
-        </a:xfrm>
-      </p:grpSpPr>
-      <p:sp>
-        <p:nvSpPr>
-          <p:cNvPr id="2" name="幻灯片图像占位符 1"/>
-          <p:cNvSpPr>
-            <a:spLocks noGrp="1" noRot="1" noChangeAspect="1"/>
-          </p:cNvSpPr>
-          <p:nvPr>
-            <p:ph type="sldImg"/>
-          </p:nvPr>
-        </p:nvSpPr>
-        <p:spPr/>
-      </p:sp>
-      <p:sp>
-        <p:nvSpPr>
-          <p:cNvPr id="3" name="备注占位符 2"/>
-          <p:cNvSpPr>
-            <a:spLocks noGrp="1"/>
-          </p:cNvSpPr>
-          <p:nvPr>
-            <p:ph type="body" idx="1"/>
-          </p:nvPr>
-        </p:nvSpPr>
-        <p:spPr/>
-        <p:txBody>
-          <a:bodyPr/>
-          <a:lstStyle/>
-          <a:p>
-            <a:pPr marL="0" marR="0" indent="0" algn="l" defTabSz="914400" rtl="0" eaLnBrk="1" fontAlgn="auto" latinLnBrk="0" hangingPunct="1">
-              <a:lnSpc>
-                <a:spcPct val="100000"/>
-              </a:lnSpc>
-              <a:spcBef>
-                <a:spcPts val="0"/>
-              </a:spcBef>
-              <a:spcAft>
-                <a:spcPts val="0"/>
-              </a:spcAft>
-              <a:buClrTx/>
-              <a:buSzTx/>
-              <a:buFontTx/>
-              <a:buNone/>
-              <a:tabLst/>
-              <a:defRPr/>
-            </a:pPr>
-            <a:r>
               <a:rPr kumimoji="1" lang="zh-CN" altLang="en-US" dirty="0" smtClean="0"/>
               <a:t> </a:t>
             </a:r>
@@ -1598,7 +1253,7 @@
 </p:notes>
 </file>
 
-<file path=ppt/notesSlides/notesSlide13.xml><?xml version="1.0" encoding="utf-8"?>
+<file path=ppt/notesSlides/notesSlide12.xml><?xml version="1.0" encoding="utf-8"?>
 <p:notes xmlns:a="http://schemas.openxmlformats.org/drawingml/2006/main" xmlns:r="http://schemas.openxmlformats.org/officeDocument/2006/relationships" xmlns:p="http://schemas.openxmlformats.org/presentationml/2006/main">
   <p:cSld>
     <p:spTree>
@@ -2831,13 +2486,9 @@
               <a:rPr lang="en-US" altLang="zh-CN" baseline="0" dirty="0" smtClean="0"/>
               <a:t>takes an already existing longitudinal survey, and mines it for pertinent data. That data and subsequent analysis is used in an attempt to clarify and strengthen the associations between our exposures, sugar sweetened and artificially sweetened beverages, and our disease, Type 2 diabetes. </a:t>
             </a:r>
-            <a:endParaRPr lang="en-US" altLang="zh-CN" dirty="0" smtClean="0"/>
-          </a:p>
-          <a:p>
-            <a:r>
-              <a:rPr kumimoji="1" lang="en-US" altLang="zh-CN" dirty="0" smtClean="0"/>
-              <a:t>u</a:t>
-            </a:r>
+            <a:endParaRPr kumimoji="1" lang="zh-CN" altLang="en-US" dirty="0" smtClean="0"/>
+          </a:p>
+          <a:p>
             <a:endParaRPr kumimoji="1" lang="zh-CN" altLang="en-US" dirty="0"/>
           </a:p>
         </p:txBody>
@@ -2868,7 +2519,7 @@
     </p:spTree>
     <p:extLst>
       <p:ext uri="{BB962C8B-B14F-4D97-AF65-F5344CB8AC3E}">
-        <p14:creationId xmlns:p14="http://schemas.microsoft.com/office/powerpoint/2010/main" val="2161660716"/>
+        <p14:creationId xmlns:p14="http://schemas.microsoft.com/office/powerpoint/2010/main" val="2962876853"/>
       </p:ext>
     </p:extLst>
   </p:cSld>
@@ -6166,138 +5817,1073 @@
           <a:chExt cx="0" cy="0"/>
         </a:xfrm>
       </p:grpSpPr>
-      <p:sp>
-        <p:nvSpPr>
-          <p:cNvPr id="2" name="Title 1"/>
-          <p:cNvSpPr>
-            <a:spLocks noGrp="1"/>
-          </p:cNvSpPr>
-          <p:nvPr>
-            <p:ph type="title"/>
-          </p:nvPr>
-        </p:nvSpPr>
-        <p:spPr/>
-        <p:txBody>
-          <a:bodyPr/>
+      <p:pic>
+        <p:nvPicPr>
+          <p:cNvPr id="15362" name="图片 25" descr="fa 未标题-1.jpg"/>
+          <p:cNvPicPr>
+            <a:picLocks noChangeAspect="1" noChangeArrowheads="1"/>
+          </p:cNvPicPr>
+          <p:nvPr/>
+        </p:nvPicPr>
+        <p:blipFill>
+          <a:blip r:embed="rId3">
+            <a:extLst>
+              <a:ext uri="{28A0092B-C50C-407E-A947-70E740481C1C}">
+                <a14:useLocalDpi xmlns:a14="http://schemas.microsoft.com/office/drawing/2010/main" val="0"/>
+              </a:ext>
+            </a:extLst>
+          </a:blip>
+          <a:srcRect/>
+          <a:stretch>
+            <a:fillRect/>
+          </a:stretch>
+        </p:blipFill>
+        <p:spPr bwMode="auto">
+          <a:xfrm>
+            <a:off x="155736" y="4954168"/>
+            <a:ext cx="3524251" cy="715433"/>
+          </a:xfrm>
+          <a:prstGeom prst="rect">
+            <a:avLst/>
+          </a:prstGeom>
+          <a:noFill/>
+          <a:ln>
+            <a:noFill/>
+          </a:ln>
+          <a:extLst>
+            <a:ext uri="{909E8E84-426E-40dd-AFC4-6F175D3DCCD1}">
+              <a14:hiddenFill xmlns:a14="http://schemas.microsoft.com/office/drawing/2010/main">
+                <a:solidFill>
+                  <a:srgbClr val="FFFFFF"/>
+                </a:solidFill>
+              </a14:hiddenFill>
+            </a:ext>
+            <a:ext uri="{91240B29-F687-4f45-9708-019B960494DF}">
+              <a14:hiddenLine xmlns:a14="http://schemas.microsoft.com/office/drawing/2010/main" w="9525">
+                <a:solidFill>
+                  <a:srgbClr val="000000"/>
+                </a:solidFill>
+                <a:miter lim="800000"/>
+                <a:headEnd/>
+                <a:tailEnd/>
+              </a14:hiddenLine>
+            </a:ext>
+          </a:extLst>
+        </p:spPr>
+      </p:pic>
+      <p:pic>
+        <p:nvPicPr>
+          <p:cNvPr id="15363" name="图片 24" descr="2011101920331087.jpg"/>
+          <p:cNvPicPr>
+            <a:picLocks noChangeAspect="1" noChangeArrowheads="1"/>
+          </p:cNvPicPr>
+          <p:nvPr/>
+        </p:nvPicPr>
+        <p:blipFill>
+          <a:blip r:embed="rId4">
+            <a:extLst>
+              <a:ext uri="{28A0092B-C50C-407E-A947-70E740481C1C}">
+                <a14:useLocalDpi xmlns:a14="http://schemas.microsoft.com/office/drawing/2010/main" val="0"/>
+              </a:ext>
+            </a:extLst>
+          </a:blip>
+          <a:srcRect/>
+          <a:stretch>
+            <a:fillRect/>
+          </a:stretch>
+        </p:blipFill>
+        <p:spPr bwMode="auto">
+          <a:xfrm>
+            <a:off x="3143251" y="1333501"/>
+            <a:ext cx="5463116" cy="4900084"/>
+          </a:xfrm>
+          <a:prstGeom prst="rect">
+            <a:avLst/>
+          </a:prstGeom>
+          <a:noFill/>
+          <a:ln>
+            <a:noFill/>
+          </a:ln>
+          <a:extLst>
+            <a:ext uri="{909E8E84-426E-40dd-AFC4-6F175D3DCCD1}">
+              <a14:hiddenFill xmlns:a14="http://schemas.microsoft.com/office/drawing/2010/main">
+                <a:solidFill>
+                  <a:srgbClr val="FFFFFF"/>
+                </a:solidFill>
+              </a14:hiddenFill>
+            </a:ext>
+            <a:ext uri="{91240B29-F687-4f45-9708-019B960494DF}">
+              <a14:hiddenLine xmlns:a14="http://schemas.microsoft.com/office/drawing/2010/main" w="9525">
+                <a:solidFill>
+                  <a:srgbClr val="000000"/>
+                </a:solidFill>
+                <a:miter lim="800000"/>
+                <a:headEnd/>
+                <a:tailEnd/>
+              </a14:hiddenLine>
+            </a:ext>
+          </a:extLst>
+        </p:spPr>
+      </p:pic>
+      <p:grpSp>
+        <p:nvGrpSpPr>
+          <p:cNvPr id="15364" name="组合 8"/>
+          <p:cNvGrpSpPr>
+            <a:grpSpLocks/>
+          </p:cNvGrpSpPr>
+          <p:nvPr/>
+        </p:nvGrpSpPr>
+        <p:grpSpPr bwMode="auto">
+          <a:xfrm>
+            <a:off x="7229475" y="5156495"/>
+            <a:ext cx="2850735" cy="977029"/>
+            <a:chOff x="0" y="-84833"/>
+            <a:chExt cx="2138592" cy="732743"/>
+          </a:xfrm>
+        </p:grpSpPr>
+        <p:sp>
+          <p:nvSpPr>
+            <p:cNvPr id="15379" name="矩形 10"/>
+            <p:cNvSpPr>
+              <a:spLocks noChangeArrowheads="1"/>
+            </p:cNvSpPr>
+            <p:nvPr/>
+          </p:nvSpPr>
+          <p:spPr bwMode="auto">
+            <a:xfrm>
+              <a:off x="352642" y="-84833"/>
+              <a:ext cx="1785950" cy="253906"/>
+            </a:xfrm>
+            <a:prstGeom prst="rect">
+              <a:avLst/>
+            </a:prstGeom>
+            <a:noFill/>
+            <a:ln>
+              <a:noFill/>
+            </a:ln>
+            <a:extLst>
+              <a:ext uri="{909E8E84-426E-40dd-AFC4-6F175D3DCCD1}">
+                <a14:hiddenFill xmlns:a14="http://schemas.microsoft.com/office/drawing/2010/main">
+                  <a:solidFill>
+                    <a:srgbClr val="FFFFFF"/>
+                  </a:solidFill>
+                </a14:hiddenFill>
+              </a:ext>
+              <a:ext uri="{91240B29-F687-4f45-9708-019B960494DF}">
+                <a14:hiddenLine xmlns:a14="http://schemas.microsoft.com/office/drawing/2010/main" w="9525">
+                  <a:solidFill>
+                    <a:srgbClr val="000000"/>
+                  </a:solidFill>
+                  <a:miter lim="800000"/>
+                  <a:headEnd/>
+                  <a:tailEnd/>
+                </a14:hiddenLine>
+              </a:ext>
+            </a:extLst>
+          </p:spPr>
+          <p:txBody>
+            <a:bodyPr>
+              <a:spAutoFit/>
+            </a:bodyPr>
+            <a:lstStyle/>
+            <a:p>
+              <a:r>
+                <a:rPr lang="zh-CN" altLang="en-US" sz="1600" b="1" dirty="0">
+                  <a:latin typeface="微软雅黑" charset="0"/>
+                  <a:ea typeface="微软雅黑" charset="0"/>
+                  <a:cs typeface="微软雅黑" charset="0"/>
+                </a:rPr>
+                <a:t>    </a:t>
+              </a:r>
+              <a:r>
+                <a:rPr lang="en-US" altLang="zh-CN" sz="1600" dirty="0"/>
+                <a:t>artificially sweetened </a:t>
+              </a:r>
+              <a:r>
+                <a:rPr lang="en-US" altLang="zh-CN" sz="1600" b="1" dirty="0" smtClean="0">
+                  <a:latin typeface="微软雅黑" charset="0"/>
+                  <a:ea typeface="微软雅黑" charset="0"/>
+                  <a:cs typeface="微软雅黑" charset="0"/>
+                </a:rPr>
+                <a:t>o</a:t>
+              </a:r>
+              <a:endParaRPr lang="en-US" altLang="zh-CN" sz="1600" dirty="0"/>
+            </a:p>
+          </p:txBody>
+        </p:sp>
+        <p:sp>
+          <p:nvSpPr>
+            <p:cNvPr id="15380" name="矩形 11"/>
+            <p:cNvSpPr>
+              <a:spLocks noChangeArrowheads="1"/>
+            </p:cNvSpPr>
+            <p:nvPr/>
+          </p:nvSpPr>
+          <p:spPr bwMode="auto">
+            <a:xfrm>
+              <a:off x="0" y="428628"/>
+              <a:ext cx="2065860" cy="219282"/>
+            </a:xfrm>
+            <a:prstGeom prst="rect">
+              <a:avLst/>
+            </a:prstGeom>
+            <a:noFill/>
+            <a:ln>
+              <a:noFill/>
+            </a:ln>
+            <a:extLst>
+              <a:ext uri="{909E8E84-426E-40dd-AFC4-6F175D3DCCD1}">
+                <a14:hiddenFill xmlns:a14="http://schemas.microsoft.com/office/drawing/2010/main">
+                  <a:solidFill>
+                    <a:srgbClr val="FFFFFF"/>
+                  </a:solidFill>
+                </a14:hiddenFill>
+              </a:ext>
+              <a:ext uri="{91240B29-F687-4f45-9708-019B960494DF}">
+                <a14:hiddenLine xmlns:a14="http://schemas.microsoft.com/office/drawing/2010/main" w="9525">
+                  <a:solidFill>
+                    <a:srgbClr val="000000"/>
+                  </a:solidFill>
+                  <a:miter lim="800000"/>
+                  <a:headEnd/>
+                  <a:tailEnd/>
+                </a14:hiddenLine>
+              </a:ext>
+            </a:extLst>
+          </p:spPr>
+          <p:txBody>
+            <a:bodyPr>
+              <a:spAutoFit/>
+            </a:bodyPr>
+            <a:lstStyle/>
+            <a:p>
+              <a:pPr algn="just"/>
+              <a:endParaRPr lang="en-US" sz="1300" dirty="0">
+                <a:latin typeface="微软雅黑" charset="0"/>
+                <a:ea typeface="微软雅黑" charset="0"/>
+                <a:cs typeface="微软雅黑" charset="0"/>
+              </a:endParaRPr>
+            </a:p>
+          </p:txBody>
+        </p:sp>
+      </p:grpSp>
+      <p:sp>
+        <p:nvSpPr>
+          <p:cNvPr id="15365" name="矩形 20"/>
+          <p:cNvSpPr>
+            <a:spLocks noChangeArrowheads="1"/>
+          </p:cNvSpPr>
+          <p:nvPr/>
+        </p:nvSpPr>
+        <p:spPr bwMode="auto">
+          <a:xfrm>
+            <a:off x="5061573" y="3714751"/>
+            <a:ext cx="1977458" cy="400105"/>
+          </a:xfrm>
+          <a:prstGeom prst="rect">
+            <a:avLst/>
+          </a:prstGeom>
+          <a:noFill/>
+          <a:ln>
+            <a:noFill/>
+          </a:ln>
+          <a:extLst>
+            <a:ext uri="{909E8E84-426E-40dd-AFC4-6F175D3DCCD1}">
+              <a14:hiddenFill xmlns:a14="http://schemas.microsoft.com/office/drawing/2010/main">
+                <a:solidFill>
+                  <a:srgbClr val="FFFFFF"/>
+                </a:solidFill>
+              </a14:hiddenFill>
+            </a:ext>
+            <a:ext uri="{91240B29-F687-4f45-9708-019B960494DF}">
+              <a14:hiddenLine xmlns:a14="http://schemas.microsoft.com/office/drawing/2010/main" w="9525">
+                <a:solidFill>
+                  <a:srgbClr val="000000"/>
+                </a:solidFill>
+                <a:miter lim="800000"/>
+                <a:headEnd/>
+                <a:tailEnd/>
+              </a14:hiddenLine>
+            </a:ext>
+          </a:extLst>
+        </p:spPr>
+        <p:txBody>
+          <a:bodyPr wrap="none" lIns="121917" tIns="60958" rIns="121917" bIns="60958">
+            <a:spAutoFit/>
+          </a:bodyPr>
           <a:lstStyle/>
           <a:p>
             <a:r>
-              <a:rPr lang="en-US" dirty="0" smtClean="0"/>
-              <a:t>Study </a:t>
-            </a:r>
-            <a:r>
-              <a:rPr lang="en-US" dirty="0" smtClean="0"/>
-              <a:t>Purpose</a:t>
-            </a:r>
-            <a:endParaRPr lang="en-US" dirty="0"/>
-          </a:p>
-        </p:txBody>
-      </p:sp>
-      <p:sp>
-        <p:nvSpPr>
-          <p:cNvPr id="3" name="Content Placeholder 2"/>
-          <p:cNvSpPr>
-            <a:spLocks noGrp="1"/>
-          </p:cNvSpPr>
-          <p:nvPr>
-            <p:ph idx="1"/>
-          </p:nvPr>
-        </p:nvSpPr>
-        <p:spPr/>
-        <p:txBody>
-          <a:bodyPr/>
+              <a:rPr lang="en-US" altLang="zh-CN" b="1" dirty="0" smtClean="0">
+                <a:latin typeface="微软雅黑" charset="0"/>
+                <a:ea typeface="微软雅黑" charset="0"/>
+                <a:cs typeface="微软雅黑" charset="0"/>
+              </a:rPr>
+              <a:t>Type</a:t>
+            </a:r>
+            <a:r>
+              <a:rPr lang="zh-CN" altLang="en-US" b="1" dirty="0" smtClean="0">
+                <a:latin typeface="微软雅黑" charset="0"/>
+                <a:ea typeface="微软雅黑" charset="0"/>
+                <a:cs typeface="微软雅黑" charset="0"/>
+              </a:rPr>
+              <a:t> </a:t>
+            </a:r>
+            <a:r>
+              <a:rPr lang="en-US" altLang="zh-CN" b="1" dirty="0" smtClean="0">
+                <a:latin typeface="微软雅黑" charset="0"/>
+                <a:ea typeface="微软雅黑" charset="0"/>
+                <a:cs typeface="微软雅黑" charset="0"/>
+              </a:rPr>
+              <a:t>2</a:t>
+            </a:r>
+            <a:r>
+              <a:rPr lang="zh-CN" altLang="en-US" b="1" dirty="0" smtClean="0">
+                <a:latin typeface="微软雅黑" charset="0"/>
+                <a:ea typeface="微软雅黑" charset="0"/>
+                <a:cs typeface="微软雅黑" charset="0"/>
+              </a:rPr>
+              <a:t> </a:t>
+            </a:r>
+            <a:r>
+              <a:rPr lang="en-US" altLang="zh-CN" b="1" dirty="0" smtClean="0">
+                <a:latin typeface="微软雅黑" charset="0"/>
+                <a:ea typeface="微软雅黑" charset="0"/>
+                <a:cs typeface="微软雅黑" charset="0"/>
+              </a:rPr>
+              <a:t>diabetes</a:t>
+            </a:r>
+            <a:endParaRPr lang="zh-CN" altLang="en-US" b="1" dirty="0">
+              <a:latin typeface="微软雅黑" charset="0"/>
+              <a:ea typeface="微软雅黑" charset="0"/>
+              <a:cs typeface="微软雅黑" charset="0"/>
+            </a:endParaRPr>
+          </a:p>
+        </p:txBody>
+      </p:sp>
+      <p:sp>
+        <p:nvSpPr>
+          <p:cNvPr id="15366" name="下箭头 21"/>
+          <p:cNvSpPr>
+            <a:spLocks noChangeArrowheads="1"/>
+          </p:cNvSpPr>
+          <p:nvPr/>
+        </p:nvSpPr>
+        <p:spPr bwMode="auto">
+          <a:xfrm>
+            <a:off x="5429251" y="2095501"/>
+            <a:ext cx="952500" cy="1333500"/>
+          </a:xfrm>
+          <a:prstGeom prst="downArrow">
+            <a:avLst>
+              <a:gd name="adj1" fmla="val 50000"/>
+              <a:gd name="adj2" fmla="val 49998"/>
+            </a:avLst>
+          </a:prstGeom>
+          <a:solidFill>
+            <a:schemeClr val="tx1"/>
+          </a:solidFill>
+          <a:ln>
+            <a:noFill/>
+          </a:ln>
+          <a:effectLst>
+            <a:outerShdw blurRad="63500" dist="50800" dir="5400000" algn="ctr" rotWithShape="0">
+              <a:srgbClr val="000000">
+                <a:alpha val="42998"/>
+              </a:srgbClr>
+            </a:outerShdw>
+          </a:effectLst>
+          <a:extLst>
+            <a:ext uri="{91240B29-F687-4f45-9708-019B960494DF}">
+              <a14:hiddenLine xmlns:a14="http://schemas.microsoft.com/office/drawing/2010/main" w="9525">
+                <a:solidFill>
+                  <a:srgbClr val="000000"/>
+                </a:solidFill>
+                <a:miter lim="800000"/>
+                <a:headEnd/>
+                <a:tailEnd/>
+              </a14:hiddenLine>
+            </a:ext>
+          </a:extLst>
+        </p:spPr>
+        <p:txBody>
+          <a:bodyPr lIns="121917" tIns="60958" rIns="121917" bIns="60958" anchor="ctr"/>
           <a:lstStyle/>
           <a:p>
-            <a:r>
-              <a:rPr lang="en-US" dirty="0" smtClean="0"/>
-              <a:t>Relationship</a:t>
-            </a:r>
-            <a:r>
-              <a:rPr lang="zh-CN" altLang="en-US" dirty="0" smtClean="0"/>
+            <a:pPr algn="ctr"/>
+            <a:endParaRPr lang="zh-CN" altLang="en-US">
+              <a:solidFill>
+                <a:srgbClr val="FFFFFF"/>
+              </a:solidFill>
+              <a:latin typeface="Calibri" charset="0"/>
+            </a:endParaRPr>
+          </a:p>
+        </p:txBody>
+      </p:sp>
+      <p:sp>
+        <p:nvSpPr>
+          <p:cNvPr id="15367" name="下箭头 22"/>
+          <p:cNvSpPr>
+            <a:spLocks noChangeArrowheads="1"/>
+          </p:cNvSpPr>
+          <p:nvPr/>
+        </p:nvSpPr>
+        <p:spPr bwMode="auto">
+          <a:xfrm rot="-7646458">
+            <a:off x="4218517" y="4032251"/>
+            <a:ext cx="939800" cy="1253067"/>
+          </a:xfrm>
+          <a:prstGeom prst="downArrow">
+            <a:avLst>
+              <a:gd name="adj1" fmla="val 50000"/>
+              <a:gd name="adj2" fmla="val 50000"/>
+            </a:avLst>
+          </a:prstGeom>
+          <a:solidFill>
+            <a:schemeClr val="tx1"/>
+          </a:solidFill>
+          <a:ln>
+            <a:noFill/>
+          </a:ln>
+          <a:effectLst>
+            <a:outerShdw blurRad="63500" dist="50800" dir="5400000" algn="ctr" rotWithShape="0">
+              <a:srgbClr val="000000">
+                <a:alpha val="42998"/>
+              </a:srgbClr>
+            </a:outerShdw>
+          </a:effectLst>
+          <a:extLst>
+            <a:ext uri="{91240B29-F687-4f45-9708-019B960494DF}">
+              <a14:hiddenLine xmlns:a14="http://schemas.microsoft.com/office/drawing/2010/main" w="9525">
+                <a:solidFill>
+                  <a:srgbClr val="000000"/>
+                </a:solidFill>
+                <a:miter lim="800000"/>
+                <a:headEnd/>
+                <a:tailEnd/>
+              </a14:hiddenLine>
+            </a:ext>
+          </a:extLst>
+        </p:spPr>
+        <p:txBody>
+          <a:bodyPr lIns="121917" tIns="60958" rIns="121917" bIns="60958" anchor="ctr"/>
+          <a:lstStyle/>
+          <a:p>
+            <a:pPr algn="ctr"/>
+            <a:endParaRPr lang="zh-CN" altLang="en-US">
+              <a:solidFill>
+                <a:srgbClr val="FFFFFF"/>
+              </a:solidFill>
+              <a:latin typeface="Calibri" charset="0"/>
+            </a:endParaRPr>
+          </a:p>
+        </p:txBody>
+      </p:sp>
+      <p:sp>
+        <p:nvSpPr>
+          <p:cNvPr id="15368" name="下箭头 23"/>
+          <p:cNvSpPr>
+            <a:spLocks noChangeArrowheads="1"/>
+          </p:cNvSpPr>
+          <p:nvPr/>
+        </p:nvSpPr>
+        <p:spPr bwMode="auto">
+          <a:xfrm rot="7533889">
+            <a:off x="6722534" y="3911601"/>
+            <a:ext cx="929217" cy="1318684"/>
+          </a:xfrm>
+          <a:prstGeom prst="downArrow">
+            <a:avLst>
+              <a:gd name="adj1" fmla="val 50000"/>
+              <a:gd name="adj2" fmla="val 49998"/>
+            </a:avLst>
+          </a:prstGeom>
+          <a:solidFill>
+            <a:schemeClr val="tx1"/>
+          </a:solidFill>
+          <a:ln>
+            <a:noFill/>
+          </a:ln>
+          <a:effectLst>
+            <a:outerShdw blurRad="63500" dist="50800" dir="5400000" algn="ctr" rotWithShape="0">
+              <a:srgbClr val="000000">
+                <a:alpha val="42998"/>
+              </a:srgbClr>
+            </a:outerShdw>
+          </a:effectLst>
+          <a:extLst>
+            <a:ext uri="{91240B29-F687-4f45-9708-019B960494DF}">
+              <a14:hiddenLine xmlns:a14="http://schemas.microsoft.com/office/drawing/2010/main" w="9525">
+                <a:solidFill>
+                  <a:srgbClr val="000000"/>
+                </a:solidFill>
+                <a:miter lim="800000"/>
+                <a:headEnd/>
+                <a:tailEnd/>
+              </a14:hiddenLine>
+            </a:ext>
+          </a:extLst>
+        </p:spPr>
+        <p:txBody>
+          <a:bodyPr lIns="121917" tIns="60958" rIns="121917" bIns="60958" anchor="ctr"/>
+          <a:lstStyle/>
+          <a:p>
+            <a:pPr algn="ctr"/>
+            <a:endParaRPr lang="zh-CN" altLang="en-US">
+              <a:solidFill>
+                <a:srgbClr val="FFFFFF"/>
+              </a:solidFill>
+              <a:latin typeface="Calibri" charset="0"/>
+            </a:endParaRPr>
+          </a:p>
+        </p:txBody>
+      </p:sp>
+      <p:pic>
+        <p:nvPicPr>
+          <p:cNvPr id="15371" name="图片 30" descr="fa 未标题-1.jpg"/>
+          <p:cNvPicPr>
+            <a:picLocks noChangeAspect="1" noChangeArrowheads="1"/>
+          </p:cNvPicPr>
+          <p:nvPr/>
+        </p:nvPicPr>
+        <p:blipFill>
+          <a:blip r:embed="rId3">
+            <a:extLst>
+              <a:ext uri="{28A0092B-C50C-407E-A947-70E740481C1C}">
+                <a14:useLocalDpi xmlns:a14="http://schemas.microsoft.com/office/drawing/2010/main" val="0"/>
+              </a:ext>
+            </a:extLst>
+          </a:blip>
+          <a:srcRect/>
+          <a:stretch>
+            <a:fillRect/>
+          </a:stretch>
+        </p:blipFill>
+        <p:spPr bwMode="auto">
+          <a:xfrm>
+            <a:off x="3905289" y="1190618"/>
+            <a:ext cx="3524249" cy="715433"/>
+          </a:xfrm>
+          <a:prstGeom prst="rect">
+            <a:avLst/>
+          </a:prstGeom>
+          <a:noFill/>
+          <a:ln>
+            <a:noFill/>
+          </a:ln>
+          <a:extLst>
+            <a:ext uri="{909E8E84-426E-40dd-AFC4-6F175D3DCCD1}">
+              <a14:hiddenFill xmlns:a14="http://schemas.microsoft.com/office/drawing/2010/main">
+                <a:solidFill>
+                  <a:srgbClr val="FFFFFF"/>
+                </a:solidFill>
+              </a14:hiddenFill>
+            </a:ext>
+            <a:ext uri="{91240B29-F687-4f45-9708-019B960494DF}">
+              <a14:hiddenLine xmlns:a14="http://schemas.microsoft.com/office/drawing/2010/main" w="9525">
+                <a:solidFill>
+                  <a:srgbClr val="000000"/>
+                </a:solidFill>
+                <a:miter lim="800000"/>
+                <a:headEnd/>
+                <a:tailEnd/>
+              </a14:hiddenLine>
+            </a:ext>
+          </a:extLst>
+        </p:spPr>
+      </p:pic>
+      <p:pic>
+        <p:nvPicPr>
+          <p:cNvPr id="15373" name="图片 34" descr="未tf awe标题-1.png"/>
+          <p:cNvPicPr>
+            <a:picLocks noChangeAspect="1" noChangeArrowheads="1"/>
+          </p:cNvPicPr>
+          <p:nvPr/>
+        </p:nvPicPr>
+        <p:blipFill>
+          <a:blip r:embed="rId5">
+            <a:extLst>
+              <a:ext uri="{28A0092B-C50C-407E-A947-70E740481C1C}">
+                <a14:useLocalDpi xmlns:a14="http://schemas.microsoft.com/office/drawing/2010/main" val="0"/>
+              </a:ext>
+            </a:extLst>
+          </a:blip>
+          <a:srcRect/>
+          <a:stretch>
+            <a:fillRect/>
+          </a:stretch>
+        </p:blipFill>
+        <p:spPr bwMode="auto">
+          <a:xfrm>
+            <a:off x="285752" y="190501"/>
+            <a:ext cx="730249" cy="723900"/>
+          </a:xfrm>
+          <a:prstGeom prst="rect">
+            <a:avLst/>
+          </a:prstGeom>
+          <a:noFill/>
+          <a:ln>
+            <a:noFill/>
+          </a:ln>
+          <a:extLst>
+            <a:ext uri="{909E8E84-426E-40dd-AFC4-6F175D3DCCD1}">
+              <a14:hiddenFill xmlns:a14="http://schemas.microsoft.com/office/drawing/2010/main">
+                <a:solidFill>
+                  <a:srgbClr val="FFFFFF"/>
+                </a:solidFill>
+              </a14:hiddenFill>
+            </a:ext>
+            <a:ext uri="{91240B29-F687-4f45-9708-019B960494DF}">
+              <a14:hiddenLine xmlns:a14="http://schemas.microsoft.com/office/drawing/2010/main" w="9525">
+                <a:solidFill>
+                  <a:srgbClr val="000000"/>
+                </a:solidFill>
+                <a:miter lim="800000"/>
+                <a:headEnd/>
+                <a:tailEnd/>
+              </a14:hiddenLine>
+            </a:ext>
+          </a:extLst>
+        </p:spPr>
+      </p:pic>
+      <p:sp>
+        <p:nvSpPr>
+          <p:cNvPr id="15374" name="矩形 35"/>
+          <p:cNvSpPr>
+            <a:spLocks noChangeArrowheads="1"/>
+          </p:cNvSpPr>
+          <p:nvPr/>
+        </p:nvSpPr>
+        <p:spPr bwMode="auto">
+          <a:xfrm>
+            <a:off x="952501" y="381001"/>
+            <a:ext cx="1938986" cy="415494"/>
+          </a:xfrm>
+          <a:prstGeom prst="rect">
+            <a:avLst/>
+          </a:prstGeom>
+          <a:noFill/>
+          <a:ln>
+            <a:noFill/>
+          </a:ln>
+          <a:extLst>
+            <a:ext uri="{909E8E84-426E-40dd-AFC4-6F175D3DCCD1}">
+              <a14:hiddenFill xmlns:a14="http://schemas.microsoft.com/office/drawing/2010/main">
+                <a:solidFill>
+                  <a:srgbClr val="FFFFFF"/>
+                </a:solidFill>
+              </a14:hiddenFill>
+            </a:ext>
+            <a:ext uri="{91240B29-F687-4f45-9708-019B960494DF}">
+              <a14:hiddenLine xmlns:a14="http://schemas.microsoft.com/office/drawing/2010/main" w="9525">
+                <a:solidFill>
+                  <a:srgbClr val="000000"/>
+                </a:solidFill>
+                <a:miter lim="800000"/>
+                <a:headEnd/>
+                <a:tailEnd/>
+              </a14:hiddenLine>
+            </a:ext>
+          </a:extLst>
+        </p:spPr>
+        <p:txBody>
+          <a:bodyPr wrap="none" lIns="121917" tIns="60958" rIns="121917" bIns="60958">
+            <a:spAutoFit/>
+          </a:bodyPr>
+          <a:lstStyle/>
+          <a:p>
+            <a:r>
+              <a:rPr lang="en-US" altLang="zh-CN" sz="1900" b="1" dirty="0" smtClean="0">
+                <a:latin typeface="微软雅黑" charset="0"/>
+                <a:ea typeface="微软雅黑" charset="0"/>
+                <a:cs typeface="微软雅黑" charset="0"/>
+              </a:rPr>
+              <a:t>Study</a:t>
+            </a:r>
+            <a:r>
+              <a:rPr lang="en-US" altLang="zh-CN" sz="1900" b="1" dirty="0" smtClean="0">
+                <a:latin typeface="微软雅黑" charset="0"/>
+                <a:ea typeface="微软雅黑" charset="0"/>
+                <a:cs typeface="微软雅黑" charset="0"/>
+              </a:rPr>
+              <a:t> purpose</a:t>
+            </a:r>
+            <a:r>
+              <a:rPr lang="zh-CN" altLang="en-US" sz="1900" b="1" dirty="0" smtClean="0">
+                <a:latin typeface="微软雅黑" charset="0"/>
+                <a:ea typeface="微软雅黑" charset="0"/>
+                <a:cs typeface="微软雅黑" charset="0"/>
+              </a:rPr>
+              <a:t>    </a:t>
+            </a:r>
+            <a:endParaRPr lang="en-US" sz="1900" b="1" dirty="0">
+              <a:latin typeface="微软雅黑" charset="0"/>
+              <a:ea typeface="微软雅黑" charset="0"/>
+              <a:cs typeface="微软雅黑" charset="0"/>
+            </a:endParaRPr>
+          </a:p>
+        </p:txBody>
+      </p:sp>
+      <p:sp>
+        <p:nvSpPr>
+          <p:cNvPr id="23" name="矩形 10"/>
+          <p:cNvSpPr>
+            <a:spLocks noChangeArrowheads="1"/>
+          </p:cNvSpPr>
+          <p:nvPr/>
+        </p:nvSpPr>
+        <p:spPr bwMode="auto">
+          <a:xfrm>
+            <a:off x="5033148" y="1158465"/>
+            <a:ext cx="2380665" cy="584776"/>
+          </a:xfrm>
+          <a:prstGeom prst="rect">
+            <a:avLst/>
+          </a:prstGeom>
+          <a:noFill/>
+          <a:ln>
+            <a:noFill/>
+          </a:ln>
+          <a:extLst>
+            <a:ext uri="{909E8E84-426E-40dd-AFC4-6F175D3DCCD1}">
+              <a14:hiddenFill xmlns:a14="http://schemas.microsoft.com/office/drawing/2010/main">
+                <a:solidFill>
+                  <a:srgbClr val="FFFFFF"/>
+                </a:solidFill>
+              </a14:hiddenFill>
+            </a:ext>
+            <a:ext uri="{91240B29-F687-4f45-9708-019B960494DF}">
+              <a14:hiddenLine xmlns:a14="http://schemas.microsoft.com/office/drawing/2010/main" w="9525">
+                <a:solidFill>
+                  <a:srgbClr val="000000"/>
+                </a:solidFill>
+                <a:miter lim="800000"/>
+                <a:headEnd/>
+                <a:tailEnd/>
+              </a14:hiddenLine>
+            </a:ext>
+          </a:extLst>
+        </p:spPr>
+        <p:txBody>
+          <a:bodyPr>
+            <a:spAutoFit/>
+          </a:bodyPr>
+          <a:lstStyle/>
+          <a:p>
+            <a:r>
+              <a:rPr lang="zh-CN" altLang="en-US" sz="1600" b="1" dirty="0">
+                <a:latin typeface="微软雅黑" charset="0"/>
+                <a:ea typeface="微软雅黑" charset="0"/>
+                <a:cs typeface="微软雅黑" charset="0"/>
+              </a:rPr>
+              <a:t>    </a:t>
+            </a:r>
+            <a:r>
+              <a:rPr lang="en-US" altLang="zh-CN" sz="1600" dirty="0" smtClean="0"/>
+              <a:t>sugar</a:t>
+            </a:r>
+            <a:r>
+              <a:rPr lang="en-US" altLang="zh-CN" sz="1600" dirty="0" smtClean="0"/>
+              <a:t>-sweetened</a:t>
+            </a:r>
+            <a:r>
+              <a:rPr lang="en-US" altLang="zh-CN" sz="1600" dirty="0" smtClean="0"/>
               <a:t> </a:t>
             </a:r>
-            <a:r>
-              <a:rPr lang="en-US" altLang="zh-CN" dirty="0" smtClean="0"/>
-              <a:t>chart</a:t>
-            </a:r>
-            <a:r>
-              <a:rPr lang="zh-CN" altLang="en-US" dirty="0" smtClean="0"/>
+          </a:p>
+          <a:p>
+            <a:r>
+              <a:rPr lang="en-US" altLang="zh-CN" sz="1600" dirty="0" smtClean="0"/>
+              <a:t>bever</a:t>
+            </a:r>
+            <a:r>
+              <a:rPr lang="en-US" altLang="zh-CN" sz="1600" b="1" dirty="0" smtClean="0">
+                <a:latin typeface="微软雅黑" charset="0"/>
+                <a:ea typeface="微软雅黑" charset="0"/>
+                <a:cs typeface="微软雅黑" charset="0"/>
+              </a:rPr>
+              <a:t>age</a:t>
+            </a:r>
+            <a:endParaRPr lang="zh-CN" altLang="en-US" sz="1600" b="1" dirty="0">
+              <a:latin typeface="微软雅黑" charset="0"/>
+              <a:ea typeface="微软雅黑" charset="0"/>
+              <a:cs typeface="微软雅黑" charset="0"/>
+            </a:endParaRPr>
+          </a:p>
+        </p:txBody>
+      </p:sp>
+      <p:sp>
+        <p:nvSpPr>
+          <p:cNvPr id="27" name="矩形 11"/>
+          <p:cNvSpPr>
+            <a:spLocks noChangeArrowheads="1"/>
+          </p:cNvSpPr>
+          <p:nvPr/>
+        </p:nvSpPr>
+        <p:spPr bwMode="auto">
+          <a:xfrm>
+            <a:off x="7229475" y="5622401"/>
+            <a:ext cx="2753784" cy="292388"/>
+          </a:xfrm>
+          <a:prstGeom prst="rect">
+            <a:avLst/>
+          </a:prstGeom>
+          <a:noFill/>
+          <a:ln>
+            <a:noFill/>
+          </a:ln>
+          <a:extLst>
+            <a:ext uri="{909E8E84-426E-40dd-AFC4-6F175D3DCCD1}">
+              <a14:hiddenFill xmlns:a14="http://schemas.microsoft.com/office/drawing/2010/main">
+                <a:solidFill>
+                  <a:srgbClr val="FFFFFF"/>
+                </a:solidFill>
+              </a14:hiddenFill>
+            </a:ext>
+            <a:ext uri="{91240B29-F687-4f45-9708-019B960494DF}">
+              <a14:hiddenLine xmlns:a14="http://schemas.microsoft.com/office/drawing/2010/main" w="9525">
+                <a:solidFill>
+                  <a:srgbClr val="000000"/>
+                </a:solidFill>
+                <a:miter lim="800000"/>
+                <a:headEnd/>
+                <a:tailEnd/>
+              </a14:hiddenLine>
+            </a:ext>
+          </a:extLst>
+        </p:spPr>
+        <p:txBody>
+          <a:bodyPr>
+            <a:spAutoFit/>
+          </a:bodyPr>
+          <a:lstStyle/>
+          <a:p>
+            <a:pPr algn="just"/>
+            <a:endParaRPr lang="en-US" sz="1300" dirty="0">
+              <a:latin typeface="微软雅黑" charset="0"/>
+              <a:ea typeface="微软雅黑" charset="0"/>
+              <a:cs typeface="微软雅黑" charset="0"/>
+            </a:endParaRPr>
+          </a:p>
+        </p:txBody>
+      </p:sp>
+      <p:sp>
+        <p:nvSpPr>
+          <p:cNvPr id="28" name="矩形 10"/>
+          <p:cNvSpPr>
+            <a:spLocks noChangeArrowheads="1"/>
+          </p:cNvSpPr>
+          <p:nvPr/>
+        </p:nvSpPr>
+        <p:spPr bwMode="auto">
+          <a:xfrm>
+            <a:off x="1016001" y="5125955"/>
+            <a:ext cx="2380665" cy="584778"/>
+          </a:xfrm>
+          <a:prstGeom prst="rect">
+            <a:avLst/>
+          </a:prstGeom>
+          <a:noFill/>
+          <a:ln>
+            <a:noFill/>
+          </a:ln>
+          <a:extLst>
+            <a:ext uri="{909E8E84-426E-40dd-AFC4-6F175D3DCCD1}">
+              <a14:hiddenFill xmlns:a14="http://schemas.microsoft.com/office/drawing/2010/main">
+                <a:solidFill>
+                  <a:srgbClr val="FFFFFF"/>
+                </a:solidFill>
+              </a14:hiddenFill>
+            </a:ext>
+            <a:ext uri="{91240B29-F687-4f45-9708-019B960494DF}">
+              <a14:hiddenLine xmlns:a14="http://schemas.microsoft.com/office/drawing/2010/main" w="9525">
+                <a:solidFill>
+                  <a:srgbClr val="000000"/>
+                </a:solidFill>
+                <a:miter lim="800000"/>
+                <a:headEnd/>
+                <a:tailEnd/>
+              </a14:hiddenLine>
+            </a:ext>
+          </a:extLst>
+        </p:spPr>
+        <p:txBody>
+          <a:bodyPr>
+            <a:spAutoFit/>
+          </a:bodyPr>
+          <a:lstStyle/>
+          <a:p>
+            <a:r>
+              <a:rPr lang="zh-CN" altLang="en-US" sz="1600" b="1" dirty="0">
+                <a:latin typeface="微软雅黑" charset="0"/>
+                <a:ea typeface="微软雅黑" charset="0"/>
+                <a:cs typeface="微软雅黑" charset="0"/>
+              </a:rPr>
+              <a:t>    </a:t>
+            </a:r>
+            <a:r>
+              <a:rPr lang="en-US" altLang="zh-CN" sz="1600" dirty="0"/>
+              <a:t>artificially sweetened </a:t>
+            </a:r>
+            <a:endParaRPr lang="en-US" altLang="zh-CN" sz="1600" dirty="0"/>
+          </a:p>
+          <a:p>
+            <a:endParaRPr lang="zh-CN" altLang="en-US" sz="1600" b="1" dirty="0">
+              <a:latin typeface="微软雅黑" charset="0"/>
+              <a:ea typeface="微软雅黑" charset="0"/>
+              <a:cs typeface="微软雅黑" charset="0"/>
+            </a:endParaRPr>
+          </a:p>
+        </p:txBody>
+      </p:sp>
+      <p:pic>
+        <p:nvPicPr>
+          <p:cNvPr id="29" name="图片 30" descr="fa 未标题-1.jpg"/>
+          <p:cNvPicPr>
+            <a:picLocks noChangeAspect="1" noChangeArrowheads="1"/>
+          </p:cNvPicPr>
+          <p:nvPr/>
+        </p:nvPicPr>
+        <p:blipFill>
+          <a:blip r:embed="rId3">
+            <a:extLst>
+              <a:ext uri="{28A0092B-C50C-407E-A947-70E740481C1C}">
+                <a14:useLocalDpi xmlns:a14="http://schemas.microsoft.com/office/drawing/2010/main" val="0"/>
+              </a:ext>
+            </a:extLst>
+          </a:blip>
+          <a:srcRect/>
+          <a:stretch>
+            <a:fillRect/>
+          </a:stretch>
+        </p:blipFill>
+        <p:spPr bwMode="auto">
+          <a:xfrm>
+            <a:off x="6823760" y="5168377"/>
+            <a:ext cx="3524249" cy="715433"/>
+          </a:xfrm>
+          <a:prstGeom prst="rect">
+            <a:avLst/>
+          </a:prstGeom>
+          <a:noFill/>
+          <a:ln>
+            <a:noFill/>
+          </a:ln>
+          <a:extLst>
+            <a:ext uri="{909E8E84-426E-40dd-AFC4-6F175D3DCCD1}">
+              <a14:hiddenFill xmlns:a14="http://schemas.microsoft.com/office/drawing/2010/main">
+                <a:solidFill>
+                  <a:srgbClr val="FFFFFF"/>
+                </a:solidFill>
+              </a14:hiddenFill>
+            </a:ext>
+            <a:ext uri="{91240B29-F687-4f45-9708-019B960494DF}">
+              <a14:hiddenLine xmlns:a14="http://schemas.microsoft.com/office/drawing/2010/main" w="9525">
+                <a:solidFill>
+                  <a:srgbClr val="000000"/>
+                </a:solidFill>
+                <a:miter lim="800000"/>
+                <a:headEnd/>
+                <a:tailEnd/>
+              </a14:hiddenLine>
+            </a:ext>
+          </a:extLst>
+        </p:spPr>
+      </p:pic>
+      <p:sp>
+        <p:nvSpPr>
+          <p:cNvPr id="31" name="矩形 10"/>
+          <p:cNvSpPr>
+            <a:spLocks noChangeArrowheads="1"/>
+          </p:cNvSpPr>
+          <p:nvPr/>
+        </p:nvSpPr>
+        <p:spPr bwMode="auto">
+          <a:xfrm>
+            <a:off x="8068221" y="5270912"/>
+            <a:ext cx="2380665" cy="584778"/>
+          </a:xfrm>
+          <a:prstGeom prst="rect">
+            <a:avLst/>
+          </a:prstGeom>
+          <a:noFill/>
+          <a:ln>
+            <a:noFill/>
+          </a:ln>
+          <a:extLst>
+            <a:ext uri="{909E8E84-426E-40dd-AFC4-6F175D3DCCD1}">
+              <a14:hiddenFill xmlns:a14="http://schemas.microsoft.com/office/drawing/2010/main">
+                <a:solidFill>
+                  <a:srgbClr val="FFFFFF"/>
+                </a:solidFill>
+              </a14:hiddenFill>
+            </a:ext>
+            <a:ext uri="{91240B29-F687-4f45-9708-019B960494DF}">
+              <a14:hiddenLine xmlns:a14="http://schemas.microsoft.com/office/drawing/2010/main" w="9525">
+                <a:solidFill>
+                  <a:srgbClr val="000000"/>
+                </a:solidFill>
+                <a:miter lim="800000"/>
+                <a:headEnd/>
+                <a:tailEnd/>
+              </a14:hiddenLine>
+            </a:ext>
+          </a:extLst>
+        </p:spPr>
+        <p:txBody>
+          <a:bodyPr>
+            <a:spAutoFit/>
+          </a:bodyPr>
+          <a:lstStyle/>
+          <a:p>
+            <a:r>
+              <a:rPr lang="zh-CN" altLang="en-US" sz="1600" b="1" dirty="0">
+                <a:latin typeface="微软雅黑" charset="0"/>
+                <a:ea typeface="微软雅黑" charset="0"/>
+                <a:cs typeface="微软雅黑" charset="0"/>
+              </a:rPr>
+              <a:t>    </a:t>
+            </a:r>
+            <a:r>
+              <a:rPr lang="en-US" altLang="zh-CN" sz="1600" dirty="0" smtClean="0"/>
+              <a:t>other</a:t>
+            </a:r>
+            <a:r>
+              <a:rPr lang="zh-CN" altLang="en-US" sz="1600" dirty="0" smtClean="0"/>
               <a:t> </a:t>
             </a:r>
             <a:r>
-              <a:rPr lang="zh-CN" altLang="zh-CN" dirty="0" smtClean="0"/>
-              <a:t>:</a:t>
-            </a:r>
-            <a:endParaRPr lang="en-US" altLang="zh-CN" dirty="0" smtClean="0"/>
-          </a:p>
-          <a:p>
-            <a:pPr marL="0" indent="0">
-              <a:buNone/>
-            </a:pPr>
-            <a:r>
-              <a:rPr lang="en-US" dirty="0" smtClean="0"/>
-              <a:t>The</a:t>
-            </a:r>
-            <a:r>
-              <a:rPr lang="zh-CN" altLang="en-US" dirty="0" smtClean="0"/>
+              <a:rPr lang="en-US" altLang="zh-CN" sz="1600" dirty="0" smtClean="0"/>
+              <a:t>beverage</a:t>
+            </a:r>
+            <a:r>
+              <a:rPr lang="en-US" altLang="zh-CN" sz="1600" dirty="0" smtClean="0"/>
               <a:t> </a:t>
             </a:r>
-            <a:r>
-              <a:rPr lang="en-US" altLang="zh-CN" dirty="0" smtClean="0"/>
-              <a:t>associations</a:t>
-            </a:r>
-            <a:r>
-              <a:rPr lang="zh-CN" altLang="en-US" dirty="0" smtClean="0"/>
-              <a:t> </a:t>
-            </a:r>
-            <a:r>
-              <a:rPr lang="en-US" altLang="zh-CN" dirty="0" smtClean="0"/>
-              <a:t>we</a:t>
-            </a:r>
-            <a:r>
-              <a:rPr lang="zh-CN" altLang="en-US" dirty="0" smtClean="0"/>
-              <a:t> </a:t>
-            </a:r>
-            <a:r>
-              <a:rPr lang="en-US" altLang="zh-CN" dirty="0" smtClean="0"/>
-              <a:t>want</a:t>
-            </a:r>
-            <a:r>
-              <a:rPr lang="zh-CN" altLang="en-US" dirty="0" smtClean="0"/>
-              <a:t> </a:t>
-            </a:r>
-            <a:r>
-              <a:rPr lang="en-US" altLang="zh-CN" dirty="0" smtClean="0"/>
-              <a:t>to</a:t>
-            </a:r>
-            <a:r>
-              <a:rPr lang="zh-CN" altLang="en-US" dirty="0" smtClean="0"/>
-              <a:t> </a:t>
-            </a:r>
-            <a:r>
-              <a:rPr lang="en-US" altLang="zh-CN" dirty="0" smtClean="0"/>
-              <a:t>examine.</a:t>
-            </a:r>
-            <a:endParaRPr lang="en-US" altLang="zh-CN" dirty="0"/>
-          </a:p>
-          <a:p>
-            <a:pPr marL="0" indent="0">
-              <a:buNone/>
-            </a:pPr>
-            <a:endParaRPr lang="en-US" dirty="0"/>
+            <a:endParaRPr lang="en-US" altLang="zh-CN" sz="1600" dirty="0"/>
+          </a:p>
+          <a:p>
+            <a:endParaRPr lang="zh-CN" altLang="en-US" sz="1600" b="1" dirty="0">
+              <a:latin typeface="微软雅黑" charset="0"/>
+              <a:ea typeface="微软雅黑" charset="0"/>
+              <a:cs typeface="微软雅黑" charset="0"/>
+            </a:endParaRPr>
           </a:p>
         </p:txBody>
       </p:sp>
     </p:spTree>
     <p:extLst>
       <p:ext uri="{BB962C8B-B14F-4D97-AF65-F5344CB8AC3E}">
-        <p14:creationId xmlns:p14="http://schemas.microsoft.com/office/powerpoint/2010/main" val="1814090643"/>
+        <p14:creationId xmlns:p14="http://schemas.microsoft.com/office/powerpoint/2010/main" val="4244806289"/>
       </p:ext>
     </p:extLst>
   </p:cSld>
   <p:clrMapOvr>
     <a:masterClrMapping/>
   </p:clrMapOvr>
+  <p:transition xmlns:p14="http://schemas.microsoft.com/office/powerpoint/2010/main">
+    <p:dissolve/>
+  </p:transition>
 </p:sld>
 </file>
 
@@ -6318,169 +6904,3676 @@
           <a:chExt cx="0" cy="0"/>
         </a:xfrm>
       </p:grpSpPr>
-      <p:sp>
-        <p:nvSpPr>
-          <p:cNvPr id="2" name="Title 1"/>
-          <p:cNvSpPr>
-            <a:spLocks noGrp="1"/>
-          </p:cNvSpPr>
-          <p:nvPr>
-            <p:ph type="title"/>
-          </p:nvPr>
-        </p:nvSpPr>
-        <p:spPr/>
-        <p:txBody>
-          <a:bodyPr/>
+      <p:pic>
+        <p:nvPicPr>
+          <p:cNvPr id="4098" name="图片 39" descr="未tf awe标题-1.png"/>
+          <p:cNvPicPr>
+            <a:picLocks noChangeAspect="1" noChangeArrowheads="1"/>
+          </p:cNvPicPr>
+          <p:nvPr/>
+        </p:nvPicPr>
+        <p:blipFill>
+          <a:blip r:embed="rId2">
+            <a:extLst>
+              <a:ext uri="{28A0092B-C50C-407E-A947-70E740481C1C}">
+                <a14:useLocalDpi xmlns:a14="http://schemas.microsoft.com/office/drawing/2010/main" val="0"/>
+              </a:ext>
+            </a:extLst>
+          </a:blip>
+          <a:srcRect/>
+          <a:stretch>
+            <a:fillRect/>
+          </a:stretch>
+        </p:blipFill>
+        <p:spPr bwMode="auto">
+          <a:xfrm>
+            <a:off x="10001251" y="3143251"/>
+            <a:ext cx="1151467" cy="1143000"/>
+          </a:xfrm>
+          <a:prstGeom prst="rect">
+            <a:avLst/>
+          </a:prstGeom>
+          <a:noFill/>
+          <a:ln>
+            <a:noFill/>
+          </a:ln>
+          <a:extLst>
+            <a:ext uri="{909E8E84-426E-40dd-AFC4-6F175D3DCCD1}">
+              <a14:hiddenFill xmlns:a14="http://schemas.microsoft.com/office/drawing/2010/main">
+                <a:solidFill>
+                  <a:srgbClr val="FFFFFF"/>
+                </a:solidFill>
+              </a14:hiddenFill>
+            </a:ext>
+            <a:ext uri="{91240B29-F687-4f45-9708-019B960494DF}">
+              <a14:hiddenLine xmlns:a14="http://schemas.microsoft.com/office/drawing/2010/main" w="9525">
+                <a:solidFill>
+                  <a:srgbClr val="000000"/>
+                </a:solidFill>
+                <a:miter lim="800000"/>
+                <a:headEnd/>
+                <a:tailEnd/>
+              </a14:hiddenLine>
+            </a:ext>
+          </a:extLst>
+        </p:spPr>
+      </p:pic>
+      <p:pic>
+        <p:nvPicPr>
+          <p:cNvPr id="4099" name="图片 38" descr="未tf awe标题-1.png"/>
+          <p:cNvPicPr>
+            <a:picLocks noChangeAspect="1" noChangeArrowheads="1"/>
+          </p:cNvPicPr>
+          <p:nvPr/>
+        </p:nvPicPr>
+        <p:blipFill>
+          <a:blip r:embed="rId2">
+            <a:extLst>
+              <a:ext uri="{28A0092B-C50C-407E-A947-70E740481C1C}">
+                <a14:useLocalDpi xmlns:a14="http://schemas.microsoft.com/office/drawing/2010/main" val="0"/>
+              </a:ext>
+            </a:extLst>
+          </a:blip>
+          <a:srcRect/>
+          <a:stretch>
+            <a:fillRect/>
+          </a:stretch>
+        </p:blipFill>
+        <p:spPr bwMode="auto">
+          <a:xfrm>
+            <a:off x="7810500" y="3143251"/>
+            <a:ext cx="1151467" cy="1143000"/>
+          </a:xfrm>
+          <a:prstGeom prst="rect">
+            <a:avLst/>
+          </a:prstGeom>
+          <a:noFill/>
+          <a:ln>
+            <a:noFill/>
+          </a:ln>
+          <a:extLst>
+            <a:ext uri="{909E8E84-426E-40dd-AFC4-6F175D3DCCD1}">
+              <a14:hiddenFill xmlns:a14="http://schemas.microsoft.com/office/drawing/2010/main">
+                <a:solidFill>
+                  <a:srgbClr val="FFFFFF"/>
+                </a:solidFill>
+              </a14:hiddenFill>
+            </a:ext>
+            <a:ext uri="{91240B29-F687-4f45-9708-019B960494DF}">
+              <a14:hiddenLine xmlns:a14="http://schemas.microsoft.com/office/drawing/2010/main" w="9525">
+                <a:solidFill>
+                  <a:srgbClr val="000000"/>
+                </a:solidFill>
+                <a:miter lim="800000"/>
+                <a:headEnd/>
+                <a:tailEnd/>
+              </a14:hiddenLine>
+            </a:ext>
+          </a:extLst>
+        </p:spPr>
+      </p:pic>
+      <p:pic>
+        <p:nvPicPr>
+          <p:cNvPr id="4100" name="图片 37" descr="未tf awe标题-1.png"/>
+          <p:cNvPicPr>
+            <a:picLocks noChangeAspect="1" noChangeArrowheads="1"/>
+          </p:cNvPicPr>
+          <p:nvPr/>
+        </p:nvPicPr>
+        <p:blipFill>
+          <a:blip r:embed="rId2">
+            <a:extLst>
+              <a:ext uri="{28A0092B-C50C-407E-A947-70E740481C1C}">
+                <a14:useLocalDpi xmlns:a14="http://schemas.microsoft.com/office/drawing/2010/main" val="0"/>
+              </a:ext>
+            </a:extLst>
+          </a:blip>
+          <a:srcRect/>
+          <a:stretch>
+            <a:fillRect/>
+          </a:stretch>
+        </p:blipFill>
+        <p:spPr bwMode="auto">
+          <a:xfrm>
+            <a:off x="5429251" y="3143251"/>
+            <a:ext cx="1151467" cy="1143000"/>
+          </a:xfrm>
+          <a:prstGeom prst="rect">
+            <a:avLst/>
+          </a:prstGeom>
+          <a:noFill/>
+          <a:ln>
+            <a:noFill/>
+          </a:ln>
+          <a:extLst>
+            <a:ext uri="{909E8E84-426E-40dd-AFC4-6F175D3DCCD1}">
+              <a14:hiddenFill xmlns:a14="http://schemas.microsoft.com/office/drawing/2010/main">
+                <a:solidFill>
+                  <a:srgbClr val="FFFFFF"/>
+                </a:solidFill>
+              </a14:hiddenFill>
+            </a:ext>
+            <a:ext uri="{91240B29-F687-4f45-9708-019B960494DF}">
+              <a14:hiddenLine xmlns:a14="http://schemas.microsoft.com/office/drawing/2010/main" w="9525">
+                <a:solidFill>
+                  <a:srgbClr val="000000"/>
+                </a:solidFill>
+                <a:miter lim="800000"/>
+                <a:headEnd/>
+                <a:tailEnd/>
+              </a14:hiddenLine>
+            </a:ext>
+          </a:extLst>
+        </p:spPr>
+      </p:pic>
+      <p:pic>
+        <p:nvPicPr>
+          <p:cNvPr id="4101" name="图片 36" descr="未tf awe标题-1.png"/>
+          <p:cNvPicPr>
+            <a:picLocks noChangeAspect="1" noChangeArrowheads="1"/>
+          </p:cNvPicPr>
+          <p:nvPr/>
+        </p:nvPicPr>
+        <p:blipFill>
+          <a:blip r:embed="rId2">
+            <a:extLst>
+              <a:ext uri="{28A0092B-C50C-407E-A947-70E740481C1C}">
+                <a14:useLocalDpi xmlns:a14="http://schemas.microsoft.com/office/drawing/2010/main" val="0"/>
+              </a:ext>
+            </a:extLst>
+          </a:blip>
+          <a:srcRect/>
+          <a:stretch>
+            <a:fillRect/>
+          </a:stretch>
+        </p:blipFill>
+        <p:spPr bwMode="auto">
+          <a:xfrm>
+            <a:off x="3048000" y="3143251"/>
+            <a:ext cx="1151467" cy="1143000"/>
+          </a:xfrm>
+          <a:prstGeom prst="rect">
+            <a:avLst/>
+          </a:prstGeom>
+          <a:noFill/>
+          <a:ln>
+            <a:noFill/>
+          </a:ln>
+          <a:extLst>
+            <a:ext uri="{909E8E84-426E-40dd-AFC4-6F175D3DCCD1}">
+              <a14:hiddenFill xmlns:a14="http://schemas.microsoft.com/office/drawing/2010/main">
+                <a:solidFill>
+                  <a:srgbClr val="FFFFFF"/>
+                </a:solidFill>
+              </a14:hiddenFill>
+            </a:ext>
+            <a:ext uri="{91240B29-F687-4f45-9708-019B960494DF}">
+              <a14:hiddenLine xmlns:a14="http://schemas.microsoft.com/office/drawing/2010/main" w="9525">
+                <a:solidFill>
+                  <a:srgbClr val="000000"/>
+                </a:solidFill>
+                <a:miter lim="800000"/>
+                <a:headEnd/>
+                <a:tailEnd/>
+              </a14:hiddenLine>
+            </a:ext>
+          </a:extLst>
+        </p:spPr>
+      </p:pic>
+      <p:pic>
+        <p:nvPicPr>
+          <p:cNvPr id="4102" name="图片 35" descr="未tf awe标题-1.png"/>
+          <p:cNvPicPr>
+            <a:picLocks noChangeAspect="1" noChangeArrowheads="1"/>
+          </p:cNvPicPr>
+          <p:nvPr/>
+        </p:nvPicPr>
+        <p:blipFill>
+          <a:blip r:embed="rId2">
+            <a:extLst>
+              <a:ext uri="{28A0092B-C50C-407E-A947-70E740481C1C}">
+                <a14:useLocalDpi xmlns:a14="http://schemas.microsoft.com/office/drawing/2010/main" val="0"/>
+              </a:ext>
+            </a:extLst>
+          </a:blip>
+          <a:srcRect/>
+          <a:stretch>
+            <a:fillRect/>
+          </a:stretch>
+        </p:blipFill>
+        <p:spPr bwMode="auto">
+          <a:xfrm>
+            <a:off x="848784" y="3143251"/>
+            <a:ext cx="1151467" cy="1143000"/>
+          </a:xfrm>
+          <a:prstGeom prst="rect">
+            <a:avLst/>
+          </a:prstGeom>
+          <a:noFill/>
+          <a:ln>
+            <a:noFill/>
+          </a:ln>
+          <a:extLst>
+            <a:ext uri="{909E8E84-426E-40dd-AFC4-6F175D3DCCD1}">
+              <a14:hiddenFill xmlns:a14="http://schemas.microsoft.com/office/drawing/2010/main">
+                <a:solidFill>
+                  <a:srgbClr val="FFFFFF"/>
+                </a:solidFill>
+              </a14:hiddenFill>
+            </a:ext>
+            <a:ext uri="{91240B29-F687-4f45-9708-019B960494DF}">
+              <a14:hiddenLine xmlns:a14="http://schemas.microsoft.com/office/drawing/2010/main" w="9525">
+                <a:solidFill>
+                  <a:srgbClr val="000000"/>
+                </a:solidFill>
+                <a:miter lim="800000"/>
+                <a:headEnd/>
+                <a:tailEnd/>
+              </a14:hiddenLine>
+            </a:ext>
+          </a:extLst>
+        </p:spPr>
+      </p:pic>
+      <p:pic>
+        <p:nvPicPr>
+          <p:cNvPr id="4103" name="图片 3" descr="ffpic13051631454015.png"/>
+          <p:cNvPicPr>
+            <a:picLocks noChangeAspect="1" noChangeArrowheads="1"/>
+          </p:cNvPicPr>
+          <p:nvPr/>
+        </p:nvPicPr>
+        <p:blipFill>
+          <a:blip r:embed="rId3">
+            <a:extLst>
+              <a:ext uri="{28A0092B-C50C-407E-A947-70E740481C1C}">
+                <a14:useLocalDpi xmlns:a14="http://schemas.microsoft.com/office/drawing/2010/main" val="0"/>
+              </a:ext>
+            </a:extLst>
+          </a:blip>
+          <a:srcRect/>
+          <a:stretch>
+            <a:fillRect/>
+          </a:stretch>
+        </p:blipFill>
+        <p:spPr bwMode="auto">
+          <a:xfrm>
+            <a:off x="3452284" y="3450167"/>
+            <a:ext cx="429683" cy="423333"/>
+          </a:xfrm>
+          <a:prstGeom prst="rect">
+            <a:avLst/>
+          </a:prstGeom>
+          <a:noFill/>
+          <a:ln>
+            <a:noFill/>
+          </a:ln>
+          <a:extLst>
+            <a:ext uri="{909E8E84-426E-40dd-AFC4-6F175D3DCCD1}">
+              <a14:hiddenFill xmlns:a14="http://schemas.microsoft.com/office/drawing/2010/main">
+                <a:solidFill>
+                  <a:srgbClr val="FFFFFF"/>
+                </a:solidFill>
+              </a14:hiddenFill>
+            </a:ext>
+            <a:ext uri="{91240B29-F687-4f45-9708-019B960494DF}">
+              <a14:hiddenLine xmlns:a14="http://schemas.microsoft.com/office/drawing/2010/main" w="9525">
+                <a:solidFill>
+                  <a:srgbClr val="000000"/>
+                </a:solidFill>
+                <a:miter lim="800000"/>
+                <a:headEnd/>
+                <a:tailEnd/>
+              </a14:hiddenLine>
+            </a:ext>
+          </a:extLst>
+        </p:spPr>
+      </p:pic>
+      <p:pic>
+        <p:nvPicPr>
+          <p:cNvPr id="4104" name="图片 6" descr="ffpic1305163145406.png"/>
+          <p:cNvPicPr>
+            <a:picLocks noChangeAspect="1" noChangeArrowheads="1"/>
+          </p:cNvPicPr>
+          <p:nvPr/>
+        </p:nvPicPr>
+        <p:blipFill>
+          <a:blip r:embed="rId4">
+            <a:extLst>
+              <a:ext uri="{28A0092B-C50C-407E-A947-70E740481C1C}">
+                <a14:useLocalDpi xmlns:a14="http://schemas.microsoft.com/office/drawing/2010/main" val="0"/>
+              </a:ext>
+            </a:extLst>
+          </a:blip>
+          <a:srcRect/>
+          <a:stretch>
+            <a:fillRect/>
+          </a:stretch>
+        </p:blipFill>
+        <p:spPr bwMode="auto">
+          <a:xfrm>
+            <a:off x="10416481" y="3525011"/>
+            <a:ext cx="427567" cy="423333"/>
+          </a:xfrm>
+          <a:prstGeom prst="rect">
+            <a:avLst/>
+          </a:prstGeom>
+          <a:noFill/>
+          <a:ln>
+            <a:noFill/>
+          </a:ln>
+          <a:extLst>
+            <a:ext uri="{909E8E84-426E-40dd-AFC4-6F175D3DCCD1}">
+              <a14:hiddenFill xmlns:a14="http://schemas.microsoft.com/office/drawing/2010/main">
+                <a:solidFill>
+                  <a:srgbClr val="FFFFFF"/>
+                </a:solidFill>
+              </a14:hiddenFill>
+            </a:ext>
+            <a:ext uri="{91240B29-F687-4f45-9708-019B960494DF}">
+              <a14:hiddenLine xmlns:a14="http://schemas.microsoft.com/office/drawing/2010/main" w="9525">
+                <a:solidFill>
+                  <a:srgbClr val="000000"/>
+                </a:solidFill>
+                <a:miter lim="800000"/>
+                <a:headEnd/>
+                <a:tailEnd/>
+              </a14:hiddenLine>
+            </a:ext>
+          </a:extLst>
+        </p:spPr>
+      </p:pic>
+      <p:sp>
+        <p:nvSpPr>
+          <p:cNvPr id="4127" name="矩形 14"/>
+          <p:cNvSpPr>
+            <a:spLocks noChangeArrowheads="1"/>
+          </p:cNvSpPr>
+          <p:nvPr/>
+        </p:nvSpPr>
+        <p:spPr bwMode="auto">
+          <a:xfrm>
+            <a:off x="4327684" y="4381501"/>
+            <a:ext cx="3358184" cy="369332"/>
+          </a:xfrm>
+          <a:prstGeom prst="rect">
+            <a:avLst/>
+          </a:prstGeom>
+          <a:noFill/>
+          <a:ln>
+            <a:noFill/>
+          </a:ln>
+          <a:extLst>
+            <a:ext uri="{909E8E84-426E-40dd-AFC4-6F175D3DCCD1}">
+              <a14:hiddenFill xmlns:a14="http://schemas.microsoft.com/office/drawing/2010/main">
+                <a:solidFill>
+                  <a:srgbClr val="FFFFFF"/>
+                </a:solidFill>
+              </a14:hiddenFill>
+            </a:ext>
+            <a:ext uri="{91240B29-F687-4f45-9708-019B960494DF}">
+              <a14:hiddenLine xmlns:a14="http://schemas.microsoft.com/office/drawing/2010/main" w="9525">
+                <a:solidFill>
+                  <a:srgbClr val="000000"/>
+                </a:solidFill>
+                <a:miter lim="800000"/>
+                <a:headEnd/>
+                <a:tailEnd/>
+              </a14:hiddenLine>
+            </a:ext>
+          </a:extLst>
+        </p:spPr>
+        <p:txBody>
+          <a:bodyPr wrap="none" lIns="121917" tIns="60958" rIns="121917" bIns="60958">
+            <a:spAutoFit/>
+          </a:bodyPr>
           <a:lstStyle/>
           <a:p>
-            <a:r>
-              <a:rPr lang="en-US" dirty="0" smtClean="0"/>
-              <a:t>Study Design</a:t>
-            </a:r>
-            <a:endParaRPr lang="en-US" dirty="0"/>
-          </a:p>
-        </p:txBody>
-      </p:sp>
-      <p:sp>
-        <p:nvSpPr>
-          <p:cNvPr id="3" name="Content Placeholder 2"/>
-          <p:cNvSpPr>
-            <a:spLocks noGrp="1"/>
-          </p:cNvSpPr>
-          <p:nvPr>
-            <p:ph idx="1"/>
-          </p:nvPr>
-        </p:nvSpPr>
-        <p:spPr/>
-        <p:txBody>
-          <a:bodyPr/>
+            <a:pPr algn="ctr"/>
+            <a:r>
+              <a:rPr lang="en-US" altLang="zh-CN" sz="1600" b="1" dirty="0">
+                <a:latin typeface="微软雅黑" charset="0"/>
+                <a:ea typeface="微软雅黑" charset="0"/>
+                <a:cs typeface="微软雅黑" charset="0"/>
+              </a:rPr>
+              <a:t>Find</a:t>
+            </a:r>
+            <a:r>
+              <a:rPr lang="zh-CN" altLang="en-US" sz="1600" b="1" dirty="0">
+                <a:latin typeface="微软雅黑" charset="0"/>
+                <a:ea typeface="微软雅黑" charset="0"/>
+                <a:cs typeface="微软雅黑" charset="0"/>
+              </a:rPr>
+              <a:t> </a:t>
+            </a:r>
+            <a:r>
+              <a:rPr lang="en-US" altLang="zh-CN" sz="1600" b="1" dirty="0">
+                <a:latin typeface="微软雅黑" charset="0"/>
+                <a:ea typeface="微软雅黑" charset="0"/>
+                <a:cs typeface="微软雅黑" charset="0"/>
+              </a:rPr>
+              <a:t>people</a:t>
+            </a:r>
+            <a:r>
+              <a:rPr lang="zh-CN" altLang="en-US" sz="1600" b="1" dirty="0">
+                <a:latin typeface="微软雅黑" charset="0"/>
+                <a:ea typeface="微软雅黑" charset="0"/>
+                <a:cs typeface="微软雅黑" charset="0"/>
+              </a:rPr>
+              <a:t> </a:t>
+            </a:r>
+            <a:r>
+              <a:rPr lang="en-US" altLang="zh-CN" sz="1600" b="1" dirty="0">
+                <a:latin typeface="微软雅黑" charset="0"/>
+                <a:ea typeface="微软雅黑" charset="0"/>
+                <a:cs typeface="微软雅黑" charset="0"/>
+              </a:rPr>
+              <a:t>with</a:t>
+            </a:r>
+            <a:r>
+              <a:rPr lang="zh-CN" altLang="en-US" sz="1600" b="1" dirty="0">
+                <a:latin typeface="微软雅黑" charset="0"/>
+                <a:ea typeface="微软雅黑" charset="0"/>
+                <a:cs typeface="微软雅黑" charset="0"/>
+              </a:rPr>
+              <a:t> </a:t>
+            </a:r>
+            <a:r>
+              <a:rPr lang="en-US" altLang="zh-CN" sz="1600" dirty="0"/>
+              <a:t>type</a:t>
+            </a:r>
+            <a:r>
+              <a:rPr lang="zh-CN" altLang="en-US" sz="1600" dirty="0"/>
+              <a:t> </a:t>
+            </a:r>
+            <a:r>
+              <a:rPr lang="en-US" altLang="zh-CN" sz="1600" dirty="0"/>
+              <a:t>2</a:t>
+            </a:r>
+            <a:r>
+              <a:rPr lang="zh-CN" altLang="en-US" sz="1600" dirty="0"/>
+              <a:t> </a:t>
+            </a:r>
+            <a:r>
+              <a:rPr lang="en-US" altLang="zh-CN" sz="1600" dirty="0"/>
+              <a:t>diabetes</a:t>
+            </a:r>
+            <a:endParaRPr lang="zh-CN" altLang="en-US" sz="1600" b="1" dirty="0">
+              <a:latin typeface="微软雅黑" charset="0"/>
+              <a:ea typeface="微软雅黑" charset="0"/>
+              <a:cs typeface="微软雅黑" charset="0"/>
+            </a:endParaRPr>
+          </a:p>
+        </p:txBody>
+      </p:sp>
+      <p:sp>
+        <p:nvSpPr>
+          <p:cNvPr id="4125" name="矩形 17"/>
+          <p:cNvSpPr>
+            <a:spLocks noChangeArrowheads="1"/>
+          </p:cNvSpPr>
+          <p:nvPr/>
+        </p:nvSpPr>
+        <p:spPr bwMode="auto">
+          <a:xfrm>
+            <a:off x="2626062" y="2756926"/>
+            <a:ext cx="2259587" cy="369328"/>
+          </a:xfrm>
+          <a:prstGeom prst="rect">
+            <a:avLst/>
+          </a:prstGeom>
+          <a:noFill/>
+          <a:ln>
+            <a:noFill/>
+          </a:ln>
+          <a:extLst>
+            <a:ext uri="{909E8E84-426E-40dd-AFC4-6F175D3DCCD1}">
+              <a14:hiddenFill xmlns:a14="http://schemas.microsoft.com/office/drawing/2010/main">
+                <a:solidFill>
+                  <a:srgbClr val="FFFFFF"/>
+                </a:solidFill>
+              </a14:hiddenFill>
+            </a:ext>
+            <a:ext uri="{91240B29-F687-4f45-9708-019B960494DF}">
+              <a14:hiddenLine xmlns:a14="http://schemas.microsoft.com/office/drawing/2010/main" w="9525">
+                <a:solidFill>
+                  <a:srgbClr val="000000"/>
+                </a:solidFill>
+                <a:miter lim="800000"/>
+                <a:headEnd/>
+                <a:tailEnd/>
+              </a14:hiddenLine>
+            </a:ext>
+          </a:extLst>
+        </p:spPr>
+        <p:txBody>
+          <a:bodyPr wrap="none" lIns="121917" tIns="60958" rIns="121917" bIns="60958">
+            <a:spAutoFit/>
+          </a:bodyPr>
           <a:lstStyle/>
           <a:p>
-            <a:r>
-              <a:rPr lang="en-US" dirty="0" smtClean="0"/>
-              <a:t>Cohort</a:t>
-            </a:r>
-            <a:r>
-              <a:rPr lang="en-US" dirty="0" smtClean="0"/>
-              <a:t> study(longitude)</a:t>
-            </a:r>
-            <a:r>
-              <a:rPr lang="zh-CN" altLang="en-US" dirty="0" smtClean="0"/>
+            <a:pPr algn="ctr"/>
+            <a:r>
+              <a:rPr lang="en-US" altLang="zh-CN" sz="1600" dirty="0"/>
+              <a:t>-follow</a:t>
+            </a:r>
+            <a:r>
+              <a:rPr lang="zh-CN" altLang="en-US" sz="1600" dirty="0"/>
               <a:t> </a:t>
             </a:r>
-            <a:endParaRPr lang="en-US" dirty="0" smtClean="0"/>
-          </a:p>
-          <a:p>
-            <a:pPr marL="0" indent="0">
-              <a:buNone/>
-            </a:pPr>
-            <a:endParaRPr lang="en-US" dirty="0"/>
-          </a:p>
-          <a:p>
-            <a:r>
-              <a:rPr lang="en-US" dirty="0" smtClean="0"/>
-              <a:t>pic</a:t>
-            </a:r>
-            <a:r>
-              <a:rPr lang="zh-CN" altLang="zh-CN" dirty="0"/>
+            <a:r>
+              <a:rPr lang="en-US" altLang="zh-CN" sz="1600" dirty="0"/>
+              <a:t>up</a:t>
+            </a:r>
+            <a:r>
+              <a:rPr lang="zh-CN" altLang="en-US" sz="1600" dirty="0"/>
               <a:t> </a:t>
             </a:r>
             <a:r>
-              <a:rPr lang="en-US" altLang="zh-CN" dirty="0" smtClean="0"/>
-              <a:t>chart:</a:t>
-            </a:r>
-          </a:p>
-          <a:p>
-            <a:r>
-              <a:rPr lang="en-US" dirty="0" smtClean="0"/>
-              <a:t>Select</a:t>
-            </a:r>
-            <a:r>
-              <a:rPr lang="zh-CN" altLang="en-US" dirty="0" smtClean="0"/>
+              <a:rPr lang="en-US" altLang="zh-CN" sz="1600" dirty="0"/>
+              <a:t>over</a:t>
+            </a:r>
+            <a:r>
+              <a:rPr lang="zh-CN" altLang="en-US" sz="1600" dirty="0"/>
               <a:t> </a:t>
             </a:r>
             <a:r>
-              <a:rPr lang="en-US" altLang="zh-CN" dirty="0" smtClean="0"/>
+              <a:rPr lang="en-US" altLang="zh-CN" sz="1600" dirty="0"/>
+              <a:t>20</a:t>
+            </a:r>
+            <a:r>
+              <a:rPr lang="zh-CN" altLang="en-US" sz="1600" dirty="0"/>
+              <a:t> </a:t>
+            </a:r>
+            <a:r>
+              <a:rPr lang="en-US" altLang="zh-CN" sz="1600" dirty="0"/>
+              <a:t>years</a:t>
+            </a:r>
+            <a:endParaRPr lang="zh-CN" altLang="en-US" sz="1600" b="1" dirty="0">
+              <a:latin typeface="微软雅黑" charset="0"/>
+              <a:ea typeface="微软雅黑" charset="0"/>
+              <a:cs typeface="微软雅黑" charset="0"/>
+            </a:endParaRPr>
+          </a:p>
+        </p:txBody>
+      </p:sp>
+      <p:sp>
+        <p:nvSpPr>
+          <p:cNvPr id="4123" name="矩形 20"/>
+          <p:cNvSpPr>
+            <a:spLocks noChangeArrowheads="1"/>
+          </p:cNvSpPr>
+          <p:nvPr/>
+        </p:nvSpPr>
+        <p:spPr bwMode="auto">
+          <a:xfrm>
+            <a:off x="7791303" y="2756926"/>
+            <a:ext cx="1317622" cy="369328"/>
+          </a:xfrm>
+          <a:prstGeom prst="rect">
+            <a:avLst/>
+          </a:prstGeom>
+          <a:noFill/>
+          <a:ln>
+            <a:noFill/>
+          </a:ln>
+          <a:extLst>
+            <a:ext uri="{909E8E84-426E-40dd-AFC4-6F175D3DCCD1}">
+              <a14:hiddenFill xmlns:a14="http://schemas.microsoft.com/office/drawing/2010/main">
+                <a:solidFill>
+                  <a:srgbClr val="FFFFFF"/>
+                </a:solidFill>
+              </a14:hiddenFill>
+            </a:ext>
+            <a:ext uri="{91240B29-F687-4f45-9708-019B960494DF}">
+              <a14:hiddenLine xmlns:a14="http://schemas.microsoft.com/office/drawing/2010/main" w="9525">
+                <a:solidFill>
+                  <a:srgbClr val="000000"/>
+                </a:solidFill>
+                <a:miter lim="800000"/>
+                <a:headEnd/>
+                <a:tailEnd/>
+              </a14:hiddenLine>
+            </a:ext>
+          </a:extLst>
+        </p:spPr>
+        <p:txBody>
+          <a:bodyPr wrap="none" lIns="121917" tIns="60958" rIns="121917" bIns="60958">
+            <a:spAutoFit/>
+          </a:bodyPr>
+          <a:lstStyle/>
+          <a:p>
+            <a:pPr algn="ctr"/>
+            <a:r>
+              <a:rPr lang="en-US" altLang="zh-CN" sz="1600" dirty="0"/>
+              <a:t>data analysis</a:t>
+            </a:r>
+            <a:endParaRPr lang="zh-CN" altLang="en-US" sz="1600" b="1" dirty="0">
+              <a:latin typeface="微软雅黑" charset="0"/>
+              <a:ea typeface="微软雅黑" charset="0"/>
+              <a:cs typeface="微软雅黑" charset="0"/>
+            </a:endParaRPr>
+          </a:p>
+        </p:txBody>
+      </p:sp>
+      <p:sp>
+        <p:nvSpPr>
+          <p:cNvPr id="4121" name="矩形 23"/>
+          <p:cNvSpPr>
+            <a:spLocks noChangeArrowheads="1"/>
+          </p:cNvSpPr>
+          <p:nvPr/>
+        </p:nvSpPr>
+        <p:spPr bwMode="auto">
+          <a:xfrm>
+            <a:off x="69387" y="4286251"/>
+            <a:ext cx="2762251" cy="369332"/>
+          </a:xfrm>
+          <a:prstGeom prst="rect">
+            <a:avLst/>
+          </a:prstGeom>
+          <a:noFill/>
+          <a:ln>
+            <a:noFill/>
+          </a:ln>
+          <a:extLst>
+            <a:ext uri="{909E8E84-426E-40dd-AFC4-6F175D3DCCD1}">
+              <a14:hiddenFill xmlns:a14="http://schemas.microsoft.com/office/drawing/2010/main">
+                <a:solidFill>
+                  <a:srgbClr val="FFFFFF"/>
+                </a:solidFill>
+              </a14:hiddenFill>
+            </a:ext>
+            <a:ext uri="{91240B29-F687-4f45-9708-019B960494DF}">
+              <a14:hiddenLine xmlns:a14="http://schemas.microsoft.com/office/drawing/2010/main" w="9525">
+                <a:solidFill>
+                  <a:srgbClr val="000000"/>
+                </a:solidFill>
+                <a:miter lim="800000"/>
+                <a:headEnd/>
+                <a:tailEnd/>
+              </a14:hiddenLine>
+            </a:ext>
+          </a:extLst>
+        </p:spPr>
+        <p:txBody>
+          <a:bodyPr lIns="121917" tIns="60958" rIns="121917" bIns="60958">
+            <a:spAutoFit/>
+          </a:bodyPr>
+          <a:lstStyle/>
+          <a:p>
+            <a:pPr algn="ctr"/>
+            <a:r>
+              <a:rPr lang="en-US" altLang="zh-CN" sz="1600" b="1" dirty="0">
+                <a:latin typeface="微软雅黑" charset="0"/>
+                <a:ea typeface="微软雅黑" charset="0"/>
+                <a:cs typeface="微软雅黑" charset="0"/>
+              </a:rPr>
+              <a:t>S</a:t>
+            </a:r>
+            <a:r>
+              <a:rPr lang="en-US" altLang="zh-CN" sz="1600" b="1" dirty="0">
+                <a:latin typeface="微软雅黑" charset="0"/>
+                <a:ea typeface="微软雅黑" charset="0"/>
+                <a:cs typeface="微软雅黑" charset="0"/>
+              </a:rPr>
+              <a:t>elect</a:t>
+            </a:r>
+            <a:r>
+              <a:rPr lang="zh-CN" altLang="en-US" sz="1600" b="1" dirty="0">
+                <a:latin typeface="微软雅黑" charset="0"/>
+                <a:ea typeface="微软雅黑" charset="0"/>
+                <a:cs typeface="微软雅黑" charset="0"/>
+              </a:rPr>
+              <a:t> </a:t>
+            </a:r>
+            <a:r>
+              <a:rPr lang="en-US" altLang="zh-CN" sz="1600" b="1" dirty="0">
+                <a:latin typeface="微软雅黑" charset="0"/>
+                <a:ea typeface="微软雅黑" charset="0"/>
+                <a:cs typeface="微软雅黑" charset="0"/>
+              </a:rPr>
               <a:t>people</a:t>
             </a:r>
             <a:r>
-              <a:rPr lang="zh-CN" altLang="en-US" dirty="0" smtClean="0"/>
+              <a:rPr lang="zh-CN" altLang="en-US" sz="1600" b="1" dirty="0">
+                <a:latin typeface="微软雅黑" charset="0"/>
+                <a:ea typeface="微软雅黑" charset="0"/>
+                <a:cs typeface="微软雅黑" charset="0"/>
+              </a:rPr>
               <a:t> </a:t>
             </a:r>
             <a:r>
-              <a:rPr lang="en-US" altLang="zh-CN" dirty="0" smtClean="0"/>
+              <a:rPr lang="en-US" altLang="zh-CN" sz="1600" dirty="0"/>
               <a:t>in</a:t>
             </a:r>
             <a:r>
-              <a:rPr lang="zh-CN" altLang="en-US" dirty="0" smtClean="0"/>
+              <a:rPr lang="zh-CN" altLang="en-US" sz="1600" dirty="0"/>
               <a:t> </a:t>
             </a:r>
             <a:r>
-              <a:rPr lang="en-US" altLang="zh-CN" dirty="0" smtClean="0"/>
-              <a:t>HPFS---follow</a:t>
-            </a:r>
-            <a:r>
-              <a:rPr lang="zh-CN" altLang="en-US" dirty="0" smtClean="0"/>
+              <a:rPr lang="en-US" altLang="zh-CN" sz="1600" dirty="0"/>
+              <a:t>HPFS</a:t>
+            </a:r>
+            <a:endParaRPr lang="zh-CN" altLang="en-US" sz="1600" b="1" dirty="0">
+              <a:latin typeface="微软雅黑" charset="0"/>
+              <a:ea typeface="微软雅黑" charset="0"/>
+              <a:cs typeface="微软雅黑" charset="0"/>
+            </a:endParaRPr>
+          </a:p>
+        </p:txBody>
+      </p:sp>
+      <p:cxnSp>
+        <p:nvCxnSpPr>
+          <p:cNvPr id="4112" name="直接连接符 28"/>
+          <p:cNvCxnSpPr>
+            <a:cxnSpLocks noChangeShapeType="1"/>
+          </p:cNvCxnSpPr>
+          <p:nvPr/>
+        </p:nvCxnSpPr>
+        <p:spPr bwMode="auto">
+          <a:xfrm>
+            <a:off x="1905001" y="3661834"/>
+            <a:ext cx="1333500" cy="2117"/>
+          </a:xfrm>
+          <a:prstGeom prst="line">
+            <a:avLst/>
+          </a:prstGeom>
+          <a:noFill/>
+          <a:ln w="9525">
+            <a:solidFill>
+              <a:schemeClr val="tx1"/>
+            </a:solidFill>
+            <a:round/>
+            <a:headEnd/>
+            <a:tailEnd/>
+          </a:ln>
+          <a:extLst>
+            <a:ext uri="{909E8E84-426E-40dd-AFC4-6F175D3DCCD1}">
+              <a14:hiddenFill xmlns:a14="http://schemas.microsoft.com/office/drawing/2010/main">
+                <a:noFill/>
+              </a14:hiddenFill>
+            </a:ext>
+          </a:extLst>
+        </p:spPr>
+      </p:cxnSp>
+      <p:cxnSp>
+        <p:nvCxnSpPr>
+          <p:cNvPr id="4113" name="直接连接符 29"/>
+          <p:cNvCxnSpPr>
+            <a:cxnSpLocks noChangeShapeType="1"/>
+          </p:cNvCxnSpPr>
+          <p:nvPr/>
+        </p:nvCxnSpPr>
+        <p:spPr bwMode="auto">
+          <a:xfrm>
+            <a:off x="4095751" y="3661834"/>
+            <a:ext cx="1428749" cy="2117"/>
+          </a:xfrm>
+          <a:prstGeom prst="line">
+            <a:avLst/>
+          </a:prstGeom>
+          <a:noFill/>
+          <a:ln w="9525">
+            <a:solidFill>
+              <a:schemeClr val="tx1"/>
+            </a:solidFill>
+            <a:round/>
+            <a:headEnd/>
+            <a:tailEnd/>
+          </a:ln>
+          <a:extLst>
+            <a:ext uri="{909E8E84-426E-40dd-AFC4-6F175D3DCCD1}">
+              <a14:hiddenFill xmlns:a14="http://schemas.microsoft.com/office/drawing/2010/main">
+                <a:noFill/>
+              </a14:hiddenFill>
+            </a:ext>
+          </a:extLst>
+        </p:spPr>
+      </p:cxnSp>
+      <p:cxnSp>
+        <p:nvCxnSpPr>
+          <p:cNvPr id="4114" name="直接连接符 30"/>
+          <p:cNvCxnSpPr>
+            <a:cxnSpLocks noChangeShapeType="1"/>
+          </p:cNvCxnSpPr>
+          <p:nvPr/>
+        </p:nvCxnSpPr>
+        <p:spPr bwMode="auto">
+          <a:xfrm>
+            <a:off x="6381751" y="3661834"/>
+            <a:ext cx="1524000" cy="2117"/>
+          </a:xfrm>
+          <a:prstGeom prst="line">
+            <a:avLst/>
+          </a:prstGeom>
+          <a:noFill/>
+          <a:ln w="9525">
+            <a:solidFill>
+              <a:schemeClr val="tx1"/>
+            </a:solidFill>
+            <a:round/>
+            <a:headEnd/>
+            <a:tailEnd/>
+          </a:ln>
+          <a:extLst>
+            <a:ext uri="{909E8E84-426E-40dd-AFC4-6F175D3DCCD1}">
+              <a14:hiddenFill xmlns:a14="http://schemas.microsoft.com/office/drawing/2010/main">
+                <a:noFill/>
+              </a14:hiddenFill>
+            </a:ext>
+          </a:extLst>
+        </p:spPr>
+      </p:cxnSp>
+      <p:cxnSp>
+        <p:nvCxnSpPr>
+          <p:cNvPr id="4115" name="直接连接符 31"/>
+          <p:cNvCxnSpPr>
+            <a:cxnSpLocks noChangeShapeType="1"/>
+          </p:cNvCxnSpPr>
+          <p:nvPr/>
+        </p:nvCxnSpPr>
+        <p:spPr bwMode="auto">
+          <a:xfrm>
+            <a:off x="8763001" y="3661834"/>
+            <a:ext cx="1333500" cy="2117"/>
+          </a:xfrm>
+          <a:prstGeom prst="line">
+            <a:avLst/>
+          </a:prstGeom>
+          <a:noFill/>
+          <a:ln w="9525">
+            <a:solidFill>
+              <a:schemeClr val="tx1"/>
+            </a:solidFill>
+            <a:round/>
+            <a:headEnd/>
+            <a:tailEnd/>
+          </a:ln>
+          <a:extLst>
+            <a:ext uri="{909E8E84-426E-40dd-AFC4-6F175D3DCCD1}">
+              <a14:hiddenFill xmlns:a14="http://schemas.microsoft.com/office/drawing/2010/main">
+                <a:noFill/>
+              </a14:hiddenFill>
+            </a:ext>
+          </a:extLst>
+        </p:spPr>
+      </p:cxnSp>
+      <p:sp>
+        <p:nvSpPr>
+          <p:cNvPr id="4119" name="矩形 33"/>
+          <p:cNvSpPr>
+            <a:spLocks noChangeArrowheads="1"/>
+          </p:cNvSpPr>
+          <p:nvPr/>
+        </p:nvSpPr>
+        <p:spPr bwMode="auto">
+          <a:xfrm>
+            <a:off x="9290765" y="4381501"/>
+            <a:ext cx="2385531" cy="369332"/>
+          </a:xfrm>
+          <a:prstGeom prst="rect">
+            <a:avLst/>
+          </a:prstGeom>
+          <a:noFill/>
+          <a:ln>
+            <a:noFill/>
+          </a:ln>
+          <a:extLst>
+            <a:ext uri="{909E8E84-426E-40dd-AFC4-6F175D3DCCD1}">
+              <a14:hiddenFill xmlns:a14="http://schemas.microsoft.com/office/drawing/2010/main">
+                <a:solidFill>
+                  <a:srgbClr val="FFFFFF"/>
+                </a:solidFill>
+              </a14:hiddenFill>
+            </a:ext>
+            <a:ext uri="{91240B29-F687-4f45-9708-019B960494DF}">
+              <a14:hiddenLine xmlns:a14="http://schemas.microsoft.com/office/drawing/2010/main" w="9525">
+                <a:solidFill>
+                  <a:srgbClr val="000000"/>
+                </a:solidFill>
+                <a:miter lim="800000"/>
+                <a:headEnd/>
+                <a:tailEnd/>
+              </a14:hiddenLine>
+            </a:ext>
+          </a:extLst>
+        </p:spPr>
+        <p:txBody>
+          <a:bodyPr wrap="none" lIns="121917" tIns="60958" rIns="121917" bIns="60958">
+            <a:spAutoFit/>
+          </a:bodyPr>
+          <a:lstStyle/>
+          <a:p>
+            <a:pPr algn="ctr"/>
+            <a:r>
+              <a:rPr lang="en-US" altLang="zh-CN" sz="1600" b="1" dirty="0">
+                <a:latin typeface="微软雅黑" charset="0"/>
+                <a:ea typeface="微软雅黑" charset="0"/>
+                <a:cs typeface="微软雅黑" charset="0"/>
+              </a:rPr>
+              <a:t>Result</a:t>
+            </a:r>
+            <a:r>
+              <a:rPr lang="zh-CN" altLang="en-US" sz="1600" b="1" dirty="0">
+                <a:latin typeface="微软雅黑" charset="0"/>
+                <a:ea typeface="微软雅黑" charset="0"/>
+                <a:cs typeface="微软雅黑" charset="0"/>
+              </a:rPr>
               <a:t> </a:t>
             </a:r>
             <a:r>
-              <a:rPr lang="en-US" altLang="zh-CN" dirty="0" smtClean="0"/>
-              <a:t>up</a:t>
-            </a:r>
-            <a:r>
-              <a:rPr lang="zh-CN" altLang="en-US" dirty="0" smtClean="0"/>
+              <a:rPr lang="en-US" altLang="zh-CN" sz="1600" b="1" dirty="0">
+                <a:latin typeface="微软雅黑" charset="0"/>
+                <a:ea typeface="微软雅黑" charset="0"/>
+                <a:cs typeface="微软雅黑" charset="0"/>
+              </a:rPr>
+              <a:t>and</a:t>
+            </a:r>
+            <a:r>
+              <a:rPr lang="zh-CN" altLang="en-US" sz="1600" b="1" dirty="0">
+                <a:latin typeface="微软雅黑" charset="0"/>
+                <a:ea typeface="微软雅黑" charset="0"/>
+                <a:cs typeface="微软雅黑" charset="0"/>
+              </a:rPr>
               <a:t> </a:t>
             </a:r>
             <a:r>
-              <a:rPr lang="en-US" altLang="zh-CN" dirty="0" smtClean="0"/>
-              <a:t>over</a:t>
-            </a:r>
-            <a:r>
-              <a:rPr lang="zh-CN" altLang="en-US" dirty="0" smtClean="0"/>
+              <a:rPr lang="en-US" altLang="zh-CN" sz="1600" b="1" dirty="0">
+                <a:latin typeface="微软雅黑" charset="0"/>
+                <a:ea typeface="微软雅黑" charset="0"/>
+                <a:cs typeface="微软雅黑" charset="0"/>
+              </a:rPr>
+              <a:t>conclusion</a:t>
+            </a:r>
+            <a:endParaRPr lang="zh-CN" altLang="en-US" sz="1600" b="1" dirty="0">
+              <a:latin typeface="微软雅黑" charset="0"/>
+              <a:ea typeface="微软雅黑" charset="0"/>
+              <a:cs typeface="微软雅黑" charset="0"/>
+            </a:endParaRPr>
+          </a:p>
+        </p:txBody>
+      </p:sp>
+      <p:pic>
+        <p:nvPicPr>
+          <p:cNvPr id="4117" name="图片 40" descr="未tf awe标题-1.png"/>
+          <p:cNvPicPr>
+            <a:picLocks noChangeAspect="1" noChangeArrowheads="1"/>
+          </p:cNvPicPr>
+          <p:nvPr/>
+        </p:nvPicPr>
+        <p:blipFill>
+          <a:blip r:embed="rId5">
+            <a:extLst>
+              <a:ext uri="{28A0092B-C50C-407E-A947-70E740481C1C}">
+                <a14:useLocalDpi xmlns:a14="http://schemas.microsoft.com/office/drawing/2010/main" val="0"/>
+              </a:ext>
+            </a:extLst>
+          </a:blip>
+          <a:srcRect/>
+          <a:stretch>
+            <a:fillRect/>
+          </a:stretch>
+        </p:blipFill>
+        <p:spPr bwMode="auto">
+          <a:xfrm>
+            <a:off x="285752" y="190501"/>
+            <a:ext cx="730249" cy="723900"/>
+          </a:xfrm>
+          <a:prstGeom prst="rect">
+            <a:avLst/>
+          </a:prstGeom>
+          <a:noFill/>
+          <a:ln>
+            <a:noFill/>
+          </a:ln>
+          <a:extLst>
+            <a:ext uri="{909E8E84-426E-40dd-AFC4-6F175D3DCCD1}">
+              <a14:hiddenFill xmlns:a14="http://schemas.microsoft.com/office/drawing/2010/main">
+                <a:solidFill>
+                  <a:srgbClr val="FFFFFF"/>
+                </a:solidFill>
+              </a14:hiddenFill>
+            </a:ext>
+            <a:ext uri="{91240B29-F687-4f45-9708-019B960494DF}">
+              <a14:hiddenLine xmlns:a14="http://schemas.microsoft.com/office/drawing/2010/main" w="9525">
+                <a:solidFill>
+                  <a:srgbClr val="000000"/>
+                </a:solidFill>
+                <a:miter lim="800000"/>
+                <a:headEnd/>
+                <a:tailEnd/>
+              </a14:hiddenLine>
+            </a:ext>
+          </a:extLst>
+        </p:spPr>
+      </p:pic>
+      <p:sp>
+        <p:nvSpPr>
+          <p:cNvPr id="4118" name="矩形 41"/>
+          <p:cNvSpPr>
+            <a:spLocks noChangeArrowheads="1"/>
+          </p:cNvSpPr>
+          <p:nvPr/>
+        </p:nvSpPr>
+        <p:spPr bwMode="auto">
+          <a:xfrm>
+            <a:off x="952501" y="381001"/>
+            <a:ext cx="1759450" cy="415494"/>
+          </a:xfrm>
+          <a:prstGeom prst="rect">
+            <a:avLst/>
+          </a:prstGeom>
+          <a:noFill/>
+          <a:ln>
+            <a:noFill/>
+          </a:ln>
+          <a:extLst>
+            <a:ext uri="{909E8E84-426E-40dd-AFC4-6F175D3DCCD1}">
+              <a14:hiddenFill xmlns:a14="http://schemas.microsoft.com/office/drawing/2010/main">
+                <a:solidFill>
+                  <a:srgbClr val="FFFFFF"/>
+                </a:solidFill>
+              </a14:hiddenFill>
+            </a:ext>
+            <a:ext uri="{91240B29-F687-4f45-9708-019B960494DF}">
+              <a14:hiddenLine xmlns:a14="http://schemas.microsoft.com/office/drawing/2010/main" w="9525">
+                <a:solidFill>
+                  <a:srgbClr val="000000"/>
+                </a:solidFill>
+                <a:miter lim="800000"/>
+                <a:headEnd/>
+                <a:tailEnd/>
+              </a14:hiddenLine>
+            </a:ext>
+          </a:extLst>
+        </p:spPr>
+        <p:txBody>
+          <a:bodyPr wrap="none" lIns="121917" tIns="60958" rIns="121917" bIns="60958">
+            <a:spAutoFit/>
+          </a:bodyPr>
+          <a:lstStyle/>
+          <a:p>
+            <a:r>
+              <a:rPr lang="en-US" altLang="zh-CN" sz="1900" b="1" dirty="0" smtClean="0">
+                <a:latin typeface="微软雅黑" charset="0"/>
+                <a:ea typeface="微软雅黑" charset="0"/>
+                <a:cs typeface="微软雅黑" charset="0"/>
+              </a:rPr>
+              <a:t>Study</a:t>
+            </a:r>
+            <a:r>
+              <a:rPr lang="zh-CN" altLang="en-US" sz="1900" b="1" dirty="0" smtClean="0">
+                <a:latin typeface="微软雅黑" charset="0"/>
+                <a:ea typeface="微软雅黑" charset="0"/>
+                <a:cs typeface="微软雅黑" charset="0"/>
+              </a:rPr>
               <a:t> </a:t>
             </a:r>
             <a:r>
-              <a:rPr lang="en-US" altLang="zh-CN" dirty="0" smtClean="0"/>
-              <a:t>20</a:t>
-            </a:r>
-            <a:r>
-              <a:rPr lang="zh-CN" altLang="en-US" dirty="0" smtClean="0"/>
+              <a:rPr lang="en-US" altLang="zh-CN" sz="1900" b="1" dirty="0" smtClean="0">
+                <a:latin typeface="微软雅黑" charset="0"/>
+                <a:ea typeface="微软雅黑" charset="0"/>
+                <a:cs typeface="微软雅黑" charset="0"/>
+              </a:rPr>
+              <a:t>design</a:t>
+            </a:r>
+            <a:r>
+              <a:rPr lang="zh-CN" altLang="en-US" sz="1900" b="1" dirty="0" smtClean="0">
+                <a:latin typeface="微软雅黑" charset="0"/>
+                <a:ea typeface="微软雅黑" charset="0"/>
+                <a:cs typeface="微软雅黑" charset="0"/>
+              </a:rPr>
+              <a:t>    </a:t>
+            </a:r>
+            <a:endParaRPr lang="en-US" sz="1900" b="1" dirty="0">
+              <a:latin typeface="微软雅黑" charset="0"/>
+              <a:ea typeface="微软雅黑" charset="0"/>
+              <a:cs typeface="微软雅黑" charset="0"/>
+            </a:endParaRPr>
+          </a:p>
+        </p:txBody>
+      </p:sp>
+      <p:sp>
+        <p:nvSpPr>
+          <p:cNvPr id="2" name="文本框 1"/>
+          <p:cNvSpPr txBox="1"/>
+          <p:nvPr/>
+        </p:nvSpPr>
+        <p:spPr>
+          <a:xfrm>
+            <a:off x="3455327" y="4412379"/>
+            <a:ext cx="246215" cy="400105"/>
+          </a:xfrm>
+          <a:prstGeom prst="rect">
+            <a:avLst/>
+          </a:prstGeom>
+          <a:noFill/>
+        </p:spPr>
+        <p:txBody>
+          <a:bodyPr wrap="none" lIns="121917" tIns="60958" rIns="121917" bIns="60958" rtlCol="0">
+            <a:spAutoFit/>
+          </a:bodyPr>
+          <a:lstStyle/>
+          <a:p>
+            <a:endParaRPr kumimoji="1" lang="zh-CN" altLang="en-US" dirty="0"/>
+          </a:p>
+        </p:txBody>
+      </p:sp>
+      <p:grpSp>
+        <p:nvGrpSpPr>
+          <p:cNvPr id="34" name="组合 298"/>
+          <p:cNvGrpSpPr>
+            <a:grpSpLocks/>
+          </p:cNvGrpSpPr>
+          <p:nvPr/>
+        </p:nvGrpSpPr>
+        <p:grpSpPr bwMode="auto">
+          <a:xfrm>
+            <a:off x="8112225" y="3429000"/>
+            <a:ext cx="590551" cy="590551"/>
+            <a:chOff x="0" y="0"/>
+            <a:chExt cx="1149351" cy="1149351"/>
+          </a:xfrm>
+        </p:grpSpPr>
+        <p:sp>
+          <p:nvSpPr>
+            <p:cNvPr id="35" name="Oval 29"/>
+            <p:cNvSpPr>
+              <a:spLocks noChangeArrowheads="1"/>
+            </p:cNvSpPr>
+            <p:nvPr/>
+          </p:nvSpPr>
+          <p:spPr bwMode="auto">
+            <a:xfrm>
+              <a:off x="0" y="0"/>
+              <a:ext cx="1149351" cy="1149351"/>
+            </a:xfrm>
+            <a:prstGeom prst="ellipse">
+              <a:avLst/>
+            </a:prstGeom>
+            <a:solidFill>
+              <a:srgbClr val="ACACAC"/>
+            </a:solidFill>
+            <a:ln>
+              <a:noFill/>
+            </a:ln>
+            <a:effectLst/>
+            <a:extLst>
+              <a:ext uri="{91240B29-F687-4f45-9708-019B960494DF}">
+                <a14:hiddenLine xmlns:a14="http://schemas.microsoft.com/office/drawing/2010/main" w="9525">
+                  <a:solidFill>
+                    <a:srgbClr val="000000"/>
+                  </a:solidFill>
+                  <a:round/>
+                  <a:headEnd/>
+                  <a:tailEnd/>
+                </a14:hiddenLine>
+              </a:ext>
+              <a:ext uri="{AF507438-7753-43e0-B8FC-AC1667EBCBE1}">
+                <a14:hiddenEffects xmlns:a14="http://schemas.microsoft.com/office/drawing/2010/main">
+                  <a:effectLst>
+                    <a:outerShdw blurRad="63500" dist="38099" dir="2700000" algn="ctr" rotWithShape="0">
+                      <a:srgbClr val="000000">
+                        <a:alpha val="74998"/>
+                      </a:srgbClr>
+                    </a:outerShdw>
+                  </a:effectLst>
+                </a14:hiddenEffects>
+              </a:ext>
+            </a:extLst>
+          </p:spPr>
+          <p:txBody>
+            <a:bodyPr/>
+            <a:lstStyle/>
+            <a:p>
+              <a:pPr>
+                <a:defRPr/>
+              </a:pPr>
+              <a:endParaRPr lang="zh-CN">
+                <a:solidFill>
+                  <a:srgbClr val="000000"/>
+                </a:solidFill>
+                <a:latin typeface="Calibri" charset="0"/>
+                <a:sym typeface="宋体" charset="0"/>
+              </a:endParaRPr>
+            </a:p>
+          </p:txBody>
+        </p:sp>
+        <p:sp>
+          <p:nvSpPr>
+            <p:cNvPr id="36" name="Freeform 252"/>
+            <p:cNvSpPr>
+              <a:spLocks noChangeArrowheads="1"/>
+            </p:cNvSpPr>
+            <p:nvPr/>
+          </p:nvSpPr>
+          <p:spPr bwMode="auto">
+            <a:xfrm>
+              <a:off x="185738" y="195263"/>
+              <a:ext cx="963613" cy="954088"/>
+            </a:xfrm>
+            <a:custGeom>
+              <a:avLst/>
+              <a:gdLst>
+                <a:gd name="T0" fmla="*/ 0 w 297"/>
+                <a:gd name="T1" fmla="*/ 2147483647 h 294"/>
+                <a:gd name="T2" fmla="*/ 2147483647 w 297"/>
+                <a:gd name="T3" fmla="*/ 2147483647 h 294"/>
+                <a:gd name="T4" fmla="*/ 2147483647 w 297"/>
+                <a:gd name="T5" fmla="*/ 2147483647 h 294"/>
+                <a:gd name="T6" fmla="*/ 2147483647 w 297"/>
+                <a:gd name="T7" fmla="*/ 2147483647 h 294"/>
+                <a:gd name="T8" fmla="*/ 2147483647 w 297"/>
+                <a:gd name="T9" fmla="*/ 2147483647 h 294"/>
+                <a:gd name="T10" fmla="*/ 2147483647 w 297"/>
+                <a:gd name="T11" fmla="*/ 2147483647 h 294"/>
+                <a:gd name="T12" fmla="*/ 2147483647 w 297"/>
+                <a:gd name="T13" fmla="*/ 2147483647 h 294"/>
+                <a:gd name="T14" fmla="*/ 2147483647 w 297"/>
+                <a:gd name="T15" fmla="*/ 2147483647 h 294"/>
+                <a:gd name="T16" fmla="*/ 2147483647 w 297"/>
+                <a:gd name="T17" fmla="*/ 2147483647 h 294"/>
+                <a:gd name="T18" fmla="*/ 2147483647 w 297"/>
+                <a:gd name="T19" fmla="*/ 2147483647 h 294"/>
+                <a:gd name="T20" fmla="*/ 2147483647 w 297"/>
+                <a:gd name="T21" fmla="*/ 0 h 294"/>
+                <a:gd name="T22" fmla="*/ 2147483647 w 297"/>
+                <a:gd name="T23" fmla="*/ 2147483647 h 294"/>
+                <a:gd name="T24" fmla="*/ 2147483647 w 297"/>
+                <a:gd name="T25" fmla="*/ 2147483647 h 294"/>
+                <a:gd name="T26" fmla="*/ 2147483647 w 297"/>
+                <a:gd name="T27" fmla="*/ 2147483647 h 294"/>
+                <a:gd name="T28" fmla="*/ 2147483647 w 297"/>
+                <a:gd name="T29" fmla="*/ 2147483647 h 294"/>
+                <a:gd name="T30" fmla="*/ 0 w 297"/>
+                <a:gd name="T31" fmla="*/ 2147483647 h 294"/>
+                <a:gd name="T32" fmla="*/ 0 60000 65536"/>
+                <a:gd name="T33" fmla="*/ 0 60000 65536"/>
+                <a:gd name="T34" fmla="*/ 0 60000 65536"/>
+                <a:gd name="T35" fmla="*/ 0 60000 65536"/>
+                <a:gd name="T36" fmla="*/ 0 60000 65536"/>
+                <a:gd name="T37" fmla="*/ 0 60000 65536"/>
+                <a:gd name="T38" fmla="*/ 0 60000 65536"/>
+                <a:gd name="T39" fmla="*/ 0 60000 65536"/>
+                <a:gd name="T40" fmla="*/ 0 60000 65536"/>
+                <a:gd name="T41" fmla="*/ 0 60000 65536"/>
+                <a:gd name="T42" fmla="*/ 0 60000 65536"/>
+                <a:gd name="T43" fmla="*/ 0 60000 65536"/>
+                <a:gd name="T44" fmla="*/ 0 60000 65536"/>
+                <a:gd name="T45" fmla="*/ 0 60000 65536"/>
+                <a:gd name="T46" fmla="*/ 0 60000 65536"/>
+                <a:gd name="T47" fmla="*/ 0 60000 65536"/>
+                <a:gd name="T48" fmla="*/ 0 w 297"/>
+                <a:gd name="T49" fmla="*/ 0 h 294"/>
+                <a:gd name="T50" fmla="*/ 297 w 297"/>
+                <a:gd name="T51" fmla="*/ 294 h 294"/>
+              </a:gdLst>
+              <a:ahLst/>
+              <a:cxnLst>
+                <a:cxn ang="T32">
+                  <a:pos x="T0" y="T1"/>
+                </a:cxn>
+                <a:cxn ang="T33">
+                  <a:pos x="T2" y="T3"/>
+                </a:cxn>
+                <a:cxn ang="T34">
+                  <a:pos x="T4" y="T5"/>
+                </a:cxn>
+                <a:cxn ang="T35">
+                  <a:pos x="T6" y="T7"/>
+                </a:cxn>
+                <a:cxn ang="T36">
+                  <a:pos x="T8" y="T9"/>
+                </a:cxn>
+                <a:cxn ang="T37">
+                  <a:pos x="T10" y="T11"/>
+                </a:cxn>
+                <a:cxn ang="T38">
+                  <a:pos x="T12" y="T13"/>
+                </a:cxn>
+                <a:cxn ang="T39">
+                  <a:pos x="T14" y="T15"/>
+                </a:cxn>
+                <a:cxn ang="T40">
+                  <a:pos x="T16" y="T17"/>
+                </a:cxn>
+                <a:cxn ang="T41">
+                  <a:pos x="T18" y="T19"/>
+                </a:cxn>
+                <a:cxn ang="T42">
+                  <a:pos x="T20" y="T21"/>
+                </a:cxn>
+                <a:cxn ang="T43">
+                  <a:pos x="T22" y="T23"/>
+                </a:cxn>
+                <a:cxn ang="T44">
+                  <a:pos x="T24" y="T25"/>
+                </a:cxn>
+                <a:cxn ang="T45">
+                  <a:pos x="T26" y="T27"/>
+                </a:cxn>
+                <a:cxn ang="T46">
+                  <a:pos x="T28" y="T29"/>
+                </a:cxn>
+                <a:cxn ang="T47">
+                  <a:pos x="T30" y="T31"/>
+                </a:cxn>
+              </a:cxnLst>
+              <a:rect l="T48" t="T49" r="T50" b="T51"/>
+              <a:pathLst>
+                <a:path w="297" h="294">
+                  <a:moveTo>
+                    <a:pt x="0" y="234"/>
+                  </a:moveTo>
+                  <a:cubicBezTo>
+                    <a:pt x="15" y="130"/>
+                    <a:pt x="15" y="130"/>
+                    <a:pt x="15" y="130"/>
+                  </a:cubicBezTo>
+                  <a:cubicBezTo>
+                    <a:pt x="41" y="124"/>
+                    <a:pt x="41" y="124"/>
+                    <a:pt x="41" y="124"/>
+                  </a:cubicBezTo>
+                  <a:cubicBezTo>
+                    <a:pt x="59" y="143"/>
+                    <a:pt x="59" y="143"/>
+                    <a:pt x="59" y="143"/>
+                  </a:cubicBezTo>
+                  <a:cubicBezTo>
+                    <a:pt x="67" y="51"/>
+                    <a:pt x="67" y="51"/>
+                    <a:pt x="67" y="51"/>
+                  </a:cubicBezTo>
+                  <a:cubicBezTo>
+                    <a:pt x="91" y="42"/>
+                    <a:pt x="91" y="42"/>
+                    <a:pt x="91" y="42"/>
+                  </a:cubicBezTo>
+                  <a:cubicBezTo>
+                    <a:pt x="120" y="71"/>
+                    <a:pt x="120" y="71"/>
+                    <a:pt x="120" y="71"/>
+                  </a:cubicBezTo>
+                  <a:cubicBezTo>
+                    <a:pt x="140" y="65"/>
+                    <a:pt x="140" y="65"/>
+                    <a:pt x="140" y="65"/>
+                  </a:cubicBezTo>
+                  <a:cubicBezTo>
+                    <a:pt x="160" y="84"/>
+                    <a:pt x="160" y="84"/>
+                    <a:pt x="160" y="84"/>
+                  </a:cubicBezTo>
+                  <a:cubicBezTo>
+                    <a:pt x="165" y="5"/>
+                    <a:pt x="165" y="5"/>
+                    <a:pt x="165" y="5"/>
+                  </a:cubicBezTo>
+                  <a:cubicBezTo>
+                    <a:pt x="190" y="0"/>
+                    <a:pt x="190" y="0"/>
+                    <a:pt x="190" y="0"/>
+                  </a:cubicBezTo>
+                  <a:cubicBezTo>
+                    <a:pt x="297" y="107"/>
+                    <a:pt x="297" y="107"/>
+                    <a:pt x="297" y="107"/>
+                  </a:cubicBezTo>
+                  <a:cubicBezTo>
+                    <a:pt x="297" y="110"/>
+                    <a:pt x="297" y="114"/>
+                    <a:pt x="297" y="117"/>
+                  </a:cubicBezTo>
+                  <a:cubicBezTo>
+                    <a:pt x="297" y="215"/>
+                    <a:pt x="218" y="294"/>
+                    <a:pt x="120" y="294"/>
+                  </a:cubicBezTo>
+                  <a:cubicBezTo>
+                    <a:pt x="92" y="294"/>
+                    <a:pt x="66" y="288"/>
+                    <a:pt x="42" y="276"/>
+                  </a:cubicBezTo>
+                  <a:cubicBezTo>
+                    <a:pt x="0" y="234"/>
+                    <a:pt x="0" y="234"/>
+                    <a:pt x="0" y="234"/>
+                  </a:cubicBezTo>
+                  <a:close/>
+                </a:path>
+              </a:pathLst>
+            </a:custGeom>
+            <a:solidFill>
+              <a:srgbClr val="8B8B8B"/>
+            </a:solidFill>
+            <a:ln>
+              <a:noFill/>
+            </a:ln>
+            <a:effectLst/>
+            <a:extLst>
+              <a:ext uri="{91240B29-F687-4f45-9708-019B960494DF}">
+                <a14:hiddenLine xmlns:a14="http://schemas.microsoft.com/office/drawing/2010/main" w="9525">
+                  <a:solidFill>
+                    <a:srgbClr val="000000"/>
+                  </a:solidFill>
+                  <a:miter lim="800000"/>
+                  <a:headEnd/>
+                  <a:tailEnd/>
+                </a14:hiddenLine>
+              </a:ext>
+              <a:ext uri="{AF507438-7753-43e0-B8FC-AC1667EBCBE1}">
+                <a14:hiddenEffects xmlns:a14="http://schemas.microsoft.com/office/drawing/2010/main">
+                  <a:effectLst>
+                    <a:outerShdw dist="35921" dir="2700000" algn="ctr" rotWithShape="0">
+                      <a:srgbClr val="808080"/>
+                    </a:outerShdw>
+                  </a:effectLst>
+                </a14:hiddenEffects>
+              </a:ext>
+            </a:extLst>
+          </p:spPr>
+          <p:txBody>
+            <a:bodyPr/>
+            <a:lstStyle/>
+            <a:p>
+              <a:endParaRPr lang="zh-CN" altLang="en-US"/>
+            </a:p>
+          </p:txBody>
+        </p:sp>
+        <p:sp>
+          <p:nvSpPr>
+            <p:cNvPr id="37" name="Freeform 253"/>
+            <p:cNvSpPr>
+              <a:spLocks noChangeArrowheads="1"/>
+            </p:cNvSpPr>
+            <p:nvPr/>
+          </p:nvSpPr>
+          <p:spPr bwMode="auto">
+            <a:xfrm>
+              <a:off x="185738" y="195263"/>
+              <a:ext cx="938213" cy="954088"/>
+            </a:xfrm>
+            <a:custGeom>
+              <a:avLst/>
+              <a:gdLst>
+                <a:gd name="T0" fmla="*/ 0 w 289"/>
+                <a:gd name="T1" fmla="*/ 2147483647 h 294"/>
+                <a:gd name="T2" fmla="*/ 2147483647 w 289"/>
+                <a:gd name="T3" fmla="*/ 2147483647 h 294"/>
+                <a:gd name="T4" fmla="*/ 2147483647 w 289"/>
+                <a:gd name="T5" fmla="*/ 2147483647 h 294"/>
+                <a:gd name="T6" fmla="*/ 2147483647 w 289"/>
+                <a:gd name="T7" fmla="*/ 2147483647 h 294"/>
+                <a:gd name="T8" fmla="*/ 2147483647 w 289"/>
+                <a:gd name="T9" fmla="*/ 2147483647 h 294"/>
+                <a:gd name="T10" fmla="*/ 2147483647 w 289"/>
+                <a:gd name="T11" fmla="*/ 2147483647 h 294"/>
+                <a:gd name="T12" fmla="*/ 2147483647 w 289"/>
+                <a:gd name="T13" fmla="*/ 2147483647 h 294"/>
+                <a:gd name="T14" fmla="*/ 2147483647 w 289"/>
+                <a:gd name="T15" fmla="*/ 2147483647 h 294"/>
+                <a:gd name="T16" fmla="*/ 2147483647 w 289"/>
+                <a:gd name="T17" fmla="*/ 2147483647 h 294"/>
+                <a:gd name="T18" fmla="*/ 2147483647 w 289"/>
+                <a:gd name="T19" fmla="*/ 2147483647 h 294"/>
+                <a:gd name="T20" fmla="*/ 2147483647 w 289"/>
+                <a:gd name="T21" fmla="*/ 0 h 294"/>
+                <a:gd name="T22" fmla="*/ 2147483647 w 289"/>
+                <a:gd name="T23" fmla="*/ 2147483647 h 294"/>
+                <a:gd name="T24" fmla="*/ 2147483647 w 289"/>
+                <a:gd name="T25" fmla="*/ 2147483647 h 294"/>
+                <a:gd name="T26" fmla="*/ 2147483647 w 289"/>
+                <a:gd name="T27" fmla="*/ 2147483647 h 294"/>
+                <a:gd name="T28" fmla="*/ 2147483647 w 289"/>
+                <a:gd name="T29" fmla="*/ 2147483647 h 294"/>
+                <a:gd name="T30" fmla="*/ 2147483647 w 289"/>
+                <a:gd name="T31" fmla="*/ 2147483647 h 294"/>
+                <a:gd name="T32" fmla="*/ 0 w 289"/>
+                <a:gd name="T33" fmla="*/ 2147483647 h 294"/>
+                <a:gd name="T34" fmla="*/ 0 60000 65536"/>
+                <a:gd name="T35" fmla="*/ 0 60000 65536"/>
+                <a:gd name="T36" fmla="*/ 0 60000 65536"/>
+                <a:gd name="T37" fmla="*/ 0 60000 65536"/>
+                <a:gd name="T38" fmla="*/ 0 60000 65536"/>
+                <a:gd name="T39" fmla="*/ 0 60000 65536"/>
+                <a:gd name="T40" fmla="*/ 0 60000 65536"/>
+                <a:gd name="T41" fmla="*/ 0 60000 65536"/>
+                <a:gd name="T42" fmla="*/ 0 60000 65536"/>
+                <a:gd name="T43" fmla="*/ 0 60000 65536"/>
+                <a:gd name="T44" fmla="*/ 0 60000 65536"/>
+                <a:gd name="T45" fmla="*/ 0 60000 65536"/>
+                <a:gd name="T46" fmla="*/ 0 60000 65536"/>
+                <a:gd name="T47" fmla="*/ 0 60000 65536"/>
+                <a:gd name="T48" fmla="*/ 0 60000 65536"/>
+                <a:gd name="T49" fmla="*/ 0 60000 65536"/>
+                <a:gd name="T50" fmla="*/ 0 60000 65536"/>
+                <a:gd name="T51" fmla="*/ 0 w 289"/>
+                <a:gd name="T52" fmla="*/ 0 h 294"/>
+                <a:gd name="T53" fmla="*/ 289 w 289"/>
+                <a:gd name="T54" fmla="*/ 294 h 294"/>
+              </a:gdLst>
+              <a:ahLst/>
+              <a:cxnLst>
+                <a:cxn ang="T34">
+                  <a:pos x="T0" y="T1"/>
+                </a:cxn>
+                <a:cxn ang="T35">
+                  <a:pos x="T2" y="T3"/>
+                </a:cxn>
+                <a:cxn ang="T36">
+                  <a:pos x="T4" y="T5"/>
+                </a:cxn>
+                <a:cxn ang="T37">
+                  <a:pos x="T6" y="T7"/>
+                </a:cxn>
+                <a:cxn ang="T38">
+                  <a:pos x="T8" y="T9"/>
+                </a:cxn>
+                <a:cxn ang="T39">
+                  <a:pos x="T10" y="T11"/>
+                </a:cxn>
+                <a:cxn ang="T40">
+                  <a:pos x="T12" y="T13"/>
+                </a:cxn>
+                <a:cxn ang="T41">
+                  <a:pos x="T14" y="T15"/>
+                </a:cxn>
+                <a:cxn ang="T42">
+                  <a:pos x="T16" y="T17"/>
+                </a:cxn>
+                <a:cxn ang="T43">
+                  <a:pos x="T18" y="T19"/>
+                </a:cxn>
+                <a:cxn ang="T44">
+                  <a:pos x="T20" y="T21"/>
+                </a:cxn>
+                <a:cxn ang="T45">
+                  <a:pos x="T22" y="T23"/>
+                </a:cxn>
+                <a:cxn ang="T46">
+                  <a:pos x="T24" y="T25"/>
+                </a:cxn>
+                <a:cxn ang="T47">
+                  <a:pos x="T26" y="T27"/>
+                </a:cxn>
+                <a:cxn ang="T48">
+                  <a:pos x="T28" y="T29"/>
+                </a:cxn>
+                <a:cxn ang="T49">
+                  <a:pos x="T30" y="T31"/>
+                </a:cxn>
+                <a:cxn ang="T50">
+                  <a:pos x="T32" y="T33"/>
+                </a:cxn>
+              </a:cxnLst>
+              <a:rect l="T51" t="T52" r="T53" b="T54"/>
+              <a:pathLst>
+                <a:path w="289" h="294">
+                  <a:moveTo>
+                    <a:pt x="0" y="234"/>
+                  </a:moveTo>
+                  <a:cubicBezTo>
+                    <a:pt x="15" y="130"/>
+                    <a:pt x="15" y="130"/>
+                    <a:pt x="15" y="130"/>
+                  </a:cubicBezTo>
+                  <a:cubicBezTo>
+                    <a:pt x="41" y="124"/>
+                    <a:pt x="41" y="124"/>
+                    <a:pt x="41" y="124"/>
+                  </a:cubicBezTo>
+                  <a:cubicBezTo>
+                    <a:pt x="59" y="143"/>
+                    <a:pt x="59" y="143"/>
+                    <a:pt x="59" y="143"/>
+                  </a:cubicBezTo>
+                  <a:cubicBezTo>
+                    <a:pt x="67" y="51"/>
+                    <a:pt x="67" y="51"/>
+                    <a:pt x="67" y="51"/>
+                  </a:cubicBezTo>
+                  <a:cubicBezTo>
+                    <a:pt x="91" y="42"/>
+                    <a:pt x="91" y="42"/>
+                    <a:pt x="91" y="42"/>
+                  </a:cubicBezTo>
+                  <a:cubicBezTo>
+                    <a:pt x="120" y="71"/>
+                    <a:pt x="120" y="71"/>
+                    <a:pt x="120" y="71"/>
+                  </a:cubicBezTo>
+                  <a:cubicBezTo>
+                    <a:pt x="140" y="65"/>
+                    <a:pt x="140" y="65"/>
+                    <a:pt x="140" y="65"/>
+                  </a:cubicBezTo>
+                  <a:cubicBezTo>
+                    <a:pt x="160" y="84"/>
+                    <a:pt x="160" y="84"/>
+                    <a:pt x="160" y="84"/>
+                  </a:cubicBezTo>
+                  <a:cubicBezTo>
+                    <a:pt x="165" y="5"/>
+                    <a:pt x="165" y="5"/>
+                    <a:pt x="165" y="5"/>
+                  </a:cubicBezTo>
+                  <a:cubicBezTo>
+                    <a:pt x="190" y="0"/>
+                    <a:pt x="190" y="0"/>
+                    <a:pt x="190" y="0"/>
+                  </a:cubicBezTo>
+                  <a:cubicBezTo>
+                    <a:pt x="274" y="84"/>
+                    <a:pt x="274" y="84"/>
+                    <a:pt x="274" y="84"/>
+                  </a:cubicBezTo>
+                  <a:cubicBezTo>
+                    <a:pt x="271" y="104"/>
+                    <a:pt x="274" y="132"/>
+                    <a:pt x="280" y="162"/>
+                  </a:cubicBezTo>
+                  <a:cubicBezTo>
+                    <a:pt x="289" y="171"/>
+                    <a:pt x="289" y="171"/>
+                    <a:pt x="289" y="171"/>
+                  </a:cubicBezTo>
+                  <a:cubicBezTo>
+                    <a:pt x="266" y="242"/>
+                    <a:pt x="199" y="294"/>
+                    <a:pt x="120" y="294"/>
+                  </a:cubicBezTo>
+                  <a:cubicBezTo>
+                    <a:pt x="92" y="294"/>
+                    <a:pt x="66" y="288"/>
+                    <a:pt x="42" y="276"/>
+                  </a:cubicBezTo>
+                  <a:cubicBezTo>
+                    <a:pt x="0" y="234"/>
+                    <a:pt x="0" y="234"/>
+                    <a:pt x="0" y="234"/>
+                  </a:cubicBezTo>
+                  <a:close/>
+                </a:path>
+              </a:pathLst>
+            </a:custGeom>
+            <a:solidFill>
+              <a:schemeClr val="tx1"/>
+            </a:solidFill>
+            <a:ln>
+              <a:noFill/>
+            </a:ln>
+            <a:effectLst/>
+            <a:extLst>
+              <a:ext uri="{91240B29-F687-4f45-9708-019B960494DF}">
+                <a14:hiddenLine xmlns:a14="http://schemas.microsoft.com/office/drawing/2010/main" w="9525">
+                  <a:solidFill>
+                    <a:srgbClr val="000000"/>
+                  </a:solidFill>
+                  <a:miter lim="800000"/>
+                  <a:headEnd/>
+                  <a:tailEnd/>
+                </a14:hiddenLine>
+              </a:ext>
+              <a:ext uri="{AF507438-7753-43e0-B8FC-AC1667EBCBE1}">
+                <a14:hiddenEffects xmlns:a14="http://schemas.microsoft.com/office/drawing/2010/main">
+                  <a:effectLst>
+                    <a:outerShdw dist="35921" dir="2700000" algn="ctr" rotWithShape="0">
+                      <a:srgbClr val="808080"/>
+                    </a:outerShdw>
+                  </a:effectLst>
+                </a14:hiddenEffects>
+              </a:ext>
+            </a:extLst>
+          </p:spPr>
+          <p:txBody>
+            <a:bodyPr/>
+            <a:lstStyle/>
+            <a:p>
+              <a:endParaRPr lang="zh-CN" altLang="en-US"/>
+            </a:p>
+          </p:txBody>
+        </p:sp>
+        <p:sp>
+          <p:nvSpPr>
+            <p:cNvPr id="38" name="Freeform 254"/>
+            <p:cNvSpPr>
+              <a:spLocks noChangeArrowheads="1"/>
+            </p:cNvSpPr>
+            <p:nvPr/>
+          </p:nvSpPr>
+          <p:spPr bwMode="auto">
+            <a:xfrm>
+              <a:off x="185738" y="596900"/>
+              <a:ext cx="131763" cy="17463"/>
+            </a:xfrm>
+            <a:custGeom>
+              <a:avLst/>
+              <a:gdLst>
+                <a:gd name="T0" fmla="*/ 0 w 83"/>
+                <a:gd name="T1" fmla="*/ 2147483647 h 11"/>
+                <a:gd name="T2" fmla="*/ 2147483647 w 83"/>
+                <a:gd name="T3" fmla="*/ 0 h 11"/>
+                <a:gd name="T4" fmla="*/ 2147483647 w 83"/>
+                <a:gd name="T5" fmla="*/ 0 h 11"/>
+                <a:gd name="T6" fmla="*/ 2147483647 w 83"/>
+                <a:gd name="T7" fmla="*/ 2147483647 h 11"/>
+                <a:gd name="T8" fmla="*/ 0 w 83"/>
+                <a:gd name="T9" fmla="*/ 2147483647 h 11"/>
+                <a:gd name="T10" fmla="*/ 0 w 83"/>
+                <a:gd name="T11" fmla="*/ 2147483647 h 11"/>
+                <a:gd name="T12" fmla="*/ 0 60000 65536"/>
+                <a:gd name="T13" fmla="*/ 0 60000 65536"/>
+                <a:gd name="T14" fmla="*/ 0 60000 65536"/>
+                <a:gd name="T15" fmla="*/ 0 60000 65536"/>
+                <a:gd name="T16" fmla="*/ 0 60000 65536"/>
+                <a:gd name="T17" fmla="*/ 0 60000 65536"/>
+                <a:gd name="T18" fmla="*/ 0 w 83"/>
+                <a:gd name="T19" fmla="*/ 0 h 11"/>
+                <a:gd name="T20" fmla="*/ 83 w 83"/>
+                <a:gd name="T21" fmla="*/ 11 h 11"/>
+              </a:gdLst>
+              <a:ahLst/>
+              <a:cxnLst>
+                <a:cxn ang="T12">
+                  <a:pos x="T0" y="T1"/>
+                </a:cxn>
+                <a:cxn ang="T13">
+                  <a:pos x="T2" y="T3"/>
+                </a:cxn>
+                <a:cxn ang="T14">
+                  <a:pos x="T4" y="T5"/>
+                </a:cxn>
+                <a:cxn ang="T15">
+                  <a:pos x="T6" y="T7"/>
+                </a:cxn>
+                <a:cxn ang="T16">
+                  <a:pos x="T8" y="T9"/>
+                </a:cxn>
+                <a:cxn ang="T17">
+                  <a:pos x="T10" y="T11"/>
+                </a:cxn>
+              </a:cxnLst>
+              <a:rect l="T18" t="T19" r="T20" b="T21"/>
+              <a:pathLst>
+                <a:path w="83" h="11">
+                  <a:moveTo>
+                    <a:pt x="0" y="11"/>
+                  </a:moveTo>
+                  <a:lnTo>
+                    <a:pt x="26" y="0"/>
+                  </a:lnTo>
+                  <a:lnTo>
+                    <a:pt x="83" y="0"/>
+                  </a:lnTo>
+                  <a:lnTo>
+                    <a:pt x="57" y="11"/>
+                  </a:lnTo>
+                  <a:lnTo>
+                    <a:pt x="0" y="11"/>
+                  </a:lnTo>
+                  <a:close/>
+                </a:path>
+              </a:pathLst>
+            </a:custGeom>
+            <a:solidFill>
+              <a:srgbClr val="F48765"/>
+            </a:solidFill>
+            <a:ln>
+              <a:noFill/>
+            </a:ln>
+            <a:effectLst/>
+            <a:extLst>
+              <a:ext uri="{91240B29-F687-4f45-9708-019B960494DF}">
+                <a14:hiddenLine xmlns:a14="http://schemas.microsoft.com/office/drawing/2010/main" w="9525">
+                  <a:solidFill>
+                    <a:srgbClr val="000000"/>
+                  </a:solidFill>
+                  <a:miter lim="800000"/>
+                  <a:headEnd/>
+                  <a:tailEnd/>
+                </a14:hiddenLine>
+              </a:ext>
+              <a:ext uri="{AF507438-7753-43e0-B8FC-AC1667EBCBE1}">
+                <a14:hiddenEffects xmlns:a14="http://schemas.microsoft.com/office/drawing/2010/main">
+                  <a:effectLst>
+                    <a:outerShdw dist="35921" dir="2700000" algn="ctr" rotWithShape="0">
+                      <a:srgbClr val="808080"/>
+                    </a:outerShdw>
+                  </a:effectLst>
+                </a14:hiddenEffects>
+              </a:ext>
+            </a:extLst>
+          </p:spPr>
+          <p:txBody>
+            <a:bodyPr/>
+            <a:lstStyle/>
+            <a:p>
+              <a:endParaRPr lang="zh-CN" altLang="en-US"/>
+            </a:p>
+          </p:txBody>
+        </p:sp>
+        <p:sp>
+          <p:nvSpPr>
+            <p:cNvPr id="39" name="Freeform 255"/>
+            <p:cNvSpPr>
+              <a:spLocks noChangeArrowheads="1"/>
+            </p:cNvSpPr>
+            <p:nvPr/>
+          </p:nvSpPr>
+          <p:spPr bwMode="auto">
+            <a:xfrm>
+              <a:off x="276225" y="596900"/>
+              <a:ext cx="41275" cy="357188"/>
+            </a:xfrm>
+            <a:custGeom>
+              <a:avLst/>
+              <a:gdLst>
+                <a:gd name="T0" fmla="*/ 0 w 26"/>
+                <a:gd name="T1" fmla="*/ 2147483647 h 225"/>
+                <a:gd name="T2" fmla="*/ 2147483647 w 26"/>
+                <a:gd name="T3" fmla="*/ 0 h 225"/>
+                <a:gd name="T4" fmla="*/ 2147483647 w 26"/>
+                <a:gd name="T5" fmla="*/ 2147483647 h 225"/>
+                <a:gd name="T6" fmla="*/ 0 w 26"/>
+                <a:gd name="T7" fmla="*/ 2147483647 h 225"/>
+                <a:gd name="T8" fmla="*/ 0 w 26"/>
+                <a:gd name="T9" fmla="*/ 2147483647 h 225"/>
+                <a:gd name="T10" fmla="*/ 0 w 26"/>
+                <a:gd name="T11" fmla="*/ 2147483647 h 225"/>
+                <a:gd name="T12" fmla="*/ 0 60000 65536"/>
+                <a:gd name="T13" fmla="*/ 0 60000 65536"/>
+                <a:gd name="T14" fmla="*/ 0 60000 65536"/>
+                <a:gd name="T15" fmla="*/ 0 60000 65536"/>
+                <a:gd name="T16" fmla="*/ 0 60000 65536"/>
+                <a:gd name="T17" fmla="*/ 0 60000 65536"/>
+                <a:gd name="T18" fmla="*/ 0 w 26"/>
+                <a:gd name="T19" fmla="*/ 0 h 225"/>
+                <a:gd name="T20" fmla="*/ 26 w 26"/>
+                <a:gd name="T21" fmla="*/ 225 h 225"/>
+              </a:gdLst>
+              <a:ahLst/>
+              <a:cxnLst>
+                <a:cxn ang="T12">
+                  <a:pos x="T0" y="T1"/>
+                </a:cxn>
+                <a:cxn ang="T13">
+                  <a:pos x="T2" y="T3"/>
+                </a:cxn>
+                <a:cxn ang="T14">
+                  <a:pos x="T4" y="T5"/>
+                </a:cxn>
+                <a:cxn ang="T15">
+                  <a:pos x="T6" y="T7"/>
+                </a:cxn>
+                <a:cxn ang="T16">
+                  <a:pos x="T8" y="T9"/>
+                </a:cxn>
+                <a:cxn ang="T17">
+                  <a:pos x="T10" y="T11"/>
+                </a:cxn>
+              </a:cxnLst>
+              <a:rect l="T18" t="T19" r="T20" b="T21"/>
+              <a:pathLst>
+                <a:path w="26" h="225">
+                  <a:moveTo>
+                    <a:pt x="0" y="11"/>
+                  </a:moveTo>
+                  <a:lnTo>
+                    <a:pt x="26" y="0"/>
+                  </a:lnTo>
+                  <a:lnTo>
+                    <a:pt x="26" y="215"/>
+                  </a:lnTo>
+                  <a:lnTo>
+                    <a:pt x="0" y="225"/>
+                  </a:lnTo>
+                  <a:lnTo>
+                    <a:pt x="0" y="11"/>
+                  </a:lnTo>
+                  <a:close/>
+                </a:path>
+              </a:pathLst>
+            </a:custGeom>
+            <a:solidFill>
+              <a:srgbClr val="C44721"/>
+            </a:solidFill>
+            <a:ln>
+              <a:noFill/>
+            </a:ln>
+            <a:effectLst/>
+            <a:extLst>
+              <a:ext uri="{91240B29-F687-4f45-9708-019B960494DF}">
+                <a14:hiddenLine xmlns:a14="http://schemas.microsoft.com/office/drawing/2010/main" w="9525">
+                  <a:solidFill>
+                    <a:srgbClr val="000000"/>
+                  </a:solidFill>
+                  <a:miter lim="800000"/>
+                  <a:headEnd/>
+                  <a:tailEnd/>
+                </a14:hiddenLine>
+              </a:ext>
+              <a:ext uri="{AF507438-7753-43e0-B8FC-AC1667EBCBE1}">
+                <a14:hiddenEffects xmlns:a14="http://schemas.microsoft.com/office/drawing/2010/main">
+                  <a:effectLst>
+                    <a:outerShdw dist="35921" dir="2700000" algn="ctr" rotWithShape="0">
+                      <a:srgbClr val="808080"/>
+                    </a:outerShdw>
+                  </a:effectLst>
+                </a14:hiddenEffects>
+              </a:ext>
+            </a:extLst>
+          </p:spPr>
+          <p:txBody>
+            <a:bodyPr/>
+            <a:lstStyle/>
+            <a:p>
+              <a:endParaRPr lang="zh-CN" altLang="en-US"/>
+            </a:p>
+          </p:txBody>
+        </p:sp>
+        <p:sp>
+          <p:nvSpPr>
+            <p:cNvPr id="40" name="Freeform 256"/>
+            <p:cNvSpPr>
+              <a:spLocks noChangeArrowheads="1"/>
+            </p:cNvSpPr>
+            <p:nvPr/>
+          </p:nvSpPr>
+          <p:spPr bwMode="auto">
+            <a:xfrm>
+              <a:off x="185738" y="614363"/>
+              <a:ext cx="90488" cy="339725"/>
+            </a:xfrm>
+            <a:custGeom>
+              <a:avLst/>
+              <a:gdLst>
+                <a:gd name="T0" fmla="*/ 0 w 57"/>
+                <a:gd name="T1" fmla="*/ 0 h 214"/>
+                <a:gd name="T2" fmla="*/ 2147483647 w 57"/>
+                <a:gd name="T3" fmla="*/ 0 h 214"/>
+                <a:gd name="T4" fmla="*/ 2147483647 w 57"/>
+                <a:gd name="T5" fmla="*/ 2147483647 h 214"/>
+                <a:gd name="T6" fmla="*/ 0 w 57"/>
+                <a:gd name="T7" fmla="*/ 2147483647 h 214"/>
+                <a:gd name="T8" fmla="*/ 0 w 57"/>
+                <a:gd name="T9" fmla="*/ 0 h 214"/>
+                <a:gd name="T10" fmla="*/ 0 w 57"/>
+                <a:gd name="T11" fmla="*/ 0 h 214"/>
+                <a:gd name="T12" fmla="*/ 0 60000 65536"/>
+                <a:gd name="T13" fmla="*/ 0 60000 65536"/>
+                <a:gd name="T14" fmla="*/ 0 60000 65536"/>
+                <a:gd name="T15" fmla="*/ 0 60000 65536"/>
+                <a:gd name="T16" fmla="*/ 0 60000 65536"/>
+                <a:gd name="T17" fmla="*/ 0 60000 65536"/>
+                <a:gd name="T18" fmla="*/ 0 w 57"/>
+                <a:gd name="T19" fmla="*/ 0 h 214"/>
+                <a:gd name="T20" fmla="*/ 57 w 57"/>
+                <a:gd name="T21" fmla="*/ 214 h 214"/>
+              </a:gdLst>
+              <a:ahLst/>
+              <a:cxnLst>
+                <a:cxn ang="T12">
+                  <a:pos x="T0" y="T1"/>
+                </a:cxn>
+                <a:cxn ang="T13">
+                  <a:pos x="T2" y="T3"/>
+                </a:cxn>
+                <a:cxn ang="T14">
+                  <a:pos x="T4" y="T5"/>
+                </a:cxn>
+                <a:cxn ang="T15">
+                  <a:pos x="T6" y="T7"/>
+                </a:cxn>
+                <a:cxn ang="T16">
+                  <a:pos x="T8" y="T9"/>
+                </a:cxn>
+                <a:cxn ang="T17">
+                  <a:pos x="T10" y="T11"/>
+                </a:cxn>
+              </a:cxnLst>
+              <a:rect l="T18" t="T19" r="T20" b="T21"/>
+              <a:pathLst>
+                <a:path w="57" h="214">
+                  <a:moveTo>
+                    <a:pt x="0" y="0"/>
+                  </a:moveTo>
+                  <a:lnTo>
+                    <a:pt x="57" y="0"/>
+                  </a:lnTo>
+                  <a:lnTo>
+                    <a:pt x="57" y="214"/>
+                  </a:lnTo>
+                  <a:lnTo>
+                    <a:pt x="0" y="214"/>
+                  </a:lnTo>
+                  <a:lnTo>
+                    <a:pt x="0" y="0"/>
+                  </a:lnTo>
+                  <a:close/>
+                </a:path>
+              </a:pathLst>
+            </a:custGeom>
+            <a:solidFill>
+              <a:srgbClr val="F26B41"/>
+            </a:solidFill>
+            <a:ln>
+              <a:noFill/>
+            </a:ln>
+            <a:effectLst/>
+            <a:extLst>
+              <a:ext uri="{91240B29-F687-4f45-9708-019B960494DF}">
+                <a14:hiddenLine xmlns:a14="http://schemas.microsoft.com/office/drawing/2010/main" w="9525">
+                  <a:solidFill>
+                    <a:srgbClr val="000000"/>
+                  </a:solidFill>
+                  <a:miter lim="800000"/>
+                  <a:headEnd/>
+                  <a:tailEnd/>
+                </a14:hiddenLine>
+              </a:ext>
+              <a:ext uri="{AF507438-7753-43e0-B8FC-AC1667EBCBE1}">
+                <a14:hiddenEffects xmlns:a14="http://schemas.microsoft.com/office/drawing/2010/main">
+                  <a:effectLst>
+                    <a:outerShdw dist="35921" dir="2700000" algn="ctr" rotWithShape="0">
+                      <a:srgbClr val="808080"/>
+                    </a:outerShdw>
+                  </a:effectLst>
+                </a14:hiddenEffects>
+              </a:ext>
+            </a:extLst>
+          </p:spPr>
+          <p:txBody>
+            <a:bodyPr/>
+            <a:lstStyle/>
+            <a:p>
+              <a:endParaRPr lang="zh-CN" altLang="en-US"/>
+            </a:p>
+          </p:txBody>
+        </p:sp>
+        <p:sp>
+          <p:nvSpPr>
+            <p:cNvPr id="41" name="Freeform 257"/>
+            <p:cNvSpPr>
+              <a:spLocks noChangeArrowheads="1"/>
+            </p:cNvSpPr>
+            <p:nvPr/>
+          </p:nvSpPr>
+          <p:spPr bwMode="auto">
+            <a:xfrm>
+              <a:off x="347663" y="331788"/>
+              <a:ext cx="133350" cy="12700"/>
+            </a:xfrm>
+            <a:custGeom>
+              <a:avLst/>
+              <a:gdLst>
+                <a:gd name="T0" fmla="*/ 0 w 84"/>
+                <a:gd name="T1" fmla="*/ 2147483647 h 8"/>
+                <a:gd name="T2" fmla="*/ 2147483647 w 84"/>
+                <a:gd name="T3" fmla="*/ 0 h 8"/>
+                <a:gd name="T4" fmla="*/ 2147483647 w 84"/>
+                <a:gd name="T5" fmla="*/ 0 h 8"/>
+                <a:gd name="T6" fmla="*/ 2147483647 w 84"/>
+                <a:gd name="T7" fmla="*/ 2147483647 h 8"/>
+                <a:gd name="T8" fmla="*/ 0 w 84"/>
+                <a:gd name="T9" fmla="*/ 2147483647 h 8"/>
+                <a:gd name="T10" fmla="*/ 0 w 84"/>
+                <a:gd name="T11" fmla="*/ 2147483647 h 8"/>
+                <a:gd name="T12" fmla="*/ 0 60000 65536"/>
+                <a:gd name="T13" fmla="*/ 0 60000 65536"/>
+                <a:gd name="T14" fmla="*/ 0 60000 65536"/>
+                <a:gd name="T15" fmla="*/ 0 60000 65536"/>
+                <a:gd name="T16" fmla="*/ 0 60000 65536"/>
+                <a:gd name="T17" fmla="*/ 0 60000 65536"/>
+                <a:gd name="T18" fmla="*/ 0 w 84"/>
+                <a:gd name="T19" fmla="*/ 0 h 8"/>
+                <a:gd name="T20" fmla="*/ 84 w 84"/>
+                <a:gd name="T21" fmla="*/ 8 h 8"/>
+              </a:gdLst>
+              <a:ahLst/>
+              <a:cxnLst>
+                <a:cxn ang="T12">
+                  <a:pos x="T0" y="T1"/>
+                </a:cxn>
+                <a:cxn ang="T13">
+                  <a:pos x="T2" y="T3"/>
+                </a:cxn>
+                <a:cxn ang="T14">
+                  <a:pos x="T4" y="T5"/>
+                </a:cxn>
+                <a:cxn ang="T15">
+                  <a:pos x="T6" y="T7"/>
+                </a:cxn>
+                <a:cxn ang="T16">
+                  <a:pos x="T8" y="T9"/>
+                </a:cxn>
+                <a:cxn ang="T17">
+                  <a:pos x="T10" y="T11"/>
+                </a:cxn>
+              </a:cxnLst>
+              <a:rect l="T18" t="T19" r="T20" b="T21"/>
+              <a:pathLst>
+                <a:path w="84" h="8">
+                  <a:moveTo>
+                    <a:pt x="0" y="8"/>
+                  </a:moveTo>
+                  <a:lnTo>
+                    <a:pt x="26" y="0"/>
+                  </a:lnTo>
+                  <a:lnTo>
+                    <a:pt x="84" y="0"/>
+                  </a:lnTo>
+                  <a:lnTo>
+                    <a:pt x="57" y="8"/>
+                  </a:lnTo>
+                  <a:lnTo>
+                    <a:pt x="0" y="8"/>
+                  </a:lnTo>
+                  <a:close/>
+                </a:path>
+              </a:pathLst>
+            </a:custGeom>
+            <a:solidFill>
+              <a:srgbClr val="F48765"/>
+            </a:solidFill>
+            <a:ln>
+              <a:noFill/>
+            </a:ln>
+            <a:effectLst/>
+            <a:extLst>
+              <a:ext uri="{91240B29-F687-4f45-9708-019B960494DF}">
+                <a14:hiddenLine xmlns:a14="http://schemas.microsoft.com/office/drawing/2010/main" w="9525">
+                  <a:solidFill>
+                    <a:srgbClr val="000000"/>
+                  </a:solidFill>
+                  <a:miter lim="800000"/>
+                  <a:headEnd/>
+                  <a:tailEnd/>
+                </a14:hiddenLine>
+              </a:ext>
+              <a:ext uri="{AF507438-7753-43e0-B8FC-AC1667EBCBE1}">
+                <a14:hiddenEffects xmlns:a14="http://schemas.microsoft.com/office/drawing/2010/main">
+                  <a:effectLst>
+                    <a:outerShdw dist="35921" dir="2700000" algn="ctr" rotWithShape="0">
+                      <a:srgbClr val="808080"/>
+                    </a:outerShdw>
+                  </a:effectLst>
+                </a14:hiddenEffects>
+              </a:ext>
+            </a:extLst>
+          </p:spPr>
+          <p:txBody>
+            <a:bodyPr/>
+            <a:lstStyle/>
+            <a:p>
+              <a:endParaRPr lang="zh-CN" altLang="en-US"/>
+            </a:p>
+          </p:txBody>
+        </p:sp>
+        <p:sp>
+          <p:nvSpPr>
+            <p:cNvPr id="42" name="Freeform 258"/>
+            <p:cNvSpPr>
+              <a:spLocks noChangeArrowheads="1"/>
+            </p:cNvSpPr>
+            <p:nvPr/>
+          </p:nvSpPr>
+          <p:spPr bwMode="auto">
+            <a:xfrm>
+              <a:off x="438150" y="331788"/>
+              <a:ext cx="42863" cy="622300"/>
+            </a:xfrm>
+            <a:custGeom>
+              <a:avLst/>
+              <a:gdLst>
+                <a:gd name="T0" fmla="*/ 0 w 27"/>
+                <a:gd name="T1" fmla="*/ 2147483647 h 392"/>
+                <a:gd name="T2" fmla="*/ 2147483647 w 27"/>
+                <a:gd name="T3" fmla="*/ 0 h 392"/>
+                <a:gd name="T4" fmla="*/ 2147483647 w 27"/>
+                <a:gd name="T5" fmla="*/ 2147483647 h 392"/>
+                <a:gd name="T6" fmla="*/ 0 w 27"/>
+                <a:gd name="T7" fmla="*/ 2147483647 h 392"/>
+                <a:gd name="T8" fmla="*/ 0 w 27"/>
+                <a:gd name="T9" fmla="*/ 2147483647 h 392"/>
+                <a:gd name="T10" fmla="*/ 0 w 27"/>
+                <a:gd name="T11" fmla="*/ 2147483647 h 392"/>
+                <a:gd name="T12" fmla="*/ 0 60000 65536"/>
+                <a:gd name="T13" fmla="*/ 0 60000 65536"/>
+                <a:gd name="T14" fmla="*/ 0 60000 65536"/>
+                <a:gd name="T15" fmla="*/ 0 60000 65536"/>
+                <a:gd name="T16" fmla="*/ 0 60000 65536"/>
+                <a:gd name="T17" fmla="*/ 0 60000 65536"/>
+                <a:gd name="T18" fmla="*/ 0 w 27"/>
+                <a:gd name="T19" fmla="*/ 0 h 392"/>
+                <a:gd name="T20" fmla="*/ 27 w 27"/>
+                <a:gd name="T21" fmla="*/ 392 h 392"/>
+              </a:gdLst>
+              <a:ahLst/>
+              <a:cxnLst>
+                <a:cxn ang="T12">
+                  <a:pos x="T0" y="T1"/>
+                </a:cxn>
+                <a:cxn ang="T13">
+                  <a:pos x="T2" y="T3"/>
+                </a:cxn>
+                <a:cxn ang="T14">
+                  <a:pos x="T4" y="T5"/>
+                </a:cxn>
+                <a:cxn ang="T15">
+                  <a:pos x="T6" y="T7"/>
+                </a:cxn>
+                <a:cxn ang="T16">
+                  <a:pos x="T8" y="T9"/>
+                </a:cxn>
+                <a:cxn ang="T17">
+                  <a:pos x="T10" y="T11"/>
+                </a:cxn>
+              </a:cxnLst>
+              <a:rect l="T18" t="T19" r="T20" b="T21"/>
+              <a:pathLst>
+                <a:path w="27" h="392">
+                  <a:moveTo>
+                    <a:pt x="0" y="8"/>
+                  </a:moveTo>
+                  <a:lnTo>
+                    <a:pt x="27" y="0"/>
+                  </a:lnTo>
+                  <a:lnTo>
+                    <a:pt x="27" y="382"/>
+                  </a:lnTo>
+                  <a:lnTo>
+                    <a:pt x="0" y="392"/>
+                  </a:lnTo>
+                  <a:lnTo>
+                    <a:pt x="0" y="8"/>
+                  </a:lnTo>
+                  <a:close/>
+                </a:path>
+              </a:pathLst>
+            </a:custGeom>
+            <a:solidFill>
+              <a:srgbClr val="C44721"/>
+            </a:solidFill>
+            <a:ln>
+              <a:noFill/>
+            </a:ln>
+            <a:effectLst/>
+            <a:extLst>
+              <a:ext uri="{91240B29-F687-4f45-9708-019B960494DF}">
+                <a14:hiddenLine xmlns:a14="http://schemas.microsoft.com/office/drawing/2010/main" w="9525">
+                  <a:solidFill>
+                    <a:srgbClr val="000000"/>
+                  </a:solidFill>
+                  <a:miter lim="800000"/>
+                  <a:headEnd/>
+                  <a:tailEnd/>
+                </a14:hiddenLine>
+              </a:ext>
+              <a:ext uri="{AF507438-7753-43e0-B8FC-AC1667EBCBE1}">
+                <a14:hiddenEffects xmlns:a14="http://schemas.microsoft.com/office/drawing/2010/main">
+                  <a:effectLst>
+                    <a:outerShdw dist="35921" dir="2700000" algn="ctr" rotWithShape="0">
+                      <a:srgbClr val="808080"/>
+                    </a:outerShdw>
+                  </a:effectLst>
+                </a14:hiddenEffects>
+              </a:ext>
+            </a:extLst>
+          </p:spPr>
+          <p:txBody>
+            <a:bodyPr/>
+            <a:lstStyle/>
+            <a:p>
+              <a:endParaRPr lang="zh-CN" altLang="en-US"/>
+            </a:p>
+          </p:txBody>
+        </p:sp>
+        <p:sp>
+          <p:nvSpPr>
+            <p:cNvPr id="43" name="Freeform 259"/>
+            <p:cNvSpPr>
+              <a:spLocks noChangeArrowheads="1"/>
+            </p:cNvSpPr>
+            <p:nvPr/>
+          </p:nvSpPr>
+          <p:spPr bwMode="auto">
+            <a:xfrm>
+              <a:off x="347663" y="344488"/>
+              <a:ext cx="90488" cy="609600"/>
+            </a:xfrm>
+            <a:custGeom>
+              <a:avLst/>
+              <a:gdLst>
+                <a:gd name="T0" fmla="*/ 0 w 57"/>
+                <a:gd name="T1" fmla="*/ 0 h 384"/>
+                <a:gd name="T2" fmla="*/ 2147483647 w 57"/>
+                <a:gd name="T3" fmla="*/ 0 h 384"/>
+                <a:gd name="T4" fmla="*/ 2147483647 w 57"/>
+                <a:gd name="T5" fmla="*/ 2147483647 h 384"/>
+                <a:gd name="T6" fmla="*/ 0 w 57"/>
+                <a:gd name="T7" fmla="*/ 2147483647 h 384"/>
+                <a:gd name="T8" fmla="*/ 0 w 57"/>
+                <a:gd name="T9" fmla="*/ 0 h 384"/>
+                <a:gd name="T10" fmla="*/ 0 w 57"/>
+                <a:gd name="T11" fmla="*/ 0 h 384"/>
+                <a:gd name="T12" fmla="*/ 0 60000 65536"/>
+                <a:gd name="T13" fmla="*/ 0 60000 65536"/>
+                <a:gd name="T14" fmla="*/ 0 60000 65536"/>
+                <a:gd name="T15" fmla="*/ 0 60000 65536"/>
+                <a:gd name="T16" fmla="*/ 0 60000 65536"/>
+                <a:gd name="T17" fmla="*/ 0 60000 65536"/>
+                <a:gd name="T18" fmla="*/ 0 w 57"/>
+                <a:gd name="T19" fmla="*/ 0 h 384"/>
+                <a:gd name="T20" fmla="*/ 57 w 57"/>
+                <a:gd name="T21" fmla="*/ 384 h 384"/>
+              </a:gdLst>
+              <a:ahLst/>
+              <a:cxnLst>
+                <a:cxn ang="T12">
+                  <a:pos x="T0" y="T1"/>
+                </a:cxn>
+                <a:cxn ang="T13">
+                  <a:pos x="T2" y="T3"/>
+                </a:cxn>
+                <a:cxn ang="T14">
+                  <a:pos x="T4" y="T5"/>
+                </a:cxn>
+                <a:cxn ang="T15">
+                  <a:pos x="T6" y="T7"/>
+                </a:cxn>
+                <a:cxn ang="T16">
+                  <a:pos x="T8" y="T9"/>
+                </a:cxn>
+                <a:cxn ang="T17">
+                  <a:pos x="T10" y="T11"/>
+                </a:cxn>
+              </a:cxnLst>
+              <a:rect l="T18" t="T19" r="T20" b="T21"/>
+              <a:pathLst>
+                <a:path w="57" h="384">
+                  <a:moveTo>
+                    <a:pt x="0" y="0"/>
+                  </a:moveTo>
+                  <a:lnTo>
+                    <a:pt x="57" y="0"/>
+                  </a:lnTo>
+                  <a:lnTo>
+                    <a:pt x="57" y="384"/>
+                  </a:lnTo>
+                  <a:lnTo>
+                    <a:pt x="0" y="384"/>
+                  </a:lnTo>
+                  <a:lnTo>
+                    <a:pt x="0" y="0"/>
+                  </a:lnTo>
+                  <a:close/>
+                </a:path>
+              </a:pathLst>
+            </a:custGeom>
+            <a:solidFill>
+              <a:srgbClr val="F26B41"/>
+            </a:solidFill>
+            <a:ln>
+              <a:noFill/>
+            </a:ln>
+            <a:effectLst/>
+            <a:extLst>
+              <a:ext uri="{91240B29-F687-4f45-9708-019B960494DF}">
+                <a14:hiddenLine xmlns:a14="http://schemas.microsoft.com/office/drawing/2010/main" w="9525">
+                  <a:solidFill>
+                    <a:srgbClr val="000000"/>
+                  </a:solidFill>
+                  <a:miter lim="800000"/>
+                  <a:headEnd/>
+                  <a:tailEnd/>
+                </a14:hiddenLine>
+              </a:ext>
+              <a:ext uri="{AF507438-7753-43e0-B8FC-AC1667EBCBE1}">
+                <a14:hiddenEffects xmlns:a14="http://schemas.microsoft.com/office/drawing/2010/main">
+                  <a:effectLst>
+                    <a:outerShdw dist="35921" dir="2700000" algn="ctr" rotWithShape="0">
+                      <a:srgbClr val="808080"/>
+                    </a:outerShdw>
+                  </a:effectLst>
+                </a14:hiddenEffects>
+              </a:ext>
+            </a:extLst>
+          </p:spPr>
+          <p:txBody>
+            <a:bodyPr/>
+            <a:lstStyle/>
+            <a:p>
+              <a:endParaRPr lang="zh-CN" altLang="en-US"/>
+            </a:p>
+          </p:txBody>
+        </p:sp>
+        <p:sp>
+          <p:nvSpPr>
+            <p:cNvPr id="44" name="Freeform 260"/>
+            <p:cNvSpPr>
+              <a:spLocks noChangeArrowheads="1"/>
+            </p:cNvSpPr>
+            <p:nvPr/>
+          </p:nvSpPr>
+          <p:spPr bwMode="auto">
+            <a:xfrm>
+              <a:off x="509588" y="406400"/>
+              <a:ext cx="130175" cy="15875"/>
+            </a:xfrm>
+            <a:custGeom>
+              <a:avLst/>
+              <a:gdLst>
+                <a:gd name="T0" fmla="*/ 0 w 82"/>
+                <a:gd name="T1" fmla="*/ 2147483647 h 10"/>
+                <a:gd name="T2" fmla="*/ 2147483647 w 82"/>
+                <a:gd name="T3" fmla="*/ 0 h 10"/>
+                <a:gd name="T4" fmla="*/ 2147483647 w 82"/>
+                <a:gd name="T5" fmla="*/ 0 h 10"/>
+                <a:gd name="T6" fmla="*/ 2147483647 w 82"/>
+                <a:gd name="T7" fmla="*/ 2147483647 h 10"/>
+                <a:gd name="T8" fmla="*/ 0 w 82"/>
+                <a:gd name="T9" fmla="*/ 2147483647 h 10"/>
+                <a:gd name="T10" fmla="*/ 0 w 82"/>
+                <a:gd name="T11" fmla="*/ 2147483647 h 10"/>
+                <a:gd name="T12" fmla="*/ 0 60000 65536"/>
+                <a:gd name="T13" fmla="*/ 0 60000 65536"/>
+                <a:gd name="T14" fmla="*/ 0 60000 65536"/>
+                <a:gd name="T15" fmla="*/ 0 60000 65536"/>
+                <a:gd name="T16" fmla="*/ 0 60000 65536"/>
+                <a:gd name="T17" fmla="*/ 0 60000 65536"/>
+                <a:gd name="T18" fmla="*/ 0 w 82"/>
+                <a:gd name="T19" fmla="*/ 0 h 10"/>
+                <a:gd name="T20" fmla="*/ 82 w 82"/>
+                <a:gd name="T21" fmla="*/ 10 h 10"/>
+              </a:gdLst>
+              <a:ahLst/>
+              <a:cxnLst>
+                <a:cxn ang="T12">
+                  <a:pos x="T0" y="T1"/>
+                </a:cxn>
+                <a:cxn ang="T13">
+                  <a:pos x="T2" y="T3"/>
+                </a:cxn>
+                <a:cxn ang="T14">
+                  <a:pos x="T4" y="T5"/>
+                </a:cxn>
+                <a:cxn ang="T15">
+                  <a:pos x="T6" y="T7"/>
+                </a:cxn>
+                <a:cxn ang="T16">
+                  <a:pos x="T8" y="T9"/>
+                </a:cxn>
+                <a:cxn ang="T17">
+                  <a:pos x="T10" y="T11"/>
+                </a:cxn>
+              </a:cxnLst>
+              <a:rect l="T18" t="T19" r="T20" b="T21"/>
+              <a:pathLst>
+                <a:path w="82" h="10">
+                  <a:moveTo>
+                    <a:pt x="0" y="10"/>
+                  </a:moveTo>
+                  <a:lnTo>
+                    <a:pt x="27" y="0"/>
+                  </a:lnTo>
+                  <a:lnTo>
+                    <a:pt x="82" y="0"/>
+                  </a:lnTo>
+                  <a:lnTo>
+                    <a:pt x="55" y="10"/>
+                  </a:lnTo>
+                  <a:lnTo>
+                    <a:pt x="0" y="10"/>
+                  </a:lnTo>
+                  <a:close/>
+                </a:path>
+              </a:pathLst>
+            </a:custGeom>
+            <a:solidFill>
+              <a:srgbClr val="F48765"/>
+            </a:solidFill>
+            <a:ln>
+              <a:noFill/>
+            </a:ln>
+            <a:effectLst/>
+            <a:extLst>
+              <a:ext uri="{91240B29-F687-4f45-9708-019B960494DF}">
+                <a14:hiddenLine xmlns:a14="http://schemas.microsoft.com/office/drawing/2010/main" w="9525">
+                  <a:solidFill>
+                    <a:srgbClr val="000000"/>
+                  </a:solidFill>
+                  <a:miter lim="800000"/>
+                  <a:headEnd/>
+                  <a:tailEnd/>
+                </a14:hiddenLine>
+              </a:ext>
+              <a:ext uri="{AF507438-7753-43e0-B8FC-AC1667EBCBE1}">
+                <a14:hiddenEffects xmlns:a14="http://schemas.microsoft.com/office/drawing/2010/main">
+                  <a:effectLst>
+                    <a:outerShdw dist="35921" dir="2700000" algn="ctr" rotWithShape="0">
+                      <a:srgbClr val="808080"/>
+                    </a:outerShdw>
+                  </a:effectLst>
+                </a14:hiddenEffects>
+              </a:ext>
+            </a:extLst>
+          </p:spPr>
+          <p:txBody>
+            <a:bodyPr/>
+            <a:lstStyle/>
+            <a:p>
+              <a:endParaRPr lang="zh-CN" altLang="en-US"/>
+            </a:p>
+          </p:txBody>
+        </p:sp>
+        <p:sp>
+          <p:nvSpPr>
+            <p:cNvPr id="45" name="Freeform 261"/>
+            <p:cNvSpPr>
+              <a:spLocks noChangeArrowheads="1"/>
+            </p:cNvSpPr>
+            <p:nvPr/>
+          </p:nvSpPr>
+          <p:spPr bwMode="auto">
+            <a:xfrm>
+              <a:off x="596900" y="406400"/>
+              <a:ext cx="42863" cy="547688"/>
+            </a:xfrm>
+            <a:custGeom>
+              <a:avLst/>
+              <a:gdLst>
+                <a:gd name="T0" fmla="*/ 0 w 27"/>
+                <a:gd name="T1" fmla="*/ 2147483647 h 345"/>
+                <a:gd name="T2" fmla="*/ 2147483647 w 27"/>
+                <a:gd name="T3" fmla="*/ 0 h 345"/>
+                <a:gd name="T4" fmla="*/ 2147483647 w 27"/>
+                <a:gd name="T5" fmla="*/ 2147483647 h 345"/>
+                <a:gd name="T6" fmla="*/ 0 w 27"/>
+                <a:gd name="T7" fmla="*/ 2147483647 h 345"/>
+                <a:gd name="T8" fmla="*/ 0 w 27"/>
+                <a:gd name="T9" fmla="*/ 2147483647 h 345"/>
+                <a:gd name="T10" fmla="*/ 0 w 27"/>
+                <a:gd name="T11" fmla="*/ 2147483647 h 345"/>
+                <a:gd name="T12" fmla="*/ 0 60000 65536"/>
+                <a:gd name="T13" fmla="*/ 0 60000 65536"/>
+                <a:gd name="T14" fmla="*/ 0 60000 65536"/>
+                <a:gd name="T15" fmla="*/ 0 60000 65536"/>
+                <a:gd name="T16" fmla="*/ 0 60000 65536"/>
+                <a:gd name="T17" fmla="*/ 0 60000 65536"/>
+                <a:gd name="T18" fmla="*/ 0 w 27"/>
+                <a:gd name="T19" fmla="*/ 0 h 345"/>
+                <a:gd name="T20" fmla="*/ 27 w 27"/>
+                <a:gd name="T21" fmla="*/ 345 h 345"/>
+              </a:gdLst>
+              <a:ahLst/>
+              <a:cxnLst>
+                <a:cxn ang="T12">
+                  <a:pos x="T0" y="T1"/>
+                </a:cxn>
+                <a:cxn ang="T13">
+                  <a:pos x="T2" y="T3"/>
+                </a:cxn>
+                <a:cxn ang="T14">
+                  <a:pos x="T4" y="T5"/>
+                </a:cxn>
+                <a:cxn ang="T15">
+                  <a:pos x="T6" y="T7"/>
+                </a:cxn>
+                <a:cxn ang="T16">
+                  <a:pos x="T8" y="T9"/>
+                </a:cxn>
+                <a:cxn ang="T17">
+                  <a:pos x="T10" y="T11"/>
+                </a:cxn>
+              </a:cxnLst>
+              <a:rect l="T18" t="T19" r="T20" b="T21"/>
+              <a:pathLst>
+                <a:path w="27" h="345">
+                  <a:moveTo>
+                    <a:pt x="0" y="10"/>
+                  </a:moveTo>
+                  <a:lnTo>
+                    <a:pt x="27" y="0"/>
+                  </a:lnTo>
+                  <a:lnTo>
+                    <a:pt x="27" y="335"/>
+                  </a:lnTo>
+                  <a:lnTo>
+                    <a:pt x="0" y="345"/>
+                  </a:lnTo>
+                  <a:lnTo>
+                    <a:pt x="0" y="10"/>
+                  </a:lnTo>
+                  <a:close/>
+                </a:path>
+              </a:pathLst>
+            </a:custGeom>
+            <a:solidFill>
+              <a:srgbClr val="C44721"/>
+            </a:solidFill>
+            <a:ln>
+              <a:noFill/>
+            </a:ln>
+            <a:effectLst/>
+            <a:extLst>
+              <a:ext uri="{91240B29-F687-4f45-9708-019B960494DF}">
+                <a14:hiddenLine xmlns:a14="http://schemas.microsoft.com/office/drawing/2010/main" w="9525">
+                  <a:solidFill>
+                    <a:srgbClr val="000000"/>
+                  </a:solidFill>
+                  <a:miter lim="800000"/>
+                  <a:headEnd/>
+                  <a:tailEnd/>
+                </a14:hiddenLine>
+              </a:ext>
+              <a:ext uri="{AF507438-7753-43e0-B8FC-AC1667EBCBE1}">
+                <a14:hiddenEffects xmlns:a14="http://schemas.microsoft.com/office/drawing/2010/main">
+                  <a:effectLst>
+                    <a:outerShdw dist="35921" dir="2700000" algn="ctr" rotWithShape="0">
+                      <a:srgbClr val="808080"/>
+                    </a:outerShdw>
+                  </a:effectLst>
+                </a14:hiddenEffects>
+              </a:ext>
+            </a:extLst>
+          </p:spPr>
+          <p:txBody>
+            <a:bodyPr/>
+            <a:lstStyle/>
+            <a:p>
+              <a:endParaRPr lang="zh-CN" altLang="en-US"/>
+            </a:p>
+          </p:txBody>
+        </p:sp>
+        <p:sp>
+          <p:nvSpPr>
+            <p:cNvPr id="46" name="Freeform 262"/>
+            <p:cNvSpPr>
+              <a:spLocks noChangeArrowheads="1"/>
+            </p:cNvSpPr>
+            <p:nvPr/>
+          </p:nvSpPr>
+          <p:spPr bwMode="auto">
+            <a:xfrm>
+              <a:off x="509588" y="422275"/>
+              <a:ext cx="87313" cy="531813"/>
+            </a:xfrm>
+            <a:custGeom>
+              <a:avLst/>
+              <a:gdLst>
+                <a:gd name="T0" fmla="*/ 0 w 55"/>
+                <a:gd name="T1" fmla="*/ 0 h 335"/>
+                <a:gd name="T2" fmla="*/ 2147483647 w 55"/>
+                <a:gd name="T3" fmla="*/ 0 h 335"/>
+                <a:gd name="T4" fmla="*/ 2147483647 w 55"/>
+                <a:gd name="T5" fmla="*/ 2147483647 h 335"/>
+                <a:gd name="T6" fmla="*/ 0 w 55"/>
+                <a:gd name="T7" fmla="*/ 2147483647 h 335"/>
+                <a:gd name="T8" fmla="*/ 0 w 55"/>
+                <a:gd name="T9" fmla="*/ 0 h 335"/>
+                <a:gd name="T10" fmla="*/ 0 w 55"/>
+                <a:gd name="T11" fmla="*/ 0 h 335"/>
+                <a:gd name="T12" fmla="*/ 0 60000 65536"/>
+                <a:gd name="T13" fmla="*/ 0 60000 65536"/>
+                <a:gd name="T14" fmla="*/ 0 60000 65536"/>
+                <a:gd name="T15" fmla="*/ 0 60000 65536"/>
+                <a:gd name="T16" fmla="*/ 0 60000 65536"/>
+                <a:gd name="T17" fmla="*/ 0 60000 65536"/>
+                <a:gd name="T18" fmla="*/ 0 w 55"/>
+                <a:gd name="T19" fmla="*/ 0 h 335"/>
+                <a:gd name="T20" fmla="*/ 55 w 55"/>
+                <a:gd name="T21" fmla="*/ 335 h 335"/>
+              </a:gdLst>
+              <a:ahLst/>
+              <a:cxnLst>
+                <a:cxn ang="T12">
+                  <a:pos x="T0" y="T1"/>
+                </a:cxn>
+                <a:cxn ang="T13">
+                  <a:pos x="T2" y="T3"/>
+                </a:cxn>
+                <a:cxn ang="T14">
+                  <a:pos x="T4" y="T5"/>
+                </a:cxn>
+                <a:cxn ang="T15">
+                  <a:pos x="T6" y="T7"/>
+                </a:cxn>
+                <a:cxn ang="T16">
+                  <a:pos x="T8" y="T9"/>
+                </a:cxn>
+                <a:cxn ang="T17">
+                  <a:pos x="T10" y="T11"/>
+                </a:cxn>
+              </a:cxnLst>
+              <a:rect l="T18" t="T19" r="T20" b="T21"/>
+              <a:pathLst>
+                <a:path w="55" h="335">
+                  <a:moveTo>
+                    <a:pt x="0" y="0"/>
+                  </a:moveTo>
+                  <a:lnTo>
+                    <a:pt x="55" y="0"/>
+                  </a:lnTo>
+                  <a:lnTo>
+                    <a:pt x="55" y="335"/>
+                  </a:lnTo>
+                  <a:lnTo>
+                    <a:pt x="0" y="335"/>
+                  </a:lnTo>
+                  <a:lnTo>
+                    <a:pt x="0" y="0"/>
+                  </a:lnTo>
+                  <a:close/>
+                </a:path>
+              </a:pathLst>
+            </a:custGeom>
+            <a:solidFill>
+              <a:srgbClr val="F26B41"/>
+            </a:solidFill>
+            <a:ln>
+              <a:noFill/>
+            </a:ln>
+            <a:effectLst/>
+            <a:extLst>
+              <a:ext uri="{91240B29-F687-4f45-9708-019B960494DF}">
+                <a14:hiddenLine xmlns:a14="http://schemas.microsoft.com/office/drawing/2010/main" w="9525">
+                  <a:solidFill>
+                    <a:srgbClr val="000000"/>
+                  </a:solidFill>
+                  <a:miter lim="800000"/>
+                  <a:headEnd/>
+                  <a:tailEnd/>
+                </a14:hiddenLine>
+              </a:ext>
+              <a:ext uri="{AF507438-7753-43e0-B8FC-AC1667EBCBE1}">
+                <a14:hiddenEffects xmlns:a14="http://schemas.microsoft.com/office/drawing/2010/main">
+                  <a:effectLst>
+                    <a:outerShdw dist="35921" dir="2700000" algn="ctr" rotWithShape="0">
+                      <a:srgbClr val="808080"/>
+                    </a:outerShdw>
+                  </a:effectLst>
+                </a14:hiddenEffects>
+              </a:ext>
+            </a:extLst>
+          </p:spPr>
+          <p:txBody>
+            <a:bodyPr/>
+            <a:lstStyle/>
+            <a:p>
+              <a:endParaRPr lang="zh-CN" altLang="en-US"/>
+            </a:p>
+          </p:txBody>
+        </p:sp>
+        <p:sp>
+          <p:nvSpPr>
+            <p:cNvPr id="47" name="Freeform 263"/>
+            <p:cNvSpPr>
+              <a:spLocks noChangeArrowheads="1"/>
+            </p:cNvSpPr>
+            <p:nvPr/>
+          </p:nvSpPr>
+          <p:spPr bwMode="auto">
+            <a:xfrm>
+              <a:off x="671513" y="195263"/>
+              <a:ext cx="130175" cy="15875"/>
+            </a:xfrm>
+            <a:custGeom>
+              <a:avLst/>
+              <a:gdLst>
+                <a:gd name="T0" fmla="*/ 0 w 82"/>
+                <a:gd name="T1" fmla="*/ 2147483647 h 10"/>
+                <a:gd name="T2" fmla="*/ 2147483647 w 82"/>
+                <a:gd name="T3" fmla="*/ 0 h 10"/>
+                <a:gd name="T4" fmla="*/ 2147483647 w 82"/>
+                <a:gd name="T5" fmla="*/ 0 h 10"/>
+                <a:gd name="T6" fmla="*/ 2147483647 w 82"/>
+                <a:gd name="T7" fmla="*/ 2147483647 h 10"/>
+                <a:gd name="T8" fmla="*/ 0 w 82"/>
+                <a:gd name="T9" fmla="*/ 2147483647 h 10"/>
+                <a:gd name="T10" fmla="*/ 0 w 82"/>
+                <a:gd name="T11" fmla="*/ 2147483647 h 10"/>
+                <a:gd name="T12" fmla="*/ 0 60000 65536"/>
+                <a:gd name="T13" fmla="*/ 0 60000 65536"/>
+                <a:gd name="T14" fmla="*/ 0 60000 65536"/>
+                <a:gd name="T15" fmla="*/ 0 60000 65536"/>
+                <a:gd name="T16" fmla="*/ 0 60000 65536"/>
+                <a:gd name="T17" fmla="*/ 0 60000 65536"/>
+                <a:gd name="T18" fmla="*/ 0 w 82"/>
+                <a:gd name="T19" fmla="*/ 0 h 10"/>
+                <a:gd name="T20" fmla="*/ 82 w 82"/>
+                <a:gd name="T21" fmla="*/ 10 h 10"/>
+              </a:gdLst>
+              <a:ahLst/>
+              <a:cxnLst>
+                <a:cxn ang="T12">
+                  <a:pos x="T0" y="T1"/>
+                </a:cxn>
+                <a:cxn ang="T13">
+                  <a:pos x="T2" y="T3"/>
+                </a:cxn>
+                <a:cxn ang="T14">
+                  <a:pos x="T4" y="T5"/>
+                </a:cxn>
+                <a:cxn ang="T15">
+                  <a:pos x="T6" y="T7"/>
+                </a:cxn>
+                <a:cxn ang="T16">
+                  <a:pos x="T8" y="T9"/>
+                </a:cxn>
+                <a:cxn ang="T17">
+                  <a:pos x="T10" y="T11"/>
+                </a:cxn>
+              </a:cxnLst>
+              <a:rect l="T18" t="T19" r="T20" b="T21"/>
+              <a:pathLst>
+                <a:path w="82" h="10">
+                  <a:moveTo>
+                    <a:pt x="0" y="10"/>
+                  </a:moveTo>
+                  <a:lnTo>
+                    <a:pt x="27" y="0"/>
+                  </a:lnTo>
+                  <a:lnTo>
+                    <a:pt x="82" y="0"/>
+                  </a:lnTo>
+                  <a:lnTo>
+                    <a:pt x="56" y="10"/>
+                  </a:lnTo>
+                  <a:lnTo>
+                    <a:pt x="0" y="10"/>
+                  </a:lnTo>
+                  <a:close/>
+                </a:path>
+              </a:pathLst>
+            </a:custGeom>
+            <a:solidFill>
+              <a:srgbClr val="F48765"/>
+            </a:solidFill>
+            <a:ln>
+              <a:noFill/>
+            </a:ln>
+            <a:effectLst/>
+            <a:extLst>
+              <a:ext uri="{91240B29-F687-4f45-9708-019B960494DF}">
+                <a14:hiddenLine xmlns:a14="http://schemas.microsoft.com/office/drawing/2010/main" w="9525">
+                  <a:solidFill>
+                    <a:srgbClr val="000000"/>
+                  </a:solidFill>
+                  <a:miter lim="800000"/>
+                  <a:headEnd/>
+                  <a:tailEnd/>
+                </a14:hiddenLine>
+              </a:ext>
+              <a:ext uri="{AF507438-7753-43e0-B8FC-AC1667EBCBE1}">
+                <a14:hiddenEffects xmlns:a14="http://schemas.microsoft.com/office/drawing/2010/main">
+                  <a:effectLst>
+                    <a:outerShdw dist="35921" dir="2700000" algn="ctr" rotWithShape="0">
+                      <a:srgbClr val="808080"/>
+                    </a:outerShdw>
+                  </a:effectLst>
+                </a14:hiddenEffects>
+              </a:ext>
+            </a:extLst>
+          </p:spPr>
+          <p:txBody>
+            <a:bodyPr/>
+            <a:lstStyle/>
+            <a:p>
+              <a:endParaRPr lang="zh-CN" altLang="en-US"/>
+            </a:p>
+          </p:txBody>
+        </p:sp>
+        <p:sp>
+          <p:nvSpPr>
+            <p:cNvPr id="48" name="Freeform 264"/>
+            <p:cNvSpPr>
+              <a:spLocks noChangeArrowheads="1"/>
+            </p:cNvSpPr>
+            <p:nvPr/>
+          </p:nvSpPr>
+          <p:spPr bwMode="auto">
+            <a:xfrm>
+              <a:off x="760413" y="195263"/>
+              <a:ext cx="41275" cy="758825"/>
+            </a:xfrm>
+            <a:custGeom>
+              <a:avLst/>
+              <a:gdLst>
+                <a:gd name="T0" fmla="*/ 0 w 26"/>
+                <a:gd name="T1" fmla="*/ 2147483647 h 478"/>
+                <a:gd name="T2" fmla="*/ 2147483647 w 26"/>
+                <a:gd name="T3" fmla="*/ 0 h 478"/>
+                <a:gd name="T4" fmla="*/ 2147483647 w 26"/>
+                <a:gd name="T5" fmla="*/ 2147483647 h 478"/>
+                <a:gd name="T6" fmla="*/ 0 w 26"/>
+                <a:gd name="T7" fmla="*/ 2147483647 h 478"/>
+                <a:gd name="T8" fmla="*/ 0 w 26"/>
+                <a:gd name="T9" fmla="*/ 2147483647 h 478"/>
+                <a:gd name="T10" fmla="*/ 0 w 26"/>
+                <a:gd name="T11" fmla="*/ 2147483647 h 478"/>
+                <a:gd name="T12" fmla="*/ 0 60000 65536"/>
+                <a:gd name="T13" fmla="*/ 0 60000 65536"/>
+                <a:gd name="T14" fmla="*/ 0 60000 65536"/>
+                <a:gd name="T15" fmla="*/ 0 60000 65536"/>
+                <a:gd name="T16" fmla="*/ 0 60000 65536"/>
+                <a:gd name="T17" fmla="*/ 0 60000 65536"/>
+                <a:gd name="T18" fmla="*/ 0 w 26"/>
+                <a:gd name="T19" fmla="*/ 0 h 478"/>
+                <a:gd name="T20" fmla="*/ 26 w 26"/>
+                <a:gd name="T21" fmla="*/ 478 h 478"/>
+              </a:gdLst>
+              <a:ahLst/>
+              <a:cxnLst>
+                <a:cxn ang="T12">
+                  <a:pos x="T0" y="T1"/>
+                </a:cxn>
+                <a:cxn ang="T13">
+                  <a:pos x="T2" y="T3"/>
+                </a:cxn>
+                <a:cxn ang="T14">
+                  <a:pos x="T4" y="T5"/>
+                </a:cxn>
+                <a:cxn ang="T15">
+                  <a:pos x="T6" y="T7"/>
+                </a:cxn>
+                <a:cxn ang="T16">
+                  <a:pos x="T8" y="T9"/>
+                </a:cxn>
+                <a:cxn ang="T17">
+                  <a:pos x="T10" y="T11"/>
+                </a:cxn>
+              </a:cxnLst>
+              <a:rect l="T18" t="T19" r="T20" b="T21"/>
+              <a:pathLst>
+                <a:path w="26" h="478">
+                  <a:moveTo>
+                    <a:pt x="0" y="10"/>
+                  </a:moveTo>
+                  <a:lnTo>
+                    <a:pt x="26" y="0"/>
+                  </a:lnTo>
+                  <a:lnTo>
+                    <a:pt x="26" y="468"/>
+                  </a:lnTo>
+                  <a:lnTo>
+                    <a:pt x="0" y="478"/>
+                  </a:lnTo>
+                  <a:lnTo>
+                    <a:pt x="0" y="10"/>
+                  </a:lnTo>
+                  <a:close/>
+                </a:path>
+              </a:pathLst>
+            </a:custGeom>
+            <a:solidFill>
+              <a:srgbClr val="C44721"/>
+            </a:solidFill>
+            <a:ln>
+              <a:noFill/>
+            </a:ln>
+            <a:effectLst/>
+            <a:extLst>
+              <a:ext uri="{91240B29-F687-4f45-9708-019B960494DF}">
+                <a14:hiddenLine xmlns:a14="http://schemas.microsoft.com/office/drawing/2010/main" w="9525">
+                  <a:solidFill>
+                    <a:srgbClr val="000000"/>
+                  </a:solidFill>
+                  <a:miter lim="800000"/>
+                  <a:headEnd/>
+                  <a:tailEnd/>
+                </a14:hiddenLine>
+              </a:ext>
+              <a:ext uri="{AF507438-7753-43e0-B8FC-AC1667EBCBE1}">
+                <a14:hiddenEffects xmlns:a14="http://schemas.microsoft.com/office/drawing/2010/main">
+                  <a:effectLst>
+                    <a:outerShdw dist="35921" dir="2700000" algn="ctr" rotWithShape="0">
+                      <a:srgbClr val="808080"/>
+                    </a:outerShdw>
+                  </a:effectLst>
+                </a14:hiddenEffects>
+              </a:ext>
+            </a:extLst>
+          </p:spPr>
+          <p:txBody>
+            <a:bodyPr/>
+            <a:lstStyle/>
+            <a:p>
+              <a:endParaRPr lang="zh-CN" altLang="en-US"/>
+            </a:p>
+          </p:txBody>
+        </p:sp>
+        <p:sp>
+          <p:nvSpPr>
+            <p:cNvPr id="49" name="Freeform 265"/>
+            <p:cNvSpPr>
+              <a:spLocks noChangeArrowheads="1"/>
+            </p:cNvSpPr>
+            <p:nvPr/>
+          </p:nvSpPr>
+          <p:spPr bwMode="auto">
+            <a:xfrm>
+              <a:off x="671513" y="211138"/>
+              <a:ext cx="88900" cy="742950"/>
+            </a:xfrm>
+            <a:custGeom>
+              <a:avLst/>
+              <a:gdLst>
+                <a:gd name="T0" fmla="*/ 0 w 56"/>
+                <a:gd name="T1" fmla="*/ 0 h 468"/>
+                <a:gd name="T2" fmla="*/ 2147483647 w 56"/>
+                <a:gd name="T3" fmla="*/ 0 h 468"/>
+                <a:gd name="T4" fmla="*/ 2147483647 w 56"/>
+                <a:gd name="T5" fmla="*/ 2147483647 h 468"/>
+                <a:gd name="T6" fmla="*/ 0 w 56"/>
+                <a:gd name="T7" fmla="*/ 2147483647 h 468"/>
+                <a:gd name="T8" fmla="*/ 0 w 56"/>
+                <a:gd name="T9" fmla="*/ 0 h 468"/>
+                <a:gd name="T10" fmla="*/ 0 w 56"/>
+                <a:gd name="T11" fmla="*/ 0 h 468"/>
+                <a:gd name="T12" fmla="*/ 0 60000 65536"/>
+                <a:gd name="T13" fmla="*/ 0 60000 65536"/>
+                <a:gd name="T14" fmla="*/ 0 60000 65536"/>
+                <a:gd name="T15" fmla="*/ 0 60000 65536"/>
+                <a:gd name="T16" fmla="*/ 0 60000 65536"/>
+                <a:gd name="T17" fmla="*/ 0 60000 65536"/>
+                <a:gd name="T18" fmla="*/ 0 w 56"/>
+                <a:gd name="T19" fmla="*/ 0 h 468"/>
+                <a:gd name="T20" fmla="*/ 56 w 56"/>
+                <a:gd name="T21" fmla="*/ 468 h 468"/>
+              </a:gdLst>
+              <a:ahLst/>
+              <a:cxnLst>
+                <a:cxn ang="T12">
+                  <a:pos x="T0" y="T1"/>
+                </a:cxn>
+                <a:cxn ang="T13">
+                  <a:pos x="T2" y="T3"/>
+                </a:cxn>
+                <a:cxn ang="T14">
+                  <a:pos x="T4" y="T5"/>
+                </a:cxn>
+                <a:cxn ang="T15">
+                  <a:pos x="T6" y="T7"/>
+                </a:cxn>
+                <a:cxn ang="T16">
+                  <a:pos x="T8" y="T9"/>
+                </a:cxn>
+                <a:cxn ang="T17">
+                  <a:pos x="T10" y="T11"/>
+                </a:cxn>
+              </a:cxnLst>
+              <a:rect l="T18" t="T19" r="T20" b="T21"/>
+              <a:pathLst>
+                <a:path w="56" h="468">
+                  <a:moveTo>
+                    <a:pt x="0" y="0"/>
+                  </a:moveTo>
+                  <a:lnTo>
+                    <a:pt x="56" y="0"/>
+                  </a:lnTo>
+                  <a:lnTo>
+                    <a:pt x="56" y="468"/>
+                  </a:lnTo>
+                  <a:lnTo>
+                    <a:pt x="0" y="468"/>
+                  </a:lnTo>
+                  <a:lnTo>
+                    <a:pt x="0" y="0"/>
+                  </a:lnTo>
+                  <a:close/>
+                </a:path>
+              </a:pathLst>
+            </a:custGeom>
+            <a:solidFill>
+              <a:srgbClr val="F26B41"/>
+            </a:solidFill>
+            <a:ln>
+              <a:noFill/>
+            </a:ln>
+            <a:effectLst/>
+            <a:extLst>
+              <a:ext uri="{91240B29-F687-4f45-9708-019B960494DF}">
+                <a14:hiddenLine xmlns:a14="http://schemas.microsoft.com/office/drawing/2010/main" w="9525">
+                  <a:solidFill>
+                    <a:srgbClr val="000000"/>
+                  </a:solidFill>
+                  <a:miter lim="800000"/>
+                  <a:headEnd/>
+                  <a:tailEnd/>
+                </a14:hiddenLine>
+              </a:ext>
+              <a:ext uri="{AF507438-7753-43e0-B8FC-AC1667EBCBE1}">
+                <a14:hiddenEffects xmlns:a14="http://schemas.microsoft.com/office/drawing/2010/main">
+                  <a:effectLst>
+                    <a:outerShdw dist="35921" dir="2700000" algn="ctr" rotWithShape="0">
+                      <a:srgbClr val="808080"/>
+                    </a:outerShdw>
+                  </a:effectLst>
+                </a14:hiddenEffects>
+              </a:ext>
+            </a:extLst>
+          </p:spPr>
+          <p:txBody>
+            <a:bodyPr/>
+            <a:lstStyle/>
+            <a:p>
+              <a:endParaRPr lang="zh-CN" altLang="en-US"/>
+            </a:p>
+          </p:txBody>
+        </p:sp>
+        <p:sp>
+          <p:nvSpPr>
+            <p:cNvPr id="50" name="Freeform 266"/>
+            <p:cNvSpPr>
+              <a:spLocks noChangeArrowheads="1"/>
+            </p:cNvSpPr>
+            <p:nvPr/>
+          </p:nvSpPr>
+          <p:spPr bwMode="auto">
+            <a:xfrm>
+              <a:off x="835025" y="590550"/>
+              <a:ext cx="128588" cy="17463"/>
+            </a:xfrm>
+            <a:custGeom>
+              <a:avLst/>
+              <a:gdLst>
+                <a:gd name="T0" fmla="*/ 0 w 81"/>
+                <a:gd name="T1" fmla="*/ 2147483647 h 11"/>
+                <a:gd name="T2" fmla="*/ 2147483647 w 81"/>
+                <a:gd name="T3" fmla="*/ 0 h 11"/>
+                <a:gd name="T4" fmla="*/ 2147483647 w 81"/>
+                <a:gd name="T5" fmla="*/ 0 h 11"/>
+                <a:gd name="T6" fmla="*/ 2147483647 w 81"/>
+                <a:gd name="T7" fmla="*/ 2147483647 h 11"/>
+                <a:gd name="T8" fmla="*/ 0 w 81"/>
+                <a:gd name="T9" fmla="*/ 2147483647 h 11"/>
+                <a:gd name="T10" fmla="*/ 0 w 81"/>
+                <a:gd name="T11" fmla="*/ 2147483647 h 11"/>
+                <a:gd name="T12" fmla="*/ 0 60000 65536"/>
+                <a:gd name="T13" fmla="*/ 0 60000 65536"/>
+                <a:gd name="T14" fmla="*/ 0 60000 65536"/>
+                <a:gd name="T15" fmla="*/ 0 60000 65536"/>
+                <a:gd name="T16" fmla="*/ 0 60000 65536"/>
+                <a:gd name="T17" fmla="*/ 0 60000 65536"/>
+                <a:gd name="T18" fmla="*/ 0 w 81"/>
+                <a:gd name="T19" fmla="*/ 0 h 11"/>
+                <a:gd name="T20" fmla="*/ 81 w 81"/>
+                <a:gd name="T21" fmla="*/ 11 h 11"/>
+              </a:gdLst>
+              <a:ahLst/>
+              <a:cxnLst>
+                <a:cxn ang="T12">
+                  <a:pos x="T0" y="T1"/>
+                </a:cxn>
+                <a:cxn ang="T13">
+                  <a:pos x="T2" y="T3"/>
+                </a:cxn>
+                <a:cxn ang="T14">
+                  <a:pos x="T4" y="T5"/>
+                </a:cxn>
+                <a:cxn ang="T15">
+                  <a:pos x="T6" y="T7"/>
+                </a:cxn>
+                <a:cxn ang="T16">
+                  <a:pos x="T8" y="T9"/>
+                </a:cxn>
+                <a:cxn ang="T17">
+                  <a:pos x="T10" y="T11"/>
+                </a:cxn>
+              </a:cxnLst>
+              <a:rect l="T18" t="T19" r="T20" b="T21"/>
+              <a:pathLst>
+                <a:path w="81" h="11">
+                  <a:moveTo>
+                    <a:pt x="0" y="11"/>
+                  </a:moveTo>
+                  <a:lnTo>
+                    <a:pt x="26" y="0"/>
+                  </a:lnTo>
+                  <a:lnTo>
+                    <a:pt x="81" y="0"/>
+                  </a:lnTo>
+                  <a:lnTo>
+                    <a:pt x="55" y="11"/>
+                  </a:lnTo>
+                  <a:lnTo>
+                    <a:pt x="0" y="11"/>
+                  </a:lnTo>
+                  <a:close/>
+                </a:path>
+              </a:pathLst>
+            </a:custGeom>
+            <a:solidFill>
+              <a:srgbClr val="F48765"/>
+            </a:solidFill>
+            <a:ln>
+              <a:noFill/>
+            </a:ln>
+            <a:effectLst/>
+            <a:extLst>
+              <a:ext uri="{91240B29-F687-4f45-9708-019B960494DF}">
+                <a14:hiddenLine xmlns:a14="http://schemas.microsoft.com/office/drawing/2010/main" w="9525">
+                  <a:solidFill>
+                    <a:srgbClr val="000000"/>
+                  </a:solidFill>
+                  <a:miter lim="800000"/>
+                  <a:headEnd/>
+                  <a:tailEnd/>
+                </a14:hiddenLine>
+              </a:ext>
+              <a:ext uri="{AF507438-7753-43e0-B8FC-AC1667EBCBE1}">
+                <a14:hiddenEffects xmlns:a14="http://schemas.microsoft.com/office/drawing/2010/main">
+                  <a:effectLst>
+                    <a:outerShdw dist="35921" dir="2700000" algn="ctr" rotWithShape="0">
+                      <a:srgbClr val="808080"/>
+                    </a:outerShdw>
+                  </a:effectLst>
+                </a14:hiddenEffects>
+              </a:ext>
+            </a:extLst>
+          </p:spPr>
+          <p:txBody>
+            <a:bodyPr/>
+            <a:lstStyle/>
+            <a:p>
+              <a:endParaRPr lang="zh-CN" altLang="en-US"/>
+            </a:p>
+          </p:txBody>
+        </p:sp>
+        <p:sp>
+          <p:nvSpPr>
+            <p:cNvPr id="51" name="Freeform 267"/>
+            <p:cNvSpPr>
+              <a:spLocks noChangeArrowheads="1"/>
+            </p:cNvSpPr>
+            <p:nvPr/>
+          </p:nvSpPr>
+          <p:spPr bwMode="auto">
+            <a:xfrm>
+              <a:off x="922338" y="590550"/>
+              <a:ext cx="41275" cy="363538"/>
+            </a:xfrm>
+            <a:custGeom>
+              <a:avLst/>
+              <a:gdLst>
+                <a:gd name="T0" fmla="*/ 0 w 26"/>
+                <a:gd name="T1" fmla="*/ 2147483647 h 229"/>
+                <a:gd name="T2" fmla="*/ 2147483647 w 26"/>
+                <a:gd name="T3" fmla="*/ 0 h 229"/>
+                <a:gd name="T4" fmla="*/ 2147483647 w 26"/>
+                <a:gd name="T5" fmla="*/ 2147483647 h 229"/>
+                <a:gd name="T6" fmla="*/ 0 w 26"/>
+                <a:gd name="T7" fmla="*/ 2147483647 h 229"/>
+                <a:gd name="T8" fmla="*/ 0 w 26"/>
+                <a:gd name="T9" fmla="*/ 2147483647 h 229"/>
+                <a:gd name="T10" fmla="*/ 0 w 26"/>
+                <a:gd name="T11" fmla="*/ 2147483647 h 229"/>
+                <a:gd name="T12" fmla="*/ 0 60000 65536"/>
+                <a:gd name="T13" fmla="*/ 0 60000 65536"/>
+                <a:gd name="T14" fmla="*/ 0 60000 65536"/>
+                <a:gd name="T15" fmla="*/ 0 60000 65536"/>
+                <a:gd name="T16" fmla="*/ 0 60000 65536"/>
+                <a:gd name="T17" fmla="*/ 0 60000 65536"/>
+                <a:gd name="T18" fmla="*/ 0 w 26"/>
+                <a:gd name="T19" fmla="*/ 0 h 229"/>
+                <a:gd name="T20" fmla="*/ 26 w 26"/>
+                <a:gd name="T21" fmla="*/ 229 h 229"/>
+              </a:gdLst>
+              <a:ahLst/>
+              <a:cxnLst>
+                <a:cxn ang="T12">
+                  <a:pos x="T0" y="T1"/>
+                </a:cxn>
+                <a:cxn ang="T13">
+                  <a:pos x="T2" y="T3"/>
+                </a:cxn>
+                <a:cxn ang="T14">
+                  <a:pos x="T4" y="T5"/>
+                </a:cxn>
+                <a:cxn ang="T15">
+                  <a:pos x="T6" y="T7"/>
+                </a:cxn>
+                <a:cxn ang="T16">
+                  <a:pos x="T8" y="T9"/>
+                </a:cxn>
+                <a:cxn ang="T17">
+                  <a:pos x="T10" y="T11"/>
+                </a:cxn>
+              </a:cxnLst>
+              <a:rect l="T18" t="T19" r="T20" b="T21"/>
+              <a:pathLst>
+                <a:path w="26" h="229">
+                  <a:moveTo>
+                    <a:pt x="0" y="11"/>
+                  </a:moveTo>
+                  <a:lnTo>
+                    <a:pt x="26" y="0"/>
+                  </a:lnTo>
+                  <a:lnTo>
+                    <a:pt x="26" y="219"/>
+                  </a:lnTo>
+                  <a:lnTo>
+                    <a:pt x="0" y="229"/>
+                  </a:lnTo>
+                  <a:lnTo>
+                    <a:pt x="0" y="11"/>
+                  </a:lnTo>
+                  <a:close/>
+                </a:path>
+              </a:pathLst>
+            </a:custGeom>
+            <a:solidFill>
+              <a:srgbClr val="C44721"/>
+            </a:solidFill>
+            <a:ln>
+              <a:noFill/>
+            </a:ln>
+            <a:effectLst/>
+            <a:extLst>
+              <a:ext uri="{91240B29-F687-4f45-9708-019B960494DF}">
+                <a14:hiddenLine xmlns:a14="http://schemas.microsoft.com/office/drawing/2010/main" w="9525">
+                  <a:solidFill>
+                    <a:srgbClr val="000000"/>
+                  </a:solidFill>
+                  <a:miter lim="800000"/>
+                  <a:headEnd/>
+                  <a:tailEnd/>
+                </a14:hiddenLine>
+              </a:ext>
+              <a:ext uri="{AF507438-7753-43e0-B8FC-AC1667EBCBE1}">
+                <a14:hiddenEffects xmlns:a14="http://schemas.microsoft.com/office/drawing/2010/main">
+                  <a:effectLst>
+                    <a:outerShdw dist="35921" dir="2700000" algn="ctr" rotWithShape="0">
+                      <a:srgbClr val="808080"/>
+                    </a:outerShdw>
+                  </a:effectLst>
+                </a14:hiddenEffects>
+              </a:ext>
+            </a:extLst>
+          </p:spPr>
+          <p:txBody>
+            <a:bodyPr/>
+            <a:lstStyle/>
+            <a:p>
+              <a:endParaRPr lang="zh-CN" altLang="en-US"/>
+            </a:p>
+          </p:txBody>
+        </p:sp>
+        <p:sp>
+          <p:nvSpPr>
+            <p:cNvPr id="52" name="Freeform 268"/>
+            <p:cNvSpPr>
+              <a:spLocks noChangeArrowheads="1"/>
+            </p:cNvSpPr>
+            <p:nvPr/>
+          </p:nvSpPr>
+          <p:spPr bwMode="auto">
+            <a:xfrm>
+              <a:off x="835025" y="608013"/>
+              <a:ext cx="87313" cy="346075"/>
+            </a:xfrm>
+            <a:custGeom>
+              <a:avLst/>
+              <a:gdLst>
+                <a:gd name="T0" fmla="*/ 0 w 55"/>
+                <a:gd name="T1" fmla="*/ 0 h 218"/>
+                <a:gd name="T2" fmla="*/ 2147483647 w 55"/>
+                <a:gd name="T3" fmla="*/ 0 h 218"/>
+                <a:gd name="T4" fmla="*/ 2147483647 w 55"/>
+                <a:gd name="T5" fmla="*/ 2147483647 h 218"/>
+                <a:gd name="T6" fmla="*/ 0 w 55"/>
+                <a:gd name="T7" fmla="*/ 2147483647 h 218"/>
+                <a:gd name="T8" fmla="*/ 0 w 55"/>
+                <a:gd name="T9" fmla="*/ 0 h 218"/>
+                <a:gd name="T10" fmla="*/ 0 w 55"/>
+                <a:gd name="T11" fmla="*/ 0 h 218"/>
+                <a:gd name="T12" fmla="*/ 0 60000 65536"/>
+                <a:gd name="T13" fmla="*/ 0 60000 65536"/>
+                <a:gd name="T14" fmla="*/ 0 60000 65536"/>
+                <a:gd name="T15" fmla="*/ 0 60000 65536"/>
+                <a:gd name="T16" fmla="*/ 0 60000 65536"/>
+                <a:gd name="T17" fmla="*/ 0 60000 65536"/>
+                <a:gd name="T18" fmla="*/ 0 w 55"/>
+                <a:gd name="T19" fmla="*/ 0 h 218"/>
+                <a:gd name="T20" fmla="*/ 55 w 55"/>
+                <a:gd name="T21" fmla="*/ 218 h 218"/>
+              </a:gdLst>
+              <a:ahLst/>
+              <a:cxnLst>
+                <a:cxn ang="T12">
+                  <a:pos x="T0" y="T1"/>
+                </a:cxn>
+                <a:cxn ang="T13">
+                  <a:pos x="T2" y="T3"/>
+                </a:cxn>
+                <a:cxn ang="T14">
+                  <a:pos x="T4" y="T5"/>
+                </a:cxn>
+                <a:cxn ang="T15">
+                  <a:pos x="T6" y="T7"/>
+                </a:cxn>
+                <a:cxn ang="T16">
+                  <a:pos x="T8" y="T9"/>
+                </a:cxn>
+                <a:cxn ang="T17">
+                  <a:pos x="T10" y="T11"/>
+                </a:cxn>
+              </a:cxnLst>
+              <a:rect l="T18" t="T19" r="T20" b="T21"/>
+              <a:pathLst>
+                <a:path w="55" h="218">
+                  <a:moveTo>
+                    <a:pt x="0" y="0"/>
+                  </a:moveTo>
+                  <a:lnTo>
+                    <a:pt x="55" y="0"/>
+                  </a:lnTo>
+                  <a:lnTo>
+                    <a:pt x="55" y="218"/>
+                  </a:lnTo>
+                  <a:lnTo>
+                    <a:pt x="0" y="218"/>
+                  </a:lnTo>
+                  <a:lnTo>
+                    <a:pt x="0" y="0"/>
+                  </a:lnTo>
+                  <a:close/>
+                </a:path>
+              </a:pathLst>
+            </a:custGeom>
+            <a:solidFill>
+              <a:srgbClr val="F26B41"/>
+            </a:solidFill>
+            <a:ln>
+              <a:noFill/>
+            </a:ln>
+            <a:effectLst/>
+            <a:extLst>
+              <a:ext uri="{91240B29-F687-4f45-9708-019B960494DF}">
+                <a14:hiddenLine xmlns:a14="http://schemas.microsoft.com/office/drawing/2010/main" w="9525">
+                  <a:solidFill>
+                    <a:srgbClr val="000000"/>
+                  </a:solidFill>
+                  <a:miter lim="800000"/>
+                  <a:headEnd/>
+                  <a:tailEnd/>
+                </a14:hiddenLine>
+              </a:ext>
+              <a:ext uri="{AF507438-7753-43e0-B8FC-AC1667EBCBE1}">
+                <a14:hiddenEffects xmlns:a14="http://schemas.microsoft.com/office/drawing/2010/main">
+                  <a:effectLst>
+                    <a:outerShdw dist="35921" dir="2700000" algn="ctr" rotWithShape="0">
+                      <a:srgbClr val="808080"/>
+                    </a:outerShdw>
+                  </a:effectLst>
+                </a14:hiddenEffects>
+              </a:ext>
+            </a:extLst>
+          </p:spPr>
+          <p:txBody>
+            <a:bodyPr/>
+            <a:lstStyle/>
+            <a:p>
+              <a:endParaRPr lang="zh-CN" altLang="en-US"/>
+            </a:p>
+          </p:txBody>
+        </p:sp>
+      </p:grpSp>
+      <p:pic>
+        <p:nvPicPr>
+          <p:cNvPr id="53" name="组合 11"/>
+          <p:cNvPicPr>
+            <a:picLocks noChangeArrowheads="1"/>
+          </p:cNvPicPr>
+          <p:nvPr/>
+        </p:nvPicPr>
+        <p:blipFill>
+          <a:blip r:embed="rId6">
+            <a:biLevel thresh="50000"/>
+            <a:extLst>
+              <a:ext uri="{28A0092B-C50C-407E-A947-70E740481C1C}">
+                <a14:useLocalDpi xmlns:a14="http://schemas.microsoft.com/office/drawing/2010/main" val="0"/>
+              </a:ext>
+            </a:extLst>
+          </a:blip>
+          <a:srcRect/>
+          <a:stretch>
+            <a:fillRect/>
+          </a:stretch>
+        </p:blipFill>
+        <p:spPr bwMode="auto">
+          <a:xfrm>
+            <a:off x="1103445" y="3450167"/>
+            <a:ext cx="576064" cy="650908"/>
+          </a:xfrm>
+          <a:prstGeom prst="rect">
+            <a:avLst/>
+          </a:prstGeom>
+          <a:noFill/>
+          <a:ln w="9525">
+            <a:solidFill>
+              <a:srgbClr val="000000"/>
+            </a:solidFill>
+            <a:miter lim="800000"/>
+            <a:headEnd/>
+            <a:tailEnd/>
+          </a:ln>
+          <a:extLst>
+            <a:ext uri="{909E8E84-426E-40dd-AFC4-6F175D3DCCD1}">
+              <a14:hiddenFill xmlns:a14="http://schemas.microsoft.com/office/drawing/2010/main">
+                <a:solidFill>
+                  <a:srgbClr val="FFFFFF"/>
+                </a:solidFill>
+              </a14:hiddenFill>
+            </a:ext>
+          </a:extLst>
+        </p:spPr>
+      </p:pic>
+      <p:pic>
+        <p:nvPicPr>
+          <p:cNvPr id="54" name="图片 6" descr="ffpic13051631454014.png"/>
+          <p:cNvPicPr>
+            <a:picLocks noChangeAspect="1" noChangeArrowheads="1"/>
+          </p:cNvPicPr>
+          <p:nvPr/>
+        </p:nvPicPr>
+        <p:blipFill>
+          <a:blip r:embed="rId7">
+            <a:extLst>
+              <a:ext uri="{28A0092B-C50C-407E-A947-70E740481C1C}">
+                <a14:useLocalDpi xmlns:a14="http://schemas.microsoft.com/office/drawing/2010/main" val="0"/>
+              </a:ext>
+            </a:extLst>
+          </a:blip>
+          <a:srcRect/>
+          <a:stretch>
+            <a:fillRect/>
+          </a:stretch>
+        </p:blipFill>
+        <p:spPr bwMode="auto">
+          <a:xfrm>
+            <a:off x="5615947" y="3332990"/>
+            <a:ext cx="675084" cy="665228"/>
+          </a:xfrm>
+          <a:prstGeom prst="rect">
+            <a:avLst/>
+          </a:prstGeom>
+          <a:noFill/>
+          <a:ln>
+            <a:noFill/>
+          </a:ln>
+          <a:extLst>
+            <a:ext uri="{909E8E84-426E-40dd-AFC4-6F175D3DCCD1}">
+              <a14:hiddenFill xmlns:a14="http://schemas.microsoft.com/office/drawing/2010/main">
+                <a:solidFill>
+                  <a:srgbClr val="FFFFFF"/>
+                </a:solidFill>
+              </a14:hiddenFill>
+            </a:ext>
+            <a:ext uri="{91240B29-F687-4f45-9708-019B960494DF}">
+              <a14:hiddenLine xmlns:a14="http://schemas.microsoft.com/office/drawing/2010/main" w="9525">
+                <a:solidFill>
+                  <a:srgbClr val="000000"/>
+                </a:solidFill>
+                <a:miter lim="800000"/>
+                <a:headEnd/>
+                <a:tailEnd/>
+              </a14:hiddenLine>
+            </a:ext>
+          </a:extLst>
+        </p:spPr>
+      </p:pic>
+      <p:sp>
+        <p:nvSpPr>
+          <p:cNvPr id="3" name="文本框 2"/>
+          <p:cNvSpPr txBox="1"/>
+          <p:nvPr/>
+        </p:nvSpPr>
+        <p:spPr>
+          <a:xfrm>
+            <a:off x="848784" y="1258954"/>
+            <a:ext cx="2429421" cy="646331"/>
+          </a:xfrm>
+          <a:prstGeom prst="rect">
+            <a:avLst/>
+          </a:prstGeom>
+          <a:noFill/>
+        </p:spPr>
+        <p:txBody>
+          <a:bodyPr wrap="none" rtlCol="0">
+            <a:spAutoFit/>
+          </a:bodyPr>
+          <a:lstStyle/>
+          <a:p>
+            <a:r>
+              <a:rPr lang="en-US" altLang="zh-CN" dirty="0"/>
+              <a:t>Cohort study(longitude)</a:t>
+            </a:r>
+            <a:r>
+              <a:rPr lang="zh-CN" altLang="en-US" dirty="0"/>
               <a:t> </a:t>
             </a:r>
-            <a:r>
-              <a:rPr lang="en-US" altLang="zh-CN" dirty="0" smtClean="0"/>
-              <a:t>years---type</a:t>
-            </a:r>
-            <a:r>
-              <a:rPr lang="zh-CN" altLang="en-US" dirty="0" smtClean="0"/>
-              <a:t> </a:t>
-            </a:r>
-            <a:r>
-              <a:rPr lang="en-US" altLang="zh-CN" dirty="0" smtClean="0"/>
-              <a:t>2</a:t>
-            </a:r>
-            <a:r>
-              <a:rPr lang="zh-CN" altLang="en-US" dirty="0" smtClean="0"/>
-              <a:t> </a:t>
-            </a:r>
-            <a:r>
-              <a:rPr lang="en-US" altLang="zh-CN" dirty="0" smtClean="0"/>
-              <a:t>diabetes—data analysis-- conclusion</a:t>
-            </a:r>
-            <a:endParaRPr lang="en-US" dirty="0"/>
+            <a:endParaRPr lang="en-US" altLang="zh-CN" dirty="0"/>
+          </a:p>
+          <a:p>
+            <a:endParaRPr kumimoji="1" lang="zh-CN" altLang="en-US" dirty="0"/>
           </a:p>
         </p:txBody>
       </p:sp>
     </p:spTree>
     <p:extLst>
       <p:ext uri="{BB962C8B-B14F-4D97-AF65-F5344CB8AC3E}">
-        <p14:creationId xmlns:p14="http://schemas.microsoft.com/office/powerpoint/2010/main" val="3367604361"/>
+        <p14:creationId xmlns:p14="http://schemas.microsoft.com/office/powerpoint/2010/main" val="3909823853"/>
       </p:ext>
     </p:extLst>
   </p:cSld>
   <p:clrMapOvr>
     <a:masterClrMapping/>
   </p:clrMapOvr>
+  <p:transition xmlns:p14="http://schemas.microsoft.com/office/powerpoint/2010/main">
+    <p:dissolve/>
+  </p:transition>
 </p:sld>
 </file>
 
@@ -6528,25 +10621,600 @@
           </a:p>
         </p:txBody>
       </p:sp>
-      <p:sp>
-        <p:nvSpPr>
-          <p:cNvPr id="4" name="内容占位符 3"/>
-          <p:cNvSpPr>
-            <a:spLocks noGrp="1"/>
-          </p:cNvSpPr>
-          <p:nvPr>
-            <p:ph idx="1"/>
-          </p:nvPr>
-        </p:nvSpPr>
-        <p:spPr/>
-        <p:txBody>
-          <a:bodyPr/>
-          <a:lstStyle/>
-          <a:p>
-            <a:endParaRPr kumimoji="1" lang="zh-CN" altLang="en-US"/>
-          </a:p>
-        </p:txBody>
-      </p:sp>
+      <p:pic>
+        <p:nvPicPr>
+          <p:cNvPr id="6" name="组合 11"/>
+          <p:cNvPicPr>
+            <a:picLocks noChangeArrowheads="1"/>
+          </p:cNvPicPr>
+          <p:nvPr/>
+        </p:nvPicPr>
+        <p:blipFill>
+          <a:blip r:embed="rId3">
+            <a:extLst>
+              <a:ext uri="{28A0092B-C50C-407E-A947-70E740481C1C}">
+                <a14:useLocalDpi xmlns:a14="http://schemas.microsoft.com/office/drawing/2010/main" val="0"/>
+              </a:ext>
+            </a:extLst>
+          </a:blip>
+          <a:srcRect/>
+          <a:stretch>
+            <a:fillRect/>
+          </a:stretch>
+        </p:blipFill>
+        <p:spPr bwMode="auto">
+          <a:xfrm>
+            <a:off x="1568576" y="2436417"/>
+            <a:ext cx="377952" cy="896112"/>
+          </a:xfrm>
+          <a:prstGeom prst="rect">
+            <a:avLst/>
+          </a:prstGeom>
+          <a:noFill/>
+          <a:ln>
+            <a:noFill/>
+          </a:ln>
+          <a:extLst>
+            <a:ext uri="{909E8E84-426E-40dd-AFC4-6F175D3DCCD1}">
+              <a14:hiddenFill xmlns:a14="http://schemas.microsoft.com/office/drawing/2010/main">
+                <a:solidFill>
+                  <a:srgbClr val="FFFFFF"/>
+                </a:solidFill>
+              </a14:hiddenFill>
+            </a:ext>
+            <a:ext uri="{91240B29-F687-4f45-9708-019B960494DF}">
+              <a14:hiddenLine xmlns:a14="http://schemas.microsoft.com/office/drawing/2010/main" w="9525">
+                <a:solidFill>
+                  <a:srgbClr val="000000"/>
+                </a:solidFill>
+                <a:miter lim="800000"/>
+                <a:headEnd/>
+                <a:tailEnd/>
+              </a14:hiddenLine>
+            </a:ext>
+          </a:extLst>
+        </p:spPr>
+      </p:pic>
+      <p:pic>
+        <p:nvPicPr>
+          <p:cNvPr id="8" name="组合 11"/>
+          <p:cNvPicPr>
+            <a:picLocks noChangeArrowheads="1"/>
+          </p:cNvPicPr>
+          <p:nvPr/>
+        </p:nvPicPr>
+        <p:blipFill>
+          <a:blip r:embed="rId3">
+            <a:extLst>
+              <a:ext uri="{28A0092B-C50C-407E-A947-70E740481C1C}">
+                <a14:useLocalDpi xmlns:a14="http://schemas.microsoft.com/office/drawing/2010/main" val="0"/>
+              </a:ext>
+            </a:extLst>
+          </a:blip>
+          <a:srcRect/>
+          <a:stretch>
+            <a:fillRect/>
+          </a:stretch>
+        </p:blipFill>
+        <p:spPr bwMode="auto">
+          <a:xfrm>
+            <a:off x="1929695" y="1997505"/>
+            <a:ext cx="377952" cy="896112"/>
+          </a:xfrm>
+          <a:prstGeom prst="rect">
+            <a:avLst/>
+          </a:prstGeom>
+          <a:noFill/>
+          <a:ln>
+            <a:noFill/>
+          </a:ln>
+          <a:extLst>
+            <a:ext uri="{909E8E84-426E-40dd-AFC4-6F175D3DCCD1}">
+              <a14:hiddenFill xmlns:a14="http://schemas.microsoft.com/office/drawing/2010/main">
+                <a:solidFill>
+                  <a:srgbClr val="FFFFFF"/>
+                </a:solidFill>
+              </a14:hiddenFill>
+            </a:ext>
+            <a:ext uri="{91240B29-F687-4f45-9708-019B960494DF}">
+              <a14:hiddenLine xmlns:a14="http://schemas.microsoft.com/office/drawing/2010/main" w="9525">
+                <a:solidFill>
+                  <a:srgbClr val="000000"/>
+                </a:solidFill>
+                <a:miter lim="800000"/>
+                <a:headEnd/>
+                <a:tailEnd/>
+              </a14:hiddenLine>
+            </a:ext>
+          </a:extLst>
+        </p:spPr>
+      </p:pic>
+      <p:pic>
+        <p:nvPicPr>
+          <p:cNvPr id="9" name="组合 11"/>
+          <p:cNvPicPr>
+            <a:picLocks noChangeArrowheads="1"/>
+          </p:cNvPicPr>
+          <p:nvPr/>
+        </p:nvPicPr>
+        <p:blipFill>
+          <a:blip r:embed="rId3">
+            <a:extLst>
+              <a:ext uri="{28A0092B-C50C-407E-A947-70E740481C1C}">
+                <a14:useLocalDpi xmlns:a14="http://schemas.microsoft.com/office/drawing/2010/main" val="0"/>
+              </a:ext>
+            </a:extLst>
+          </a:blip>
+          <a:srcRect/>
+          <a:stretch>
+            <a:fillRect/>
+          </a:stretch>
+        </p:blipFill>
+        <p:spPr bwMode="auto">
+          <a:xfrm>
+            <a:off x="2063571" y="3325688"/>
+            <a:ext cx="377952" cy="896112"/>
+          </a:xfrm>
+          <a:prstGeom prst="rect">
+            <a:avLst/>
+          </a:prstGeom>
+          <a:noFill/>
+          <a:ln>
+            <a:noFill/>
+          </a:ln>
+          <a:extLst>
+            <a:ext uri="{909E8E84-426E-40dd-AFC4-6F175D3DCCD1}">
+              <a14:hiddenFill xmlns:a14="http://schemas.microsoft.com/office/drawing/2010/main">
+                <a:solidFill>
+                  <a:srgbClr val="FFFFFF"/>
+                </a:solidFill>
+              </a14:hiddenFill>
+            </a:ext>
+            <a:ext uri="{91240B29-F687-4f45-9708-019B960494DF}">
+              <a14:hiddenLine xmlns:a14="http://schemas.microsoft.com/office/drawing/2010/main" w="9525">
+                <a:solidFill>
+                  <a:srgbClr val="000000"/>
+                </a:solidFill>
+                <a:miter lim="800000"/>
+                <a:headEnd/>
+                <a:tailEnd/>
+              </a14:hiddenLine>
+            </a:ext>
+          </a:extLst>
+        </p:spPr>
+      </p:pic>
+      <p:pic>
+        <p:nvPicPr>
+          <p:cNvPr id="10" name="组合 11"/>
+          <p:cNvPicPr>
+            <a:picLocks noChangeArrowheads="1"/>
+          </p:cNvPicPr>
+          <p:nvPr/>
+        </p:nvPicPr>
+        <p:blipFill>
+          <a:blip r:embed="rId3">
+            <a:extLst>
+              <a:ext uri="{28A0092B-C50C-407E-A947-70E740481C1C}">
+                <a14:useLocalDpi xmlns:a14="http://schemas.microsoft.com/office/drawing/2010/main" val="0"/>
+              </a:ext>
+            </a:extLst>
+          </a:blip>
+          <a:srcRect/>
+          <a:stretch>
+            <a:fillRect/>
+          </a:stretch>
+        </p:blipFill>
+        <p:spPr bwMode="auto">
+          <a:xfrm>
+            <a:off x="2403728" y="2893617"/>
+            <a:ext cx="377952" cy="896112"/>
+          </a:xfrm>
+          <a:prstGeom prst="rect">
+            <a:avLst/>
+          </a:prstGeom>
+          <a:noFill/>
+          <a:ln>
+            <a:noFill/>
+          </a:ln>
+          <a:extLst>
+            <a:ext uri="{909E8E84-426E-40dd-AFC4-6F175D3DCCD1}">
+              <a14:hiddenFill xmlns:a14="http://schemas.microsoft.com/office/drawing/2010/main">
+                <a:solidFill>
+                  <a:srgbClr val="FFFFFF"/>
+                </a:solidFill>
+              </a14:hiddenFill>
+            </a:ext>
+            <a:ext uri="{91240B29-F687-4f45-9708-019B960494DF}">
+              <a14:hiddenLine xmlns:a14="http://schemas.microsoft.com/office/drawing/2010/main" w="9525">
+                <a:solidFill>
+                  <a:srgbClr val="000000"/>
+                </a:solidFill>
+                <a:miter lim="800000"/>
+                <a:headEnd/>
+                <a:tailEnd/>
+              </a14:hiddenLine>
+            </a:ext>
+          </a:extLst>
+        </p:spPr>
+      </p:pic>
+      <p:pic>
+        <p:nvPicPr>
+          <p:cNvPr id="11" name="组合 11"/>
+          <p:cNvPicPr>
+            <a:picLocks noChangeArrowheads="1"/>
+          </p:cNvPicPr>
+          <p:nvPr/>
+        </p:nvPicPr>
+        <p:blipFill>
+          <a:blip r:embed="rId3">
+            <a:extLst>
+              <a:ext uri="{28A0092B-C50C-407E-A947-70E740481C1C}">
+                <a14:useLocalDpi xmlns:a14="http://schemas.microsoft.com/office/drawing/2010/main" val="0"/>
+              </a:ext>
+            </a:extLst>
+          </a:blip>
+          <a:srcRect/>
+          <a:stretch>
+            <a:fillRect/>
+          </a:stretch>
+        </p:blipFill>
+        <p:spPr bwMode="auto">
+          <a:xfrm>
+            <a:off x="2435666" y="2293161"/>
+            <a:ext cx="377952" cy="896112"/>
+          </a:xfrm>
+          <a:prstGeom prst="rect">
+            <a:avLst/>
+          </a:prstGeom>
+          <a:noFill/>
+          <a:ln>
+            <a:noFill/>
+          </a:ln>
+          <a:extLst>
+            <a:ext uri="{909E8E84-426E-40dd-AFC4-6F175D3DCCD1}">
+              <a14:hiddenFill xmlns:a14="http://schemas.microsoft.com/office/drawing/2010/main">
+                <a:solidFill>
+                  <a:srgbClr val="FFFFFF"/>
+                </a:solidFill>
+              </a14:hiddenFill>
+            </a:ext>
+            <a:ext uri="{91240B29-F687-4f45-9708-019B960494DF}">
+              <a14:hiddenLine xmlns:a14="http://schemas.microsoft.com/office/drawing/2010/main" w="9525">
+                <a:solidFill>
+                  <a:srgbClr val="000000"/>
+                </a:solidFill>
+                <a:miter lim="800000"/>
+                <a:headEnd/>
+                <a:tailEnd/>
+              </a14:hiddenLine>
+            </a:ext>
+          </a:extLst>
+        </p:spPr>
+      </p:pic>
+      <p:pic>
+        <p:nvPicPr>
+          <p:cNvPr id="14" name="组合 11"/>
+          <p:cNvPicPr>
+            <a:picLocks noChangeArrowheads="1"/>
+          </p:cNvPicPr>
+          <p:nvPr/>
+        </p:nvPicPr>
+        <p:blipFill>
+          <a:blip r:embed="rId3">
+            <a:extLst>
+              <a:ext uri="{28A0092B-C50C-407E-A947-70E740481C1C}">
+                <a14:useLocalDpi xmlns:a14="http://schemas.microsoft.com/office/drawing/2010/main" val="0"/>
+              </a:ext>
+            </a:extLst>
+          </a:blip>
+          <a:srcRect/>
+          <a:stretch>
+            <a:fillRect/>
+          </a:stretch>
+        </p:blipFill>
+        <p:spPr bwMode="auto">
+          <a:xfrm>
+            <a:off x="1685619" y="3189273"/>
+            <a:ext cx="377952" cy="896112"/>
+          </a:xfrm>
+          <a:prstGeom prst="rect">
+            <a:avLst/>
+          </a:prstGeom>
+          <a:noFill/>
+          <a:ln>
+            <a:noFill/>
+          </a:ln>
+          <a:extLst>
+            <a:ext uri="{909E8E84-426E-40dd-AFC4-6F175D3DCCD1}">
+              <a14:hiddenFill xmlns:a14="http://schemas.microsoft.com/office/drawing/2010/main">
+                <a:solidFill>
+                  <a:srgbClr val="FFFFFF"/>
+                </a:solidFill>
+              </a14:hiddenFill>
+            </a:ext>
+            <a:ext uri="{91240B29-F687-4f45-9708-019B960494DF}">
+              <a14:hiddenLine xmlns:a14="http://schemas.microsoft.com/office/drawing/2010/main" w="9525">
+                <a:solidFill>
+                  <a:srgbClr val="000000"/>
+                </a:solidFill>
+                <a:miter lim="800000"/>
+                <a:headEnd/>
+                <a:tailEnd/>
+              </a14:hiddenLine>
+            </a:ext>
+          </a:extLst>
+        </p:spPr>
+      </p:pic>
+      <p:pic>
+        <p:nvPicPr>
+          <p:cNvPr id="15" name="组合 11"/>
+          <p:cNvPicPr>
+            <a:picLocks noChangeArrowheads="1"/>
+          </p:cNvPicPr>
+          <p:nvPr/>
+        </p:nvPicPr>
+        <p:blipFill>
+          <a:blip r:embed="rId3">
+            <a:extLst>
+              <a:ext uri="{28A0092B-C50C-407E-A947-70E740481C1C}">
+                <a14:useLocalDpi xmlns:a14="http://schemas.microsoft.com/office/drawing/2010/main" val="0"/>
+              </a:ext>
+            </a:extLst>
+          </a:blip>
+          <a:srcRect/>
+          <a:stretch>
+            <a:fillRect/>
+          </a:stretch>
+        </p:blipFill>
+        <p:spPr bwMode="auto">
+          <a:xfrm>
+            <a:off x="2025776" y="2741217"/>
+            <a:ext cx="377952" cy="896112"/>
+          </a:xfrm>
+          <a:prstGeom prst="rect">
+            <a:avLst/>
+          </a:prstGeom>
+          <a:noFill/>
+          <a:ln>
+            <a:noFill/>
+          </a:ln>
+          <a:extLst>
+            <a:ext uri="{909E8E84-426E-40dd-AFC4-6F175D3DCCD1}">
+              <a14:hiddenFill xmlns:a14="http://schemas.microsoft.com/office/drawing/2010/main">
+                <a:solidFill>
+                  <a:srgbClr val="FFFFFF"/>
+                </a:solidFill>
+              </a14:hiddenFill>
+            </a:ext>
+            <a:ext uri="{91240B29-F687-4f45-9708-019B960494DF}">
+              <a14:hiddenLine xmlns:a14="http://schemas.microsoft.com/office/drawing/2010/main" w="9525">
+                <a:solidFill>
+                  <a:srgbClr val="000000"/>
+                </a:solidFill>
+                <a:miter lim="800000"/>
+                <a:headEnd/>
+                <a:tailEnd/>
+              </a14:hiddenLine>
+            </a:ext>
+          </a:extLst>
+        </p:spPr>
+      </p:pic>
+      <p:pic>
+        <p:nvPicPr>
+          <p:cNvPr id="16" name="组合 11"/>
+          <p:cNvPicPr>
+            <a:picLocks noChangeArrowheads="1"/>
+          </p:cNvPicPr>
+          <p:nvPr/>
+        </p:nvPicPr>
+        <p:blipFill>
+          <a:blip r:embed="rId3">
+            <a:extLst>
+              <a:ext uri="{28A0092B-C50C-407E-A947-70E740481C1C}">
+                <a14:useLocalDpi xmlns:a14="http://schemas.microsoft.com/office/drawing/2010/main" val="0"/>
+              </a:ext>
+            </a:extLst>
+          </a:blip>
+          <a:srcRect/>
+          <a:stretch>
+            <a:fillRect/>
+          </a:stretch>
+        </p:blipFill>
+        <p:spPr bwMode="auto">
+          <a:xfrm>
+            <a:off x="5990802" y="3164754"/>
+            <a:ext cx="377952" cy="896112"/>
+          </a:xfrm>
+          <a:prstGeom prst="rect">
+            <a:avLst/>
+          </a:prstGeom>
+          <a:noFill/>
+          <a:ln>
+            <a:noFill/>
+          </a:ln>
+          <a:extLst>
+            <a:ext uri="{909E8E84-426E-40dd-AFC4-6F175D3DCCD1}">
+              <a14:hiddenFill xmlns:a14="http://schemas.microsoft.com/office/drawing/2010/main">
+                <a:solidFill>
+                  <a:srgbClr val="FFFFFF"/>
+                </a:solidFill>
+              </a14:hiddenFill>
+            </a:ext>
+            <a:ext uri="{91240B29-F687-4f45-9708-019B960494DF}">
+              <a14:hiddenLine xmlns:a14="http://schemas.microsoft.com/office/drawing/2010/main" w="9525">
+                <a:solidFill>
+                  <a:srgbClr val="000000"/>
+                </a:solidFill>
+                <a:miter lim="800000"/>
+                <a:headEnd/>
+                <a:tailEnd/>
+              </a14:hiddenLine>
+            </a:ext>
+          </a:extLst>
+        </p:spPr>
+      </p:pic>
+      <p:pic>
+        <p:nvPicPr>
+          <p:cNvPr id="17" name="组合 11"/>
+          <p:cNvPicPr>
+            <a:picLocks noChangeArrowheads="1"/>
+          </p:cNvPicPr>
+          <p:nvPr/>
+        </p:nvPicPr>
+        <p:blipFill>
+          <a:blip r:embed="rId3">
+            <a:extLst>
+              <a:ext uri="{28A0092B-C50C-407E-A947-70E740481C1C}">
+                <a14:useLocalDpi xmlns:a14="http://schemas.microsoft.com/office/drawing/2010/main" val="0"/>
+              </a:ext>
+            </a:extLst>
+          </a:blip>
+          <a:srcRect/>
+          <a:stretch>
+            <a:fillRect/>
+          </a:stretch>
+        </p:blipFill>
+        <p:spPr bwMode="auto">
+          <a:xfrm>
+            <a:off x="6359729" y="2459360"/>
+            <a:ext cx="377952" cy="896112"/>
+          </a:xfrm>
+          <a:prstGeom prst="rect">
+            <a:avLst/>
+          </a:prstGeom>
+          <a:noFill/>
+          <a:ln>
+            <a:noFill/>
+          </a:ln>
+          <a:extLst>
+            <a:ext uri="{909E8E84-426E-40dd-AFC4-6F175D3DCCD1}">
+              <a14:hiddenFill xmlns:a14="http://schemas.microsoft.com/office/drawing/2010/main">
+                <a:solidFill>
+                  <a:srgbClr val="FFFFFF"/>
+                </a:solidFill>
+              </a14:hiddenFill>
+            </a:ext>
+            <a:ext uri="{91240B29-F687-4f45-9708-019B960494DF}">
+              <a14:hiddenLine xmlns:a14="http://schemas.microsoft.com/office/drawing/2010/main" w="9525">
+                <a:solidFill>
+                  <a:srgbClr val="000000"/>
+                </a:solidFill>
+                <a:miter lim="800000"/>
+                <a:headEnd/>
+                <a:tailEnd/>
+              </a14:hiddenLine>
+            </a:ext>
+          </a:extLst>
+        </p:spPr>
+      </p:pic>
+      <p:pic>
+        <p:nvPicPr>
+          <p:cNvPr id="18" name="组合 11"/>
+          <p:cNvPicPr>
+            <a:picLocks noChangeArrowheads="1"/>
+          </p:cNvPicPr>
+          <p:nvPr/>
+        </p:nvPicPr>
+        <p:blipFill>
+          <a:blip r:embed="rId3">
+            <a:extLst>
+              <a:ext uri="{28A0092B-C50C-407E-A947-70E740481C1C}">
+                <a14:useLocalDpi xmlns:a14="http://schemas.microsoft.com/office/drawing/2010/main" val="0"/>
+              </a:ext>
+            </a:extLst>
+          </a:blip>
+          <a:srcRect/>
+          <a:stretch>
+            <a:fillRect/>
+          </a:stretch>
+        </p:blipFill>
+        <p:spPr bwMode="auto">
+          <a:xfrm>
+            <a:off x="5612850" y="2459360"/>
+            <a:ext cx="377952" cy="896112"/>
+          </a:xfrm>
+          <a:prstGeom prst="rect">
+            <a:avLst/>
+          </a:prstGeom>
+          <a:noFill/>
+          <a:ln>
+            <a:noFill/>
+          </a:ln>
+          <a:extLst>
+            <a:ext uri="{909E8E84-426E-40dd-AFC4-6F175D3DCCD1}">
+              <a14:hiddenFill xmlns:a14="http://schemas.microsoft.com/office/drawing/2010/main">
+                <a:solidFill>
+                  <a:srgbClr val="FFFFFF"/>
+                </a:solidFill>
+              </a14:hiddenFill>
+            </a:ext>
+            <a:ext uri="{91240B29-F687-4f45-9708-019B960494DF}">
+              <a14:hiddenLine xmlns:a14="http://schemas.microsoft.com/office/drawing/2010/main" w="9525">
+                <a:solidFill>
+                  <a:srgbClr val="000000"/>
+                </a:solidFill>
+                <a:miter lim="800000"/>
+                <a:headEnd/>
+                <a:tailEnd/>
+              </a14:hiddenLine>
+            </a:ext>
+          </a:extLst>
+        </p:spPr>
+      </p:pic>
+      <p:pic>
+        <p:nvPicPr>
+          <p:cNvPr id="19" name="组合 11"/>
+          <p:cNvPicPr>
+            <a:picLocks noChangeArrowheads="1"/>
+          </p:cNvPicPr>
+          <p:nvPr/>
+        </p:nvPicPr>
+        <p:blipFill>
+          <a:blip r:embed="rId3">
+            <a:extLst>
+              <a:ext uri="{28A0092B-C50C-407E-A947-70E740481C1C}">
+                <a14:useLocalDpi xmlns:a14="http://schemas.microsoft.com/office/drawing/2010/main" val="0"/>
+              </a:ext>
+            </a:extLst>
+          </a:blip>
+          <a:srcRect/>
+          <a:stretch>
+            <a:fillRect/>
+          </a:stretch>
+        </p:blipFill>
+        <p:spPr bwMode="auto">
+          <a:xfrm>
+            <a:off x="6035660" y="1765948"/>
+            <a:ext cx="377952" cy="896112"/>
+          </a:xfrm>
+          <a:prstGeom prst="rect">
+            <a:avLst/>
+          </a:prstGeom>
+          <a:noFill/>
+          <a:ln>
+            <a:noFill/>
+          </a:ln>
+          <a:extLst>
+            <a:ext uri="{909E8E84-426E-40dd-AFC4-6F175D3DCCD1}">
+              <a14:hiddenFill xmlns:a14="http://schemas.microsoft.com/office/drawing/2010/main">
+                <a:solidFill>
+                  <a:srgbClr val="FFFFFF"/>
+                </a:solidFill>
+              </a14:hiddenFill>
+            </a:ext>
+            <a:ext uri="{91240B29-F687-4f45-9708-019B960494DF}">
+              <a14:hiddenLine xmlns:a14="http://schemas.microsoft.com/office/drawing/2010/main" w="9525">
+                <a:solidFill>
+                  <a:srgbClr val="000000"/>
+                </a:solidFill>
+                <a:miter lim="800000"/>
+                <a:headEnd/>
+                <a:tailEnd/>
+              </a14:hiddenLine>
+            </a:ext>
+          </a:extLst>
+        </p:spPr>
+      </p:pic>
     </p:spTree>
     <p:extLst>
       <p:ext uri="{BB962C8B-B14F-4D97-AF65-F5344CB8AC3E}">
